--- a/Revue n2/Presentation du projet SFL2  (Julio) Revue 2.pptx
+++ b/Revue n2/Presentation du projet SFL2  (Julio) Revue 2.pptx
@@ -2,20 +2,24 @@
 <file path=ppt/presentation.xml><?xml version="1.0" encoding="utf-8"?>
 <p:presentation xmlns:a="http://schemas.openxmlformats.org/drawingml/2006/main" xmlns:r="http://schemas.openxmlformats.org/officeDocument/2006/relationships" xmlns:p="http://schemas.openxmlformats.org/presentationml/2006/main" autoCompressPictures="0">
   <p:sldMasterIdLst>
-    <p:sldMasterId id="2147483648" r:id="rId1"/>
+    <p:sldMasterId id="2147483648" r:id="rId6"/>
   </p:sldMasterIdLst>
   <p:sldIdLst>
-    <p:sldId id="256" r:id="rId2"/>
-    <p:sldId id="257" r:id="rId3"/>
-    <p:sldId id="264" r:id="rId4"/>
-    <p:sldId id="270" r:id="rId5"/>
-    <p:sldId id="263" r:id="rId6"/>
-    <p:sldId id="265" r:id="rId7"/>
-    <p:sldId id="266" r:id="rId8"/>
-    <p:sldId id="269" r:id="rId9"/>
-    <p:sldId id="260" r:id="rId10"/>
-    <p:sldId id="261" r:id="rId11"/>
-    <p:sldId id="267" r:id="rId12"/>
+    <p:sldId id="256" r:id="rId7"/>
+    <p:sldId id="257" r:id="rId8"/>
+    <p:sldId id="264" r:id="rId9"/>
+    <p:sldId id="267" r:id="rId10"/>
+    <p:sldId id="271" r:id="rId11"/>
+    <p:sldId id="272" r:id="rId12"/>
+    <p:sldId id="260" r:id="rId13"/>
+    <p:sldId id="269" r:id="rId14"/>
+    <p:sldId id="270" r:id="rId15"/>
+    <p:sldId id="263" r:id="rId16"/>
+    <p:sldId id="265" r:id="rId17"/>
+    <p:sldId id="266" r:id="rId18"/>
+    <p:sldId id="261" r:id="rId19"/>
+    <p:sldId id="274" r:id="rId20"/>
+    <p:sldId id="273" r:id="rId21"/>
   </p:sldIdLst>
   <p:sldSz cx="12192000" cy="6858000"/>
   <p:notesSz cx="6858000" cy="9144000"/>
@@ -410,7 +414,7 @@
             <a:fld id="{08B9EBBA-996F-894A-B54A-D6246ED52CEA}" type="datetimeFigureOut">
               <a:rPr lang="en-US" dirty="0"/>
               <a:pPr/>
-              <a:t>2/1/2019</a:t>
+              <a:t>2/5/2019</a:t>
             </a:fld>
             <a:endParaRPr lang="en-US" dirty="0"/>
           </a:p>
@@ -725,7 +729,7 @@
             <a:fld id="{18C79C5D-2A6F-F04D-97DA-BEF2467B64E4}" type="datetimeFigureOut">
               <a:rPr lang="en-US" dirty="0"/>
               <a:pPr/>
-              <a:t>2/1/2019</a:t>
+              <a:t>2/5/2019</a:t>
             </a:fld>
             <a:endParaRPr lang="en-US" dirty="0"/>
           </a:p>
@@ -1210,7 +1214,7 @@
             <a:fld id="{8DFA1846-DA80-1C48-A609-854EA85C59AD}" type="datetimeFigureOut">
               <a:rPr lang="en-US" dirty="0"/>
               <a:pPr/>
-              <a:t>2/1/2019</a:t>
+              <a:t>2/5/2019</a:t>
             </a:fld>
             <a:endParaRPr lang="en-US" dirty="0"/>
           </a:p>
@@ -1576,7 +1580,7 @@
             <a:fld id="{FBF54567-0DE4-3F47-BF90-CB84690072F9}" type="datetimeFigureOut">
               <a:rPr lang="en-US" dirty="0"/>
               <a:pPr/>
-              <a:t>2/1/2019</a:t>
+              <a:t>2/5/2019</a:t>
             </a:fld>
             <a:endParaRPr lang="en-US" dirty="0"/>
           </a:p>
@@ -1846,7 +1850,7 @@
             <a:fld id="{C6C52C72-DE31-F449-A4ED-4C594FD91407}" type="datetimeFigureOut">
               <a:rPr lang="en-US" dirty="0"/>
               <a:pPr/>
-              <a:t>2/1/2019</a:t>
+              <a:t>2/5/2019</a:t>
             </a:fld>
             <a:endParaRPr lang="en-US" dirty="0"/>
           </a:p>
@@ -2128,7 +2132,7 @@
             <a:fld id="{ED62726E-379B-B349-9EED-81ED093FA806}" type="datetimeFigureOut">
               <a:rPr lang="en-US" dirty="0"/>
               <a:pPr/>
-              <a:t>2/1/2019</a:t>
+              <a:t>2/5/2019</a:t>
             </a:fld>
             <a:endParaRPr lang="en-US" dirty="0"/>
           </a:p>
@@ -2408,7 +2412,7 @@
             <a:fld id="{9B3A1323-8D79-1946-B0D7-40001CF92E9D}" type="datetimeFigureOut">
               <a:rPr lang="en-US" dirty="0"/>
               <a:pPr/>
-              <a:t>2/1/2019</a:t>
+              <a:t>2/5/2019</a:t>
             </a:fld>
             <a:endParaRPr lang="en-US" dirty="0"/>
           </a:p>
@@ -2748,7 +2752,7 @@
             <a:fld id="{8DFA1846-DA80-1C48-A609-854EA85C59AD}" type="datetimeFigureOut">
               <a:rPr lang="en-US" dirty="0"/>
               <a:pPr/>
-              <a:t>2/1/2019</a:t>
+              <a:t>2/5/2019</a:t>
             </a:fld>
             <a:endParaRPr lang="en-US" dirty="0"/>
           </a:p>
@@ -3084,7 +3088,7 @@
             <a:fld id="{57302355-E14B-8545-A8F8-0FE83CC9D524}" type="datetimeFigureOut">
               <a:rPr lang="en-US" dirty="0"/>
               <a:pPr/>
-              <a:t>2/1/2019</a:t>
+              <a:t>2/5/2019</a:t>
             </a:fld>
             <a:endParaRPr lang="en-US" dirty="0"/>
           </a:p>
@@ -3558,7 +3562,7 @@
             <a:fld id="{02640F58-564D-2B4F-AE67-E407BA4FCF45}" type="datetimeFigureOut">
               <a:rPr lang="en-US" dirty="0"/>
               <a:pPr/>
-              <a:t>2/1/2019</a:t>
+              <a:t>2/5/2019</a:t>
             </a:fld>
             <a:endParaRPr lang="en-US" dirty="0"/>
           </a:p>
@@ -3776,7 +3780,7 @@
             <a:fld id="{F13A34C8-038E-2045-AF43-DF7DBB8E0E9E}" type="datetimeFigureOut">
               <a:rPr lang="en-US" dirty="0"/>
               <a:pPr/>
-              <a:t>2/1/2019</a:t>
+              <a:t>2/5/2019</a:t>
             </a:fld>
             <a:endParaRPr lang="en-US" dirty="0"/>
           </a:p>
@@ -3868,7 +3872,7 @@
             <a:fld id="{8818C68F-D26B-8F47-958C-23B49CF8A634}" type="datetimeFigureOut">
               <a:rPr lang="en-US" dirty="0"/>
               <a:pPr/>
-              <a:t>2/1/2019</a:t>
+              <a:t>2/5/2019</a:t>
             </a:fld>
             <a:endParaRPr lang="en-US" dirty="0"/>
           </a:p>
@@ -4332,7 +4336,7 @@
             <a:fld id="{D0DF5E60-9974-AC48-9591-99C2BB44B7CF}" type="datetimeFigureOut">
               <a:rPr lang="en-US" dirty="0"/>
               <a:pPr/>
-              <a:t>2/1/2019</a:t>
+              <a:t>2/5/2019</a:t>
             </a:fld>
             <a:endParaRPr lang="en-US" dirty="0"/>
           </a:p>
@@ -4642,7 +4646,7 @@
             <a:fld id="{18C79C5D-2A6F-F04D-97DA-BEF2467B64E4}" type="datetimeFigureOut">
               <a:rPr lang="en-US" dirty="0"/>
               <a:pPr/>
-              <a:t>2/1/2019</a:t>
+              <a:t>2/5/2019</a:t>
             </a:fld>
             <a:endParaRPr lang="en-US" dirty="0"/>
           </a:p>
@@ -4909,7 +4913,7 @@
             <a:fld id="{09B482E8-6E0E-1B4F-B1FD-C69DB9E858D9}" type="datetimeFigureOut">
               <a:rPr lang="en-US" dirty="0"/>
               <a:pPr/>
-              <a:t>2/1/2019</a:t>
+              <a:t>2/5/2019</a:t>
             </a:fld>
             <a:endParaRPr lang="en-US" dirty="0"/>
           </a:p>
@@ -5444,6 +5448,888 @@
 <file path=ppt/slides/slide10.xml><?xml version="1.0" encoding="utf-8"?>
 <p:sld xmlns:a="http://schemas.openxmlformats.org/drawingml/2006/main" xmlns:r="http://schemas.openxmlformats.org/officeDocument/2006/relationships" xmlns:p="http://schemas.openxmlformats.org/presentationml/2006/main">
   <p:cSld>
+    <p:bg>
+      <p:bgPr>
+        <a:solidFill>
+          <a:schemeClr val="bg2"/>
+        </a:solidFill>
+        <a:effectLst/>
+      </p:bgPr>
+    </p:bg>
+    <p:spTree>
+      <p:nvGrpSpPr>
+        <p:cNvPr id="1" name=""/>
+        <p:cNvGrpSpPr/>
+        <p:nvPr/>
+      </p:nvGrpSpPr>
+      <p:grpSpPr>
+        <a:xfrm>
+          <a:off x="0" y="0"/>
+          <a:ext cx="0" cy="0"/>
+          <a:chOff x="0" y="0"/>
+          <a:chExt cx="0" cy="0"/>
+        </a:xfrm>
+      </p:grpSpPr>
+      <p:sp>
+        <p:nvSpPr>
+          <p:cNvPr id="60" name="Freeform 6">
+            <a:extLst>
+              <a:ext uri="{FF2B5EF4-FFF2-40B4-BE49-F238E27FC236}">
+                <a16:creationId xmlns:a16="http://schemas.microsoft.com/office/drawing/2014/main" id="{E7597382-59B5-427B-9E49-55383F0A5561}"/>
+              </a:ext>
+              <a:ext uri="{C183D7F6-B498-43B3-948B-1728B52AA6E4}">
+                <adec:decorative xmlns:adec="http://schemas.microsoft.com/office/drawing/2017/decorative" val="1"/>
+              </a:ext>
+            </a:extLst>
+          </p:cNvPr>
+          <p:cNvSpPr>
+            <a:spLocks noGrp="1" noRot="1" noChangeAspect="1" noMove="1" noResize="1" noEditPoints="1" noAdjustHandles="1" noChangeArrowheads="1" noChangeShapeType="1" noTextEdit="1"/>
+          </p:cNvSpPr>
+          <p:nvPr>
+            <p:extLst>
+              <p:ext uri="{386F3935-93C4-4BCD-93E2-E3B085C9AB24}">
+                <p16:designElem xmlns:p16="http://schemas.microsoft.com/office/powerpoint/2015/main" val="1"/>
+              </p:ext>
+            </p:extLst>
+          </p:nvPr>
+        </p:nvSpPr>
+        <p:spPr bwMode="auto">
+          <a:xfrm>
+            <a:off x="0" y="-3175"/>
+            <a:ext cx="12192000" cy="6229804"/>
+          </a:xfrm>
+          <a:custGeom>
+            <a:avLst/>
+            <a:gdLst/>
+            <a:ahLst/>
+            <a:cxnLst/>
+            <a:rect l="0" t="0" r="r" b="b"/>
+            <a:pathLst>
+              <a:path w="5760" h="3278">
+                <a:moveTo>
+                  <a:pt x="5760" y="0"/>
+                </a:moveTo>
+                <a:lnTo>
+                  <a:pt x="0" y="0"/>
+                </a:lnTo>
+                <a:lnTo>
+                  <a:pt x="0" y="3090"/>
+                </a:lnTo>
+                <a:lnTo>
+                  <a:pt x="943" y="3090"/>
+                </a:lnTo>
+                <a:lnTo>
+                  <a:pt x="1123" y="3270"/>
+                </a:lnTo>
+                <a:lnTo>
+                  <a:pt x="1123" y="3270"/>
+                </a:lnTo>
+                <a:lnTo>
+                  <a:pt x="1127" y="3272"/>
+                </a:lnTo>
+                <a:lnTo>
+                  <a:pt x="1133" y="3275"/>
+                </a:lnTo>
+                <a:lnTo>
+                  <a:pt x="1139" y="3278"/>
+                </a:lnTo>
+                <a:lnTo>
+                  <a:pt x="1144" y="3278"/>
+                </a:lnTo>
+                <a:lnTo>
+                  <a:pt x="1150" y="3278"/>
+                </a:lnTo>
+                <a:lnTo>
+                  <a:pt x="1155" y="3275"/>
+                </a:lnTo>
+                <a:lnTo>
+                  <a:pt x="1161" y="3272"/>
+                </a:lnTo>
+                <a:lnTo>
+                  <a:pt x="1165" y="3270"/>
+                </a:lnTo>
+                <a:lnTo>
+                  <a:pt x="1345" y="3090"/>
+                </a:lnTo>
+                <a:lnTo>
+                  <a:pt x="5760" y="3090"/>
+                </a:lnTo>
+                <a:lnTo>
+                  <a:pt x="5760" y="0"/>
+                </a:lnTo>
+                <a:close/>
+              </a:path>
+            </a:pathLst>
+          </a:custGeom>
+          <a:ln>
+            <a:noFill/>
+          </a:ln>
+          <a:extLst>
+            <a:ext uri="{91240B29-F687-4f45-9708-019B960494DF}">
+              <a14:hiddenLine xmlns="" xmlns:a16="http://schemas.microsoft.com/office/drawing/2014/main" xmlns:p14="http://schemas.microsoft.com/office/powerpoint/2010/main" xmlns:a14="http://schemas.microsoft.com/office/drawing/2010/main" w="9525">
+                <a:solidFill>
+                  <a:srgbClr val="000000"/>
+                </a:solidFill>
+                <a:round/>
+                <a:headEnd/>
+                <a:tailEnd/>
+              </a14:hiddenLine>
+            </a:ext>
+          </a:extLst>
+        </p:spPr>
+        <p:style>
+          <a:lnRef idx="1">
+            <a:schemeClr val="accent1"/>
+          </a:lnRef>
+          <a:fillRef idx="3">
+            <a:schemeClr val="accent1"/>
+          </a:fillRef>
+          <a:effectRef idx="2">
+            <a:schemeClr val="accent1"/>
+          </a:effectRef>
+          <a:fontRef idx="minor">
+            <a:schemeClr val="lt1"/>
+          </a:fontRef>
+        </p:style>
+      </p:sp>
+      <p:sp>
+        <p:nvSpPr>
+          <p:cNvPr id="59" name="Rounded Rectangle 16">
+            <a:extLst>
+              <a:ext uri="{FF2B5EF4-FFF2-40B4-BE49-F238E27FC236}">
+                <a16:creationId xmlns:a16="http://schemas.microsoft.com/office/drawing/2014/main" id="{26471DC7-FA6E-40EF-A167-93BB0BCE16AD}"/>
+              </a:ext>
+              <a:ext uri="{C183D7F6-B498-43B3-948B-1728B52AA6E4}">
+                <adec:decorative xmlns:adec="http://schemas.microsoft.com/office/drawing/2017/decorative" val="1"/>
+              </a:ext>
+            </a:extLst>
+          </p:cNvPr>
+          <p:cNvSpPr>
+            <a:spLocks noGrp="1" noRot="1" noChangeAspect="1" noMove="1" noResize="1" noEditPoints="1" noAdjustHandles="1" noChangeArrowheads="1" noChangeShapeType="1" noTextEdit="1"/>
+          </p:cNvSpPr>
+          <p:nvPr>
+            <p:extLst>
+              <p:ext uri="{386F3935-93C4-4BCD-93E2-E3B085C9AB24}">
+                <p16:designElem xmlns:p16="http://schemas.microsoft.com/office/powerpoint/2015/main" val="1"/>
+              </p:ext>
+            </p:extLst>
+          </p:nvPr>
+        </p:nvSpPr>
+        <p:spPr>
+          <a:xfrm>
+            <a:off x="643468" y="643466"/>
+            <a:ext cx="10905066" cy="4592561"/>
+          </a:xfrm>
+          <a:prstGeom prst="roundRect">
+            <a:avLst>
+              <a:gd name="adj" fmla="val 3513"/>
+            </a:avLst>
+          </a:prstGeom>
+          <a:solidFill>
+            <a:schemeClr val="tx1"/>
+          </a:solidFill>
+          <a:ln>
+            <a:solidFill>
+              <a:schemeClr val="accent1">
+                <a:lumMod val="75000"/>
+              </a:schemeClr>
+            </a:solidFill>
+          </a:ln>
+          <a:effectLst/>
+        </p:spPr>
+        <p:style>
+          <a:lnRef idx="2">
+            <a:schemeClr val="accent1">
+              <a:shade val="50000"/>
+            </a:schemeClr>
+          </a:lnRef>
+          <a:fillRef idx="1">
+            <a:schemeClr val="accent1"/>
+          </a:fillRef>
+          <a:effectRef idx="0">
+            <a:schemeClr val="accent1"/>
+          </a:effectRef>
+          <a:fontRef idx="minor">
+            <a:schemeClr val="lt1"/>
+          </a:fontRef>
+        </p:style>
+        <p:txBody>
+          <a:bodyPr rtlCol="0" anchor="ctr"/>
+          <a:lstStyle/>
+          <a:p>
+            <a:pPr algn="ctr"/>
+            <a:endParaRPr lang="en-US"/>
+          </a:p>
+        </p:txBody>
+      </p:sp>
+      <p:sp>
+        <p:nvSpPr>
+          <p:cNvPr id="10" name="ZoneTexte 9">
+            <a:extLst>
+              <a:ext uri="{FF2B5EF4-FFF2-40B4-BE49-F238E27FC236}">
+                <a16:creationId xmlns:a16="http://schemas.microsoft.com/office/drawing/2014/main" id="{41AC9DED-FB16-4D5F-808F-CFAFF56BD818}"/>
+              </a:ext>
+            </a:extLst>
+          </p:cNvPr>
+          <p:cNvSpPr txBox="1"/>
+          <p:nvPr/>
+        </p:nvSpPr>
+        <p:spPr>
+          <a:xfrm>
+            <a:off x="897622" y="6352598"/>
+            <a:ext cx="3649211" cy="369332"/>
+          </a:xfrm>
+          <a:prstGeom prst="rect">
+            <a:avLst/>
+          </a:prstGeom>
+          <a:noFill/>
+        </p:spPr>
+        <p:txBody>
+          <a:bodyPr wrap="square" rtlCol="0">
+            <a:spAutoFit/>
+          </a:bodyPr>
+          <a:lstStyle/>
+          <a:p>
+            <a:r>
+              <a:rPr lang="fr-FR" dirty="0"/>
+              <a:t>Identification par QR code</a:t>
+            </a:r>
+          </a:p>
+        </p:txBody>
+      </p:sp>
+      <p:pic>
+        <p:nvPicPr>
+          <p:cNvPr id="5" name="Espace réservé du contenu 4">
+            <a:extLst>
+              <a:ext uri="{FF2B5EF4-FFF2-40B4-BE49-F238E27FC236}">
+                <a16:creationId xmlns:a16="http://schemas.microsoft.com/office/drawing/2014/main" id="{1F6800D5-2F1E-4A08-BDA8-2E4E910DFF7A}"/>
+              </a:ext>
+            </a:extLst>
+          </p:cNvPr>
+          <p:cNvPicPr>
+            <a:picLocks noGrp="1" noChangeAspect="1"/>
+          </p:cNvPicPr>
+          <p:nvPr>
+            <p:ph idx="1"/>
+          </p:nvPr>
+        </p:nvPicPr>
+        <p:blipFill>
+          <a:blip r:embed="rId2"/>
+          <a:stretch>
+            <a:fillRect/>
+          </a:stretch>
+        </p:blipFill>
+        <p:spPr>
+          <a:xfrm>
+            <a:off x="1060838" y="893882"/>
+            <a:ext cx="9818656" cy="4247286"/>
+          </a:xfrm>
+        </p:spPr>
+      </p:pic>
+    </p:spTree>
+    <p:extLst>
+      <p:ext uri="{BB962C8B-B14F-4D97-AF65-F5344CB8AC3E}">
+        <p14:creationId xmlns:p14="http://schemas.microsoft.com/office/powerpoint/2010/main" val="385290132"/>
+      </p:ext>
+    </p:extLst>
+  </p:cSld>
+  <p:clrMapOvr>
+    <a:masterClrMapping/>
+  </p:clrMapOvr>
+</p:sld>
+</file>
+
+<file path=ppt/slides/slide11.xml><?xml version="1.0" encoding="utf-8"?>
+<p:sld xmlns:a="http://schemas.openxmlformats.org/drawingml/2006/main" xmlns:r="http://schemas.openxmlformats.org/officeDocument/2006/relationships" xmlns:p="http://schemas.openxmlformats.org/presentationml/2006/main">
+  <p:cSld>
+    <p:bg>
+      <p:bgPr>
+        <a:solidFill>
+          <a:schemeClr val="bg2"/>
+        </a:solidFill>
+        <a:effectLst/>
+      </p:bgPr>
+    </p:bg>
+    <p:spTree>
+      <p:nvGrpSpPr>
+        <p:cNvPr id="1" name=""/>
+        <p:cNvGrpSpPr/>
+        <p:nvPr/>
+      </p:nvGrpSpPr>
+      <p:grpSpPr>
+        <a:xfrm>
+          <a:off x="0" y="0"/>
+          <a:ext cx="0" cy="0"/>
+          <a:chOff x="0" y="0"/>
+          <a:chExt cx="0" cy="0"/>
+        </a:xfrm>
+      </p:grpSpPr>
+      <p:sp>
+        <p:nvSpPr>
+          <p:cNvPr id="60" name="Freeform 6">
+            <a:extLst>
+              <a:ext uri="{FF2B5EF4-FFF2-40B4-BE49-F238E27FC236}">
+                <a16:creationId xmlns:a16="http://schemas.microsoft.com/office/drawing/2014/main" id="{E7597382-59B5-427B-9E49-55383F0A5561}"/>
+              </a:ext>
+              <a:ext uri="{C183D7F6-B498-43B3-948B-1728B52AA6E4}">
+                <adec:decorative xmlns:adec="http://schemas.microsoft.com/office/drawing/2017/decorative" val="1"/>
+              </a:ext>
+            </a:extLst>
+          </p:cNvPr>
+          <p:cNvSpPr>
+            <a:spLocks noGrp="1" noRot="1" noChangeAspect="1" noMove="1" noResize="1" noEditPoints="1" noAdjustHandles="1" noChangeArrowheads="1" noChangeShapeType="1" noTextEdit="1"/>
+          </p:cNvSpPr>
+          <p:nvPr>
+            <p:extLst>
+              <p:ext uri="{386F3935-93C4-4BCD-93E2-E3B085C9AB24}">
+                <p16:designElem xmlns:p16="http://schemas.microsoft.com/office/powerpoint/2015/main" val="1"/>
+              </p:ext>
+            </p:extLst>
+          </p:nvPr>
+        </p:nvSpPr>
+        <p:spPr bwMode="auto">
+          <a:xfrm>
+            <a:off x="0" y="-3175"/>
+            <a:ext cx="12192000" cy="6229804"/>
+          </a:xfrm>
+          <a:custGeom>
+            <a:avLst/>
+            <a:gdLst/>
+            <a:ahLst/>
+            <a:cxnLst/>
+            <a:rect l="0" t="0" r="r" b="b"/>
+            <a:pathLst>
+              <a:path w="5760" h="3278">
+                <a:moveTo>
+                  <a:pt x="5760" y="0"/>
+                </a:moveTo>
+                <a:lnTo>
+                  <a:pt x="0" y="0"/>
+                </a:lnTo>
+                <a:lnTo>
+                  <a:pt x="0" y="3090"/>
+                </a:lnTo>
+                <a:lnTo>
+                  <a:pt x="943" y="3090"/>
+                </a:lnTo>
+                <a:lnTo>
+                  <a:pt x="1123" y="3270"/>
+                </a:lnTo>
+                <a:lnTo>
+                  <a:pt x="1123" y="3270"/>
+                </a:lnTo>
+                <a:lnTo>
+                  <a:pt x="1127" y="3272"/>
+                </a:lnTo>
+                <a:lnTo>
+                  <a:pt x="1133" y="3275"/>
+                </a:lnTo>
+                <a:lnTo>
+                  <a:pt x="1139" y="3278"/>
+                </a:lnTo>
+                <a:lnTo>
+                  <a:pt x="1144" y="3278"/>
+                </a:lnTo>
+                <a:lnTo>
+                  <a:pt x="1150" y="3278"/>
+                </a:lnTo>
+                <a:lnTo>
+                  <a:pt x="1155" y="3275"/>
+                </a:lnTo>
+                <a:lnTo>
+                  <a:pt x="1161" y="3272"/>
+                </a:lnTo>
+                <a:lnTo>
+                  <a:pt x="1165" y="3270"/>
+                </a:lnTo>
+                <a:lnTo>
+                  <a:pt x="1345" y="3090"/>
+                </a:lnTo>
+                <a:lnTo>
+                  <a:pt x="5760" y="3090"/>
+                </a:lnTo>
+                <a:lnTo>
+                  <a:pt x="5760" y="0"/>
+                </a:lnTo>
+                <a:close/>
+              </a:path>
+            </a:pathLst>
+          </a:custGeom>
+          <a:ln>
+            <a:noFill/>
+          </a:ln>
+          <a:extLst>
+            <a:ext uri="{91240B29-F687-4f45-9708-019B960494DF}">
+              <a14:hiddenLine xmlns="" xmlns:a16="http://schemas.microsoft.com/office/drawing/2014/main" xmlns:p14="http://schemas.microsoft.com/office/powerpoint/2010/main" xmlns:a14="http://schemas.microsoft.com/office/drawing/2010/main" w="9525">
+                <a:solidFill>
+                  <a:srgbClr val="000000"/>
+                </a:solidFill>
+                <a:round/>
+                <a:headEnd/>
+                <a:tailEnd/>
+              </a14:hiddenLine>
+            </a:ext>
+          </a:extLst>
+        </p:spPr>
+        <p:style>
+          <a:lnRef idx="1">
+            <a:schemeClr val="accent1"/>
+          </a:lnRef>
+          <a:fillRef idx="3">
+            <a:schemeClr val="accent1"/>
+          </a:fillRef>
+          <a:effectRef idx="2">
+            <a:schemeClr val="accent1"/>
+          </a:effectRef>
+          <a:fontRef idx="minor">
+            <a:schemeClr val="lt1"/>
+          </a:fontRef>
+        </p:style>
+      </p:sp>
+      <p:sp>
+        <p:nvSpPr>
+          <p:cNvPr id="59" name="Rounded Rectangle 16">
+            <a:extLst>
+              <a:ext uri="{FF2B5EF4-FFF2-40B4-BE49-F238E27FC236}">
+                <a16:creationId xmlns:a16="http://schemas.microsoft.com/office/drawing/2014/main" id="{26471DC7-FA6E-40EF-A167-93BB0BCE16AD}"/>
+              </a:ext>
+              <a:ext uri="{C183D7F6-B498-43B3-948B-1728B52AA6E4}">
+                <adec:decorative xmlns:adec="http://schemas.microsoft.com/office/drawing/2017/decorative" val="1"/>
+              </a:ext>
+            </a:extLst>
+          </p:cNvPr>
+          <p:cNvSpPr>
+            <a:spLocks noGrp="1" noRot="1" noChangeAspect="1" noMove="1" noResize="1" noEditPoints="1" noAdjustHandles="1" noChangeArrowheads="1" noChangeShapeType="1" noTextEdit="1"/>
+          </p:cNvSpPr>
+          <p:nvPr>
+            <p:extLst>
+              <p:ext uri="{386F3935-93C4-4BCD-93E2-E3B085C9AB24}">
+                <p16:designElem xmlns:p16="http://schemas.microsoft.com/office/powerpoint/2015/main" val="1"/>
+              </p:ext>
+            </p:extLst>
+          </p:nvPr>
+        </p:nvSpPr>
+        <p:spPr>
+          <a:xfrm>
+            <a:off x="643468" y="643466"/>
+            <a:ext cx="10905066" cy="4592561"/>
+          </a:xfrm>
+          <a:prstGeom prst="roundRect">
+            <a:avLst>
+              <a:gd name="adj" fmla="val 3513"/>
+            </a:avLst>
+          </a:prstGeom>
+          <a:solidFill>
+            <a:schemeClr val="tx1"/>
+          </a:solidFill>
+          <a:ln>
+            <a:solidFill>
+              <a:schemeClr val="accent1">
+                <a:lumMod val="75000"/>
+              </a:schemeClr>
+            </a:solidFill>
+          </a:ln>
+          <a:effectLst/>
+        </p:spPr>
+        <p:style>
+          <a:lnRef idx="2">
+            <a:schemeClr val="accent1">
+              <a:shade val="50000"/>
+            </a:schemeClr>
+          </a:lnRef>
+          <a:fillRef idx="1">
+            <a:schemeClr val="accent1"/>
+          </a:fillRef>
+          <a:effectRef idx="0">
+            <a:schemeClr val="accent1"/>
+          </a:effectRef>
+          <a:fontRef idx="minor">
+            <a:schemeClr val="lt1"/>
+          </a:fontRef>
+        </p:style>
+        <p:txBody>
+          <a:bodyPr rtlCol="0" anchor="ctr"/>
+          <a:lstStyle/>
+          <a:p>
+            <a:pPr algn="ctr"/>
+            <a:endParaRPr lang="en-US"/>
+          </a:p>
+        </p:txBody>
+      </p:sp>
+      <p:sp>
+        <p:nvSpPr>
+          <p:cNvPr id="10" name="ZoneTexte 9">
+            <a:extLst>
+              <a:ext uri="{FF2B5EF4-FFF2-40B4-BE49-F238E27FC236}">
+                <a16:creationId xmlns:a16="http://schemas.microsoft.com/office/drawing/2014/main" id="{41AC9DED-FB16-4D5F-808F-CFAFF56BD818}"/>
+              </a:ext>
+            </a:extLst>
+          </p:cNvPr>
+          <p:cNvSpPr txBox="1"/>
+          <p:nvPr/>
+        </p:nvSpPr>
+        <p:spPr>
+          <a:xfrm>
+            <a:off x="860300" y="6292291"/>
+            <a:ext cx="3649211" cy="369332"/>
+          </a:xfrm>
+          <a:prstGeom prst="rect">
+            <a:avLst/>
+          </a:prstGeom>
+          <a:noFill/>
+        </p:spPr>
+        <p:txBody>
+          <a:bodyPr wrap="square" rtlCol="0">
+            <a:spAutoFit/>
+          </a:bodyPr>
+          <a:lstStyle/>
+          <a:p>
+            <a:r>
+              <a:rPr lang="fr-FR" dirty="0"/>
+              <a:t>Emprunter par NFC</a:t>
+            </a:r>
+          </a:p>
+        </p:txBody>
+      </p:sp>
+      <p:pic>
+        <p:nvPicPr>
+          <p:cNvPr id="9" name="Espace réservé du contenu 8">
+            <a:extLst>
+              <a:ext uri="{FF2B5EF4-FFF2-40B4-BE49-F238E27FC236}">
+                <a16:creationId xmlns:a16="http://schemas.microsoft.com/office/drawing/2014/main" id="{703D726A-6292-48DB-8C7D-70EFB8FC9A83}"/>
+              </a:ext>
+            </a:extLst>
+          </p:cNvPr>
+          <p:cNvPicPr>
+            <a:picLocks noGrp="1" noChangeAspect="1"/>
+          </p:cNvPicPr>
+          <p:nvPr>
+            <p:ph idx="1"/>
+          </p:nvPr>
+        </p:nvPicPr>
+        <p:blipFill>
+          <a:blip r:embed="rId2"/>
+          <a:stretch>
+            <a:fillRect/>
+          </a:stretch>
+        </p:blipFill>
+        <p:spPr>
+          <a:xfrm>
+            <a:off x="1091683" y="709128"/>
+            <a:ext cx="9955762" cy="4049100"/>
+          </a:xfrm>
+        </p:spPr>
+      </p:pic>
+    </p:spTree>
+    <p:extLst>
+      <p:ext uri="{BB962C8B-B14F-4D97-AF65-F5344CB8AC3E}">
+        <p14:creationId xmlns:p14="http://schemas.microsoft.com/office/powerpoint/2010/main" val="3490439325"/>
+      </p:ext>
+    </p:extLst>
+  </p:cSld>
+  <p:clrMapOvr>
+    <a:masterClrMapping/>
+  </p:clrMapOvr>
+</p:sld>
+</file>
+
+<file path=ppt/slides/slide12.xml><?xml version="1.0" encoding="utf-8"?>
+<p:sld xmlns:a="http://schemas.openxmlformats.org/drawingml/2006/main" xmlns:r="http://schemas.openxmlformats.org/officeDocument/2006/relationships" xmlns:p="http://schemas.openxmlformats.org/presentationml/2006/main">
+  <p:cSld>
+    <p:bg>
+      <p:bgPr>
+        <a:solidFill>
+          <a:schemeClr val="bg2"/>
+        </a:solidFill>
+        <a:effectLst/>
+      </p:bgPr>
+    </p:bg>
+    <p:spTree>
+      <p:nvGrpSpPr>
+        <p:cNvPr id="1" name=""/>
+        <p:cNvGrpSpPr/>
+        <p:nvPr/>
+      </p:nvGrpSpPr>
+      <p:grpSpPr>
+        <a:xfrm>
+          <a:off x="0" y="0"/>
+          <a:ext cx="0" cy="0"/>
+          <a:chOff x="0" y="0"/>
+          <a:chExt cx="0" cy="0"/>
+        </a:xfrm>
+      </p:grpSpPr>
+      <p:sp>
+        <p:nvSpPr>
+          <p:cNvPr id="60" name="Freeform 6">
+            <a:extLst>
+              <a:ext uri="{FF2B5EF4-FFF2-40B4-BE49-F238E27FC236}">
+                <a16:creationId xmlns:a16="http://schemas.microsoft.com/office/drawing/2014/main" id="{E7597382-59B5-427B-9E49-55383F0A5561}"/>
+              </a:ext>
+              <a:ext uri="{C183D7F6-B498-43B3-948B-1728B52AA6E4}">
+                <adec:decorative xmlns:adec="http://schemas.microsoft.com/office/drawing/2017/decorative" val="1"/>
+              </a:ext>
+            </a:extLst>
+          </p:cNvPr>
+          <p:cNvSpPr>
+            <a:spLocks noGrp="1" noRot="1" noChangeAspect="1" noMove="1" noResize="1" noEditPoints="1" noAdjustHandles="1" noChangeArrowheads="1" noChangeShapeType="1" noTextEdit="1"/>
+          </p:cNvSpPr>
+          <p:nvPr>
+            <p:extLst>
+              <p:ext uri="{386F3935-93C4-4BCD-93E2-E3B085C9AB24}">
+                <p16:designElem xmlns:p16="http://schemas.microsoft.com/office/powerpoint/2015/main" val="1"/>
+              </p:ext>
+            </p:extLst>
+          </p:nvPr>
+        </p:nvSpPr>
+        <p:spPr bwMode="auto">
+          <a:xfrm>
+            <a:off x="0" y="-3175"/>
+            <a:ext cx="12192000" cy="6229804"/>
+          </a:xfrm>
+          <a:custGeom>
+            <a:avLst/>
+            <a:gdLst/>
+            <a:ahLst/>
+            <a:cxnLst/>
+            <a:rect l="0" t="0" r="r" b="b"/>
+            <a:pathLst>
+              <a:path w="5760" h="3278">
+                <a:moveTo>
+                  <a:pt x="5760" y="0"/>
+                </a:moveTo>
+                <a:lnTo>
+                  <a:pt x="0" y="0"/>
+                </a:lnTo>
+                <a:lnTo>
+                  <a:pt x="0" y="3090"/>
+                </a:lnTo>
+                <a:lnTo>
+                  <a:pt x="943" y="3090"/>
+                </a:lnTo>
+                <a:lnTo>
+                  <a:pt x="1123" y="3270"/>
+                </a:lnTo>
+                <a:lnTo>
+                  <a:pt x="1123" y="3270"/>
+                </a:lnTo>
+                <a:lnTo>
+                  <a:pt x="1127" y="3272"/>
+                </a:lnTo>
+                <a:lnTo>
+                  <a:pt x="1133" y="3275"/>
+                </a:lnTo>
+                <a:lnTo>
+                  <a:pt x="1139" y="3278"/>
+                </a:lnTo>
+                <a:lnTo>
+                  <a:pt x="1144" y="3278"/>
+                </a:lnTo>
+                <a:lnTo>
+                  <a:pt x="1150" y="3278"/>
+                </a:lnTo>
+                <a:lnTo>
+                  <a:pt x="1155" y="3275"/>
+                </a:lnTo>
+                <a:lnTo>
+                  <a:pt x="1161" y="3272"/>
+                </a:lnTo>
+                <a:lnTo>
+                  <a:pt x="1165" y="3270"/>
+                </a:lnTo>
+                <a:lnTo>
+                  <a:pt x="1345" y="3090"/>
+                </a:lnTo>
+                <a:lnTo>
+                  <a:pt x="5760" y="3090"/>
+                </a:lnTo>
+                <a:lnTo>
+                  <a:pt x="5760" y="0"/>
+                </a:lnTo>
+                <a:close/>
+              </a:path>
+            </a:pathLst>
+          </a:custGeom>
+          <a:ln>
+            <a:noFill/>
+          </a:ln>
+          <a:extLst>
+            <a:ext uri="{91240B29-F687-4f45-9708-019B960494DF}">
+              <a14:hiddenLine xmlns="" xmlns:a16="http://schemas.microsoft.com/office/drawing/2014/main" xmlns:p14="http://schemas.microsoft.com/office/powerpoint/2010/main" xmlns:a14="http://schemas.microsoft.com/office/drawing/2010/main" w="9525">
+                <a:solidFill>
+                  <a:srgbClr val="000000"/>
+                </a:solidFill>
+                <a:round/>
+                <a:headEnd/>
+                <a:tailEnd/>
+              </a14:hiddenLine>
+            </a:ext>
+          </a:extLst>
+        </p:spPr>
+        <p:style>
+          <a:lnRef idx="1">
+            <a:schemeClr val="accent1"/>
+          </a:lnRef>
+          <a:fillRef idx="3">
+            <a:schemeClr val="accent1"/>
+          </a:fillRef>
+          <a:effectRef idx="2">
+            <a:schemeClr val="accent1"/>
+          </a:effectRef>
+          <a:fontRef idx="minor">
+            <a:schemeClr val="lt1"/>
+          </a:fontRef>
+        </p:style>
+      </p:sp>
+      <p:sp>
+        <p:nvSpPr>
+          <p:cNvPr id="59" name="Rounded Rectangle 16">
+            <a:extLst>
+              <a:ext uri="{FF2B5EF4-FFF2-40B4-BE49-F238E27FC236}">
+                <a16:creationId xmlns:a16="http://schemas.microsoft.com/office/drawing/2014/main" id="{26471DC7-FA6E-40EF-A167-93BB0BCE16AD}"/>
+              </a:ext>
+              <a:ext uri="{C183D7F6-B498-43B3-948B-1728B52AA6E4}">
+                <adec:decorative xmlns:adec="http://schemas.microsoft.com/office/drawing/2017/decorative" val="1"/>
+              </a:ext>
+            </a:extLst>
+          </p:cNvPr>
+          <p:cNvSpPr>
+            <a:spLocks noGrp="1" noRot="1" noChangeAspect="1" noMove="1" noResize="1" noEditPoints="1" noAdjustHandles="1" noChangeArrowheads="1" noChangeShapeType="1" noTextEdit="1"/>
+          </p:cNvSpPr>
+          <p:nvPr>
+            <p:extLst>
+              <p:ext uri="{386F3935-93C4-4BCD-93E2-E3B085C9AB24}">
+                <p16:designElem xmlns:p16="http://schemas.microsoft.com/office/powerpoint/2015/main" val="1"/>
+              </p:ext>
+            </p:extLst>
+          </p:nvPr>
+        </p:nvSpPr>
+        <p:spPr>
+          <a:xfrm>
+            <a:off x="643468" y="643466"/>
+            <a:ext cx="10905066" cy="4592561"/>
+          </a:xfrm>
+          <a:prstGeom prst="roundRect">
+            <a:avLst>
+              <a:gd name="adj" fmla="val 3513"/>
+            </a:avLst>
+          </a:prstGeom>
+          <a:solidFill>
+            <a:schemeClr val="tx1"/>
+          </a:solidFill>
+          <a:ln>
+            <a:solidFill>
+              <a:schemeClr val="accent1">
+                <a:lumMod val="75000"/>
+              </a:schemeClr>
+            </a:solidFill>
+          </a:ln>
+          <a:effectLst/>
+        </p:spPr>
+        <p:style>
+          <a:lnRef idx="2">
+            <a:schemeClr val="accent1">
+              <a:shade val="50000"/>
+            </a:schemeClr>
+          </a:lnRef>
+          <a:fillRef idx="1">
+            <a:schemeClr val="accent1"/>
+          </a:fillRef>
+          <a:effectRef idx="0">
+            <a:schemeClr val="accent1"/>
+          </a:effectRef>
+          <a:fontRef idx="minor">
+            <a:schemeClr val="lt1"/>
+          </a:fontRef>
+        </p:style>
+        <p:txBody>
+          <a:bodyPr rtlCol="0" anchor="ctr"/>
+          <a:lstStyle/>
+          <a:p>
+            <a:pPr algn="ctr"/>
+            <a:endParaRPr lang="en-US"/>
+          </a:p>
+        </p:txBody>
+      </p:sp>
+      <p:sp>
+        <p:nvSpPr>
+          <p:cNvPr id="10" name="ZoneTexte 9">
+            <a:extLst>
+              <a:ext uri="{FF2B5EF4-FFF2-40B4-BE49-F238E27FC236}">
+                <a16:creationId xmlns:a16="http://schemas.microsoft.com/office/drawing/2014/main" id="{41AC9DED-FB16-4D5F-808F-CFAFF56BD818}"/>
+              </a:ext>
+            </a:extLst>
+          </p:cNvPr>
+          <p:cNvSpPr txBox="1"/>
+          <p:nvPr/>
+        </p:nvSpPr>
+        <p:spPr>
+          <a:xfrm>
+            <a:off x="897622" y="6352598"/>
+            <a:ext cx="3649211" cy="369332"/>
+          </a:xfrm>
+          <a:prstGeom prst="rect">
+            <a:avLst/>
+          </a:prstGeom>
+          <a:noFill/>
+        </p:spPr>
+        <p:txBody>
+          <a:bodyPr wrap="square" rtlCol="0">
+            <a:spAutoFit/>
+          </a:bodyPr>
+          <a:lstStyle/>
+          <a:p>
+            <a:r>
+              <a:rPr lang="fr-FR" dirty="0"/>
+              <a:t>Emprunter par QR Code</a:t>
+            </a:r>
+          </a:p>
+        </p:txBody>
+      </p:sp>
+      <p:pic>
+        <p:nvPicPr>
+          <p:cNvPr id="5" name="Espace réservé du contenu 4">
+            <a:extLst>
+              <a:ext uri="{FF2B5EF4-FFF2-40B4-BE49-F238E27FC236}">
+                <a16:creationId xmlns:a16="http://schemas.microsoft.com/office/drawing/2014/main" id="{B2C70422-16AF-42CF-B98F-B1E235038380}"/>
+              </a:ext>
+            </a:extLst>
+          </p:cNvPr>
+          <p:cNvPicPr>
+            <a:picLocks noGrp="1" noChangeAspect="1"/>
+          </p:cNvPicPr>
+          <p:nvPr>
+            <p:ph idx="1"/>
+          </p:nvPr>
+        </p:nvPicPr>
+        <p:blipFill>
+          <a:blip r:embed="rId2"/>
+          <a:stretch>
+            <a:fillRect/>
+          </a:stretch>
+        </p:blipFill>
+        <p:spPr>
+          <a:xfrm>
+            <a:off x="1334278" y="914400"/>
+            <a:ext cx="9367934" cy="4180113"/>
+          </a:xfrm>
+        </p:spPr>
+      </p:pic>
+    </p:spTree>
+    <p:extLst>
+      <p:ext uri="{BB962C8B-B14F-4D97-AF65-F5344CB8AC3E}">
+        <p14:creationId xmlns:p14="http://schemas.microsoft.com/office/powerpoint/2010/main" val="477034004"/>
+      </p:ext>
+    </p:extLst>
+  </p:cSld>
+  <p:clrMapOvr>
+    <a:masterClrMapping/>
+  </p:clrMapOvr>
+</p:sld>
+</file>
+
+<file path=ppt/slides/slide13.xml><?xml version="1.0" encoding="utf-8"?>
+<p:sld xmlns:a="http://schemas.openxmlformats.org/drawingml/2006/main" xmlns:r="http://schemas.openxmlformats.org/officeDocument/2006/relationships" xmlns:p="http://schemas.openxmlformats.org/presentationml/2006/main">
+  <p:cSld>
     <p:spTree>
       <p:nvGrpSpPr>
         <p:cNvPr id="1" name=""/>
@@ -5522,12 +6408,82 @@
           </a:prstGeom>
         </p:spPr>
       </p:pic>
+      <p:sp>
+        <p:nvSpPr>
+          <p:cNvPr id="5" name="ZoneTexte 4">
+            <a:extLst>
+              <a:ext uri="{FF2B5EF4-FFF2-40B4-BE49-F238E27FC236}">
+                <a16:creationId xmlns:a16="http://schemas.microsoft.com/office/drawing/2014/main" id="{2F61662E-57F0-4406-A385-9957ECCC1D3C}"/>
+              </a:ext>
+            </a:extLst>
+          </p:cNvPr>
+          <p:cNvSpPr txBox="1"/>
+          <p:nvPr/>
+        </p:nvSpPr>
+        <p:spPr>
+          <a:xfrm>
+            <a:off x="1945249" y="2782669"/>
+            <a:ext cx="2331532" cy="646331"/>
+          </a:xfrm>
+          <a:prstGeom prst="rect">
+            <a:avLst/>
+          </a:prstGeom>
+          <a:noFill/>
+        </p:spPr>
+        <p:txBody>
+          <a:bodyPr wrap="square" rtlCol="0">
+            <a:spAutoFit/>
+          </a:bodyPr>
+          <a:lstStyle/>
+          <a:p>
+            <a:r>
+              <a:rPr lang="fr-FR" sz="3600" b="1" dirty="0"/>
+              <a:t>Physique</a:t>
+            </a:r>
+          </a:p>
+        </p:txBody>
+      </p:sp>
+      <p:sp>
+        <p:nvSpPr>
+          <p:cNvPr id="6" name="ZoneTexte 5">
+            <a:extLst>
+              <a:ext uri="{FF2B5EF4-FFF2-40B4-BE49-F238E27FC236}">
+                <a16:creationId xmlns:a16="http://schemas.microsoft.com/office/drawing/2014/main" id="{51E32AEB-A3F5-4B00-8910-12363FA847CF}"/>
+              </a:ext>
+            </a:extLst>
+          </p:cNvPr>
+          <p:cNvSpPr txBox="1"/>
+          <p:nvPr/>
+        </p:nvSpPr>
+        <p:spPr>
+          <a:xfrm>
+            <a:off x="7915219" y="2782669"/>
+            <a:ext cx="2331532" cy="646331"/>
+          </a:xfrm>
+          <a:prstGeom prst="rect">
+            <a:avLst/>
+          </a:prstGeom>
+          <a:noFill/>
+        </p:spPr>
+        <p:txBody>
+          <a:bodyPr wrap="square" rtlCol="0">
+            <a:spAutoFit/>
+          </a:bodyPr>
+          <a:lstStyle/>
+          <a:p>
+            <a:r>
+              <a:rPr lang="fr-FR" sz="3600" b="1" dirty="0"/>
+              <a:t>Logiciel</a:t>
+            </a:r>
+          </a:p>
+        </p:txBody>
+      </p:sp>
       <p:pic>
         <p:nvPicPr>
-          <p:cNvPr id="4" name="Image 3">
+          <p:cNvPr id="7" name="Image 6">
             <a:extLst>
               <a:ext uri="{FF2B5EF4-FFF2-40B4-BE49-F238E27FC236}">
-                <a16:creationId xmlns:a16="http://schemas.microsoft.com/office/drawing/2014/main" id="{CBF00F78-D246-44B3-8737-ECED94ABD6E2}"/>
+                <a16:creationId xmlns:a16="http://schemas.microsoft.com/office/drawing/2014/main" id="{C3F29262-998C-405A-B910-7DF7C5B9789D}"/>
               </a:ext>
             </a:extLst>
           </p:cNvPr>
@@ -5537,77 +6493,13 @@
           <p:nvPr/>
         </p:nvPicPr>
         <p:blipFill>
-          <a:blip r:embed="rId3">
+          <a:blip r:embed="rId3" cstate="print">
             <a:extLst>
               <a:ext uri="{BEBA8EAE-BF5A-486C-A8C5-ECC9F3942E4B}">
                 <a14:imgProps xmlns:a14="http://schemas.microsoft.com/office/drawing/2010/main">
                   <a14:imgLayer r:embed="rId4">
                     <a14:imgEffect>
-                      <a14:backgroundRemoval t="5291" b="95591" l="1764" r="97002">
-                        <a14:foregroundMark x1="8818" y1="24339" x2="2646" y2="44621"/>
-                        <a14:foregroundMark x1="2646" y1="44621" x2="1764" y2="55732"/>
-                        <a14:foregroundMark x1="1764" y1="55732" x2="2675" y2="61707"/>
-                        <a14:foregroundMark x1="12558" y1="81587" x2="13757" y2="83598"/>
-                        <a14:foregroundMark x1="5568" y1="69858" x2="11746" y2="80223"/>
-                        <a14:foregroundMark x1="13757" y1="83598" x2="38095" y2="95591"/>
-                        <a14:foregroundMark x1="38095" y1="95591" x2="55379" y2="97178"/>
-                        <a14:foregroundMark x1="55379" y1="97178" x2="78204" y2="90001"/>
-                        <a14:foregroundMark x1="85822" y1="84170" x2="94533" y2="68959"/>
-                        <a14:foregroundMark x1="94533" y1="68959" x2="97178" y2="44268"/>
-                        <a14:foregroundMark x1="97178" y1="44268" x2="94180" y2="32981"/>
-                        <a14:foregroundMark x1="94180" y1="32981" x2="82011" y2="14462"/>
-                        <a14:foregroundMark x1="82011" y1="14462" x2="43210" y2="4233"/>
-                        <a14:foregroundMark x1="43210" y1="4233" x2="24868" y2="10053"/>
-                        <a14:foregroundMark x1="24868" y1="10053" x2="11915" y2="19416"/>
-                        <a14:foregroundMark x1="8877" y1="24965" x2="8466" y2="26279"/>
-                        <a14:foregroundMark x1="51943" y1="54759" x2="52205" y2="54497"/>
-                        <a14:foregroundMark x1="93122" y1="27160" x2="97531" y2="48325"/>
-                        <a14:foregroundMark x1="97531" y1="48325" x2="97002" y2="59436"/>
-                        <a14:foregroundMark x1="97002" y1="59436" x2="93122" y2="72310"/>
-                        <a14:foregroundMark x1="4762" y1="32804" x2="1764" y2="54497"/>
-                        <a14:foregroundMark x1="1764" y1="54497" x2="3325" y2="61477"/>
-                        <a14:foregroundMark x1="27866" y1="93122" x2="51499" y2="98589"/>
-                        <a14:foregroundMark x1="51499" y1="98589" x2="67372" y2="95591"/>
-                        <a14:foregroundMark x1="67372" y1="95591" x2="72310" y2="93122"/>
-                        <a14:foregroundMark x1="70899" y1="6173" x2="54497" y2="1940"/>
-                        <a14:foregroundMark x1="31487" y1="5041" x2="30199" y2="5214"/>
-                        <a14:foregroundMark x1="54497" y1="1940" x2="31533" y2="5034"/>
-                        <a14:backgroundMark x1="9877" y1="21340" x2="9877" y2="21340"/>
-                        <a14:backgroundMark x1="10935" y1="19753" x2="10935" y2="19753"/>
-                        <a14:backgroundMark x1="10053" y1="20459" x2="10053" y2="20459"/>
-                        <a14:backgroundMark x1="10406" y1="20988" x2="11464" y2="19224"/>
-                        <a14:backgroundMark x1="8818" y1="23104" x2="11993" y2="19224"/>
-                        <a14:backgroundMark x1="31393" y1="5291" x2="31570" y2="4938"/>
-                        <a14:backgroundMark x1="28571" y1="5820" x2="30335" y2="4938"/>
-                        <a14:backgroundMark x1="30688" y1="4938" x2="30688" y2="4938"/>
-                        <a14:backgroundMark x1="3175" y1="66843" x2="3175" y2="66843"/>
-                        <a14:backgroundMark x1="3175" y1="66314" x2="3175" y2="66314"/>
-                        <a14:backgroundMark x1="2998" y1="65961" x2="2998" y2="65961"/>
-                        <a14:backgroundMark x1="2116" y1="61905" x2="5115" y2="70018"/>
-                        <a14:backgroundMark x1="11464" y1="80952" x2="12875" y2="81129"/>
-                        <a14:backgroundMark x1="12875" y1="83245" x2="12522" y2="82540"/>
-                        <a14:backgroundMark x1="77601" y1="91358" x2="85009" y2="85362"/>
-                        <a14:backgroundMark x1="85009" y1="85362" x2="85009" y2="86067"/>
-                        <a14:backgroundMark x1="85714" y1="84127" x2="84303" y2="87478"/>
-                        <a14:backgroundMark x1="49206" y1="47795" x2="52205" y2="53968"/>
-                        <a14:backgroundMark x1="48325" y1="47795" x2="47090" y2="47266"/>
-                        <a14:backgroundMark x1="52205" y1="55026" x2="52910" y2="53439"/>
-                        <a14:backgroundMark x1="48677" y1="46032" x2="48501" y2="45855"/>
-                        <a14:backgroundMark x1="49030" y1="46561" x2="48148" y2="45326"/>
-                        <a14:backgroundMark x1="50794" y1="54497" x2="51675" y2="54497"/>
-                        <a14:backgroundMark x1="51852" y1="54674" x2="51146" y2="55203"/>
-                        <a14:backgroundMark x1="51852" y1="55026" x2="51852" y2="55026"/>
-                        <a14:backgroundMark x1="52028" y1="53792" x2="52028" y2="53792"/>
-                        <a14:backgroundMark x1="52205" y1="54321" x2="52205" y2="54321"/>
-                        <a14:backgroundMark x1="52205" y1="54321" x2="52205" y2="54321"/>
-                        <a14:backgroundMark x1="51852" y1="54145" x2="51852" y2="54145"/>
-                        <a14:backgroundMark x1="51852" y1="54145" x2="51852" y2="54145"/>
-                        <a14:backgroundMark x1="51852" y1="54145" x2="51852" y2="54145"/>
-                        <a14:backgroundMark x1="48501" y1="45855" x2="48501" y2="45855"/>
-                        <a14:backgroundMark x1="48501" y1="45503" x2="48501" y2="45503"/>
-                        <a14:backgroundMark x1="48148" y1="45503" x2="48148" y2="45503"/>
-                        <a14:backgroundMark x1="47619" y1="45503" x2="49383" y2="45503"/>
-                      </a14:backgroundRemoval>
+                      <a14:brightnessContrast bright="40000" contrast="40000"/>
                     </a14:imgEffect>
                   </a14:imgLayer>
                 </a14:imgProps>
@@ -5623,90 +6515,20 @@
         </p:blipFill>
         <p:spPr>
           <a:xfrm>
-            <a:off x="435817" y="3979153"/>
-            <a:ext cx="2447459" cy="2090963"/>
+            <a:off x="6544673" y="4174231"/>
+            <a:ext cx="1700808" cy="1700808"/>
           </a:xfrm>
           <a:prstGeom prst="rect">
             <a:avLst/>
           </a:prstGeom>
         </p:spPr>
       </p:pic>
-      <p:sp>
-        <p:nvSpPr>
-          <p:cNvPr id="5" name="ZoneTexte 4">
+      <p:pic>
+        <p:nvPicPr>
+          <p:cNvPr id="8" name="Image 7">
             <a:extLst>
               <a:ext uri="{FF2B5EF4-FFF2-40B4-BE49-F238E27FC236}">
-                <a16:creationId xmlns:a16="http://schemas.microsoft.com/office/drawing/2014/main" id="{2F61662E-57F0-4406-A385-9957ECCC1D3C}"/>
-              </a:ext>
-            </a:extLst>
-          </p:cNvPr>
-          <p:cNvSpPr txBox="1"/>
-          <p:nvPr/>
-        </p:nvSpPr>
-        <p:spPr>
-          <a:xfrm>
-            <a:off x="1945249" y="2782669"/>
-            <a:ext cx="2331532" cy="646331"/>
-          </a:xfrm>
-          <a:prstGeom prst="rect">
-            <a:avLst/>
-          </a:prstGeom>
-          <a:noFill/>
-        </p:spPr>
-        <p:txBody>
-          <a:bodyPr wrap="square" rtlCol="0">
-            <a:spAutoFit/>
-          </a:bodyPr>
-          <a:lstStyle/>
-          <a:p>
-            <a:r>
-              <a:rPr lang="fr-FR" sz="3600" b="1" dirty="0"/>
-              <a:t>Physique</a:t>
-            </a:r>
-          </a:p>
-        </p:txBody>
-      </p:sp>
-      <p:sp>
-        <p:nvSpPr>
-          <p:cNvPr id="6" name="ZoneTexte 5">
-            <a:extLst>
-              <a:ext uri="{FF2B5EF4-FFF2-40B4-BE49-F238E27FC236}">
-                <a16:creationId xmlns:a16="http://schemas.microsoft.com/office/drawing/2014/main" id="{51E32AEB-A3F5-4B00-8910-12363FA847CF}"/>
-              </a:ext>
-            </a:extLst>
-          </p:cNvPr>
-          <p:cNvSpPr txBox="1"/>
-          <p:nvPr/>
-        </p:nvSpPr>
-        <p:spPr>
-          <a:xfrm>
-            <a:off x="7915219" y="2782669"/>
-            <a:ext cx="2331532" cy="646331"/>
-          </a:xfrm>
-          <a:prstGeom prst="rect">
-            <a:avLst/>
-          </a:prstGeom>
-          <a:noFill/>
-        </p:spPr>
-        <p:txBody>
-          <a:bodyPr wrap="square" rtlCol="0">
-            <a:spAutoFit/>
-          </a:bodyPr>
-          <a:lstStyle/>
-          <a:p>
-            <a:r>
-              <a:rPr lang="fr-FR" sz="3600" b="1" dirty="0"/>
-              <a:t>Logiciel</a:t>
-            </a:r>
-          </a:p>
-        </p:txBody>
-      </p:sp>
-      <p:pic>
-        <p:nvPicPr>
-          <p:cNvPr id="7" name="Image 6">
-            <a:extLst>
-              <a:ext uri="{FF2B5EF4-FFF2-40B4-BE49-F238E27FC236}">
-                <a16:creationId xmlns:a16="http://schemas.microsoft.com/office/drawing/2014/main" id="{C3F29262-998C-405A-B910-7DF7C5B9789D}"/>
+                <a16:creationId xmlns:a16="http://schemas.microsoft.com/office/drawing/2014/main" id="{10689F10-2223-410A-AD0E-5CA156E7918B}"/>
               </a:ext>
             </a:extLst>
           </p:cNvPr>
@@ -5729,7 +6551,7 @@
         </p:blipFill>
         <p:spPr>
           <a:xfrm>
-            <a:off x="6544673" y="4174231"/>
+            <a:off x="9681190" y="4091462"/>
             <a:ext cx="1700808" cy="1700808"/>
           </a:xfrm>
           <a:prstGeom prst="rect">
@@ -5739,10 +6561,10 @@
       </p:pic>
       <p:pic>
         <p:nvPicPr>
-          <p:cNvPr id="8" name="Image 7">
+          <p:cNvPr id="10" name="Image 9">
             <a:extLst>
               <a:ext uri="{FF2B5EF4-FFF2-40B4-BE49-F238E27FC236}">
-                <a16:creationId xmlns:a16="http://schemas.microsoft.com/office/drawing/2014/main" id="{10689F10-2223-410A-AD0E-5CA156E7918B}"/>
+                <a16:creationId xmlns:a16="http://schemas.microsoft.com/office/drawing/2014/main" id="{C603689C-2193-4F1A-AB6F-D930790C8743}"/>
               </a:ext>
             </a:extLst>
           </p:cNvPr>
@@ -5752,10 +6574,64 @@
           <p:nvPr/>
         </p:nvPicPr>
         <p:blipFill>
-          <a:blip r:embed="rId6" cstate="print">
+          <a:blip r:embed="rId6"/>
+          <a:stretch>
+            <a:fillRect/>
+          </a:stretch>
+        </p:blipFill>
+        <p:spPr>
+          <a:xfrm>
+            <a:off x="1034570" y="3950927"/>
+            <a:ext cx="1843727" cy="2147416"/>
+          </a:xfrm>
+          <a:prstGeom prst="rect">
+            <a:avLst/>
+          </a:prstGeom>
+        </p:spPr>
+      </p:pic>
+      <p:pic>
+        <p:nvPicPr>
+          <p:cNvPr id="9" name="Image 8">
             <a:extLst>
-              <a:ext uri="{28A0092B-C50C-407E-A947-70E740481C1C}">
-                <a14:useLocalDpi xmlns:a14="http://schemas.microsoft.com/office/drawing/2010/main" val="0"/>
+              <a:ext uri="{FF2B5EF4-FFF2-40B4-BE49-F238E27FC236}">
+                <a16:creationId xmlns:a16="http://schemas.microsoft.com/office/drawing/2014/main" id="{693BAB8E-1CE2-4321-8C24-45E869F5EE34}"/>
+              </a:ext>
+            </a:extLst>
+          </p:cNvPr>
+          <p:cNvPicPr>
+            <a:picLocks noChangeAspect="1"/>
+          </p:cNvPicPr>
+          <p:nvPr/>
+        </p:nvPicPr>
+        <p:blipFill>
+          <a:blip r:embed="rId7">
+            <a:extLst>
+              <a:ext uri="{BEBA8EAE-BF5A-486C-A8C5-ECC9F3942E4B}">
+                <a14:imgProps xmlns:a14="http://schemas.microsoft.com/office/drawing/2010/main">
+                  <a14:imgLayer r:embed="rId8">
+                    <a14:imgEffect>
+                      <a14:backgroundRemoval t="10000" b="90000" l="10000" r="90000">
+                        <a14:foregroundMark x1="25122" y1="37691" x2="27927" y2="62309"/>
+                        <a14:foregroundMark x1="27927" y1="62309" x2="25610" y2="60784"/>
+                        <a14:foregroundMark x1="46098" y1="20479" x2="40610" y2="25708"/>
+                        <a14:foregroundMark x1="40610" y1="25708" x2="40854" y2="27887"/>
+                        <a14:foregroundMark x1="48171" y1="16993" x2="50244" y2="10240"/>
+                        <a14:foregroundMark x1="59512" y1="52070" x2="58293" y2="38780"/>
+                        <a14:foregroundMark x1="69024" y1="35294" x2="70610" y2="36383"/>
+                        <a14:foregroundMark x1="36463" y1="16122" x2="34878" y2="10022"/>
+                        <a14:foregroundMark x1="68780" y1="37473" x2="75000" y2="37037"/>
+                        <a14:foregroundMark x1="75000" y1="37037" x2="70732" y2="28976"/>
+                        <a14:foregroundMark x1="70732" y1="28976" x2="65488" y2="35948"/>
+                        <a14:foregroundMark x1="65488" y1="35948" x2="68780" y2="44880"/>
+                        <a14:foregroundMark x1="61707" y1="56427" x2="65732" y2="46841"/>
+                        <a14:foregroundMark x1="36829" y1="23312" x2="37195" y2="24401"/>
+                        <a14:foregroundMark x1="49024" y1="23529" x2="48780" y2="23747"/>
+                        <a14:foregroundMark x1="38171" y1="89978" x2="38171" y2="89978"/>
+                        <a14:foregroundMark x1="47683" y1="89978" x2="47683" y2="89978"/>
+                      </a14:backgroundRemoval>
+                    </a14:imgEffect>
+                  </a14:imgLayer>
+                </a14:imgProps>
               </a:ext>
             </a:extLst>
           </a:blip>
@@ -5765,8 +6641,8 @@
         </p:blipFill>
         <p:spPr>
           <a:xfrm>
-            <a:off x="9681190" y="4091462"/>
-            <a:ext cx="1700808" cy="1700808"/>
+            <a:off x="3682596" y="4537703"/>
+            <a:ext cx="1361116" cy="973864"/>
           </a:xfrm>
           <a:prstGeom prst="rect">
             <a:avLst/>
@@ -5786,65 +6662,7 @@
 </p:sld>
 </file>
 
-<file path=ppt/slides/slide11.xml><?xml version="1.0" encoding="utf-8"?>
-<p:sld xmlns:a="http://schemas.openxmlformats.org/drawingml/2006/main" xmlns:r="http://schemas.openxmlformats.org/officeDocument/2006/relationships" xmlns:p="http://schemas.openxmlformats.org/presentationml/2006/main">
-  <p:cSld>
-    <p:spTree>
-      <p:nvGrpSpPr>
-        <p:cNvPr id="1" name=""/>
-        <p:cNvGrpSpPr/>
-        <p:nvPr/>
-      </p:nvGrpSpPr>
-      <p:grpSpPr>
-        <a:xfrm>
-          <a:off x="0" y="0"/>
-          <a:ext cx="0" cy="0"/>
-          <a:chOff x="0" y="0"/>
-          <a:chExt cx="0" cy="0"/>
-        </a:xfrm>
-      </p:grpSpPr>
-      <p:sp>
-        <p:nvSpPr>
-          <p:cNvPr id="2" name="Titre 1">
-            <a:extLst>
-              <a:ext uri="{FF2B5EF4-FFF2-40B4-BE49-F238E27FC236}">
-                <a16:creationId xmlns:a16="http://schemas.microsoft.com/office/drawing/2014/main" id="{7C14CFE8-067A-48BE-BF4B-35A93C0B7410}"/>
-              </a:ext>
-            </a:extLst>
-          </p:cNvPr>
-          <p:cNvSpPr>
-            <a:spLocks noGrp="1"/>
-          </p:cNvSpPr>
-          <p:nvPr>
-            <p:ph type="title"/>
-          </p:nvPr>
-        </p:nvSpPr>
-        <p:spPr/>
-        <p:txBody>
-          <a:bodyPr/>
-          <a:lstStyle/>
-          <a:p>
-            <a:r>
-              <a:rPr lang="fr-FR" dirty="0"/>
-              <a:t>Choix de l’IDE</a:t>
-            </a:r>
-          </a:p>
-        </p:txBody>
-      </p:sp>
-    </p:spTree>
-    <p:extLst>
-      <p:ext uri="{BB962C8B-B14F-4D97-AF65-F5344CB8AC3E}">
-        <p14:creationId xmlns:p14="http://schemas.microsoft.com/office/powerpoint/2010/main" val="896109888"/>
-      </p:ext>
-    </p:extLst>
-  </p:cSld>
-  <p:clrMapOvr>
-    <a:masterClrMapping/>
-  </p:clrMapOvr>
-</p:sld>
-</file>
-
-<file path=ppt/slides/slide2.xml><?xml version="1.0" encoding="utf-8"?>
+<file path=ppt/slides/slide14.xml><?xml version="1.0" encoding="utf-8"?>
 <p:sld xmlns:a="http://schemas.openxmlformats.org/drawingml/2006/main" xmlns:r="http://schemas.openxmlformats.org/officeDocument/2006/relationships" xmlns:p="http://schemas.openxmlformats.org/presentationml/2006/main">
   <p:cSld>
     <p:bg>
@@ -5871,10 +6689,10 @@
       </p:grpSpPr>
       <p:sp>
         <p:nvSpPr>
-          <p:cNvPr id="9" name="Rectangle 8">
+          <p:cNvPr id="9" name="Freeform 6">
             <a:extLst>
               <a:ext uri="{FF2B5EF4-FFF2-40B4-BE49-F238E27FC236}">
-                <a16:creationId xmlns:a16="http://schemas.microsoft.com/office/drawing/2014/main" id="{E2264E67-6F59-4D8D-8E5F-8245B0FEAE76}"/>
+                <a16:creationId xmlns:a16="http://schemas.microsoft.com/office/drawing/2014/main" id="{133F8CB7-795C-4272-9073-64D8CF97F220}"/>
               </a:ext>
               <a:ext uri="{C183D7F6-B498-43B3-948B-1728B52AA6E4}">
                 <adec:decorative xmlns:adec="http://schemas.microsoft.com/office/drawing/2017/decorative" val="1"/>
@@ -5892,10 +6710,131 @@
             </p:extLst>
           </p:nvPr>
         </p:nvSpPr>
+        <p:spPr bwMode="auto">
+          <a:xfrm>
+            <a:off x="0" y="-3175"/>
+            <a:ext cx="12192000" cy="5203825"/>
+          </a:xfrm>
+          <a:custGeom>
+            <a:avLst/>
+            <a:gdLst/>
+            <a:ahLst/>
+            <a:cxnLst/>
+            <a:rect l="0" t="0" r="r" b="b"/>
+            <a:pathLst>
+              <a:path w="5760" h="3278">
+                <a:moveTo>
+                  <a:pt x="5760" y="0"/>
+                </a:moveTo>
+                <a:lnTo>
+                  <a:pt x="0" y="0"/>
+                </a:lnTo>
+                <a:lnTo>
+                  <a:pt x="0" y="3090"/>
+                </a:lnTo>
+                <a:lnTo>
+                  <a:pt x="943" y="3090"/>
+                </a:lnTo>
+                <a:lnTo>
+                  <a:pt x="1123" y="3270"/>
+                </a:lnTo>
+                <a:lnTo>
+                  <a:pt x="1123" y="3270"/>
+                </a:lnTo>
+                <a:lnTo>
+                  <a:pt x="1127" y="3272"/>
+                </a:lnTo>
+                <a:lnTo>
+                  <a:pt x="1133" y="3275"/>
+                </a:lnTo>
+                <a:lnTo>
+                  <a:pt x="1139" y="3278"/>
+                </a:lnTo>
+                <a:lnTo>
+                  <a:pt x="1144" y="3278"/>
+                </a:lnTo>
+                <a:lnTo>
+                  <a:pt x="1150" y="3278"/>
+                </a:lnTo>
+                <a:lnTo>
+                  <a:pt x="1155" y="3275"/>
+                </a:lnTo>
+                <a:lnTo>
+                  <a:pt x="1161" y="3272"/>
+                </a:lnTo>
+                <a:lnTo>
+                  <a:pt x="1165" y="3270"/>
+                </a:lnTo>
+                <a:lnTo>
+                  <a:pt x="1345" y="3090"/>
+                </a:lnTo>
+                <a:lnTo>
+                  <a:pt x="5760" y="3090"/>
+                </a:lnTo>
+                <a:lnTo>
+                  <a:pt x="5760" y="0"/>
+                </a:lnTo>
+                <a:close/>
+              </a:path>
+            </a:pathLst>
+          </a:custGeom>
+          <a:ln/>
+          <a:effectLst/>
+          <a:extLst>
+            <a:ext uri="{91240B29-F687-4f45-9708-019B960494DF}">
+              <a14:hiddenLine xmlns:a14="http://schemas.microsoft.com/office/drawing/2010/main" xmlns:p14="http://schemas.microsoft.com/office/powerpoint/2010/main" xmlns:a16="http://schemas.microsoft.com/office/drawing/2014/main" xmlns="" w="9525">
+                <a:solidFill>
+                  <a:srgbClr val="000000"/>
+                </a:solidFill>
+                <a:round/>
+                <a:headEnd/>
+                <a:tailEnd/>
+              </a14:hiddenLine>
+            </a:ext>
+          </a:extLst>
+        </p:spPr>
+        <p:style>
+          <a:lnRef idx="1">
+            <a:schemeClr val="accent1"/>
+          </a:lnRef>
+          <a:fillRef idx="3">
+            <a:schemeClr val="accent1"/>
+          </a:fillRef>
+          <a:effectRef idx="2">
+            <a:schemeClr val="accent1"/>
+          </a:effectRef>
+          <a:fontRef idx="minor">
+            <a:schemeClr val="lt1"/>
+          </a:fontRef>
+        </p:style>
+      </p:sp>
+      <p:sp>
+        <p:nvSpPr>
+          <p:cNvPr id="11" name="Rectangle 10">
+            <a:extLst>
+              <a:ext uri="{FF2B5EF4-FFF2-40B4-BE49-F238E27FC236}">
+                <a16:creationId xmlns:a16="http://schemas.microsoft.com/office/drawing/2014/main" id="{B7743172-17A8-4FA4-8434-B813E03B7665}"/>
+              </a:ext>
+              <a:ext uri="{C183D7F6-B498-43B3-948B-1728B52AA6E4}">
+                <adec:decorative xmlns:adec="http://schemas.microsoft.com/office/drawing/2017/decorative" val="1"/>
+              </a:ext>
+            </a:extLst>
+          </p:cNvPr>
+          <p:cNvSpPr>
+            <a:spLocks noGrp="1" noRot="1" noChangeAspect="1" noMove="1" noResize="1" noEditPoints="1" noAdjustHandles="1" noChangeArrowheads="1" noChangeShapeType="1" noTextEdit="1"/>
+          </p:cNvSpPr>
+          <p:nvPr>
+            <p:extLst>
+              <p:ext uri="{386F3935-93C4-4BCD-93E2-E3B085C9AB24}">
+                <p16:designElem xmlns:p16="http://schemas.microsoft.com/office/powerpoint/2015/main" val="1"/>
+              </p:ext>
+            </p:extLst>
+          </p:nvPr>
+        </p:nvSpPr>
         <p:spPr>
           <a:xfrm>
-            <a:off x="4573" y="0"/>
-            <a:ext cx="12187427" cy="6858000"/>
+            <a:off x="0" y="0"/>
+            <a:ext cx="12192000" cy="6858000"/>
           </a:xfrm>
           <a:prstGeom prst="rect">
             <a:avLst/>
@@ -5934,10 +6873,10 @@
       </p:sp>
       <p:sp>
         <p:nvSpPr>
-          <p:cNvPr id="11" name="Freeform 23">
+          <p:cNvPr id="13" name="Freeform 23">
             <a:extLst>
               <a:ext uri="{FF2B5EF4-FFF2-40B4-BE49-F238E27FC236}">
-                <a16:creationId xmlns:a16="http://schemas.microsoft.com/office/drawing/2014/main" id="{158E1C6E-D299-4F5D-B15B-155EBF7F62FD}"/>
+                <a16:creationId xmlns:a16="http://schemas.microsoft.com/office/drawing/2014/main" id="{4CE1233C-FD2F-489E-BFDE-086F5FED6491}"/>
               </a:ext>
               <a:ext uri="{C183D7F6-B498-43B3-948B-1728B52AA6E4}">
                 <adec:decorative xmlns:adec="http://schemas.microsoft.com/office/drawing/2017/decorative" val="1"/>
@@ -6094,6 +7033,443 @@
               </a:path>
             </a:pathLst>
           </a:custGeom>
+          <a:blipFill>
+            <a:blip r:embed="rId2">
+              <a:duotone>
+                <a:schemeClr val="accent1">
+                  <a:tint val="98000"/>
+                  <a:lumMod val="102000"/>
+                </a:schemeClr>
+                <a:schemeClr val="accent1">
+                  <a:shade val="98000"/>
+                  <a:lumMod val="98000"/>
+                </a:schemeClr>
+              </a:duotone>
+            </a:blip>
+            <a:tile tx="0" ty="0" sx="100000" sy="100000" flip="none" algn="tl"/>
+          </a:blipFill>
+          <a:ln>
+            <a:headEnd/>
+            <a:tailEnd/>
+          </a:ln>
+        </p:spPr>
+        <p:style>
+          <a:lnRef idx="1">
+            <a:schemeClr val="accent1"/>
+          </a:lnRef>
+          <a:fillRef idx="3">
+            <a:schemeClr val="accent1"/>
+          </a:fillRef>
+          <a:effectRef idx="2">
+            <a:schemeClr val="accent1"/>
+          </a:effectRef>
+          <a:fontRef idx="minor">
+            <a:schemeClr val="lt1"/>
+          </a:fontRef>
+        </p:style>
+        <p:txBody>
+          <a:bodyPr wrap="square" rtlCol="0" anchor="ctr">
+            <a:noAutofit/>
+          </a:bodyPr>
+          <a:lstStyle/>
+          <a:p>
+            <a:pPr algn="ctr"/>
+            <a:endParaRPr lang="en-US"/>
+          </a:p>
+        </p:txBody>
+      </p:sp>
+      <p:sp>
+        <p:nvSpPr>
+          <p:cNvPr id="2" name="Titre 1">
+            <a:extLst>
+              <a:ext uri="{FF2B5EF4-FFF2-40B4-BE49-F238E27FC236}">
+                <a16:creationId xmlns:a16="http://schemas.microsoft.com/office/drawing/2014/main" id="{50714342-0871-4D66-9FE2-E89E0EFF2879}"/>
+              </a:ext>
+            </a:extLst>
+          </p:cNvPr>
+          <p:cNvSpPr>
+            <a:spLocks noGrp="1"/>
+          </p:cNvSpPr>
+          <p:nvPr>
+            <p:ph type="title"/>
+          </p:nvPr>
+        </p:nvSpPr>
+        <p:spPr>
+          <a:xfrm>
+            <a:off x="451514" y="1800225"/>
+            <a:ext cx="3444211" cy="4241136"/>
+          </a:xfrm>
+        </p:spPr>
+        <p:txBody>
+          <a:bodyPr vert="horz" lIns="91440" tIns="45720" rIns="91440" bIns="45720" rtlCol="0" anchor="t">
+            <a:normAutofit/>
+          </a:bodyPr>
+          <a:lstStyle/>
+          <a:p>
+            <a:r>
+              <a:rPr lang="en-US" sz="4400"/>
+              <a:t>IHM</a:t>
+            </a:r>
+          </a:p>
+        </p:txBody>
+      </p:sp>
+      <p:pic>
+        <p:nvPicPr>
+          <p:cNvPr id="4" name="Image 3">
+            <a:extLst>
+              <a:ext uri="{FF2B5EF4-FFF2-40B4-BE49-F238E27FC236}">
+                <a16:creationId xmlns:a16="http://schemas.microsoft.com/office/drawing/2014/main" id="{21996DEE-43F0-48D4-A41F-8408267D3EFB}"/>
+              </a:ext>
+            </a:extLst>
+          </p:cNvPr>
+          <p:cNvPicPr>
+            <a:picLocks noChangeAspect="1"/>
+          </p:cNvPicPr>
+          <p:nvPr/>
+        </p:nvPicPr>
+        <p:blipFill>
+          <a:blip r:embed="rId3"/>
+          <a:stretch>
+            <a:fillRect/>
+          </a:stretch>
+        </p:blipFill>
+        <p:spPr>
+          <a:xfrm>
+            <a:off x="4998590" y="670651"/>
+            <a:ext cx="6831824" cy="5516698"/>
+          </a:xfrm>
+          <a:prstGeom prst="roundRect">
+            <a:avLst>
+              <a:gd name="adj" fmla="val 3876"/>
+            </a:avLst>
+          </a:prstGeom>
+          <a:ln>
+            <a:noFill/>
+          </a:ln>
+          <a:effectLst/>
+        </p:spPr>
+      </p:pic>
+    </p:spTree>
+    <p:extLst>
+      <p:ext uri="{BB962C8B-B14F-4D97-AF65-F5344CB8AC3E}">
+        <p14:creationId xmlns:p14="http://schemas.microsoft.com/office/powerpoint/2010/main" val="1578203825"/>
+      </p:ext>
+    </p:extLst>
+  </p:cSld>
+  <p:clrMapOvr>
+    <a:overrideClrMapping bg1="lt1" tx1="dk1" bg2="lt2" tx2="dk2" accent1="accent1" accent2="accent2" accent3="accent3" accent4="accent4" accent5="accent5" accent6="accent6" hlink="hlink" folHlink="folHlink"/>
+  </p:clrMapOvr>
+</p:sld>
+</file>
+
+<file path=ppt/slides/slide15.xml><?xml version="1.0" encoding="utf-8"?>
+<p:sld xmlns:a="http://schemas.openxmlformats.org/drawingml/2006/main" xmlns:r="http://schemas.openxmlformats.org/officeDocument/2006/relationships" xmlns:p="http://schemas.openxmlformats.org/presentationml/2006/main">
+  <p:cSld>
+    <p:spTree>
+      <p:nvGrpSpPr>
+        <p:cNvPr id="1" name=""/>
+        <p:cNvGrpSpPr/>
+        <p:nvPr/>
+      </p:nvGrpSpPr>
+      <p:grpSpPr>
+        <a:xfrm>
+          <a:off x="0" y="0"/>
+          <a:ext cx="0" cy="0"/>
+          <a:chOff x="0" y="0"/>
+          <a:chExt cx="0" cy="0"/>
+        </a:xfrm>
+      </p:grpSpPr>
+      <p:sp>
+        <p:nvSpPr>
+          <p:cNvPr id="2" name="Titre 1">
+            <a:extLst>
+              <a:ext uri="{FF2B5EF4-FFF2-40B4-BE49-F238E27FC236}">
+                <a16:creationId xmlns:a16="http://schemas.microsoft.com/office/drawing/2014/main" id="{925AAC1B-608D-4EF4-ADA2-2B03CF283CB9}"/>
+              </a:ext>
+            </a:extLst>
+          </p:cNvPr>
+          <p:cNvSpPr>
+            <a:spLocks noGrp="1"/>
+          </p:cNvSpPr>
+          <p:nvPr>
+            <p:ph type="title"/>
+          </p:nvPr>
+        </p:nvSpPr>
+        <p:spPr/>
+        <p:txBody>
+          <a:bodyPr/>
+          <a:lstStyle/>
+          <a:p>
+            <a:r>
+              <a:rPr lang="fr-FR" dirty="0"/>
+              <a:t>Gantt</a:t>
+            </a:r>
+          </a:p>
+        </p:txBody>
+      </p:sp>
+    </p:spTree>
+    <p:extLst>
+      <p:ext uri="{BB962C8B-B14F-4D97-AF65-F5344CB8AC3E}">
+        <p14:creationId xmlns:p14="http://schemas.microsoft.com/office/powerpoint/2010/main" val="1373478023"/>
+      </p:ext>
+    </p:extLst>
+  </p:cSld>
+  <p:clrMapOvr>
+    <a:masterClrMapping/>
+  </p:clrMapOvr>
+</p:sld>
+</file>
+
+<file path=ppt/slides/slide2.xml><?xml version="1.0" encoding="utf-8"?>
+<p:sld xmlns:a="http://schemas.openxmlformats.org/drawingml/2006/main" xmlns:r="http://schemas.openxmlformats.org/officeDocument/2006/relationships" xmlns:p="http://schemas.openxmlformats.org/presentationml/2006/main">
+  <p:cSld>
+    <p:bg>
+      <p:bgPr>
+        <a:solidFill>
+          <a:schemeClr val="bg1"/>
+        </a:solidFill>
+        <a:effectLst/>
+      </p:bgPr>
+    </p:bg>
+    <p:spTree>
+      <p:nvGrpSpPr>
+        <p:cNvPr id="1" name=""/>
+        <p:cNvGrpSpPr/>
+        <p:nvPr/>
+      </p:nvGrpSpPr>
+      <p:grpSpPr>
+        <a:xfrm>
+          <a:off x="0" y="0"/>
+          <a:ext cx="0" cy="0"/>
+          <a:chOff x="0" y="0"/>
+          <a:chExt cx="0" cy="0"/>
+        </a:xfrm>
+      </p:grpSpPr>
+      <p:sp>
+        <p:nvSpPr>
+          <p:cNvPr id="9" name="Rectangle 8">
+            <a:extLst>
+              <a:ext uri="{FF2B5EF4-FFF2-40B4-BE49-F238E27FC236}">
+                <a16:creationId xmlns:a16="http://schemas.microsoft.com/office/drawing/2014/main" id="{E2264E67-6F59-4D8D-8E5F-8245B0FEAE76}"/>
+              </a:ext>
+              <a:ext uri="{C183D7F6-B498-43B3-948B-1728B52AA6E4}">
+                <adec:decorative xmlns:adec="http://schemas.microsoft.com/office/drawing/2017/decorative" val="1"/>
+              </a:ext>
+            </a:extLst>
+          </p:cNvPr>
+          <p:cNvSpPr>
+            <a:spLocks noGrp="1" noRot="1" noChangeAspect="1" noMove="1" noResize="1" noEditPoints="1" noAdjustHandles="1" noChangeArrowheads="1" noChangeShapeType="1" noTextEdit="1"/>
+          </p:cNvSpPr>
+          <p:nvPr>
+            <p:extLst>
+              <p:ext uri="{386F3935-93C4-4BCD-93E2-E3B085C9AB24}">
+                <p16:designElem xmlns:p16="http://schemas.microsoft.com/office/powerpoint/2015/main" val="1"/>
+              </p:ext>
+            </p:extLst>
+          </p:nvPr>
+        </p:nvSpPr>
+        <p:spPr>
+          <a:xfrm>
+            <a:off x="4573" y="0"/>
+            <a:ext cx="12187427" cy="6858000"/>
+          </a:xfrm>
+          <a:prstGeom prst="rect">
+            <a:avLst/>
+          </a:prstGeom>
+          <a:solidFill>
+            <a:schemeClr val="bg1"/>
+          </a:solidFill>
+          <a:ln>
+            <a:noFill/>
+          </a:ln>
+        </p:spPr>
+        <p:style>
+          <a:lnRef idx="2">
+            <a:schemeClr val="accent1">
+              <a:shade val="50000"/>
+            </a:schemeClr>
+          </a:lnRef>
+          <a:fillRef idx="1">
+            <a:schemeClr val="accent1"/>
+          </a:fillRef>
+          <a:effectRef idx="0">
+            <a:schemeClr val="accent1"/>
+          </a:effectRef>
+          <a:fontRef idx="minor">
+            <a:schemeClr val="lt1"/>
+          </a:fontRef>
+        </p:style>
+        <p:txBody>
+          <a:bodyPr rtlCol="0" anchor="ctr"/>
+          <a:lstStyle/>
+          <a:p>
+            <a:pPr algn="ctr"/>
+            <a:endParaRPr lang="en-US"/>
+          </a:p>
+        </p:txBody>
+      </p:sp>
+      <p:sp>
+        <p:nvSpPr>
+          <p:cNvPr id="11" name="Freeform 23">
+            <a:extLst>
+              <a:ext uri="{FF2B5EF4-FFF2-40B4-BE49-F238E27FC236}">
+                <a16:creationId xmlns:a16="http://schemas.microsoft.com/office/drawing/2014/main" id="{158E1C6E-D299-4F5D-B15B-155EBF7F62FD}"/>
+              </a:ext>
+              <a:ext uri="{C183D7F6-B498-43B3-948B-1728B52AA6E4}">
+                <adec:decorative xmlns:adec="http://schemas.microsoft.com/office/drawing/2017/decorative" val="1"/>
+              </a:ext>
+            </a:extLst>
+          </p:cNvPr>
+          <p:cNvSpPr>
+            <a:spLocks noGrp="1" noRot="1" noChangeAspect="1" noMove="1" noResize="1" noEditPoints="1" noAdjustHandles="1" noChangeArrowheads="1" noChangeShapeType="1" noTextEdit="1"/>
+          </p:cNvSpPr>
+          <p:nvPr>
+            <p:extLst>
+              <p:ext uri="{386F3935-93C4-4BCD-93E2-E3B085C9AB24}">
+                <p16:designElem xmlns:p16="http://schemas.microsoft.com/office/powerpoint/2015/main" val="1"/>
+              </p:ext>
+            </p:extLst>
+          </p:nvPr>
+        </p:nvSpPr>
+        <p:spPr bwMode="white">
+          <a:xfrm>
+            <a:off x="0" y="0"/>
+            <a:ext cx="4637005" cy="6858000"/>
+          </a:xfrm>
+          <a:custGeom>
+            <a:avLst/>
+            <a:gdLst>
+              <a:gd name="connsiteX0" fmla="*/ 0 w 4637005"/>
+              <a:gd name="connsiteY0" fmla="*/ 0 h 6858000"/>
+              <a:gd name="connsiteX1" fmla="*/ 4637005 w 4637005"/>
+              <a:gd name="connsiteY1" fmla="*/ 0 h 6858000"/>
+              <a:gd name="connsiteX2" fmla="*/ 4637005 w 4637005"/>
+              <a:gd name="connsiteY2" fmla="*/ 1900238 h 6858000"/>
+              <a:gd name="connsiteX3" fmla="*/ 4266589 w 4637005"/>
+              <a:gd name="connsiteY3" fmla="*/ 2178050 h 6858000"/>
+              <a:gd name="connsiteX4" fmla="*/ 4262355 w 4637005"/>
+              <a:gd name="connsiteY4" fmla="*/ 2184400 h 6858000"/>
+              <a:gd name="connsiteX5" fmla="*/ 4256005 w 4637005"/>
+              <a:gd name="connsiteY5" fmla="*/ 2193925 h 6858000"/>
+              <a:gd name="connsiteX6" fmla="*/ 4249655 w 4637005"/>
+              <a:gd name="connsiteY6" fmla="*/ 2201863 h 6858000"/>
+              <a:gd name="connsiteX7" fmla="*/ 4249655 w 4637005"/>
+              <a:gd name="connsiteY7" fmla="*/ 2211388 h 6858000"/>
+              <a:gd name="connsiteX8" fmla="*/ 4249655 w 4637005"/>
+              <a:gd name="connsiteY8" fmla="*/ 2220913 h 6858000"/>
+              <a:gd name="connsiteX9" fmla="*/ 4256005 w 4637005"/>
+              <a:gd name="connsiteY9" fmla="*/ 2228850 h 6858000"/>
+              <a:gd name="connsiteX10" fmla="*/ 4262355 w 4637005"/>
+              <a:gd name="connsiteY10" fmla="*/ 2238375 h 6858000"/>
+              <a:gd name="connsiteX11" fmla="*/ 4266589 w 4637005"/>
+              <a:gd name="connsiteY11" fmla="*/ 2244725 h 6858000"/>
+              <a:gd name="connsiteX12" fmla="*/ 4637005 w 4637005"/>
+              <a:gd name="connsiteY12" fmla="*/ 2522538 h 6858000"/>
+              <a:gd name="connsiteX13" fmla="*/ 4637005 w 4637005"/>
+              <a:gd name="connsiteY13" fmla="*/ 6858000 h 6858000"/>
+              <a:gd name="connsiteX14" fmla="*/ 0 w 4637005"/>
+              <a:gd name="connsiteY14" fmla="*/ 6858000 h 6858000"/>
+            </a:gdLst>
+            <a:ahLst/>
+            <a:cxnLst>
+              <a:cxn ang="0">
+                <a:pos x="connsiteX0" y="connsiteY0"/>
+              </a:cxn>
+              <a:cxn ang="0">
+                <a:pos x="connsiteX1" y="connsiteY1"/>
+              </a:cxn>
+              <a:cxn ang="0">
+                <a:pos x="connsiteX2" y="connsiteY2"/>
+              </a:cxn>
+              <a:cxn ang="0">
+                <a:pos x="connsiteX3" y="connsiteY3"/>
+              </a:cxn>
+              <a:cxn ang="0">
+                <a:pos x="connsiteX4" y="connsiteY4"/>
+              </a:cxn>
+              <a:cxn ang="0">
+                <a:pos x="connsiteX5" y="connsiteY5"/>
+              </a:cxn>
+              <a:cxn ang="0">
+                <a:pos x="connsiteX6" y="connsiteY6"/>
+              </a:cxn>
+              <a:cxn ang="0">
+                <a:pos x="connsiteX7" y="connsiteY7"/>
+              </a:cxn>
+              <a:cxn ang="0">
+                <a:pos x="connsiteX8" y="connsiteY8"/>
+              </a:cxn>
+              <a:cxn ang="0">
+                <a:pos x="connsiteX9" y="connsiteY9"/>
+              </a:cxn>
+              <a:cxn ang="0">
+                <a:pos x="connsiteX10" y="connsiteY10"/>
+              </a:cxn>
+              <a:cxn ang="0">
+                <a:pos x="connsiteX11" y="connsiteY11"/>
+              </a:cxn>
+              <a:cxn ang="0">
+                <a:pos x="connsiteX12" y="connsiteY12"/>
+              </a:cxn>
+              <a:cxn ang="0">
+                <a:pos x="connsiteX13" y="connsiteY13"/>
+              </a:cxn>
+              <a:cxn ang="0">
+                <a:pos x="connsiteX14" y="connsiteY14"/>
+              </a:cxn>
+            </a:cxnLst>
+            <a:rect l="l" t="t" r="r" b="b"/>
+            <a:pathLst>
+              <a:path w="4637005" h="6858000">
+                <a:moveTo>
+                  <a:pt x="0" y="0"/>
+                </a:moveTo>
+                <a:lnTo>
+                  <a:pt x="4637005" y="0"/>
+                </a:lnTo>
+                <a:lnTo>
+                  <a:pt x="4637005" y="1900238"/>
+                </a:lnTo>
+                <a:lnTo>
+                  <a:pt x="4266589" y="2178050"/>
+                </a:lnTo>
+                <a:lnTo>
+                  <a:pt x="4262355" y="2184400"/>
+                </a:lnTo>
+                <a:lnTo>
+                  <a:pt x="4256005" y="2193925"/>
+                </a:lnTo>
+                <a:lnTo>
+                  <a:pt x="4249655" y="2201863"/>
+                </a:lnTo>
+                <a:lnTo>
+                  <a:pt x="4249655" y="2211388"/>
+                </a:lnTo>
+                <a:lnTo>
+                  <a:pt x="4249655" y="2220913"/>
+                </a:lnTo>
+                <a:lnTo>
+                  <a:pt x="4256005" y="2228850"/>
+                </a:lnTo>
+                <a:lnTo>
+                  <a:pt x="4262355" y="2238375"/>
+                </a:lnTo>
+                <a:lnTo>
+                  <a:pt x="4266589" y="2244725"/>
+                </a:lnTo>
+                <a:lnTo>
+                  <a:pt x="4637005" y="2522538"/>
+                </a:lnTo>
+                <a:lnTo>
+                  <a:pt x="4637005" y="6858000"/>
+                </a:lnTo>
+                <a:lnTo>
+                  <a:pt x="0" y="6858000"/>
+                </a:lnTo>
+                <a:close/>
+              </a:path>
+            </a:pathLst>
+          </a:custGeom>
           <a:solidFill>
             <a:srgbClr val="212121"/>
           </a:solidFill>
@@ -6504,10 +7880,9 @@
           <a:lstStyle/>
           <a:p>
             <a:r>
-              <a:rPr lang="fr-FR"/>
-              <a:t>Identification par NFC</a:t>
+              <a:rPr lang="fr-FR" dirty="0"/>
+              <a:t>Exigences du projet</a:t>
             </a:r>
-            <a:endParaRPr lang="fr-FR" dirty="0"/>
           </a:p>
         </p:txBody>
       </p:sp>
@@ -6559,7 +7934,7 @@
     <p:bg>
       <p:bgPr>
         <a:solidFill>
-          <a:schemeClr val="bg2"/>
+          <a:schemeClr val="bg1"/>
         </a:solidFill>
         <a:effectLst/>
       </p:bgPr>
@@ -6580,10 +7955,10 @@
       </p:grpSpPr>
       <p:sp>
         <p:nvSpPr>
-          <p:cNvPr id="10" name="Freeform 6">
+          <p:cNvPr id="11" name="Freeform 6">
             <a:extLst>
               <a:ext uri="{FF2B5EF4-FFF2-40B4-BE49-F238E27FC236}">
-                <a16:creationId xmlns:a16="http://schemas.microsoft.com/office/drawing/2014/main" id="{E7597382-59B5-427B-9E49-55383F0A5561}"/>
+                <a16:creationId xmlns:a16="http://schemas.microsoft.com/office/drawing/2014/main" id="{133F8CB7-795C-4272-9073-64D8CF97F220}"/>
               </a:ext>
               <a:ext uri="{C183D7F6-B498-43B3-948B-1728B52AA6E4}">
                 <adec:decorative xmlns:adec="http://schemas.microsoft.com/office/drawing/2017/decorative" val="1"/>
@@ -6604,7 +7979,7 @@
         <p:spPr bwMode="auto">
           <a:xfrm>
             <a:off x="0" y="-3175"/>
-            <a:ext cx="12192000" cy="6229804"/>
+            <a:ext cx="12192000" cy="5203825"/>
           </a:xfrm>
           <a:custGeom>
             <a:avLst/>
@@ -6669,12 +8044,11 @@
               </a:path>
             </a:pathLst>
           </a:custGeom>
-          <a:ln>
-            <a:noFill/>
-          </a:ln>
+          <a:ln/>
+          <a:effectLst/>
           <a:extLst>
             <a:ext uri="{91240B29-F687-4f45-9708-019B960494DF}">
-              <a14:hiddenLine xmlns="" xmlns:a16="http://schemas.microsoft.com/office/drawing/2014/main" xmlns:p14="http://schemas.microsoft.com/office/powerpoint/2010/main" xmlns:a14="http://schemas.microsoft.com/office/drawing/2010/main" w="9525">
+              <a14:hiddenLine xmlns:a14="http://schemas.microsoft.com/office/drawing/2010/main" xmlns:p14="http://schemas.microsoft.com/office/powerpoint/2010/main" xmlns:a16="http://schemas.microsoft.com/office/drawing/2014/main" xmlns="" w="9525">
                 <a:solidFill>
                   <a:srgbClr val="000000"/>
                 </a:solidFill>
@@ -6702,10 +8076,45 @@
       </p:sp>
       <p:sp>
         <p:nvSpPr>
-          <p:cNvPr id="12" name="Rounded Rectangle 16">
+          <p:cNvPr id="2" name="Titre 1">
             <a:extLst>
               <a:ext uri="{FF2B5EF4-FFF2-40B4-BE49-F238E27FC236}">
-                <a16:creationId xmlns:a16="http://schemas.microsoft.com/office/drawing/2014/main" id="{26471DC7-FA6E-40EF-A167-93BB0BCE16AD}"/>
+                <a16:creationId xmlns:a16="http://schemas.microsoft.com/office/drawing/2014/main" id="{7C14CFE8-067A-48BE-BF4B-35A93C0B7410}"/>
+              </a:ext>
+            </a:extLst>
+          </p:cNvPr>
+          <p:cNvSpPr>
+            <a:spLocks noGrp="1"/>
+          </p:cNvSpPr>
+          <p:nvPr>
+            <p:ph type="title"/>
+          </p:nvPr>
+        </p:nvSpPr>
+        <p:spPr>
+          <a:xfrm>
+            <a:off x="810002" y="639097"/>
+            <a:ext cx="4961534" cy="3781101"/>
+          </a:xfrm>
+        </p:spPr>
+        <p:txBody>
+          <a:bodyPr vert="horz" lIns="91440" tIns="45720" rIns="91440" bIns="45720" rtlCol="0" anchor="b">
+            <a:normAutofit/>
+          </a:bodyPr>
+          <a:lstStyle/>
+          <a:p>
+            <a:r>
+              <a:rPr lang="en-US" sz="5400"/>
+              <a:t>Choix de l’IDE</a:t>
+            </a:r>
+          </a:p>
+        </p:txBody>
+      </p:sp>
+      <p:sp>
+        <p:nvSpPr>
+          <p:cNvPr id="23" name="Freeform: Shape 12">
+            <a:extLst>
+              <a:ext uri="{FF2B5EF4-FFF2-40B4-BE49-F238E27FC236}">
+                <a16:creationId xmlns:a16="http://schemas.microsoft.com/office/drawing/2014/main" id="{B8C5E8AB-9755-4F92-B14D-88791F4FC125}"/>
               </a:ext>
               <a:ext uri="{C183D7F6-B498-43B3-948B-1728B52AA6E4}">
                 <adec:decorative xmlns:adec="http://schemas.microsoft.com/office/drawing/2017/decorative" val="1"/>
@@ -6723,27 +8132,183 @@
             </p:extLst>
           </p:nvPr>
         </p:nvSpPr>
-        <p:spPr>
-          <a:xfrm>
-            <a:off x="643468" y="643466"/>
-            <a:ext cx="10905066" cy="4592561"/>
-          </a:xfrm>
-          <a:prstGeom prst="roundRect">
-            <a:avLst>
-              <a:gd name="adj" fmla="val 3513"/>
-            </a:avLst>
-          </a:prstGeom>
+        <p:spPr bwMode="white">
+          <a:xfrm>
+            <a:off x="0" y="4896681"/>
+            <a:ext cx="12188952" cy="1961319"/>
+          </a:xfrm>
+          <a:custGeom>
+            <a:avLst/>
+            <a:gdLst>
+              <a:gd name="connsiteX0" fmla="*/ 0 w 12188952"/>
+              <a:gd name="connsiteY0" fmla="*/ 0 h 1961319"/>
+              <a:gd name="connsiteX1" fmla="*/ 1996017 w 12188952"/>
+              <a:gd name="connsiteY1" fmla="*/ 0 h 1961319"/>
+              <a:gd name="connsiteX2" fmla="*/ 2377017 w 12188952"/>
+              <a:gd name="connsiteY2" fmla="*/ 263783 h 1961319"/>
+              <a:gd name="connsiteX3" fmla="*/ 2385484 w 12188952"/>
+              <a:gd name="connsiteY3" fmla="*/ 266713 h 1961319"/>
+              <a:gd name="connsiteX4" fmla="*/ 2398184 w 12188952"/>
+              <a:gd name="connsiteY4" fmla="*/ 271110 h 1961319"/>
+              <a:gd name="connsiteX5" fmla="*/ 2410883 w 12188952"/>
+              <a:gd name="connsiteY5" fmla="*/ 275506 h 1961319"/>
+              <a:gd name="connsiteX6" fmla="*/ 2421467 w 12188952"/>
+              <a:gd name="connsiteY6" fmla="*/ 275506 h 1961319"/>
+              <a:gd name="connsiteX7" fmla="*/ 2434167 w 12188952"/>
+              <a:gd name="connsiteY7" fmla="*/ 275506 h 1961319"/>
+              <a:gd name="connsiteX8" fmla="*/ 2444750 w 12188952"/>
+              <a:gd name="connsiteY8" fmla="*/ 271110 h 1961319"/>
+              <a:gd name="connsiteX9" fmla="*/ 2457450 w 12188952"/>
+              <a:gd name="connsiteY9" fmla="*/ 266713 h 1961319"/>
+              <a:gd name="connsiteX10" fmla="*/ 2465917 w 12188952"/>
+              <a:gd name="connsiteY10" fmla="*/ 263783 h 1961319"/>
+              <a:gd name="connsiteX11" fmla="*/ 2846917 w 12188952"/>
+              <a:gd name="connsiteY11" fmla="*/ 0 h 1961319"/>
+              <a:gd name="connsiteX12" fmla="*/ 12188952 w 12188952"/>
+              <a:gd name="connsiteY12" fmla="*/ 0 h 1961319"/>
+              <a:gd name="connsiteX13" fmla="*/ 12188952 w 12188952"/>
+              <a:gd name="connsiteY13" fmla="*/ 1264506 h 1961319"/>
+              <a:gd name="connsiteX14" fmla="*/ 12188952 w 12188952"/>
+              <a:gd name="connsiteY14" fmla="*/ 1917775 h 1961319"/>
+              <a:gd name="connsiteX15" fmla="*/ 12188952 w 12188952"/>
+              <a:gd name="connsiteY15" fmla="*/ 1961319 h 1961319"/>
+              <a:gd name="connsiteX16" fmla="*/ 0 w 12188952"/>
+              <a:gd name="connsiteY16" fmla="*/ 1961319 h 1961319"/>
+              <a:gd name="connsiteX17" fmla="*/ 0 w 12188952"/>
+              <a:gd name="connsiteY17" fmla="*/ 1917775 h 1961319"/>
+              <a:gd name="connsiteX18" fmla="*/ 0 w 12188952"/>
+              <a:gd name="connsiteY18" fmla="*/ 1264506 h 1961319"/>
+            </a:gdLst>
+            <a:ahLst/>
+            <a:cxnLst>
+              <a:cxn ang="0">
+                <a:pos x="connsiteX0" y="connsiteY0"/>
+              </a:cxn>
+              <a:cxn ang="0">
+                <a:pos x="connsiteX1" y="connsiteY1"/>
+              </a:cxn>
+              <a:cxn ang="0">
+                <a:pos x="connsiteX2" y="connsiteY2"/>
+              </a:cxn>
+              <a:cxn ang="0">
+                <a:pos x="connsiteX3" y="connsiteY3"/>
+              </a:cxn>
+              <a:cxn ang="0">
+                <a:pos x="connsiteX4" y="connsiteY4"/>
+              </a:cxn>
+              <a:cxn ang="0">
+                <a:pos x="connsiteX5" y="connsiteY5"/>
+              </a:cxn>
+              <a:cxn ang="0">
+                <a:pos x="connsiteX6" y="connsiteY6"/>
+              </a:cxn>
+              <a:cxn ang="0">
+                <a:pos x="connsiteX7" y="connsiteY7"/>
+              </a:cxn>
+              <a:cxn ang="0">
+                <a:pos x="connsiteX8" y="connsiteY8"/>
+              </a:cxn>
+              <a:cxn ang="0">
+                <a:pos x="connsiteX9" y="connsiteY9"/>
+              </a:cxn>
+              <a:cxn ang="0">
+                <a:pos x="connsiteX10" y="connsiteY10"/>
+              </a:cxn>
+              <a:cxn ang="0">
+                <a:pos x="connsiteX11" y="connsiteY11"/>
+              </a:cxn>
+              <a:cxn ang="0">
+                <a:pos x="connsiteX12" y="connsiteY12"/>
+              </a:cxn>
+              <a:cxn ang="0">
+                <a:pos x="connsiteX13" y="connsiteY13"/>
+              </a:cxn>
+              <a:cxn ang="0">
+                <a:pos x="connsiteX14" y="connsiteY14"/>
+              </a:cxn>
+              <a:cxn ang="0">
+                <a:pos x="connsiteX15" y="connsiteY15"/>
+              </a:cxn>
+              <a:cxn ang="0">
+                <a:pos x="connsiteX16" y="connsiteY16"/>
+              </a:cxn>
+              <a:cxn ang="0">
+                <a:pos x="connsiteX17" y="connsiteY17"/>
+              </a:cxn>
+              <a:cxn ang="0">
+                <a:pos x="connsiteX18" y="connsiteY18"/>
+              </a:cxn>
+            </a:cxnLst>
+            <a:rect l="l" t="t" r="r" b="b"/>
+            <a:pathLst>
+              <a:path w="12188952" h="1961319">
+                <a:moveTo>
+                  <a:pt x="0" y="0"/>
+                </a:moveTo>
+                <a:lnTo>
+                  <a:pt x="1996017" y="0"/>
+                </a:lnTo>
+                <a:lnTo>
+                  <a:pt x="2377017" y="263783"/>
+                </a:lnTo>
+                <a:lnTo>
+                  <a:pt x="2385484" y="266713"/>
+                </a:lnTo>
+                <a:lnTo>
+                  <a:pt x="2398184" y="271110"/>
+                </a:lnTo>
+                <a:lnTo>
+                  <a:pt x="2410883" y="275506"/>
+                </a:lnTo>
+                <a:lnTo>
+                  <a:pt x="2421467" y="275506"/>
+                </a:lnTo>
+                <a:lnTo>
+                  <a:pt x="2434167" y="275506"/>
+                </a:lnTo>
+                <a:lnTo>
+                  <a:pt x="2444750" y="271110"/>
+                </a:lnTo>
+                <a:lnTo>
+                  <a:pt x="2457450" y="266713"/>
+                </a:lnTo>
+                <a:lnTo>
+                  <a:pt x="2465917" y="263783"/>
+                </a:lnTo>
+                <a:lnTo>
+                  <a:pt x="2846917" y="0"/>
+                </a:lnTo>
+                <a:lnTo>
+                  <a:pt x="12188952" y="0"/>
+                </a:lnTo>
+                <a:lnTo>
+                  <a:pt x="12188952" y="1264506"/>
+                </a:lnTo>
+                <a:lnTo>
+                  <a:pt x="12188952" y="1917775"/>
+                </a:lnTo>
+                <a:lnTo>
+                  <a:pt x="12188952" y="1961319"/>
+                </a:lnTo>
+                <a:lnTo>
+                  <a:pt x="0" y="1961319"/>
+                </a:lnTo>
+                <a:lnTo>
+                  <a:pt x="0" y="1917775"/>
+                </a:lnTo>
+                <a:lnTo>
+                  <a:pt x="0" y="1264506"/>
+                </a:lnTo>
+                <a:close/>
+              </a:path>
+            </a:pathLst>
+          </a:custGeom>
           <a:solidFill>
-            <a:schemeClr val="tx1"/>
+            <a:srgbClr val="212121"/>
           </a:solidFill>
           <a:ln>
-            <a:solidFill>
-              <a:schemeClr val="accent1">
-                <a:lumMod val="75000"/>
-              </a:schemeClr>
-            </a:solidFill>
+            <a:noFill/>
           </a:ln>
-          <a:effectLst/>
         </p:spPr>
         <p:style>
           <a:lnRef idx="2">
@@ -6762,29 +8327,164 @@
           </a:fontRef>
         </p:style>
         <p:txBody>
+          <a:bodyPr wrap="square" rtlCol="0" anchor="ctr">
+            <a:noAutofit/>
+          </a:bodyPr>
+          <a:lstStyle/>
+          <a:p>
+            <a:pPr algn="ctr"/>
+            <a:endParaRPr lang="en-US"/>
+          </a:p>
+        </p:txBody>
+      </p:sp>
+      <p:sp>
+        <p:nvSpPr>
+          <p:cNvPr id="15" name="Rectangle 14">
+            <a:extLst>
+              <a:ext uri="{FF2B5EF4-FFF2-40B4-BE49-F238E27FC236}">
+                <a16:creationId xmlns:a16="http://schemas.microsoft.com/office/drawing/2014/main" id="{54F2E435-6009-43BC-8A4B-89A894831DD2}"/>
+              </a:ext>
+              <a:ext uri="{C183D7F6-B498-43B3-948B-1728B52AA6E4}">
+                <adec:decorative xmlns:adec="http://schemas.microsoft.com/office/drawing/2017/decorative" val="1"/>
+              </a:ext>
+            </a:extLst>
+          </p:cNvPr>
+          <p:cNvSpPr>
+            <a:spLocks noGrp="1" noRot="1" noChangeAspect="1" noMove="1" noResize="1" noEditPoints="1" noAdjustHandles="1" noChangeArrowheads="1" noChangeShapeType="1" noTextEdit="1"/>
+          </p:cNvSpPr>
+          <p:nvPr>
+            <p:extLst>
+              <p:ext uri="{386F3935-93C4-4BCD-93E2-E3B085C9AB24}">
+                <p16:designElem xmlns:p16="http://schemas.microsoft.com/office/powerpoint/2015/main" val="1"/>
+              </p:ext>
+            </p:extLst>
+          </p:nvPr>
+        </p:nvSpPr>
+        <p:spPr>
+          <a:xfrm>
+            <a:off x="6100916" y="0"/>
+            <a:ext cx="6091084" cy="6858000"/>
+          </a:xfrm>
+          <a:prstGeom prst="rect">
+            <a:avLst/>
+          </a:prstGeom>
+          <a:solidFill>
+            <a:schemeClr val="bg1"/>
+          </a:solidFill>
+          <a:ln>
+            <a:noFill/>
+          </a:ln>
+        </p:spPr>
+        <p:style>
+          <a:lnRef idx="2">
+            <a:schemeClr val="accent1">
+              <a:shade val="50000"/>
+            </a:schemeClr>
+          </a:lnRef>
+          <a:fillRef idx="1">
+            <a:schemeClr val="accent1"/>
+          </a:fillRef>
+          <a:effectRef idx="0">
+            <a:schemeClr val="accent1"/>
+          </a:effectRef>
+          <a:fontRef idx="minor">
+            <a:schemeClr val="lt1"/>
+          </a:fontRef>
+        </p:style>
+        <p:txBody>
           <a:bodyPr rtlCol="0" anchor="ctr"/>
           <a:lstStyle/>
           <a:p>
             <a:pPr algn="ctr"/>
+            <a:endParaRPr lang="en-US">
+              <a:solidFill>
+                <a:schemeClr val="bg1"/>
+              </a:solidFill>
+            </a:endParaRPr>
+          </a:p>
+        </p:txBody>
+      </p:sp>
+      <p:sp>
+        <p:nvSpPr>
+          <p:cNvPr id="17" name="Rounded Rectangle 14">
+            <a:extLst>
+              <a:ext uri="{FF2B5EF4-FFF2-40B4-BE49-F238E27FC236}">
+                <a16:creationId xmlns:a16="http://schemas.microsoft.com/office/drawing/2014/main" id="{4B9EE88D-53BD-40A5-BC4F-3ACBEFC12CF6}"/>
+              </a:ext>
+              <a:ext uri="{C183D7F6-B498-43B3-948B-1728B52AA6E4}">
+                <adec:decorative xmlns:adec="http://schemas.microsoft.com/office/drawing/2017/decorative" val="1"/>
+              </a:ext>
+            </a:extLst>
+          </p:cNvPr>
+          <p:cNvSpPr>
+            <a:spLocks noGrp="1" noRot="1" noChangeAspect="1" noMove="1" noResize="1" noEditPoints="1" noAdjustHandles="1" noChangeArrowheads="1" noChangeShapeType="1" noTextEdit="1"/>
+          </p:cNvSpPr>
+          <p:nvPr>
+            <p:extLst>
+              <p:ext uri="{386F3935-93C4-4BCD-93E2-E3B085C9AB24}">
+                <p16:designElem xmlns:p16="http://schemas.microsoft.com/office/powerpoint/2015/main" val="1"/>
+              </p:ext>
+            </p:extLst>
+          </p:nvPr>
+        </p:nvSpPr>
+        <p:spPr>
+          <a:xfrm>
+            <a:off x="6756326" y="958640"/>
+            <a:ext cx="4792210" cy="4945244"/>
+          </a:xfrm>
+          <a:prstGeom prst="roundRect">
+            <a:avLst>
+              <a:gd name="adj" fmla="val 3513"/>
+            </a:avLst>
+          </a:prstGeom>
+          <a:solidFill>
+            <a:schemeClr val="bg1"/>
+          </a:solidFill>
+          <a:ln>
+            <a:solidFill>
+              <a:schemeClr val="accent1"/>
+            </a:solidFill>
+          </a:ln>
+          <a:effectLst/>
+        </p:spPr>
+        <p:style>
+          <a:lnRef idx="2">
+            <a:schemeClr val="accent1">
+              <a:shade val="50000"/>
+            </a:schemeClr>
+          </a:lnRef>
+          <a:fillRef idx="1">
+            <a:schemeClr val="accent1"/>
+          </a:fillRef>
+          <a:effectRef idx="0">
+            <a:schemeClr val="accent1"/>
+          </a:effectRef>
+          <a:fontRef idx="minor">
+            <a:schemeClr val="lt1"/>
+          </a:fontRef>
+        </p:style>
+        <p:txBody>
+          <a:bodyPr rtlCol="0" anchor="ctr"/>
+          <a:lstStyle/>
+          <a:p>
+            <a:pPr algn="ctr"/>
             <a:endParaRPr lang="en-US"/>
           </a:p>
         </p:txBody>
       </p:sp>
       <p:pic>
         <p:nvPicPr>
-          <p:cNvPr id="5" name="Espace réservé du contenu 4">
+          <p:cNvPr id="6" name="Image 5">
             <a:extLst>
               <a:ext uri="{FF2B5EF4-FFF2-40B4-BE49-F238E27FC236}">
-                <a16:creationId xmlns:a16="http://schemas.microsoft.com/office/drawing/2014/main" id="{36FB0DA3-348E-4453-AE0D-EA21836AF17A}"/>
+                <a16:creationId xmlns:a16="http://schemas.microsoft.com/office/drawing/2014/main" id="{BCBF9CC4-BA43-4839-AE1F-1808C5889656}"/>
               </a:ext>
             </a:extLst>
           </p:cNvPr>
           <p:cNvPicPr>
-            <a:picLocks noGrp="1" noChangeAspect="1"/>
+            <a:picLocks noChangeAspect="1"/>
           </p:cNvPicPr>
-          <p:nvPr>
-            <p:ph idx="1"/>
-          </p:nvPr>
+          <p:nvPr/>
         </p:nvPicPr>
         <p:blipFill>
           <a:blip r:embed="rId2"/>
@@ -6794,58 +8494,23 @@
         </p:blipFill>
         <p:spPr>
           <a:xfrm>
-            <a:off x="1813009" y="873202"/>
-            <a:ext cx="8565984" cy="4133088"/>
+            <a:off x="7160145" y="1251276"/>
+            <a:ext cx="3990494" cy="4325739"/>
           </a:xfrm>
           <a:prstGeom prst="rect">
             <a:avLst/>
           </a:prstGeom>
         </p:spPr>
       </p:pic>
-      <p:sp>
-        <p:nvSpPr>
-          <p:cNvPr id="6" name="ZoneTexte 5">
-            <a:extLst>
-              <a:ext uri="{FF2B5EF4-FFF2-40B4-BE49-F238E27FC236}">
-                <a16:creationId xmlns:a16="http://schemas.microsoft.com/office/drawing/2014/main" id="{1931F64B-F46F-45C4-AE5F-04D71766FB19}"/>
-              </a:ext>
-            </a:extLst>
-          </p:cNvPr>
-          <p:cNvSpPr txBox="1"/>
-          <p:nvPr/>
-        </p:nvSpPr>
-        <p:spPr>
-          <a:xfrm>
-            <a:off x="1065402" y="6352598"/>
-            <a:ext cx="2827090" cy="369332"/>
-          </a:xfrm>
-          <a:prstGeom prst="rect">
-            <a:avLst/>
-          </a:prstGeom>
-          <a:noFill/>
-        </p:spPr>
-        <p:txBody>
-          <a:bodyPr wrap="square" rtlCol="0">
-            <a:spAutoFit/>
-          </a:bodyPr>
-          <a:lstStyle/>
-          <a:p>
-            <a:r>
-              <a:rPr lang="fr-FR" dirty="0"/>
-              <a:t>Identification par NFC</a:t>
-            </a:r>
-          </a:p>
-        </p:txBody>
-      </p:sp>
     </p:spTree>
     <p:extLst>
       <p:ext uri="{BB962C8B-B14F-4D97-AF65-F5344CB8AC3E}">
-        <p14:creationId xmlns:p14="http://schemas.microsoft.com/office/powerpoint/2010/main" val="2270383845"/>
+        <p14:creationId xmlns:p14="http://schemas.microsoft.com/office/powerpoint/2010/main" val="896109888"/>
       </p:ext>
     </p:extLst>
   </p:cSld>
   <p:clrMapOvr>
-    <a:masterClrMapping/>
+    <a:overrideClrMapping bg1="lt1" tx1="dk1" bg2="lt2" tx2="dk2" accent1="accent1" accent2="accent2" accent3="accent3" accent4="accent4" accent5="accent5" accent6="accent6" hlink="hlink" folHlink="folHlink"/>
   </p:clrMapOvr>
 </p:sld>
 </file>
@@ -6856,7 +8521,7 @@
     <p:bg>
       <p:bgPr>
         <a:solidFill>
-          <a:schemeClr val="bg2"/>
+          <a:schemeClr val="bg1"/>
         </a:solidFill>
         <a:effectLst/>
       </p:bgPr>
@@ -6877,10 +8542,10 @@
       </p:grpSpPr>
       <p:sp>
         <p:nvSpPr>
-          <p:cNvPr id="60" name="Freeform 6">
+          <p:cNvPr id="20" name="Freeform 6">
             <a:extLst>
               <a:ext uri="{FF2B5EF4-FFF2-40B4-BE49-F238E27FC236}">
-                <a16:creationId xmlns:a16="http://schemas.microsoft.com/office/drawing/2014/main" id="{E7597382-59B5-427B-9E49-55383F0A5561}"/>
+                <a16:creationId xmlns:a16="http://schemas.microsoft.com/office/drawing/2014/main" id="{133F8CB7-795C-4272-9073-64D8CF97F220}"/>
               </a:ext>
               <a:ext uri="{C183D7F6-B498-43B3-948B-1728B52AA6E4}">
                 <adec:decorative xmlns:adec="http://schemas.microsoft.com/office/drawing/2017/decorative" val="1"/>
@@ -6901,7 +8566,7 @@
         <p:spPr bwMode="auto">
           <a:xfrm>
             <a:off x="0" y="-3175"/>
-            <a:ext cx="12192000" cy="6229804"/>
+            <a:ext cx="12192000" cy="5203825"/>
           </a:xfrm>
           <a:custGeom>
             <a:avLst/>
@@ -6966,12 +8631,11 @@
               </a:path>
             </a:pathLst>
           </a:custGeom>
-          <a:ln>
-            <a:noFill/>
-          </a:ln>
+          <a:ln/>
+          <a:effectLst/>
           <a:extLst>
             <a:ext uri="{91240B29-F687-4f45-9708-019B960494DF}">
-              <a14:hiddenLine xmlns="" xmlns:a16="http://schemas.microsoft.com/office/drawing/2014/main" xmlns:p14="http://schemas.microsoft.com/office/powerpoint/2010/main" xmlns:a14="http://schemas.microsoft.com/office/drawing/2010/main" w="9525">
+              <a14:hiddenLine xmlns:a14="http://schemas.microsoft.com/office/drawing/2010/main" xmlns:p14="http://schemas.microsoft.com/office/powerpoint/2010/main" xmlns:a16="http://schemas.microsoft.com/office/drawing/2014/main" xmlns="" w="9525">
                 <a:solidFill>
                   <a:srgbClr val="000000"/>
                 </a:solidFill>
@@ -6999,10 +8663,10 @@
       </p:sp>
       <p:sp>
         <p:nvSpPr>
-          <p:cNvPr id="59" name="Rounded Rectangle 16">
+          <p:cNvPr id="22" name="Freeform: Shape 21">
             <a:extLst>
               <a:ext uri="{FF2B5EF4-FFF2-40B4-BE49-F238E27FC236}">
-                <a16:creationId xmlns:a16="http://schemas.microsoft.com/office/drawing/2014/main" id="{26471DC7-FA6E-40EF-A167-93BB0BCE16AD}"/>
+                <a16:creationId xmlns:a16="http://schemas.microsoft.com/office/drawing/2014/main" id="{9610F818-219E-491F-887F-B078103BA2B4}"/>
               </a:ext>
               <a:ext uri="{C183D7F6-B498-43B3-948B-1728B52AA6E4}">
                 <adec:decorative xmlns:adec="http://schemas.microsoft.com/office/drawing/2017/decorative" val="1"/>
@@ -7022,25 +8686,213 @@
         </p:nvSpPr>
         <p:spPr>
           <a:xfrm>
-            <a:off x="643468" y="643466"/>
-            <a:ext cx="10905066" cy="4592561"/>
-          </a:xfrm>
-          <a:prstGeom prst="roundRect">
-            <a:avLst>
-              <a:gd name="adj" fmla="val 3513"/>
-            </a:avLst>
-          </a:prstGeom>
+            <a:off x="-2" y="3739895"/>
+            <a:ext cx="12192000" cy="3118104"/>
+          </a:xfrm>
+          <a:custGeom>
+            <a:avLst/>
+            <a:gdLst>
+              <a:gd name="connsiteX0" fmla="*/ 0 w 12192000"/>
+              <a:gd name="connsiteY0" fmla="*/ 0 h 3118104"/>
+              <a:gd name="connsiteX1" fmla="*/ 3676329 w 12192000"/>
+              <a:gd name="connsiteY1" fmla="*/ 0 h 3118104"/>
+              <a:gd name="connsiteX2" fmla="*/ 5595257 w 12192000"/>
+              <a:gd name="connsiteY2" fmla="*/ 0 h 3118104"/>
+              <a:gd name="connsiteX3" fmla="*/ 5672349 w 12192000"/>
+              <a:gd name="connsiteY3" fmla="*/ 0 h 3118104"/>
+              <a:gd name="connsiteX4" fmla="*/ 6053347 w 12192000"/>
+              <a:gd name="connsiteY4" fmla="*/ 263783 h 3118104"/>
+              <a:gd name="connsiteX5" fmla="*/ 6061813 w 12192000"/>
+              <a:gd name="connsiteY5" fmla="*/ 266713 h 3118104"/>
+              <a:gd name="connsiteX6" fmla="*/ 6074513 w 12192000"/>
+              <a:gd name="connsiteY6" fmla="*/ 271110 h 3118104"/>
+              <a:gd name="connsiteX7" fmla="*/ 6087212 w 12192000"/>
+              <a:gd name="connsiteY7" fmla="*/ 275506 h 3118104"/>
+              <a:gd name="connsiteX8" fmla="*/ 6097797 w 12192000"/>
+              <a:gd name="connsiteY8" fmla="*/ 275506 h 3118104"/>
+              <a:gd name="connsiteX9" fmla="*/ 6110496 w 12192000"/>
+              <a:gd name="connsiteY9" fmla="*/ 275506 h 3118104"/>
+              <a:gd name="connsiteX10" fmla="*/ 6121079 w 12192000"/>
+              <a:gd name="connsiteY10" fmla="*/ 271110 h 3118104"/>
+              <a:gd name="connsiteX11" fmla="*/ 6133779 w 12192000"/>
+              <a:gd name="connsiteY11" fmla="*/ 266713 h 3118104"/>
+              <a:gd name="connsiteX12" fmla="*/ 6142246 w 12192000"/>
+              <a:gd name="connsiteY12" fmla="*/ 263783 h 3118104"/>
+              <a:gd name="connsiteX13" fmla="*/ 6523247 w 12192000"/>
+              <a:gd name="connsiteY13" fmla="*/ 0 h 3118104"/>
+              <a:gd name="connsiteX14" fmla="*/ 6596743 w 12192000"/>
+              <a:gd name="connsiteY14" fmla="*/ 0 h 3118104"/>
+              <a:gd name="connsiteX15" fmla="*/ 12186115 w 12192000"/>
+              <a:gd name="connsiteY15" fmla="*/ 0 h 3118104"/>
+              <a:gd name="connsiteX16" fmla="*/ 12192000 w 12192000"/>
+              <a:gd name="connsiteY16" fmla="*/ 0 h 3118104"/>
+              <a:gd name="connsiteX17" fmla="*/ 12192000 w 12192000"/>
+              <a:gd name="connsiteY17" fmla="*/ 3118104 h 3118104"/>
+              <a:gd name="connsiteX18" fmla="*/ 7728858 w 12192000"/>
+              <a:gd name="connsiteY18" fmla="*/ 3118104 h 3118104"/>
+              <a:gd name="connsiteX19" fmla="*/ 6596743 w 12192000"/>
+              <a:gd name="connsiteY19" fmla="*/ 3118104 h 3118104"/>
+              <a:gd name="connsiteX20" fmla="*/ 5595257 w 12192000"/>
+              <a:gd name="connsiteY20" fmla="*/ 3118104 h 3118104"/>
+              <a:gd name="connsiteX21" fmla="*/ 2906487 w 12192000"/>
+              <a:gd name="connsiteY21" fmla="*/ 3118104 h 3118104"/>
+              <a:gd name="connsiteX22" fmla="*/ 0 w 12192000"/>
+              <a:gd name="connsiteY22" fmla="*/ 3118104 h 3118104"/>
+            </a:gdLst>
+            <a:ahLst/>
+            <a:cxnLst>
+              <a:cxn ang="0">
+                <a:pos x="connsiteX0" y="connsiteY0"/>
+              </a:cxn>
+              <a:cxn ang="0">
+                <a:pos x="connsiteX1" y="connsiteY1"/>
+              </a:cxn>
+              <a:cxn ang="0">
+                <a:pos x="connsiteX2" y="connsiteY2"/>
+              </a:cxn>
+              <a:cxn ang="0">
+                <a:pos x="connsiteX3" y="connsiteY3"/>
+              </a:cxn>
+              <a:cxn ang="0">
+                <a:pos x="connsiteX4" y="connsiteY4"/>
+              </a:cxn>
+              <a:cxn ang="0">
+                <a:pos x="connsiteX5" y="connsiteY5"/>
+              </a:cxn>
+              <a:cxn ang="0">
+                <a:pos x="connsiteX6" y="connsiteY6"/>
+              </a:cxn>
+              <a:cxn ang="0">
+                <a:pos x="connsiteX7" y="connsiteY7"/>
+              </a:cxn>
+              <a:cxn ang="0">
+                <a:pos x="connsiteX8" y="connsiteY8"/>
+              </a:cxn>
+              <a:cxn ang="0">
+                <a:pos x="connsiteX9" y="connsiteY9"/>
+              </a:cxn>
+              <a:cxn ang="0">
+                <a:pos x="connsiteX10" y="connsiteY10"/>
+              </a:cxn>
+              <a:cxn ang="0">
+                <a:pos x="connsiteX11" y="connsiteY11"/>
+              </a:cxn>
+              <a:cxn ang="0">
+                <a:pos x="connsiteX12" y="connsiteY12"/>
+              </a:cxn>
+              <a:cxn ang="0">
+                <a:pos x="connsiteX13" y="connsiteY13"/>
+              </a:cxn>
+              <a:cxn ang="0">
+                <a:pos x="connsiteX14" y="connsiteY14"/>
+              </a:cxn>
+              <a:cxn ang="0">
+                <a:pos x="connsiteX15" y="connsiteY15"/>
+              </a:cxn>
+              <a:cxn ang="0">
+                <a:pos x="connsiteX16" y="connsiteY16"/>
+              </a:cxn>
+              <a:cxn ang="0">
+                <a:pos x="connsiteX17" y="connsiteY17"/>
+              </a:cxn>
+              <a:cxn ang="0">
+                <a:pos x="connsiteX18" y="connsiteY18"/>
+              </a:cxn>
+              <a:cxn ang="0">
+                <a:pos x="connsiteX19" y="connsiteY19"/>
+              </a:cxn>
+              <a:cxn ang="0">
+                <a:pos x="connsiteX20" y="connsiteY20"/>
+              </a:cxn>
+              <a:cxn ang="0">
+                <a:pos x="connsiteX21" y="connsiteY21"/>
+              </a:cxn>
+              <a:cxn ang="0">
+                <a:pos x="connsiteX22" y="connsiteY22"/>
+              </a:cxn>
+            </a:cxnLst>
+            <a:rect l="l" t="t" r="r" b="b"/>
+            <a:pathLst>
+              <a:path w="12192000" h="3118104">
+                <a:moveTo>
+                  <a:pt x="0" y="0"/>
+                </a:moveTo>
+                <a:lnTo>
+                  <a:pt x="3676329" y="0"/>
+                </a:lnTo>
+                <a:lnTo>
+                  <a:pt x="5595257" y="0"/>
+                </a:lnTo>
+                <a:lnTo>
+                  <a:pt x="5672349" y="0"/>
+                </a:lnTo>
+                <a:lnTo>
+                  <a:pt x="6053347" y="263783"/>
+                </a:lnTo>
+                <a:lnTo>
+                  <a:pt x="6061813" y="266713"/>
+                </a:lnTo>
+                <a:lnTo>
+                  <a:pt x="6074513" y="271110"/>
+                </a:lnTo>
+                <a:lnTo>
+                  <a:pt x="6087212" y="275506"/>
+                </a:lnTo>
+                <a:lnTo>
+                  <a:pt x="6097797" y="275506"/>
+                </a:lnTo>
+                <a:lnTo>
+                  <a:pt x="6110496" y="275506"/>
+                </a:lnTo>
+                <a:lnTo>
+                  <a:pt x="6121079" y="271110"/>
+                </a:lnTo>
+                <a:lnTo>
+                  <a:pt x="6133779" y="266713"/>
+                </a:lnTo>
+                <a:lnTo>
+                  <a:pt x="6142246" y="263783"/>
+                </a:lnTo>
+                <a:lnTo>
+                  <a:pt x="6523247" y="0"/>
+                </a:lnTo>
+                <a:lnTo>
+                  <a:pt x="6596743" y="0"/>
+                </a:lnTo>
+                <a:lnTo>
+                  <a:pt x="12186115" y="0"/>
+                </a:lnTo>
+                <a:lnTo>
+                  <a:pt x="12192000" y="0"/>
+                </a:lnTo>
+                <a:lnTo>
+                  <a:pt x="12192000" y="3118104"/>
+                </a:lnTo>
+                <a:lnTo>
+                  <a:pt x="7728858" y="3118104"/>
+                </a:lnTo>
+                <a:lnTo>
+                  <a:pt x="6596743" y="3118104"/>
+                </a:lnTo>
+                <a:lnTo>
+                  <a:pt x="5595257" y="3118104"/>
+                </a:lnTo>
+                <a:lnTo>
+                  <a:pt x="2906487" y="3118104"/>
+                </a:lnTo>
+                <a:lnTo>
+                  <a:pt x="0" y="3118104"/>
+                </a:lnTo>
+                <a:close/>
+              </a:path>
+            </a:pathLst>
+          </a:custGeom>
           <a:solidFill>
-            <a:schemeClr val="tx1"/>
+            <a:srgbClr val="212121"/>
           </a:solidFill>
           <a:ln>
-            <a:solidFill>
-              <a:schemeClr val="accent1">
-                <a:lumMod val="75000"/>
-              </a:schemeClr>
-            </a:solidFill>
+            <a:noFill/>
           </a:ln>
-          <a:effectLst/>
         </p:spPr>
         <p:style>
           <a:lnRef idx="2">
@@ -7067,21 +8919,129 @@
           </a:p>
         </p:txBody>
       </p:sp>
+      <p:sp>
+        <p:nvSpPr>
+          <p:cNvPr id="2" name="Titre 1">
+            <a:extLst>
+              <a:ext uri="{FF2B5EF4-FFF2-40B4-BE49-F238E27FC236}">
+                <a16:creationId xmlns:a16="http://schemas.microsoft.com/office/drawing/2014/main" id="{ABDBF3D9-737F-4B67-BB03-EEE7EBC05644}"/>
+              </a:ext>
+            </a:extLst>
+          </p:cNvPr>
+          <p:cNvSpPr>
+            <a:spLocks noGrp="1"/>
+          </p:cNvSpPr>
+          <p:nvPr>
+            <p:ph type="title"/>
+          </p:nvPr>
+        </p:nvSpPr>
+        <p:spPr>
+          <a:xfrm>
+            <a:off x="810001" y="4080386"/>
+            <a:ext cx="10572000" cy="1388741"/>
+          </a:xfrm>
+        </p:spPr>
+        <p:txBody>
+          <a:bodyPr vert="horz" lIns="91440" tIns="45720" rIns="91440" bIns="45720" rtlCol="0" anchor="b">
+            <a:normAutofit/>
+          </a:bodyPr>
+          <a:lstStyle/>
+          <a:p>
+            <a:pPr algn="ctr"/>
+            <a:r>
+              <a:rPr lang="en-US" sz="5400" dirty="0">
+                <a:solidFill>
+                  <a:srgbClr val="FFFFFF"/>
+                </a:solidFill>
+              </a:rPr>
+              <a:t>RFID</a:t>
+            </a:r>
+          </a:p>
+        </p:txBody>
+      </p:sp>
+      <p:sp>
+        <p:nvSpPr>
+          <p:cNvPr id="24" name="Rounded Rectangle 16">
+            <a:extLst>
+              <a:ext uri="{FF2B5EF4-FFF2-40B4-BE49-F238E27FC236}">
+                <a16:creationId xmlns:a16="http://schemas.microsoft.com/office/drawing/2014/main" id="{5A086AAD-1108-41EB-A7C9-5E22CA942EB2}"/>
+              </a:ext>
+              <a:ext uri="{C183D7F6-B498-43B3-948B-1728B52AA6E4}">
+                <adec:decorative xmlns:adec="http://schemas.microsoft.com/office/drawing/2017/decorative" val="1"/>
+              </a:ext>
+            </a:extLst>
+          </p:cNvPr>
+          <p:cNvSpPr>
+            <a:spLocks noGrp="1" noRot="1" noChangeAspect="1" noMove="1" noResize="1" noEditPoints="1" noAdjustHandles="1" noChangeArrowheads="1" noChangeShapeType="1" noTextEdit="1"/>
+          </p:cNvSpPr>
+          <p:nvPr>
+            <p:extLst>
+              <p:ext uri="{386F3935-93C4-4BCD-93E2-E3B085C9AB24}">
+                <p16:designElem xmlns:p16="http://schemas.microsoft.com/office/powerpoint/2015/main" val="1"/>
+              </p:ext>
+            </p:extLst>
+          </p:nvPr>
+        </p:nvSpPr>
+        <p:spPr>
+          <a:xfrm>
+            <a:off x="2210472" y="643464"/>
+            <a:ext cx="7757804" cy="2817491"/>
+          </a:xfrm>
+          <a:prstGeom prst="roundRect">
+            <a:avLst>
+              <a:gd name="adj" fmla="val 3513"/>
+            </a:avLst>
+          </a:prstGeom>
+          <a:solidFill>
+            <a:schemeClr val="bg1"/>
+          </a:solidFill>
+          <a:ln>
+            <a:solidFill>
+              <a:schemeClr val="accent1">
+                <a:lumMod val="75000"/>
+              </a:schemeClr>
+            </a:solidFill>
+          </a:ln>
+          <a:effectLst/>
+        </p:spPr>
+        <p:style>
+          <a:lnRef idx="2">
+            <a:schemeClr val="accent1">
+              <a:shade val="50000"/>
+            </a:schemeClr>
+          </a:lnRef>
+          <a:fillRef idx="1">
+            <a:schemeClr val="accent1"/>
+          </a:fillRef>
+          <a:effectRef idx="0">
+            <a:schemeClr val="accent1"/>
+          </a:effectRef>
+          <a:fontRef idx="minor">
+            <a:schemeClr val="lt1"/>
+          </a:fontRef>
+        </p:style>
+        <p:txBody>
+          <a:bodyPr rtlCol="0" anchor="ctr"/>
+          <a:lstStyle/>
+          <a:p>
+            <a:pPr algn="ctr"/>
+            <a:endParaRPr lang="en-US"/>
+          </a:p>
+        </p:txBody>
+      </p:sp>
       <p:pic>
         <p:nvPicPr>
-          <p:cNvPr id="61" name="Espace réservé du contenu 4">
+          <p:cNvPr id="6" name="Image 5">
             <a:extLst>
               <a:ext uri="{FF2B5EF4-FFF2-40B4-BE49-F238E27FC236}">
-                <a16:creationId xmlns:a16="http://schemas.microsoft.com/office/drawing/2014/main" id="{5BD8D0FE-A840-406F-A3FA-233E2F28EB3D}"/>
+                <a16:creationId xmlns:a16="http://schemas.microsoft.com/office/drawing/2014/main" id="{45261206-46F0-4C72-B096-3105A434B574}"/>
               </a:ext>
             </a:extLst>
           </p:cNvPr>
           <p:cNvPicPr>
-            <a:picLocks noGrp="1" noChangeAspect="1"/>
+            <a:picLocks noChangeAspect="1"/>
           </p:cNvPicPr>
-          <p:nvPr>
-            <p:ph idx="1"/>
-          </p:nvPr>
+          <p:nvPr/>
         </p:nvPicPr>
         <p:blipFill>
           <a:blip r:embed="rId2"/>
@@ -7091,58 +9051,23 @@
         </p:blipFill>
         <p:spPr>
           <a:xfrm>
-            <a:off x="1878565" y="873202"/>
-            <a:ext cx="8434872" cy="4133088"/>
+            <a:off x="3361929" y="884810"/>
+            <a:ext cx="5458950" cy="2320054"/>
           </a:xfrm>
           <a:prstGeom prst="rect">
             <a:avLst/>
           </a:prstGeom>
         </p:spPr>
       </p:pic>
-      <p:sp>
-        <p:nvSpPr>
-          <p:cNvPr id="10" name="ZoneTexte 9">
-            <a:extLst>
-              <a:ext uri="{FF2B5EF4-FFF2-40B4-BE49-F238E27FC236}">
-                <a16:creationId xmlns:a16="http://schemas.microsoft.com/office/drawing/2014/main" id="{41AC9DED-FB16-4D5F-808F-CFAFF56BD818}"/>
-              </a:ext>
-            </a:extLst>
-          </p:cNvPr>
-          <p:cNvSpPr txBox="1"/>
-          <p:nvPr/>
-        </p:nvSpPr>
-        <p:spPr>
-          <a:xfrm>
-            <a:off x="897622" y="6352598"/>
-            <a:ext cx="3649211" cy="369332"/>
-          </a:xfrm>
-          <a:prstGeom prst="rect">
-            <a:avLst/>
-          </a:prstGeom>
-          <a:noFill/>
-        </p:spPr>
-        <p:txBody>
-          <a:bodyPr wrap="square" rtlCol="0">
-            <a:spAutoFit/>
-          </a:bodyPr>
-          <a:lstStyle/>
-          <a:p>
-            <a:r>
-              <a:rPr lang="fr-FR" dirty="0"/>
-              <a:t>Identification par QR code</a:t>
-            </a:r>
-          </a:p>
-        </p:txBody>
-      </p:sp>
     </p:spTree>
     <p:extLst>
       <p:ext uri="{BB962C8B-B14F-4D97-AF65-F5344CB8AC3E}">
-        <p14:creationId xmlns:p14="http://schemas.microsoft.com/office/powerpoint/2010/main" val="385290132"/>
+        <p14:creationId xmlns:p14="http://schemas.microsoft.com/office/powerpoint/2010/main" val="891470572"/>
       </p:ext>
     </p:extLst>
   </p:cSld>
   <p:clrMapOvr>
-    <a:masterClrMapping/>
+    <a:overrideClrMapping bg1="lt1" tx1="dk1" bg2="lt2" tx2="dk2" accent1="accent1" accent2="accent2" accent3="accent3" accent4="accent4" accent5="accent5" accent6="accent6" hlink="hlink" folHlink="folHlink"/>
   </p:clrMapOvr>
 </p:sld>
 </file>
@@ -7174,10 +9099,10 @@
       </p:grpSpPr>
       <p:sp>
         <p:nvSpPr>
-          <p:cNvPr id="60" name="Freeform 6">
+          <p:cNvPr id="9" name="Freeform 6">
             <a:extLst>
               <a:ext uri="{FF2B5EF4-FFF2-40B4-BE49-F238E27FC236}">
-                <a16:creationId xmlns:a16="http://schemas.microsoft.com/office/drawing/2014/main" id="{E7597382-59B5-427B-9E49-55383F0A5561}"/>
+                <a16:creationId xmlns:a16="http://schemas.microsoft.com/office/drawing/2014/main" id="{E446B7E6-8568-417F-959E-DB3D1E70F648}"/>
               </a:ext>
               <a:ext uri="{C183D7F6-B498-43B3-948B-1728B52AA6E4}">
                 <adec:decorative xmlns:adec="http://schemas.microsoft.com/office/drawing/2017/decorative" val="1"/>
@@ -7198,7 +9123,7 @@
         <p:spPr bwMode="auto">
           <a:xfrm>
             <a:off x="0" y="-3175"/>
-            <a:ext cx="12192000" cy="6229804"/>
+            <a:ext cx="12192000" cy="5203825"/>
           </a:xfrm>
           <a:custGeom>
             <a:avLst/>
@@ -7263,12 +9188,11 @@
               </a:path>
             </a:pathLst>
           </a:custGeom>
-          <a:ln>
-            <a:noFill/>
-          </a:ln>
+          <a:ln/>
+          <a:effectLst/>
           <a:extLst>
             <a:ext uri="{91240B29-F687-4f45-9708-019B960494DF}">
-              <a14:hiddenLine xmlns="" xmlns:a16="http://schemas.microsoft.com/office/drawing/2014/main" xmlns:p14="http://schemas.microsoft.com/office/powerpoint/2010/main" xmlns:a14="http://schemas.microsoft.com/office/drawing/2010/main" w="9525">
+              <a14:hiddenLine xmlns:a14="http://schemas.microsoft.com/office/drawing/2010/main" xmlns:p14="http://schemas.microsoft.com/office/powerpoint/2010/main" xmlns:a16="http://schemas.microsoft.com/office/drawing/2014/main" xmlns="" w="9525">
                 <a:solidFill>
                   <a:srgbClr val="000000"/>
                 </a:solidFill>
@@ -7296,80 +9220,45 @@
       </p:sp>
       <p:sp>
         <p:nvSpPr>
-          <p:cNvPr id="59" name="Rounded Rectangle 16">
+          <p:cNvPr id="2" name="Titre 1">
             <a:extLst>
               <a:ext uri="{FF2B5EF4-FFF2-40B4-BE49-F238E27FC236}">
-                <a16:creationId xmlns:a16="http://schemas.microsoft.com/office/drawing/2014/main" id="{26471DC7-FA6E-40EF-A167-93BB0BCE16AD}"/>
-              </a:ext>
-              <a:ext uri="{C183D7F6-B498-43B3-948B-1728B52AA6E4}">
-                <adec:decorative xmlns:adec="http://schemas.microsoft.com/office/drawing/2017/decorative" val="1"/>
+                <a16:creationId xmlns:a16="http://schemas.microsoft.com/office/drawing/2014/main" id="{31CB2724-07B9-45CF-A9F2-75AB90587E6F}"/>
               </a:ext>
             </a:extLst>
           </p:cNvPr>
           <p:cNvSpPr>
-            <a:spLocks noGrp="1" noRot="1" noChangeAspect="1" noMove="1" noResize="1" noEditPoints="1" noAdjustHandles="1" noChangeArrowheads="1" noChangeShapeType="1" noTextEdit="1"/>
-          </p:cNvSpPr>
-          <p:nvPr>
-            <p:extLst>
-              <p:ext uri="{386F3935-93C4-4BCD-93E2-E3B085C9AB24}">
-                <p16:designElem xmlns:p16="http://schemas.microsoft.com/office/powerpoint/2015/main" val="1"/>
-              </p:ext>
-            </p:extLst>
+            <a:spLocks noGrp="1"/>
+          </p:cNvSpPr>
+          <p:nvPr>
+            <p:ph type="title"/>
           </p:nvPr>
         </p:nvSpPr>
         <p:spPr>
           <a:xfrm>
-            <a:off x="643468" y="643466"/>
-            <a:ext cx="10905066" cy="4592561"/>
-          </a:xfrm>
-          <a:prstGeom prst="roundRect">
-            <a:avLst>
-              <a:gd name="adj" fmla="val 3513"/>
-            </a:avLst>
-          </a:prstGeom>
-          <a:solidFill>
-            <a:schemeClr val="tx1"/>
-          </a:solidFill>
-          <a:ln>
-            <a:solidFill>
-              <a:schemeClr val="accent1">
-                <a:lumMod val="75000"/>
-              </a:schemeClr>
-            </a:solidFill>
-          </a:ln>
-          <a:effectLst/>
-        </p:spPr>
-        <p:style>
-          <a:lnRef idx="2">
-            <a:schemeClr val="accent1">
-              <a:shade val="50000"/>
-            </a:schemeClr>
-          </a:lnRef>
-          <a:fillRef idx="1">
-            <a:schemeClr val="accent1"/>
-          </a:fillRef>
-          <a:effectRef idx="0">
-            <a:schemeClr val="accent1"/>
-          </a:effectRef>
-          <a:fontRef idx="minor">
-            <a:schemeClr val="lt1"/>
-          </a:fontRef>
-        </p:style>
-        <p:txBody>
-          <a:bodyPr rtlCol="0" anchor="ctr"/>
+            <a:off x="810002" y="639097"/>
+            <a:ext cx="4961534" cy="3781101"/>
+          </a:xfrm>
+        </p:spPr>
+        <p:txBody>
+          <a:bodyPr vert="horz" lIns="91440" tIns="45720" rIns="91440" bIns="45720" rtlCol="0" anchor="b">
+            <a:normAutofit/>
+          </a:bodyPr>
           <a:lstStyle/>
           <a:p>
-            <a:pPr algn="ctr"/>
-            <a:endParaRPr lang="en-US"/>
-          </a:p>
-        </p:txBody>
-      </p:sp>
-      <p:sp>
-        <p:nvSpPr>
-          <p:cNvPr id="10" name="ZoneTexte 9">
+            <a:r>
+              <a:rPr lang="en-US" sz="5400" dirty="0"/>
+              <a:t>Android</a:t>
+            </a:r>
+          </a:p>
+        </p:txBody>
+      </p:sp>
+      <p:sp>
+        <p:nvSpPr>
+          <p:cNvPr id="6" name="ZoneTexte 5">
             <a:extLst>
               <a:ext uri="{FF2B5EF4-FFF2-40B4-BE49-F238E27FC236}">
-                <a16:creationId xmlns:a16="http://schemas.microsoft.com/office/drawing/2014/main" id="{41AC9DED-FB16-4D5F-808F-CFAFF56BD818}"/>
+                <a16:creationId xmlns:a16="http://schemas.microsoft.com/office/drawing/2014/main" id="{66A40330-961E-481B-AEED-687766494767}"/>
               </a:ext>
             </a:extLst>
           </p:cNvPr>
@@ -7378,8 +9267,8 @@
         </p:nvSpPr>
         <p:spPr>
           <a:xfrm>
-            <a:off x="860300" y="6292291"/>
-            <a:ext cx="3649211" cy="369332"/>
+            <a:off x="486561" y="5200650"/>
+            <a:ext cx="4840448" cy="1477328"/>
           </a:xfrm>
           <a:prstGeom prst="rect">
             <a:avLst/>
@@ -7392,607 +9281,36 @@
           </a:bodyPr>
           <a:lstStyle/>
           <a:p>
+            <a:pPr marL="285750" indent="-285750">
+              <a:buFont typeface="Courier New" panose="02070309020205020404" pitchFamily="49" charset="0"/>
+              <a:buChar char="o"/>
+            </a:pPr>
             <a:r>
               <a:rPr lang="fr-FR" dirty="0"/>
-              <a:t>Emprunter par NFC</a:t>
+              <a:t>Améliorations majeures dans la version 4.4</a:t>
             </a:r>
+          </a:p>
+          <a:p>
+            <a:pPr marL="285750" indent="-285750">
+              <a:buFont typeface="Courier New" panose="02070309020205020404" pitchFamily="49" charset="0"/>
+              <a:buChar char="o"/>
+            </a:pPr>
+            <a:r>
+              <a:rPr lang="fr-FR" dirty="0"/>
+              <a:t>Android 5.1.1 est le choix le plus logique</a:t>
+            </a:r>
+          </a:p>
+          <a:p>
+            <a:endParaRPr lang="fr-FR" dirty="0"/>
           </a:p>
         </p:txBody>
       </p:sp>
       <p:pic>
         <p:nvPicPr>
-          <p:cNvPr id="9" name="Espace réservé du contenu 8">
+          <p:cNvPr id="8" name="Image 7">
             <a:extLst>
               <a:ext uri="{FF2B5EF4-FFF2-40B4-BE49-F238E27FC236}">
-                <a16:creationId xmlns:a16="http://schemas.microsoft.com/office/drawing/2014/main" id="{703D726A-6292-48DB-8C7D-70EFB8FC9A83}"/>
-              </a:ext>
-            </a:extLst>
-          </p:cNvPr>
-          <p:cNvPicPr>
-            <a:picLocks noGrp="1" noChangeAspect="1"/>
-          </p:cNvPicPr>
-          <p:nvPr>
-            <p:ph idx="1"/>
-          </p:nvPr>
-        </p:nvPicPr>
-        <p:blipFill>
-          <a:blip r:embed="rId2"/>
-          <a:stretch>
-            <a:fillRect/>
-          </a:stretch>
-        </p:blipFill>
-        <p:spPr>
-          <a:xfrm>
-            <a:off x="1091683" y="709128"/>
-            <a:ext cx="9955762" cy="4049100"/>
-          </a:xfrm>
-        </p:spPr>
-      </p:pic>
-    </p:spTree>
-    <p:extLst>
-      <p:ext uri="{BB962C8B-B14F-4D97-AF65-F5344CB8AC3E}">
-        <p14:creationId xmlns:p14="http://schemas.microsoft.com/office/powerpoint/2010/main" val="3490439325"/>
-      </p:ext>
-    </p:extLst>
-  </p:cSld>
-  <p:clrMapOvr>
-    <a:masterClrMapping/>
-  </p:clrMapOvr>
-</p:sld>
-</file>
-
-<file path=ppt/slides/slide7.xml><?xml version="1.0" encoding="utf-8"?>
-<p:sld xmlns:a="http://schemas.openxmlformats.org/drawingml/2006/main" xmlns:r="http://schemas.openxmlformats.org/officeDocument/2006/relationships" xmlns:p="http://schemas.openxmlformats.org/presentationml/2006/main">
-  <p:cSld>
-    <p:bg>
-      <p:bgPr>
-        <a:solidFill>
-          <a:schemeClr val="bg2"/>
-        </a:solidFill>
-        <a:effectLst/>
-      </p:bgPr>
-    </p:bg>
-    <p:spTree>
-      <p:nvGrpSpPr>
-        <p:cNvPr id="1" name=""/>
-        <p:cNvGrpSpPr/>
-        <p:nvPr/>
-      </p:nvGrpSpPr>
-      <p:grpSpPr>
-        <a:xfrm>
-          <a:off x="0" y="0"/>
-          <a:ext cx="0" cy="0"/>
-          <a:chOff x="0" y="0"/>
-          <a:chExt cx="0" cy="0"/>
-        </a:xfrm>
-      </p:grpSpPr>
-      <p:sp>
-        <p:nvSpPr>
-          <p:cNvPr id="60" name="Freeform 6">
-            <a:extLst>
-              <a:ext uri="{FF2B5EF4-FFF2-40B4-BE49-F238E27FC236}">
-                <a16:creationId xmlns:a16="http://schemas.microsoft.com/office/drawing/2014/main" id="{E7597382-59B5-427B-9E49-55383F0A5561}"/>
-              </a:ext>
-              <a:ext uri="{C183D7F6-B498-43B3-948B-1728B52AA6E4}">
-                <adec:decorative xmlns:adec="http://schemas.microsoft.com/office/drawing/2017/decorative" val="1"/>
-              </a:ext>
-            </a:extLst>
-          </p:cNvPr>
-          <p:cNvSpPr>
-            <a:spLocks noGrp="1" noRot="1" noChangeAspect="1" noMove="1" noResize="1" noEditPoints="1" noAdjustHandles="1" noChangeArrowheads="1" noChangeShapeType="1" noTextEdit="1"/>
-          </p:cNvSpPr>
-          <p:nvPr>
-            <p:extLst>
-              <p:ext uri="{386F3935-93C4-4BCD-93E2-E3B085C9AB24}">
-                <p16:designElem xmlns:p16="http://schemas.microsoft.com/office/powerpoint/2015/main" val="1"/>
-              </p:ext>
-            </p:extLst>
-          </p:nvPr>
-        </p:nvSpPr>
-        <p:spPr bwMode="auto">
-          <a:xfrm>
-            <a:off x="0" y="-3175"/>
-            <a:ext cx="12192000" cy="6229804"/>
-          </a:xfrm>
-          <a:custGeom>
-            <a:avLst/>
-            <a:gdLst/>
-            <a:ahLst/>
-            <a:cxnLst/>
-            <a:rect l="0" t="0" r="r" b="b"/>
-            <a:pathLst>
-              <a:path w="5760" h="3278">
-                <a:moveTo>
-                  <a:pt x="5760" y="0"/>
-                </a:moveTo>
-                <a:lnTo>
-                  <a:pt x="0" y="0"/>
-                </a:lnTo>
-                <a:lnTo>
-                  <a:pt x="0" y="3090"/>
-                </a:lnTo>
-                <a:lnTo>
-                  <a:pt x="943" y="3090"/>
-                </a:lnTo>
-                <a:lnTo>
-                  <a:pt x="1123" y="3270"/>
-                </a:lnTo>
-                <a:lnTo>
-                  <a:pt x="1123" y="3270"/>
-                </a:lnTo>
-                <a:lnTo>
-                  <a:pt x="1127" y="3272"/>
-                </a:lnTo>
-                <a:lnTo>
-                  <a:pt x="1133" y="3275"/>
-                </a:lnTo>
-                <a:lnTo>
-                  <a:pt x="1139" y="3278"/>
-                </a:lnTo>
-                <a:lnTo>
-                  <a:pt x="1144" y="3278"/>
-                </a:lnTo>
-                <a:lnTo>
-                  <a:pt x="1150" y="3278"/>
-                </a:lnTo>
-                <a:lnTo>
-                  <a:pt x="1155" y="3275"/>
-                </a:lnTo>
-                <a:lnTo>
-                  <a:pt x="1161" y="3272"/>
-                </a:lnTo>
-                <a:lnTo>
-                  <a:pt x="1165" y="3270"/>
-                </a:lnTo>
-                <a:lnTo>
-                  <a:pt x="1345" y="3090"/>
-                </a:lnTo>
-                <a:lnTo>
-                  <a:pt x="5760" y="3090"/>
-                </a:lnTo>
-                <a:lnTo>
-                  <a:pt x="5760" y="0"/>
-                </a:lnTo>
-                <a:close/>
-              </a:path>
-            </a:pathLst>
-          </a:custGeom>
-          <a:ln>
-            <a:noFill/>
-          </a:ln>
-          <a:extLst>
-            <a:ext uri="{91240B29-F687-4f45-9708-019B960494DF}">
-              <a14:hiddenLine xmlns="" xmlns:a16="http://schemas.microsoft.com/office/drawing/2014/main" xmlns:p14="http://schemas.microsoft.com/office/powerpoint/2010/main" xmlns:a14="http://schemas.microsoft.com/office/drawing/2010/main" w="9525">
-                <a:solidFill>
-                  <a:srgbClr val="000000"/>
-                </a:solidFill>
-                <a:round/>
-                <a:headEnd/>
-                <a:tailEnd/>
-              </a14:hiddenLine>
-            </a:ext>
-          </a:extLst>
-        </p:spPr>
-        <p:style>
-          <a:lnRef idx="1">
-            <a:schemeClr val="accent1"/>
-          </a:lnRef>
-          <a:fillRef idx="3">
-            <a:schemeClr val="accent1"/>
-          </a:fillRef>
-          <a:effectRef idx="2">
-            <a:schemeClr val="accent1"/>
-          </a:effectRef>
-          <a:fontRef idx="minor">
-            <a:schemeClr val="lt1"/>
-          </a:fontRef>
-        </p:style>
-      </p:sp>
-      <p:sp>
-        <p:nvSpPr>
-          <p:cNvPr id="59" name="Rounded Rectangle 16">
-            <a:extLst>
-              <a:ext uri="{FF2B5EF4-FFF2-40B4-BE49-F238E27FC236}">
-                <a16:creationId xmlns:a16="http://schemas.microsoft.com/office/drawing/2014/main" id="{26471DC7-FA6E-40EF-A167-93BB0BCE16AD}"/>
-              </a:ext>
-              <a:ext uri="{C183D7F6-B498-43B3-948B-1728B52AA6E4}">
-                <adec:decorative xmlns:adec="http://schemas.microsoft.com/office/drawing/2017/decorative" val="1"/>
-              </a:ext>
-            </a:extLst>
-          </p:cNvPr>
-          <p:cNvSpPr>
-            <a:spLocks noGrp="1" noRot="1" noChangeAspect="1" noMove="1" noResize="1" noEditPoints="1" noAdjustHandles="1" noChangeArrowheads="1" noChangeShapeType="1" noTextEdit="1"/>
-          </p:cNvSpPr>
-          <p:nvPr>
-            <p:extLst>
-              <p:ext uri="{386F3935-93C4-4BCD-93E2-E3B085C9AB24}">
-                <p16:designElem xmlns:p16="http://schemas.microsoft.com/office/powerpoint/2015/main" val="1"/>
-              </p:ext>
-            </p:extLst>
-          </p:nvPr>
-        </p:nvSpPr>
-        <p:spPr>
-          <a:xfrm>
-            <a:off x="643468" y="643466"/>
-            <a:ext cx="10905066" cy="4592561"/>
-          </a:xfrm>
-          <a:prstGeom prst="roundRect">
-            <a:avLst>
-              <a:gd name="adj" fmla="val 3513"/>
-            </a:avLst>
-          </a:prstGeom>
-          <a:solidFill>
-            <a:schemeClr val="tx1"/>
-          </a:solidFill>
-          <a:ln>
-            <a:solidFill>
-              <a:schemeClr val="accent1">
-                <a:lumMod val="75000"/>
-              </a:schemeClr>
-            </a:solidFill>
-          </a:ln>
-          <a:effectLst/>
-        </p:spPr>
-        <p:style>
-          <a:lnRef idx="2">
-            <a:schemeClr val="accent1">
-              <a:shade val="50000"/>
-            </a:schemeClr>
-          </a:lnRef>
-          <a:fillRef idx="1">
-            <a:schemeClr val="accent1"/>
-          </a:fillRef>
-          <a:effectRef idx="0">
-            <a:schemeClr val="accent1"/>
-          </a:effectRef>
-          <a:fontRef idx="minor">
-            <a:schemeClr val="lt1"/>
-          </a:fontRef>
-        </p:style>
-        <p:txBody>
-          <a:bodyPr rtlCol="0" anchor="ctr"/>
-          <a:lstStyle/>
-          <a:p>
-            <a:pPr algn="ctr"/>
-            <a:endParaRPr lang="en-US"/>
-          </a:p>
-        </p:txBody>
-      </p:sp>
-      <p:sp>
-        <p:nvSpPr>
-          <p:cNvPr id="10" name="ZoneTexte 9">
-            <a:extLst>
-              <a:ext uri="{FF2B5EF4-FFF2-40B4-BE49-F238E27FC236}">
-                <a16:creationId xmlns:a16="http://schemas.microsoft.com/office/drawing/2014/main" id="{41AC9DED-FB16-4D5F-808F-CFAFF56BD818}"/>
-              </a:ext>
-            </a:extLst>
-          </p:cNvPr>
-          <p:cNvSpPr txBox="1"/>
-          <p:nvPr/>
-        </p:nvSpPr>
-        <p:spPr>
-          <a:xfrm>
-            <a:off x="897622" y="6352598"/>
-            <a:ext cx="3649211" cy="369332"/>
-          </a:xfrm>
-          <a:prstGeom prst="rect">
-            <a:avLst/>
-          </a:prstGeom>
-          <a:noFill/>
-        </p:spPr>
-        <p:txBody>
-          <a:bodyPr wrap="square" rtlCol="0">
-            <a:spAutoFit/>
-          </a:bodyPr>
-          <a:lstStyle/>
-          <a:p>
-            <a:r>
-              <a:rPr lang="fr-FR" dirty="0"/>
-              <a:t>Emprunter par QR Code</a:t>
-            </a:r>
-          </a:p>
-        </p:txBody>
-      </p:sp>
-      <p:pic>
-        <p:nvPicPr>
-          <p:cNvPr id="5" name="Espace réservé du contenu 4">
-            <a:extLst>
-              <a:ext uri="{FF2B5EF4-FFF2-40B4-BE49-F238E27FC236}">
-                <a16:creationId xmlns:a16="http://schemas.microsoft.com/office/drawing/2014/main" id="{B2C70422-16AF-42CF-B98F-B1E235038380}"/>
-              </a:ext>
-            </a:extLst>
-          </p:cNvPr>
-          <p:cNvPicPr>
-            <a:picLocks noGrp="1" noChangeAspect="1"/>
-          </p:cNvPicPr>
-          <p:nvPr>
-            <p:ph idx="1"/>
-          </p:nvPr>
-        </p:nvPicPr>
-        <p:blipFill>
-          <a:blip r:embed="rId2"/>
-          <a:stretch>
-            <a:fillRect/>
-          </a:stretch>
-        </p:blipFill>
-        <p:spPr>
-          <a:xfrm>
-            <a:off x="1334278" y="914400"/>
-            <a:ext cx="9367934" cy="4180113"/>
-          </a:xfrm>
-        </p:spPr>
-      </p:pic>
-    </p:spTree>
-    <p:extLst>
-      <p:ext uri="{BB962C8B-B14F-4D97-AF65-F5344CB8AC3E}">
-        <p14:creationId xmlns:p14="http://schemas.microsoft.com/office/powerpoint/2010/main" val="477034004"/>
-      </p:ext>
-    </p:extLst>
-  </p:cSld>
-  <p:clrMapOvr>
-    <a:masterClrMapping/>
-  </p:clrMapOvr>
-</p:sld>
-</file>
-
-<file path=ppt/slides/slide8.xml><?xml version="1.0" encoding="utf-8"?>
-<p:sld xmlns:a="http://schemas.openxmlformats.org/drawingml/2006/main" xmlns:r="http://schemas.openxmlformats.org/officeDocument/2006/relationships" xmlns:p="http://schemas.openxmlformats.org/presentationml/2006/main">
-  <p:cSld>
-    <p:bg>
-      <p:bgPr>
-        <a:solidFill>
-          <a:schemeClr val="bg2"/>
-        </a:solidFill>
-        <a:effectLst/>
-      </p:bgPr>
-    </p:bg>
-    <p:spTree>
-      <p:nvGrpSpPr>
-        <p:cNvPr id="1" name=""/>
-        <p:cNvGrpSpPr/>
-        <p:nvPr/>
-      </p:nvGrpSpPr>
-      <p:grpSpPr>
-        <a:xfrm>
-          <a:off x="0" y="0"/>
-          <a:ext cx="0" cy="0"/>
-          <a:chOff x="0" y="0"/>
-          <a:chExt cx="0" cy="0"/>
-        </a:xfrm>
-      </p:grpSpPr>
-      <p:sp>
-        <p:nvSpPr>
-          <p:cNvPr id="60" name="Freeform 6">
-            <a:extLst>
-              <a:ext uri="{FF2B5EF4-FFF2-40B4-BE49-F238E27FC236}">
-                <a16:creationId xmlns:a16="http://schemas.microsoft.com/office/drawing/2014/main" id="{E7597382-59B5-427B-9E49-55383F0A5561}"/>
-              </a:ext>
-              <a:ext uri="{C183D7F6-B498-43B3-948B-1728B52AA6E4}">
-                <adec:decorative xmlns:adec="http://schemas.microsoft.com/office/drawing/2017/decorative" val="1"/>
-              </a:ext>
-            </a:extLst>
-          </p:cNvPr>
-          <p:cNvSpPr>
-            <a:spLocks noGrp="1" noRot="1" noChangeAspect="1" noMove="1" noResize="1" noEditPoints="1" noAdjustHandles="1" noChangeArrowheads="1" noChangeShapeType="1" noTextEdit="1"/>
-          </p:cNvSpPr>
-          <p:nvPr>
-            <p:extLst>
-              <p:ext uri="{386F3935-93C4-4BCD-93E2-E3B085C9AB24}">
-                <p16:designElem xmlns:p16="http://schemas.microsoft.com/office/powerpoint/2015/main" val="1"/>
-              </p:ext>
-            </p:extLst>
-          </p:nvPr>
-        </p:nvSpPr>
-        <p:spPr bwMode="auto">
-          <a:xfrm>
-            <a:off x="0" y="-3175"/>
-            <a:ext cx="12192000" cy="6229804"/>
-          </a:xfrm>
-          <a:custGeom>
-            <a:avLst/>
-            <a:gdLst/>
-            <a:ahLst/>
-            <a:cxnLst/>
-            <a:rect l="0" t="0" r="r" b="b"/>
-            <a:pathLst>
-              <a:path w="5760" h="3278">
-                <a:moveTo>
-                  <a:pt x="5760" y="0"/>
-                </a:moveTo>
-                <a:lnTo>
-                  <a:pt x="0" y="0"/>
-                </a:lnTo>
-                <a:lnTo>
-                  <a:pt x="0" y="3090"/>
-                </a:lnTo>
-                <a:lnTo>
-                  <a:pt x="943" y="3090"/>
-                </a:lnTo>
-                <a:lnTo>
-                  <a:pt x="1123" y="3270"/>
-                </a:lnTo>
-                <a:lnTo>
-                  <a:pt x="1123" y="3270"/>
-                </a:lnTo>
-                <a:lnTo>
-                  <a:pt x="1127" y="3272"/>
-                </a:lnTo>
-                <a:lnTo>
-                  <a:pt x="1133" y="3275"/>
-                </a:lnTo>
-                <a:lnTo>
-                  <a:pt x="1139" y="3278"/>
-                </a:lnTo>
-                <a:lnTo>
-                  <a:pt x="1144" y="3278"/>
-                </a:lnTo>
-                <a:lnTo>
-                  <a:pt x="1150" y="3278"/>
-                </a:lnTo>
-                <a:lnTo>
-                  <a:pt x="1155" y="3275"/>
-                </a:lnTo>
-                <a:lnTo>
-                  <a:pt x="1161" y="3272"/>
-                </a:lnTo>
-                <a:lnTo>
-                  <a:pt x="1165" y="3270"/>
-                </a:lnTo>
-                <a:lnTo>
-                  <a:pt x="1345" y="3090"/>
-                </a:lnTo>
-                <a:lnTo>
-                  <a:pt x="5760" y="3090"/>
-                </a:lnTo>
-                <a:lnTo>
-                  <a:pt x="5760" y="0"/>
-                </a:lnTo>
-                <a:close/>
-              </a:path>
-            </a:pathLst>
-          </a:custGeom>
-          <a:ln>
-            <a:noFill/>
-          </a:ln>
-          <a:extLst>
-            <a:ext uri="{91240B29-F687-4f45-9708-019B960494DF}">
-              <a14:hiddenLine xmlns="" xmlns:a16="http://schemas.microsoft.com/office/drawing/2014/main" xmlns:p14="http://schemas.microsoft.com/office/powerpoint/2010/main" xmlns:a14="http://schemas.microsoft.com/office/drawing/2010/main" w="9525">
-                <a:solidFill>
-                  <a:srgbClr val="000000"/>
-                </a:solidFill>
-                <a:round/>
-                <a:headEnd/>
-                <a:tailEnd/>
-              </a14:hiddenLine>
-            </a:ext>
-          </a:extLst>
-        </p:spPr>
-        <p:style>
-          <a:lnRef idx="1">
-            <a:schemeClr val="accent1"/>
-          </a:lnRef>
-          <a:fillRef idx="3">
-            <a:schemeClr val="accent1"/>
-          </a:fillRef>
-          <a:effectRef idx="2">
-            <a:schemeClr val="accent1"/>
-          </a:effectRef>
-          <a:fontRef idx="minor">
-            <a:schemeClr val="lt1"/>
-          </a:fontRef>
-        </p:style>
-      </p:sp>
-      <p:sp>
-        <p:nvSpPr>
-          <p:cNvPr id="59" name="Rounded Rectangle 16">
-            <a:extLst>
-              <a:ext uri="{FF2B5EF4-FFF2-40B4-BE49-F238E27FC236}">
-                <a16:creationId xmlns:a16="http://schemas.microsoft.com/office/drawing/2014/main" id="{26471DC7-FA6E-40EF-A167-93BB0BCE16AD}"/>
-              </a:ext>
-              <a:ext uri="{C183D7F6-B498-43B3-948B-1728B52AA6E4}">
-                <adec:decorative xmlns:adec="http://schemas.microsoft.com/office/drawing/2017/decorative" val="1"/>
-              </a:ext>
-            </a:extLst>
-          </p:cNvPr>
-          <p:cNvSpPr>
-            <a:spLocks noGrp="1" noRot="1" noChangeAspect="1" noMove="1" noResize="1" noEditPoints="1" noAdjustHandles="1" noChangeArrowheads="1" noChangeShapeType="1" noTextEdit="1"/>
-          </p:cNvSpPr>
-          <p:nvPr>
-            <p:extLst>
-              <p:ext uri="{386F3935-93C4-4BCD-93E2-E3B085C9AB24}">
-                <p16:designElem xmlns:p16="http://schemas.microsoft.com/office/powerpoint/2015/main" val="1"/>
-              </p:ext>
-            </p:extLst>
-          </p:nvPr>
-        </p:nvSpPr>
-        <p:spPr>
-          <a:xfrm>
-            <a:off x="643468" y="643466"/>
-            <a:ext cx="10905066" cy="4592561"/>
-          </a:xfrm>
-          <a:prstGeom prst="roundRect">
-            <a:avLst>
-              <a:gd name="adj" fmla="val 3513"/>
-            </a:avLst>
-          </a:prstGeom>
-          <a:solidFill>
-            <a:schemeClr val="tx1"/>
-          </a:solidFill>
-          <a:ln>
-            <a:solidFill>
-              <a:schemeClr val="accent1">
-                <a:lumMod val="75000"/>
-              </a:schemeClr>
-            </a:solidFill>
-          </a:ln>
-          <a:effectLst/>
-        </p:spPr>
-        <p:style>
-          <a:lnRef idx="2">
-            <a:schemeClr val="accent1">
-              <a:shade val="50000"/>
-            </a:schemeClr>
-          </a:lnRef>
-          <a:fillRef idx="1">
-            <a:schemeClr val="accent1"/>
-          </a:fillRef>
-          <a:effectRef idx="0">
-            <a:schemeClr val="accent1"/>
-          </a:effectRef>
-          <a:fontRef idx="minor">
-            <a:schemeClr val="lt1"/>
-          </a:fontRef>
-        </p:style>
-        <p:txBody>
-          <a:bodyPr rtlCol="0" anchor="ctr"/>
-          <a:lstStyle/>
-          <a:p>
-            <a:pPr algn="ctr"/>
-            <a:endParaRPr lang="en-US"/>
-          </a:p>
-        </p:txBody>
-      </p:sp>
-      <p:sp>
-        <p:nvSpPr>
-          <p:cNvPr id="10" name="ZoneTexte 9">
-            <a:extLst>
-              <a:ext uri="{FF2B5EF4-FFF2-40B4-BE49-F238E27FC236}">
-                <a16:creationId xmlns:a16="http://schemas.microsoft.com/office/drawing/2014/main" id="{41AC9DED-FB16-4D5F-808F-CFAFF56BD818}"/>
-              </a:ext>
-            </a:extLst>
-          </p:cNvPr>
-          <p:cNvSpPr txBox="1"/>
-          <p:nvPr/>
-        </p:nvSpPr>
-        <p:spPr>
-          <a:xfrm>
-            <a:off x="897622" y="6306320"/>
-            <a:ext cx="3649211" cy="369332"/>
-          </a:xfrm>
-          <a:prstGeom prst="rect">
-            <a:avLst/>
-          </a:prstGeom>
-          <a:noFill/>
-        </p:spPr>
-        <p:txBody>
-          <a:bodyPr wrap="square" rtlCol="0">
-            <a:spAutoFit/>
-          </a:bodyPr>
-          <a:lstStyle/>
-          <a:p>
-            <a:r>
-              <a:rPr lang="fr-FR" dirty="0"/>
-              <a:t>Cas d’utilisation Emprunteur</a:t>
-            </a:r>
-          </a:p>
-        </p:txBody>
-      </p:sp>
-      <p:pic>
-        <p:nvPicPr>
-          <p:cNvPr id="6" name="Espace réservé du contenu 4">
-            <a:extLst>
-              <a:ext uri="{FF2B5EF4-FFF2-40B4-BE49-F238E27FC236}">
-                <a16:creationId xmlns:a16="http://schemas.microsoft.com/office/drawing/2014/main" id="{D7435E40-22BE-466C-9C1E-A012AA19B9CA}"/>
+                <a16:creationId xmlns:a16="http://schemas.microsoft.com/office/drawing/2014/main" id="{9AC88B8C-3C67-4984-B7CE-DE52D55E3263}"/>
               </a:ext>
             </a:extLst>
           </p:cNvPr>
@@ -8009,25 +9327,18 @@
         </p:blipFill>
         <p:spPr>
           <a:xfrm>
-            <a:off x="1566659" y="1621973"/>
-            <a:ext cx="9192908" cy="2267266"/>
+            <a:off x="6061470" y="0"/>
+            <a:ext cx="6130530" cy="6858000"/>
           </a:xfrm>
           <a:prstGeom prst="rect">
             <a:avLst/>
           </a:prstGeom>
-          <a:effectLst>
-            <a:outerShdw blurRad="50800" dir="14400000">
-              <a:srgbClr val="000000">
-                <a:alpha val="40000"/>
-              </a:srgbClr>
-            </a:outerShdw>
-          </a:effectLst>
         </p:spPr>
       </p:pic>
     </p:spTree>
     <p:extLst>
       <p:ext uri="{BB962C8B-B14F-4D97-AF65-F5344CB8AC3E}">
-        <p14:creationId xmlns:p14="http://schemas.microsoft.com/office/powerpoint/2010/main" val="2926079855"/>
+        <p14:creationId xmlns:p14="http://schemas.microsoft.com/office/powerpoint/2010/main" val="4184962842"/>
       </p:ext>
     </p:extLst>
   </p:cSld>
@@ -8037,7 +9348,7 @@
 </p:sld>
 </file>
 
-<file path=ppt/slides/slide9.xml><?xml version="1.0" encoding="utf-8"?>
+<file path=ppt/slides/slide7.xml><?xml version="1.0" encoding="utf-8"?>
 <p:sld xmlns:a="http://schemas.openxmlformats.org/drawingml/2006/main" xmlns:r="http://schemas.openxmlformats.org/officeDocument/2006/relationships" xmlns:p="http://schemas.openxmlformats.org/presentationml/2006/main">
   <p:cSld>
     <p:spTree>
@@ -8499,6 +9810,652 @@
     <p:extLst>
       <p:ext uri="{BB962C8B-B14F-4D97-AF65-F5344CB8AC3E}">
         <p14:creationId xmlns:p14="http://schemas.microsoft.com/office/powerpoint/2010/main" val="1622655360"/>
+      </p:ext>
+    </p:extLst>
+  </p:cSld>
+  <p:clrMapOvr>
+    <a:masterClrMapping/>
+  </p:clrMapOvr>
+</p:sld>
+</file>
+
+<file path=ppt/slides/slide8.xml><?xml version="1.0" encoding="utf-8"?>
+<p:sld xmlns:a="http://schemas.openxmlformats.org/drawingml/2006/main" xmlns:r="http://schemas.openxmlformats.org/officeDocument/2006/relationships" xmlns:p="http://schemas.openxmlformats.org/presentationml/2006/main">
+  <p:cSld>
+    <p:bg>
+      <p:bgPr>
+        <a:solidFill>
+          <a:schemeClr val="bg2"/>
+        </a:solidFill>
+        <a:effectLst/>
+      </p:bgPr>
+    </p:bg>
+    <p:spTree>
+      <p:nvGrpSpPr>
+        <p:cNvPr id="1" name=""/>
+        <p:cNvGrpSpPr/>
+        <p:nvPr/>
+      </p:nvGrpSpPr>
+      <p:grpSpPr>
+        <a:xfrm>
+          <a:off x="0" y="0"/>
+          <a:ext cx="0" cy="0"/>
+          <a:chOff x="0" y="0"/>
+          <a:chExt cx="0" cy="0"/>
+        </a:xfrm>
+      </p:grpSpPr>
+      <p:sp>
+        <p:nvSpPr>
+          <p:cNvPr id="60" name="Freeform 6">
+            <a:extLst>
+              <a:ext uri="{FF2B5EF4-FFF2-40B4-BE49-F238E27FC236}">
+                <a16:creationId xmlns:a16="http://schemas.microsoft.com/office/drawing/2014/main" id="{E7597382-59B5-427B-9E49-55383F0A5561}"/>
+              </a:ext>
+              <a:ext uri="{C183D7F6-B498-43B3-948B-1728B52AA6E4}">
+                <adec:decorative xmlns:adec="http://schemas.microsoft.com/office/drawing/2017/decorative" val="1"/>
+              </a:ext>
+            </a:extLst>
+          </p:cNvPr>
+          <p:cNvSpPr>
+            <a:spLocks noGrp="1" noRot="1" noChangeAspect="1" noMove="1" noResize="1" noEditPoints="1" noAdjustHandles="1" noChangeArrowheads="1" noChangeShapeType="1" noTextEdit="1"/>
+          </p:cNvSpPr>
+          <p:nvPr>
+            <p:extLst>
+              <p:ext uri="{386F3935-93C4-4BCD-93E2-E3B085C9AB24}">
+                <p16:designElem xmlns:p16="http://schemas.microsoft.com/office/powerpoint/2015/main" val="1"/>
+              </p:ext>
+            </p:extLst>
+          </p:nvPr>
+        </p:nvSpPr>
+        <p:spPr bwMode="auto">
+          <a:xfrm>
+            <a:off x="0" y="-3175"/>
+            <a:ext cx="12192000" cy="6229804"/>
+          </a:xfrm>
+          <a:custGeom>
+            <a:avLst/>
+            <a:gdLst/>
+            <a:ahLst/>
+            <a:cxnLst/>
+            <a:rect l="0" t="0" r="r" b="b"/>
+            <a:pathLst>
+              <a:path w="5760" h="3278">
+                <a:moveTo>
+                  <a:pt x="5760" y="0"/>
+                </a:moveTo>
+                <a:lnTo>
+                  <a:pt x="0" y="0"/>
+                </a:lnTo>
+                <a:lnTo>
+                  <a:pt x="0" y="3090"/>
+                </a:lnTo>
+                <a:lnTo>
+                  <a:pt x="943" y="3090"/>
+                </a:lnTo>
+                <a:lnTo>
+                  <a:pt x="1123" y="3270"/>
+                </a:lnTo>
+                <a:lnTo>
+                  <a:pt x="1123" y="3270"/>
+                </a:lnTo>
+                <a:lnTo>
+                  <a:pt x="1127" y="3272"/>
+                </a:lnTo>
+                <a:lnTo>
+                  <a:pt x="1133" y="3275"/>
+                </a:lnTo>
+                <a:lnTo>
+                  <a:pt x="1139" y="3278"/>
+                </a:lnTo>
+                <a:lnTo>
+                  <a:pt x="1144" y="3278"/>
+                </a:lnTo>
+                <a:lnTo>
+                  <a:pt x="1150" y="3278"/>
+                </a:lnTo>
+                <a:lnTo>
+                  <a:pt x="1155" y="3275"/>
+                </a:lnTo>
+                <a:lnTo>
+                  <a:pt x="1161" y="3272"/>
+                </a:lnTo>
+                <a:lnTo>
+                  <a:pt x="1165" y="3270"/>
+                </a:lnTo>
+                <a:lnTo>
+                  <a:pt x="1345" y="3090"/>
+                </a:lnTo>
+                <a:lnTo>
+                  <a:pt x="5760" y="3090"/>
+                </a:lnTo>
+                <a:lnTo>
+                  <a:pt x="5760" y="0"/>
+                </a:lnTo>
+                <a:close/>
+              </a:path>
+            </a:pathLst>
+          </a:custGeom>
+          <a:ln>
+            <a:noFill/>
+          </a:ln>
+          <a:extLst>
+            <a:ext uri="{91240B29-F687-4f45-9708-019B960494DF}">
+              <a14:hiddenLine xmlns="" xmlns:a16="http://schemas.microsoft.com/office/drawing/2014/main" xmlns:p14="http://schemas.microsoft.com/office/powerpoint/2010/main" xmlns:a14="http://schemas.microsoft.com/office/drawing/2010/main" w="9525">
+                <a:solidFill>
+                  <a:srgbClr val="000000"/>
+                </a:solidFill>
+                <a:round/>
+                <a:headEnd/>
+                <a:tailEnd/>
+              </a14:hiddenLine>
+            </a:ext>
+          </a:extLst>
+        </p:spPr>
+        <p:style>
+          <a:lnRef idx="1">
+            <a:schemeClr val="accent1"/>
+          </a:lnRef>
+          <a:fillRef idx="3">
+            <a:schemeClr val="accent1"/>
+          </a:fillRef>
+          <a:effectRef idx="2">
+            <a:schemeClr val="accent1"/>
+          </a:effectRef>
+          <a:fontRef idx="minor">
+            <a:schemeClr val="lt1"/>
+          </a:fontRef>
+        </p:style>
+      </p:sp>
+      <p:sp>
+        <p:nvSpPr>
+          <p:cNvPr id="59" name="Rounded Rectangle 16">
+            <a:extLst>
+              <a:ext uri="{FF2B5EF4-FFF2-40B4-BE49-F238E27FC236}">
+                <a16:creationId xmlns:a16="http://schemas.microsoft.com/office/drawing/2014/main" id="{26471DC7-FA6E-40EF-A167-93BB0BCE16AD}"/>
+              </a:ext>
+              <a:ext uri="{C183D7F6-B498-43B3-948B-1728B52AA6E4}">
+                <adec:decorative xmlns:adec="http://schemas.microsoft.com/office/drawing/2017/decorative" val="1"/>
+              </a:ext>
+            </a:extLst>
+          </p:cNvPr>
+          <p:cNvSpPr>
+            <a:spLocks noGrp="1" noRot="1" noChangeAspect="1" noMove="1" noResize="1" noEditPoints="1" noAdjustHandles="1" noChangeArrowheads="1" noChangeShapeType="1" noTextEdit="1"/>
+          </p:cNvSpPr>
+          <p:nvPr>
+            <p:extLst>
+              <p:ext uri="{386F3935-93C4-4BCD-93E2-E3B085C9AB24}">
+                <p16:designElem xmlns:p16="http://schemas.microsoft.com/office/powerpoint/2015/main" val="1"/>
+              </p:ext>
+            </p:extLst>
+          </p:nvPr>
+        </p:nvSpPr>
+        <p:spPr>
+          <a:xfrm>
+            <a:off x="643468" y="643466"/>
+            <a:ext cx="10905066" cy="4592561"/>
+          </a:xfrm>
+          <a:prstGeom prst="roundRect">
+            <a:avLst>
+              <a:gd name="adj" fmla="val 3513"/>
+            </a:avLst>
+          </a:prstGeom>
+          <a:solidFill>
+            <a:schemeClr val="tx1"/>
+          </a:solidFill>
+          <a:ln>
+            <a:solidFill>
+              <a:schemeClr val="accent1">
+                <a:lumMod val="75000"/>
+              </a:schemeClr>
+            </a:solidFill>
+          </a:ln>
+          <a:effectLst/>
+        </p:spPr>
+        <p:style>
+          <a:lnRef idx="2">
+            <a:schemeClr val="accent1">
+              <a:shade val="50000"/>
+            </a:schemeClr>
+          </a:lnRef>
+          <a:fillRef idx="1">
+            <a:schemeClr val="accent1"/>
+          </a:fillRef>
+          <a:effectRef idx="0">
+            <a:schemeClr val="accent1"/>
+          </a:effectRef>
+          <a:fontRef idx="minor">
+            <a:schemeClr val="lt1"/>
+          </a:fontRef>
+        </p:style>
+        <p:txBody>
+          <a:bodyPr rtlCol="0" anchor="ctr"/>
+          <a:lstStyle/>
+          <a:p>
+            <a:pPr algn="ctr"/>
+            <a:endParaRPr lang="en-US"/>
+          </a:p>
+        </p:txBody>
+      </p:sp>
+      <p:sp>
+        <p:nvSpPr>
+          <p:cNvPr id="10" name="ZoneTexte 9">
+            <a:extLst>
+              <a:ext uri="{FF2B5EF4-FFF2-40B4-BE49-F238E27FC236}">
+                <a16:creationId xmlns:a16="http://schemas.microsoft.com/office/drawing/2014/main" id="{41AC9DED-FB16-4D5F-808F-CFAFF56BD818}"/>
+              </a:ext>
+            </a:extLst>
+          </p:cNvPr>
+          <p:cNvSpPr txBox="1"/>
+          <p:nvPr/>
+        </p:nvSpPr>
+        <p:spPr>
+          <a:xfrm>
+            <a:off x="897622" y="6306320"/>
+            <a:ext cx="3649211" cy="369332"/>
+          </a:xfrm>
+          <a:prstGeom prst="rect">
+            <a:avLst/>
+          </a:prstGeom>
+          <a:noFill/>
+        </p:spPr>
+        <p:txBody>
+          <a:bodyPr wrap="square" rtlCol="0">
+            <a:spAutoFit/>
+          </a:bodyPr>
+          <a:lstStyle/>
+          <a:p>
+            <a:r>
+              <a:rPr lang="fr-FR" dirty="0"/>
+              <a:t>Cas d’utilisation Emprunteur</a:t>
+            </a:r>
+          </a:p>
+        </p:txBody>
+      </p:sp>
+      <p:pic>
+        <p:nvPicPr>
+          <p:cNvPr id="11" name="Image 10">
+            <a:extLst>
+              <a:ext uri="{FF2B5EF4-FFF2-40B4-BE49-F238E27FC236}">
+                <a16:creationId xmlns:a16="http://schemas.microsoft.com/office/drawing/2014/main" id="{87EFFC71-B550-4182-B4FB-964F5E3738DE}"/>
+              </a:ext>
+            </a:extLst>
+          </p:cNvPr>
+          <p:cNvPicPr>
+            <a:picLocks noChangeAspect="1"/>
+          </p:cNvPicPr>
+          <p:nvPr/>
+        </p:nvPicPr>
+        <p:blipFill>
+          <a:blip r:embed="rId2"/>
+          <a:stretch>
+            <a:fillRect/>
+          </a:stretch>
+        </p:blipFill>
+        <p:spPr>
+          <a:xfrm>
+            <a:off x="731240" y="695991"/>
+            <a:ext cx="10729519" cy="4441780"/>
+          </a:xfrm>
+          <a:prstGeom prst="rect">
+            <a:avLst/>
+          </a:prstGeom>
+        </p:spPr>
+      </p:pic>
+      <p:sp>
+        <p:nvSpPr>
+          <p:cNvPr id="12" name="Ellipse 11">
+            <a:extLst>
+              <a:ext uri="{FF2B5EF4-FFF2-40B4-BE49-F238E27FC236}">
+                <a16:creationId xmlns:a16="http://schemas.microsoft.com/office/drawing/2014/main" id="{C85EA85E-EB82-48EE-9B18-52CFF481163C}"/>
+              </a:ext>
+            </a:extLst>
+          </p:cNvPr>
+          <p:cNvSpPr/>
+          <p:nvPr/>
+        </p:nvSpPr>
+        <p:spPr>
+          <a:xfrm>
+            <a:off x="897622" y="3798113"/>
+            <a:ext cx="10253830" cy="1379503"/>
+          </a:xfrm>
+          <a:prstGeom prst="ellipse">
+            <a:avLst/>
+          </a:prstGeom>
+          <a:noFill/>
+          <a:ln>
+            <a:solidFill>
+              <a:schemeClr val="accent6">
+                <a:lumMod val="75000"/>
+              </a:schemeClr>
+            </a:solidFill>
+          </a:ln>
+        </p:spPr>
+        <p:style>
+          <a:lnRef idx="2">
+            <a:schemeClr val="accent1">
+              <a:shade val="50000"/>
+            </a:schemeClr>
+          </a:lnRef>
+          <a:fillRef idx="1">
+            <a:schemeClr val="accent1"/>
+          </a:fillRef>
+          <a:effectRef idx="0">
+            <a:schemeClr val="accent1"/>
+          </a:effectRef>
+          <a:fontRef idx="minor">
+            <a:schemeClr val="lt1"/>
+          </a:fontRef>
+        </p:style>
+        <p:txBody>
+          <a:bodyPr rtlCol="0" anchor="ctr"/>
+          <a:lstStyle/>
+          <a:p>
+            <a:pPr algn="ctr"/>
+            <a:endParaRPr lang="fr-FR"/>
+          </a:p>
+        </p:txBody>
+      </p:sp>
+    </p:spTree>
+    <p:extLst>
+      <p:ext uri="{BB962C8B-B14F-4D97-AF65-F5344CB8AC3E}">
+        <p14:creationId xmlns:p14="http://schemas.microsoft.com/office/powerpoint/2010/main" val="2926079855"/>
+      </p:ext>
+    </p:extLst>
+  </p:cSld>
+  <p:clrMapOvr>
+    <a:masterClrMapping/>
+  </p:clrMapOvr>
+</p:sld>
+</file>
+
+<file path=ppt/slides/slide9.xml><?xml version="1.0" encoding="utf-8"?>
+<p:sld xmlns:a="http://schemas.openxmlformats.org/drawingml/2006/main" xmlns:r="http://schemas.openxmlformats.org/officeDocument/2006/relationships" xmlns:p="http://schemas.openxmlformats.org/presentationml/2006/main">
+  <p:cSld>
+    <p:bg>
+      <p:bgPr>
+        <a:solidFill>
+          <a:schemeClr val="bg2"/>
+        </a:solidFill>
+        <a:effectLst/>
+      </p:bgPr>
+    </p:bg>
+    <p:spTree>
+      <p:nvGrpSpPr>
+        <p:cNvPr id="1" name=""/>
+        <p:cNvGrpSpPr/>
+        <p:nvPr/>
+      </p:nvGrpSpPr>
+      <p:grpSpPr>
+        <a:xfrm>
+          <a:off x="0" y="0"/>
+          <a:ext cx="0" cy="0"/>
+          <a:chOff x="0" y="0"/>
+          <a:chExt cx="0" cy="0"/>
+        </a:xfrm>
+      </p:grpSpPr>
+      <p:sp>
+        <p:nvSpPr>
+          <p:cNvPr id="10" name="Freeform 6">
+            <a:extLst>
+              <a:ext uri="{FF2B5EF4-FFF2-40B4-BE49-F238E27FC236}">
+                <a16:creationId xmlns:a16="http://schemas.microsoft.com/office/drawing/2014/main" id="{E7597382-59B5-427B-9E49-55383F0A5561}"/>
+              </a:ext>
+              <a:ext uri="{C183D7F6-B498-43B3-948B-1728B52AA6E4}">
+                <adec:decorative xmlns:adec="http://schemas.microsoft.com/office/drawing/2017/decorative" val="1"/>
+              </a:ext>
+            </a:extLst>
+          </p:cNvPr>
+          <p:cNvSpPr>
+            <a:spLocks noGrp="1" noRot="1" noChangeAspect="1" noMove="1" noResize="1" noEditPoints="1" noAdjustHandles="1" noChangeArrowheads="1" noChangeShapeType="1" noTextEdit="1"/>
+          </p:cNvSpPr>
+          <p:nvPr>
+            <p:extLst>
+              <p:ext uri="{386F3935-93C4-4BCD-93E2-E3B085C9AB24}">
+                <p16:designElem xmlns:p16="http://schemas.microsoft.com/office/powerpoint/2015/main" val="1"/>
+              </p:ext>
+            </p:extLst>
+          </p:nvPr>
+        </p:nvSpPr>
+        <p:spPr bwMode="auto">
+          <a:xfrm>
+            <a:off x="0" y="-3175"/>
+            <a:ext cx="12192000" cy="6229804"/>
+          </a:xfrm>
+          <a:custGeom>
+            <a:avLst/>
+            <a:gdLst/>
+            <a:ahLst/>
+            <a:cxnLst/>
+            <a:rect l="0" t="0" r="r" b="b"/>
+            <a:pathLst>
+              <a:path w="5760" h="3278">
+                <a:moveTo>
+                  <a:pt x="5760" y="0"/>
+                </a:moveTo>
+                <a:lnTo>
+                  <a:pt x="0" y="0"/>
+                </a:lnTo>
+                <a:lnTo>
+                  <a:pt x="0" y="3090"/>
+                </a:lnTo>
+                <a:lnTo>
+                  <a:pt x="943" y="3090"/>
+                </a:lnTo>
+                <a:lnTo>
+                  <a:pt x="1123" y="3270"/>
+                </a:lnTo>
+                <a:lnTo>
+                  <a:pt x="1123" y="3270"/>
+                </a:lnTo>
+                <a:lnTo>
+                  <a:pt x="1127" y="3272"/>
+                </a:lnTo>
+                <a:lnTo>
+                  <a:pt x="1133" y="3275"/>
+                </a:lnTo>
+                <a:lnTo>
+                  <a:pt x="1139" y="3278"/>
+                </a:lnTo>
+                <a:lnTo>
+                  <a:pt x="1144" y="3278"/>
+                </a:lnTo>
+                <a:lnTo>
+                  <a:pt x="1150" y="3278"/>
+                </a:lnTo>
+                <a:lnTo>
+                  <a:pt x="1155" y="3275"/>
+                </a:lnTo>
+                <a:lnTo>
+                  <a:pt x="1161" y="3272"/>
+                </a:lnTo>
+                <a:lnTo>
+                  <a:pt x="1165" y="3270"/>
+                </a:lnTo>
+                <a:lnTo>
+                  <a:pt x="1345" y="3090"/>
+                </a:lnTo>
+                <a:lnTo>
+                  <a:pt x="5760" y="3090"/>
+                </a:lnTo>
+                <a:lnTo>
+                  <a:pt x="5760" y="0"/>
+                </a:lnTo>
+                <a:close/>
+              </a:path>
+            </a:pathLst>
+          </a:custGeom>
+          <a:ln>
+            <a:noFill/>
+          </a:ln>
+          <a:extLst>
+            <a:ext uri="{91240B29-F687-4f45-9708-019B960494DF}">
+              <a14:hiddenLine xmlns="" xmlns:a16="http://schemas.microsoft.com/office/drawing/2014/main" xmlns:p14="http://schemas.microsoft.com/office/powerpoint/2010/main" xmlns:a14="http://schemas.microsoft.com/office/drawing/2010/main" w="9525">
+                <a:solidFill>
+                  <a:srgbClr val="000000"/>
+                </a:solidFill>
+                <a:round/>
+                <a:headEnd/>
+                <a:tailEnd/>
+              </a14:hiddenLine>
+            </a:ext>
+          </a:extLst>
+        </p:spPr>
+        <p:style>
+          <a:lnRef idx="1">
+            <a:schemeClr val="accent1"/>
+          </a:lnRef>
+          <a:fillRef idx="3">
+            <a:schemeClr val="accent1"/>
+          </a:fillRef>
+          <a:effectRef idx="2">
+            <a:schemeClr val="accent1"/>
+          </a:effectRef>
+          <a:fontRef idx="minor">
+            <a:schemeClr val="lt1"/>
+          </a:fontRef>
+        </p:style>
+      </p:sp>
+      <p:sp>
+        <p:nvSpPr>
+          <p:cNvPr id="12" name="Rounded Rectangle 16">
+            <a:extLst>
+              <a:ext uri="{FF2B5EF4-FFF2-40B4-BE49-F238E27FC236}">
+                <a16:creationId xmlns:a16="http://schemas.microsoft.com/office/drawing/2014/main" id="{26471DC7-FA6E-40EF-A167-93BB0BCE16AD}"/>
+              </a:ext>
+              <a:ext uri="{C183D7F6-B498-43B3-948B-1728B52AA6E4}">
+                <adec:decorative xmlns:adec="http://schemas.microsoft.com/office/drawing/2017/decorative" val="1"/>
+              </a:ext>
+            </a:extLst>
+          </p:cNvPr>
+          <p:cNvSpPr>
+            <a:spLocks noGrp="1" noRot="1" noChangeAspect="1" noMove="1" noResize="1" noEditPoints="1" noAdjustHandles="1" noChangeArrowheads="1" noChangeShapeType="1" noTextEdit="1"/>
+          </p:cNvSpPr>
+          <p:nvPr>
+            <p:extLst>
+              <p:ext uri="{386F3935-93C4-4BCD-93E2-E3B085C9AB24}">
+                <p16:designElem xmlns:p16="http://schemas.microsoft.com/office/powerpoint/2015/main" val="1"/>
+              </p:ext>
+            </p:extLst>
+          </p:nvPr>
+        </p:nvSpPr>
+        <p:spPr>
+          <a:xfrm>
+            <a:off x="643468" y="643466"/>
+            <a:ext cx="10905066" cy="4592561"/>
+          </a:xfrm>
+          <a:prstGeom prst="roundRect">
+            <a:avLst>
+              <a:gd name="adj" fmla="val 3513"/>
+            </a:avLst>
+          </a:prstGeom>
+          <a:solidFill>
+            <a:schemeClr val="tx1"/>
+          </a:solidFill>
+          <a:ln>
+            <a:solidFill>
+              <a:schemeClr val="accent1">
+                <a:lumMod val="75000"/>
+              </a:schemeClr>
+            </a:solidFill>
+          </a:ln>
+          <a:effectLst/>
+        </p:spPr>
+        <p:style>
+          <a:lnRef idx="2">
+            <a:schemeClr val="accent1">
+              <a:shade val="50000"/>
+            </a:schemeClr>
+          </a:lnRef>
+          <a:fillRef idx="1">
+            <a:schemeClr val="accent1"/>
+          </a:fillRef>
+          <a:effectRef idx="0">
+            <a:schemeClr val="accent1"/>
+          </a:effectRef>
+          <a:fontRef idx="minor">
+            <a:schemeClr val="lt1"/>
+          </a:fontRef>
+        </p:style>
+        <p:txBody>
+          <a:bodyPr rtlCol="0" anchor="ctr"/>
+          <a:lstStyle/>
+          <a:p>
+            <a:pPr algn="ctr"/>
+            <a:endParaRPr lang="en-US"/>
+          </a:p>
+        </p:txBody>
+      </p:sp>
+      <p:pic>
+        <p:nvPicPr>
+          <p:cNvPr id="5" name="Espace réservé du contenu 4">
+            <a:extLst>
+              <a:ext uri="{FF2B5EF4-FFF2-40B4-BE49-F238E27FC236}">
+                <a16:creationId xmlns:a16="http://schemas.microsoft.com/office/drawing/2014/main" id="{36FB0DA3-348E-4453-AE0D-EA21836AF17A}"/>
+              </a:ext>
+            </a:extLst>
+          </p:cNvPr>
+          <p:cNvPicPr>
+            <a:picLocks noGrp="1" noChangeAspect="1"/>
+          </p:cNvPicPr>
+          <p:nvPr>
+            <p:ph idx="1"/>
+          </p:nvPr>
+        </p:nvPicPr>
+        <p:blipFill>
+          <a:blip r:embed="rId2"/>
+          <a:stretch>
+            <a:fillRect/>
+          </a:stretch>
+        </p:blipFill>
+        <p:spPr>
+          <a:xfrm>
+            <a:off x="1813009" y="873202"/>
+            <a:ext cx="8565984" cy="4133088"/>
+          </a:xfrm>
+          <a:prstGeom prst="rect">
+            <a:avLst/>
+          </a:prstGeom>
+        </p:spPr>
+      </p:pic>
+      <p:sp>
+        <p:nvSpPr>
+          <p:cNvPr id="6" name="ZoneTexte 5">
+            <a:extLst>
+              <a:ext uri="{FF2B5EF4-FFF2-40B4-BE49-F238E27FC236}">
+                <a16:creationId xmlns:a16="http://schemas.microsoft.com/office/drawing/2014/main" id="{1931F64B-F46F-45C4-AE5F-04D71766FB19}"/>
+              </a:ext>
+            </a:extLst>
+          </p:cNvPr>
+          <p:cNvSpPr txBox="1"/>
+          <p:nvPr/>
+        </p:nvSpPr>
+        <p:spPr>
+          <a:xfrm>
+            <a:off x="1065402" y="6352598"/>
+            <a:ext cx="2827090" cy="369332"/>
+          </a:xfrm>
+          <a:prstGeom prst="rect">
+            <a:avLst/>
+          </a:prstGeom>
+          <a:noFill/>
+        </p:spPr>
+        <p:txBody>
+          <a:bodyPr wrap="square" rtlCol="0">
+            <a:spAutoFit/>
+          </a:bodyPr>
+          <a:lstStyle/>
+          <a:p>
+            <a:r>
+              <a:rPr lang="fr-FR" dirty="0"/>
+              <a:t>Identification par NFC</a:t>
+            </a:r>
+          </a:p>
+        </p:txBody>
+      </p:sp>
+    </p:spTree>
+    <p:extLst>
+      <p:ext uri="{BB962C8B-B14F-4D97-AF65-F5344CB8AC3E}">
+        <p14:creationId xmlns:p14="http://schemas.microsoft.com/office/powerpoint/2010/main" val="2270383845"/>
       </p:ext>
     </p:extLst>
   </p:cSld>
@@ -8786,4 +10743,74 @@
     </a:folHlink>
   </a:clrScheme>
 </a:themeOverride>
+</file>
+
+<file path=customXml/item1.xml><?xml version="1.0" encoding="utf-8"?>
+<Control xmlns="http://schemas.microsoft.com/VisualStudio/2011/storyboarding/control">
+  <Id Name="System.Storyboarding.Common.Text" Revision="1" Stencil="System.Storyboarding.Common" StencilVersion="0.1"/>
+</Control>
+</file>
+
+<file path=customXml/item2.xml><?xml version="1.0" encoding="utf-8"?>
+<Control xmlns="http://schemas.microsoft.com/VisualStudio/2011/storyboarding/control">
+  <Id Name="System.Storyboarding.WindowsApps.Share" Revision="1" Stencil="System.Storyboarding.WindowsApps" StencilVersion="0.1"/>
+</Control>
+</file>
+
+<file path=customXml/item3.xml><?xml version="1.0" encoding="utf-8"?>
+<Control xmlns="http://schemas.microsoft.com/VisualStudio/2011/storyboarding/control">
+  <Id Name="System.Storyboarding.WindowsApps.AppBar" Revision="1" Stencil="System.Storyboarding.WindowsApps" StencilVersion="0.1"/>
+</Control>
+</file>
+
+<file path=customXml/item4.xml><?xml version="1.0" encoding="utf-8"?>
+<Control xmlns="http://schemas.microsoft.com/VisualStudio/2011/storyboarding/control">
+  <Id Name="System.Storyboarding.Icons.ShoppingCart" Revision="1" Stencil="System.Storyboarding.Icons" StencilVersion="0.1"/>
+</Control>
+</file>
+
+<file path=customXml/item5.xml><?xml version="1.0" encoding="utf-8"?>
+<Control xmlns="http://schemas.microsoft.com/VisualStudio/2011/storyboarding/control">
+  <Id Name="System.Storyboarding.Icons.ShoppingCart" Revision="1" Stencil="System.Storyboarding.Icons" StencilVersion="0.1"/>
+</Control>
+</file>
+
+<file path=customXml/itemProps1.xml><?xml version="1.0" encoding="utf-8"?>
+<ds:datastoreItem xmlns:ds="http://schemas.openxmlformats.org/officeDocument/2006/customXml" ds:itemID="{A7EB2591-C851-4B19-B1F0-F52DEFA579ED}">
+  <ds:schemaRefs>
+    <ds:schemaRef ds:uri="http://schemas.microsoft.com/VisualStudio/2011/storyboarding/control"/>
+  </ds:schemaRefs>
+</ds:datastoreItem>
+</file>
+
+<file path=customXml/itemProps2.xml><?xml version="1.0" encoding="utf-8"?>
+<ds:datastoreItem xmlns:ds="http://schemas.openxmlformats.org/officeDocument/2006/customXml" ds:itemID="{91097976-5E66-41D8-ACC8-873151AB4E26}">
+  <ds:schemaRefs>
+    <ds:schemaRef ds:uri="http://schemas.microsoft.com/VisualStudio/2011/storyboarding/control"/>
+  </ds:schemaRefs>
+</ds:datastoreItem>
+</file>
+
+<file path=customXml/itemProps3.xml><?xml version="1.0" encoding="utf-8"?>
+<ds:datastoreItem xmlns:ds="http://schemas.openxmlformats.org/officeDocument/2006/customXml" ds:itemID="{35FB3D4A-92F3-4C3B-8298-A606444F704C}">
+  <ds:schemaRefs>
+    <ds:schemaRef ds:uri="http://schemas.microsoft.com/VisualStudio/2011/storyboarding/control"/>
+  </ds:schemaRefs>
+</ds:datastoreItem>
+</file>
+
+<file path=customXml/itemProps4.xml><?xml version="1.0" encoding="utf-8"?>
+<ds:datastoreItem xmlns:ds="http://schemas.openxmlformats.org/officeDocument/2006/customXml" ds:itemID="{42E7D695-9F99-43AA-9BE2-79D54B115937}">
+  <ds:schemaRefs>
+    <ds:schemaRef ds:uri="http://schemas.microsoft.com/VisualStudio/2011/storyboarding/control"/>
+  </ds:schemaRefs>
+</ds:datastoreItem>
+</file>
+
+<file path=customXml/itemProps5.xml><?xml version="1.0" encoding="utf-8"?>
+<ds:datastoreItem xmlns:ds="http://schemas.openxmlformats.org/officeDocument/2006/customXml" ds:itemID="{B008DC4A-68C3-419C-8751-C37CC4556442}">
+  <ds:schemaRefs>
+    <ds:schemaRef ds:uri="http://schemas.microsoft.com/VisualStudio/2011/storyboarding/control"/>
+  </ds:schemaRefs>
+</ds:datastoreItem>
 </file>
--- a/Revue n2/Presentation du projet SFL2  (Julio) Revue 2.pptx
+++ b/Revue n2/Presentation du projet SFL2  (Julio) Revue 2.pptx
@@ -13,13 +13,14 @@
     <p:sldId id="272" r:id="rId12"/>
     <p:sldId id="260" r:id="rId13"/>
     <p:sldId id="269" r:id="rId14"/>
-    <p:sldId id="270" r:id="rId15"/>
-    <p:sldId id="263" r:id="rId16"/>
-    <p:sldId id="265" r:id="rId17"/>
-    <p:sldId id="266" r:id="rId18"/>
-    <p:sldId id="261" r:id="rId19"/>
-    <p:sldId id="274" r:id="rId20"/>
-    <p:sldId id="273" r:id="rId21"/>
+    <p:sldId id="275" r:id="rId15"/>
+    <p:sldId id="270" r:id="rId16"/>
+    <p:sldId id="263" r:id="rId17"/>
+    <p:sldId id="265" r:id="rId18"/>
+    <p:sldId id="266" r:id="rId19"/>
+    <p:sldId id="261" r:id="rId20"/>
+    <p:sldId id="274" r:id="rId21"/>
+    <p:sldId id="273" r:id="rId22"/>
   </p:sldIdLst>
   <p:sldSz cx="12192000" cy="6858000"/>
   <p:notesSz cx="6858000" cy="9144000"/>
@@ -221,7 +222,7 @@
           <a:effectLst/>
           <a:extLst>
             <a:ext uri="{91240B29-F687-4f45-9708-019B960494DF}">
-              <a14:hiddenLine xmlns:a14="http://schemas.microsoft.com/office/drawing/2010/main" xmlns="" w="9525">
+              <a14:hiddenLine xmlns="" xmlns:a14="http://schemas.microsoft.com/office/drawing/2010/main" w="9525">
                 <a:solidFill>
                   <a:srgbClr val="000000"/>
                 </a:solidFill>
@@ -414,7 +415,7 @@
             <a:fld id="{08B9EBBA-996F-894A-B54A-D6246ED52CEA}" type="datetimeFigureOut">
               <a:rPr lang="en-US" dirty="0"/>
               <a:pPr/>
-              <a:t>2/5/2019</a:t>
+              <a:t>2/6/2019</a:t>
             </a:fld>
             <a:endParaRPr lang="en-US" dirty="0"/>
           </a:p>
@@ -729,7 +730,7 @@
             <a:fld id="{18C79C5D-2A6F-F04D-97DA-BEF2467B64E4}" type="datetimeFigureOut">
               <a:rPr lang="en-US" dirty="0"/>
               <a:pPr/>
-              <a:t>2/5/2019</a:t>
+              <a:t>2/6/2019</a:t>
             </a:fld>
             <a:endParaRPr lang="en-US" dirty="0"/>
           </a:p>
@@ -1214,7 +1215,7 @@
             <a:fld id="{8DFA1846-DA80-1C48-A609-854EA85C59AD}" type="datetimeFigureOut">
               <a:rPr lang="en-US" dirty="0"/>
               <a:pPr/>
-              <a:t>2/5/2019</a:t>
+              <a:t>2/6/2019</a:t>
             </a:fld>
             <a:endParaRPr lang="en-US" dirty="0"/>
           </a:p>
@@ -1580,7 +1581,7 @@
             <a:fld id="{FBF54567-0DE4-3F47-BF90-CB84690072F9}" type="datetimeFigureOut">
               <a:rPr lang="en-US" dirty="0"/>
               <a:pPr/>
-              <a:t>2/5/2019</a:t>
+              <a:t>2/6/2019</a:t>
             </a:fld>
             <a:endParaRPr lang="en-US" dirty="0"/>
           </a:p>
@@ -1731,7 +1732,7 @@
           <a:ln/>
           <a:extLst>
             <a:ext uri="{91240B29-F687-4f45-9708-019B960494DF}">
-              <a14:hiddenLine xmlns:a14="http://schemas.microsoft.com/office/drawing/2010/main" xmlns="" w="9525">
+              <a14:hiddenLine xmlns="" xmlns:a14="http://schemas.microsoft.com/office/drawing/2010/main" w="9525">
                 <a:solidFill>
                   <a:srgbClr val="000000"/>
                 </a:solidFill>
@@ -1850,7 +1851,7 @@
             <a:fld id="{C6C52C72-DE31-F449-A4ED-4C594FD91407}" type="datetimeFigureOut">
               <a:rPr lang="en-US" dirty="0"/>
               <a:pPr/>
-              <a:t>2/5/2019</a:t>
+              <a:t>2/6/2019</a:t>
             </a:fld>
             <a:endParaRPr lang="en-US" dirty="0"/>
           </a:p>
@@ -2003,7 +2004,7 @@
           <a:ln/>
           <a:extLst>
             <a:ext uri="{91240B29-F687-4f45-9708-019B960494DF}">
-              <a14:hiddenLine xmlns:a14="http://schemas.microsoft.com/office/drawing/2010/main" xmlns="" w="9525">
+              <a14:hiddenLine xmlns="" xmlns:a14="http://schemas.microsoft.com/office/drawing/2010/main" w="9525">
                 <a:solidFill>
                   <a:srgbClr val="000000"/>
                 </a:solidFill>
@@ -2132,7 +2133,7 @@
             <a:fld id="{ED62726E-379B-B349-9EED-81ED093FA806}" type="datetimeFigureOut">
               <a:rPr lang="en-US" dirty="0"/>
               <a:pPr/>
-              <a:t>2/5/2019</a:t>
+              <a:t>2/6/2019</a:t>
             </a:fld>
             <a:endParaRPr lang="en-US" dirty="0"/>
           </a:p>
@@ -2283,7 +2284,7 @@
           <a:ln/>
           <a:extLst>
             <a:ext uri="{91240B29-F687-4f45-9708-019B960494DF}">
-              <a14:hiddenLine xmlns:a14="http://schemas.microsoft.com/office/drawing/2010/main" xmlns="" w="9525">
+              <a14:hiddenLine xmlns="" xmlns:a14="http://schemas.microsoft.com/office/drawing/2010/main" w="9525">
                 <a:solidFill>
                   <a:srgbClr val="000000"/>
                 </a:solidFill>
@@ -2412,7 +2413,7 @@
             <a:fld id="{9B3A1323-8D79-1946-B0D7-40001CF92E9D}" type="datetimeFigureOut">
               <a:rPr lang="en-US" dirty="0"/>
               <a:pPr/>
-              <a:t>2/5/2019</a:t>
+              <a:t>2/6/2019</a:t>
             </a:fld>
             <a:endParaRPr lang="en-US" dirty="0"/>
           </a:p>
@@ -2752,7 +2753,7 @@
             <a:fld id="{8DFA1846-DA80-1C48-A609-854EA85C59AD}" type="datetimeFigureOut">
               <a:rPr lang="en-US" dirty="0"/>
               <a:pPr/>
-              <a:t>2/5/2019</a:t>
+              <a:t>2/6/2019</a:t>
             </a:fld>
             <a:endParaRPr lang="en-US" dirty="0"/>
           </a:p>
@@ -2903,7 +2904,7 @@
           <a:ln/>
           <a:extLst>
             <a:ext uri="{91240B29-F687-4f45-9708-019B960494DF}">
-              <a14:hiddenLine xmlns:a14="http://schemas.microsoft.com/office/drawing/2010/main" xmlns="" w="9525">
+              <a14:hiddenLine xmlns="" xmlns:a14="http://schemas.microsoft.com/office/drawing/2010/main" w="9525">
                 <a:solidFill>
                   <a:srgbClr val="000000"/>
                 </a:solidFill>
@@ -3088,7 +3089,7 @@
             <a:fld id="{57302355-E14B-8545-A8F8-0FE83CC9D524}" type="datetimeFigureOut">
               <a:rPr lang="en-US" dirty="0"/>
               <a:pPr/>
-              <a:t>2/5/2019</a:t>
+              <a:t>2/6/2019</a:t>
             </a:fld>
             <a:endParaRPr lang="en-US" dirty="0"/>
           </a:p>
@@ -3239,7 +3240,7 @@
           <a:ln/>
           <a:extLst>
             <a:ext uri="{91240B29-F687-4f45-9708-019B960494DF}">
-              <a14:hiddenLine xmlns:a14="http://schemas.microsoft.com/office/drawing/2010/main" xmlns="" w="9525">
+              <a14:hiddenLine xmlns="" xmlns:a14="http://schemas.microsoft.com/office/drawing/2010/main" w="9525">
                 <a:solidFill>
                   <a:srgbClr val="000000"/>
                 </a:solidFill>
@@ -3562,7 +3563,7 @@
             <a:fld id="{02640F58-564D-2B4F-AE67-E407BA4FCF45}" type="datetimeFigureOut">
               <a:rPr lang="en-US" dirty="0"/>
               <a:pPr/>
-              <a:t>2/5/2019</a:t>
+              <a:t>2/6/2019</a:t>
             </a:fld>
             <a:endParaRPr lang="en-US" dirty="0"/>
           </a:p>
@@ -3713,7 +3714,7 @@
           <a:ln/>
           <a:extLst>
             <a:ext uri="{91240B29-F687-4f45-9708-019B960494DF}">
-              <a14:hiddenLine xmlns:a14="http://schemas.microsoft.com/office/drawing/2010/main" xmlns="" w="9525">
+              <a14:hiddenLine xmlns="" xmlns:a14="http://schemas.microsoft.com/office/drawing/2010/main" w="9525">
                 <a:solidFill>
                   <a:srgbClr val="000000"/>
                 </a:solidFill>
@@ -3780,7 +3781,7 @@
             <a:fld id="{F13A34C8-038E-2045-AF43-DF7DBB8E0E9E}" type="datetimeFigureOut">
               <a:rPr lang="en-US" dirty="0"/>
               <a:pPr/>
-              <a:t>2/5/2019</a:t>
+              <a:t>2/6/2019</a:t>
             </a:fld>
             <a:endParaRPr lang="en-US" dirty="0"/>
           </a:p>
@@ -3872,7 +3873,7 @@
             <a:fld id="{8818C68F-D26B-8F47-958C-23B49CF8A634}" type="datetimeFigureOut">
               <a:rPr lang="en-US" dirty="0"/>
               <a:pPr/>
-              <a:t>2/5/2019</a:t>
+              <a:t>2/6/2019</a:t>
             </a:fld>
             <a:endParaRPr lang="en-US" dirty="0"/>
           </a:p>
@@ -4136,7 +4137,7 @@
           <a:ln/>
           <a:extLst>
             <a:ext uri="{91240B29-F687-4f45-9708-019B960494DF}">
-              <a14:hiddenLine xmlns:a14="http://schemas.microsoft.com/office/drawing/2010/main" xmlns="" w="9525">
+              <a14:hiddenLine xmlns="" xmlns:a14="http://schemas.microsoft.com/office/drawing/2010/main" w="9525">
                 <a:solidFill>
                   <a:srgbClr val="000000"/>
                 </a:solidFill>
@@ -4336,7 +4337,7 @@
             <a:fld id="{D0DF5E60-9974-AC48-9591-99C2BB44B7CF}" type="datetimeFigureOut">
               <a:rPr lang="en-US" dirty="0"/>
               <a:pPr/>
-              <a:t>2/5/2019</a:t>
+              <a:t>2/6/2019</a:t>
             </a:fld>
             <a:endParaRPr lang="en-US" dirty="0"/>
           </a:p>
@@ -4646,7 +4647,7 @@
             <a:fld id="{18C79C5D-2A6F-F04D-97DA-BEF2467B64E4}" type="datetimeFigureOut">
               <a:rPr lang="en-US" dirty="0"/>
               <a:pPr/>
-              <a:t>2/5/2019</a:t>
+              <a:t>2/6/2019</a:t>
             </a:fld>
             <a:endParaRPr lang="en-US" dirty="0"/>
           </a:p>
@@ -4913,7 +4914,7 @@
             <a:fld id="{09B482E8-6E0E-1B4F-B1FD-C69DB9E858D9}" type="datetimeFigureOut">
               <a:rPr lang="en-US" dirty="0"/>
               <a:pPr/>
-              <a:t>2/5/2019</a:t>
+              <a:t>2/6/2019</a:t>
             </a:fld>
             <a:endParaRPr lang="en-US" dirty="0"/>
           </a:p>
@@ -5472,7 +5473,7 @@
       </p:grpSpPr>
       <p:sp>
         <p:nvSpPr>
-          <p:cNvPr id="60" name="Freeform 6">
+          <p:cNvPr id="10" name="Freeform 6">
             <a:extLst>
               <a:ext uri="{FF2B5EF4-FFF2-40B4-BE49-F238E27FC236}">
                 <a16:creationId xmlns:a16="http://schemas.microsoft.com/office/drawing/2014/main" id="{E7597382-59B5-427B-9E49-55383F0A5561}"/>
@@ -5566,7 +5567,7 @@
           </a:ln>
           <a:extLst>
             <a:ext uri="{91240B29-F687-4f45-9708-019B960494DF}">
-              <a14:hiddenLine xmlns="" xmlns:a16="http://schemas.microsoft.com/office/drawing/2014/main" xmlns:p14="http://schemas.microsoft.com/office/powerpoint/2010/main" xmlns:a14="http://schemas.microsoft.com/office/drawing/2010/main" w="9525">
+              <a14:hiddenLine xmlns:a14="http://schemas.microsoft.com/office/drawing/2010/main" xmlns:p14="http://schemas.microsoft.com/office/powerpoint/2010/main" xmlns:a16="http://schemas.microsoft.com/office/drawing/2014/main" xmlns="" w="9525">
                 <a:solidFill>
                   <a:srgbClr val="000000"/>
                 </a:solidFill>
@@ -5594,7 +5595,7 @@
       </p:sp>
       <p:sp>
         <p:nvSpPr>
-          <p:cNvPr id="59" name="Rounded Rectangle 16">
+          <p:cNvPr id="12" name="Rounded Rectangle 16">
             <a:extLst>
               <a:ext uri="{FF2B5EF4-FFF2-40B4-BE49-F238E27FC236}">
                 <a16:creationId xmlns:a16="http://schemas.microsoft.com/office/drawing/2014/main" id="{26471DC7-FA6E-40EF-A167-93BB0BCE16AD}"/>
@@ -5662,47 +5663,12 @@
           </a:p>
         </p:txBody>
       </p:sp>
-      <p:sp>
-        <p:nvSpPr>
-          <p:cNvPr id="10" name="ZoneTexte 9">
-            <a:extLst>
-              <a:ext uri="{FF2B5EF4-FFF2-40B4-BE49-F238E27FC236}">
-                <a16:creationId xmlns:a16="http://schemas.microsoft.com/office/drawing/2014/main" id="{41AC9DED-FB16-4D5F-808F-CFAFF56BD818}"/>
-              </a:ext>
-            </a:extLst>
-          </p:cNvPr>
-          <p:cNvSpPr txBox="1"/>
-          <p:nvPr/>
-        </p:nvSpPr>
-        <p:spPr>
-          <a:xfrm>
-            <a:off x="897622" y="6352598"/>
-            <a:ext cx="3649211" cy="369332"/>
-          </a:xfrm>
-          <a:prstGeom prst="rect">
-            <a:avLst/>
-          </a:prstGeom>
-          <a:noFill/>
-        </p:spPr>
-        <p:txBody>
-          <a:bodyPr wrap="square" rtlCol="0">
-            <a:spAutoFit/>
-          </a:bodyPr>
-          <a:lstStyle/>
-          <a:p>
-            <a:r>
-              <a:rPr lang="fr-FR" dirty="0"/>
-              <a:t>Identification par QR code</a:t>
-            </a:r>
-          </a:p>
-        </p:txBody>
-      </p:sp>
       <p:pic>
         <p:nvPicPr>
           <p:cNvPr id="5" name="Espace réservé du contenu 4">
             <a:extLst>
               <a:ext uri="{FF2B5EF4-FFF2-40B4-BE49-F238E27FC236}">
-                <a16:creationId xmlns:a16="http://schemas.microsoft.com/office/drawing/2014/main" id="{1F6800D5-2F1E-4A08-BDA8-2E4E910DFF7A}"/>
+                <a16:creationId xmlns:a16="http://schemas.microsoft.com/office/drawing/2014/main" id="{36FB0DA3-348E-4453-AE0D-EA21836AF17A}"/>
               </a:ext>
             </a:extLst>
           </p:cNvPr>
@@ -5721,15 +5687,53 @@
         </p:blipFill>
         <p:spPr>
           <a:xfrm>
-            <a:off x="1060838" y="893882"/>
-            <a:ext cx="9818656" cy="4247286"/>
-          </a:xfrm>
+            <a:off x="1813009" y="873202"/>
+            <a:ext cx="8565984" cy="4133088"/>
+          </a:xfrm>
+          <a:prstGeom prst="rect">
+            <a:avLst/>
+          </a:prstGeom>
         </p:spPr>
       </p:pic>
+      <p:sp>
+        <p:nvSpPr>
+          <p:cNvPr id="6" name="ZoneTexte 5">
+            <a:extLst>
+              <a:ext uri="{FF2B5EF4-FFF2-40B4-BE49-F238E27FC236}">
+                <a16:creationId xmlns:a16="http://schemas.microsoft.com/office/drawing/2014/main" id="{1931F64B-F46F-45C4-AE5F-04D71766FB19}"/>
+              </a:ext>
+            </a:extLst>
+          </p:cNvPr>
+          <p:cNvSpPr txBox="1"/>
+          <p:nvPr/>
+        </p:nvSpPr>
+        <p:spPr>
+          <a:xfrm>
+            <a:off x="1065402" y="6352598"/>
+            <a:ext cx="2827090" cy="369332"/>
+          </a:xfrm>
+          <a:prstGeom prst="rect">
+            <a:avLst/>
+          </a:prstGeom>
+          <a:noFill/>
+        </p:spPr>
+        <p:txBody>
+          <a:bodyPr wrap="square" rtlCol="0">
+            <a:spAutoFit/>
+          </a:bodyPr>
+          <a:lstStyle/>
+          <a:p>
+            <a:r>
+              <a:rPr lang="fr-FR" dirty="0"/>
+              <a:t>Identification par NFC</a:t>
+            </a:r>
+          </a:p>
+        </p:txBody>
+      </p:sp>
     </p:spTree>
     <p:extLst>
       <p:ext uri="{BB962C8B-B14F-4D97-AF65-F5344CB8AC3E}">
-        <p14:creationId xmlns:p14="http://schemas.microsoft.com/office/powerpoint/2010/main" val="385290132"/>
+        <p14:creationId xmlns:p14="http://schemas.microsoft.com/office/powerpoint/2010/main" val="2270383845"/>
       </p:ext>
     </p:extLst>
   </p:cSld>
@@ -5860,7 +5864,7 @@
           </a:ln>
           <a:extLst>
             <a:ext uri="{91240B29-F687-4f45-9708-019B960494DF}">
-              <a14:hiddenLine xmlns="" xmlns:a16="http://schemas.microsoft.com/office/drawing/2014/main" xmlns:p14="http://schemas.microsoft.com/office/powerpoint/2010/main" xmlns:a14="http://schemas.microsoft.com/office/drawing/2010/main" w="9525">
+              <a14:hiddenLine xmlns:a14="http://schemas.microsoft.com/office/drawing/2010/main" xmlns:p14="http://schemas.microsoft.com/office/powerpoint/2010/main" xmlns:a16="http://schemas.microsoft.com/office/drawing/2014/main" xmlns="" w="9525">
                 <a:solidFill>
                   <a:srgbClr val="000000"/>
                 </a:solidFill>
@@ -5970,7 +5974,7 @@
         </p:nvSpPr>
         <p:spPr>
           <a:xfrm>
-            <a:off x="860300" y="6292291"/>
+            <a:off x="897622" y="6352598"/>
             <a:ext cx="3649211" cy="369332"/>
           </a:xfrm>
           <a:prstGeom prst="rect">
@@ -5986,17 +5990,17 @@
           <a:p>
             <a:r>
               <a:rPr lang="fr-FR" dirty="0"/>
-              <a:t>Emprunter par NFC</a:t>
+              <a:t>Identification par QR code</a:t>
             </a:r>
           </a:p>
         </p:txBody>
       </p:sp>
       <p:pic>
         <p:nvPicPr>
-          <p:cNvPr id="9" name="Espace réservé du contenu 8">
+          <p:cNvPr id="5" name="Espace réservé du contenu 4">
             <a:extLst>
               <a:ext uri="{FF2B5EF4-FFF2-40B4-BE49-F238E27FC236}">
-                <a16:creationId xmlns:a16="http://schemas.microsoft.com/office/drawing/2014/main" id="{703D726A-6292-48DB-8C7D-70EFB8FC9A83}"/>
+                <a16:creationId xmlns:a16="http://schemas.microsoft.com/office/drawing/2014/main" id="{1F6800D5-2F1E-4A08-BDA8-2E4E910DFF7A}"/>
               </a:ext>
             </a:extLst>
           </p:cNvPr>
@@ -6015,15 +6019,15 @@
         </p:blipFill>
         <p:spPr>
           <a:xfrm>
-            <a:off x="1091683" y="709128"/>
-            <a:ext cx="9955762" cy="4049100"/>
+            <a:off x="1060838" y="893882"/>
+            <a:ext cx="9818656" cy="4247286"/>
           </a:xfrm>
         </p:spPr>
       </p:pic>
     </p:spTree>
     <p:extLst>
       <p:ext uri="{BB962C8B-B14F-4D97-AF65-F5344CB8AC3E}">
-        <p14:creationId xmlns:p14="http://schemas.microsoft.com/office/powerpoint/2010/main" val="3490439325"/>
+        <p14:creationId xmlns:p14="http://schemas.microsoft.com/office/powerpoint/2010/main" val="385290132"/>
       </p:ext>
     </p:extLst>
   </p:cSld>
@@ -6154,7 +6158,7 @@
           </a:ln>
           <a:extLst>
             <a:ext uri="{91240B29-F687-4f45-9708-019B960494DF}">
-              <a14:hiddenLine xmlns="" xmlns:a16="http://schemas.microsoft.com/office/drawing/2014/main" xmlns:p14="http://schemas.microsoft.com/office/powerpoint/2010/main" xmlns:a14="http://schemas.microsoft.com/office/drawing/2010/main" w="9525">
+              <a14:hiddenLine xmlns:a14="http://schemas.microsoft.com/office/drawing/2010/main" xmlns:p14="http://schemas.microsoft.com/office/powerpoint/2010/main" xmlns:a16="http://schemas.microsoft.com/office/drawing/2014/main" xmlns="" w="9525">
                 <a:solidFill>
                   <a:srgbClr val="000000"/>
                 </a:solidFill>
@@ -6264,6 +6268,300 @@
         </p:nvSpPr>
         <p:spPr>
           <a:xfrm>
+            <a:off x="860300" y="6292291"/>
+            <a:ext cx="3649211" cy="369332"/>
+          </a:xfrm>
+          <a:prstGeom prst="rect">
+            <a:avLst/>
+          </a:prstGeom>
+          <a:noFill/>
+        </p:spPr>
+        <p:txBody>
+          <a:bodyPr wrap="square" rtlCol="0">
+            <a:spAutoFit/>
+          </a:bodyPr>
+          <a:lstStyle/>
+          <a:p>
+            <a:r>
+              <a:rPr lang="fr-FR" dirty="0"/>
+              <a:t>Emprunter par NFC</a:t>
+            </a:r>
+          </a:p>
+        </p:txBody>
+      </p:sp>
+      <p:pic>
+        <p:nvPicPr>
+          <p:cNvPr id="9" name="Espace réservé du contenu 8">
+            <a:extLst>
+              <a:ext uri="{FF2B5EF4-FFF2-40B4-BE49-F238E27FC236}">
+                <a16:creationId xmlns:a16="http://schemas.microsoft.com/office/drawing/2014/main" id="{703D726A-6292-48DB-8C7D-70EFB8FC9A83}"/>
+              </a:ext>
+            </a:extLst>
+          </p:cNvPr>
+          <p:cNvPicPr>
+            <a:picLocks noGrp="1" noChangeAspect="1"/>
+          </p:cNvPicPr>
+          <p:nvPr>
+            <p:ph idx="1"/>
+          </p:nvPr>
+        </p:nvPicPr>
+        <p:blipFill>
+          <a:blip r:embed="rId2"/>
+          <a:stretch>
+            <a:fillRect/>
+          </a:stretch>
+        </p:blipFill>
+        <p:spPr>
+          <a:xfrm>
+            <a:off x="1091683" y="709128"/>
+            <a:ext cx="9955762" cy="4049100"/>
+          </a:xfrm>
+        </p:spPr>
+      </p:pic>
+    </p:spTree>
+    <p:extLst>
+      <p:ext uri="{BB962C8B-B14F-4D97-AF65-F5344CB8AC3E}">
+        <p14:creationId xmlns:p14="http://schemas.microsoft.com/office/powerpoint/2010/main" val="3490439325"/>
+      </p:ext>
+    </p:extLst>
+  </p:cSld>
+  <p:clrMapOvr>
+    <a:masterClrMapping/>
+  </p:clrMapOvr>
+</p:sld>
+</file>
+
+<file path=ppt/slides/slide13.xml><?xml version="1.0" encoding="utf-8"?>
+<p:sld xmlns:a="http://schemas.openxmlformats.org/drawingml/2006/main" xmlns:r="http://schemas.openxmlformats.org/officeDocument/2006/relationships" xmlns:p="http://schemas.openxmlformats.org/presentationml/2006/main">
+  <p:cSld>
+    <p:bg>
+      <p:bgPr>
+        <a:solidFill>
+          <a:schemeClr val="bg2"/>
+        </a:solidFill>
+        <a:effectLst/>
+      </p:bgPr>
+    </p:bg>
+    <p:spTree>
+      <p:nvGrpSpPr>
+        <p:cNvPr id="1" name=""/>
+        <p:cNvGrpSpPr/>
+        <p:nvPr/>
+      </p:nvGrpSpPr>
+      <p:grpSpPr>
+        <a:xfrm>
+          <a:off x="0" y="0"/>
+          <a:ext cx="0" cy="0"/>
+          <a:chOff x="0" y="0"/>
+          <a:chExt cx="0" cy="0"/>
+        </a:xfrm>
+      </p:grpSpPr>
+      <p:sp>
+        <p:nvSpPr>
+          <p:cNvPr id="60" name="Freeform 6">
+            <a:extLst>
+              <a:ext uri="{FF2B5EF4-FFF2-40B4-BE49-F238E27FC236}">
+                <a16:creationId xmlns:a16="http://schemas.microsoft.com/office/drawing/2014/main" id="{E7597382-59B5-427B-9E49-55383F0A5561}"/>
+              </a:ext>
+              <a:ext uri="{C183D7F6-B498-43B3-948B-1728B52AA6E4}">
+                <adec:decorative xmlns:adec="http://schemas.microsoft.com/office/drawing/2017/decorative" val="1"/>
+              </a:ext>
+            </a:extLst>
+          </p:cNvPr>
+          <p:cNvSpPr>
+            <a:spLocks noGrp="1" noRot="1" noChangeAspect="1" noMove="1" noResize="1" noEditPoints="1" noAdjustHandles="1" noChangeArrowheads="1" noChangeShapeType="1" noTextEdit="1"/>
+          </p:cNvSpPr>
+          <p:nvPr>
+            <p:extLst>
+              <p:ext uri="{386F3935-93C4-4BCD-93E2-E3B085C9AB24}">
+                <p16:designElem xmlns:p16="http://schemas.microsoft.com/office/powerpoint/2015/main" val="1"/>
+              </p:ext>
+            </p:extLst>
+          </p:nvPr>
+        </p:nvSpPr>
+        <p:spPr bwMode="auto">
+          <a:xfrm>
+            <a:off x="0" y="-3175"/>
+            <a:ext cx="12192000" cy="6229804"/>
+          </a:xfrm>
+          <a:custGeom>
+            <a:avLst/>
+            <a:gdLst/>
+            <a:ahLst/>
+            <a:cxnLst/>
+            <a:rect l="0" t="0" r="r" b="b"/>
+            <a:pathLst>
+              <a:path w="5760" h="3278">
+                <a:moveTo>
+                  <a:pt x="5760" y="0"/>
+                </a:moveTo>
+                <a:lnTo>
+                  <a:pt x="0" y="0"/>
+                </a:lnTo>
+                <a:lnTo>
+                  <a:pt x="0" y="3090"/>
+                </a:lnTo>
+                <a:lnTo>
+                  <a:pt x="943" y="3090"/>
+                </a:lnTo>
+                <a:lnTo>
+                  <a:pt x="1123" y="3270"/>
+                </a:lnTo>
+                <a:lnTo>
+                  <a:pt x="1123" y="3270"/>
+                </a:lnTo>
+                <a:lnTo>
+                  <a:pt x="1127" y="3272"/>
+                </a:lnTo>
+                <a:lnTo>
+                  <a:pt x="1133" y="3275"/>
+                </a:lnTo>
+                <a:lnTo>
+                  <a:pt x="1139" y="3278"/>
+                </a:lnTo>
+                <a:lnTo>
+                  <a:pt x="1144" y="3278"/>
+                </a:lnTo>
+                <a:lnTo>
+                  <a:pt x="1150" y="3278"/>
+                </a:lnTo>
+                <a:lnTo>
+                  <a:pt x="1155" y="3275"/>
+                </a:lnTo>
+                <a:lnTo>
+                  <a:pt x="1161" y="3272"/>
+                </a:lnTo>
+                <a:lnTo>
+                  <a:pt x="1165" y="3270"/>
+                </a:lnTo>
+                <a:lnTo>
+                  <a:pt x="1345" y="3090"/>
+                </a:lnTo>
+                <a:lnTo>
+                  <a:pt x="5760" y="3090"/>
+                </a:lnTo>
+                <a:lnTo>
+                  <a:pt x="5760" y="0"/>
+                </a:lnTo>
+                <a:close/>
+              </a:path>
+            </a:pathLst>
+          </a:custGeom>
+          <a:ln>
+            <a:noFill/>
+          </a:ln>
+          <a:extLst>
+            <a:ext uri="{91240B29-F687-4f45-9708-019B960494DF}">
+              <a14:hiddenLine xmlns:a14="http://schemas.microsoft.com/office/drawing/2010/main" xmlns:p14="http://schemas.microsoft.com/office/powerpoint/2010/main" xmlns:a16="http://schemas.microsoft.com/office/drawing/2014/main" xmlns="" w="9525">
+                <a:solidFill>
+                  <a:srgbClr val="000000"/>
+                </a:solidFill>
+                <a:round/>
+                <a:headEnd/>
+                <a:tailEnd/>
+              </a14:hiddenLine>
+            </a:ext>
+          </a:extLst>
+        </p:spPr>
+        <p:style>
+          <a:lnRef idx="1">
+            <a:schemeClr val="accent1"/>
+          </a:lnRef>
+          <a:fillRef idx="3">
+            <a:schemeClr val="accent1"/>
+          </a:fillRef>
+          <a:effectRef idx="2">
+            <a:schemeClr val="accent1"/>
+          </a:effectRef>
+          <a:fontRef idx="minor">
+            <a:schemeClr val="lt1"/>
+          </a:fontRef>
+        </p:style>
+      </p:sp>
+      <p:sp>
+        <p:nvSpPr>
+          <p:cNvPr id="59" name="Rounded Rectangle 16">
+            <a:extLst>
+              <a:ext uri="{FF2B5EF4-FFF2-40B4-BE49-F238E27FC236}">
+                <a16:creationId xmlns:a16="http://schemas.microsoft.com/office/drawing/2014/main" id="{26471DC7-FA6E-40EF-A167-93BB0BCE16AD}"/>
+              </a:ext>
+              <a:ext uri="{C183D7F6-B498-43B3-948B-1728B52AA6E4}">
+                <adec:decorative xmlns:adec="http://schemas.microsoft.com/office/drawing/2017/decorative" val="1"/>
+              </a:ext>
+            </a:extLst>
+          </p:cNvPr>
+          <p:cNvSpPr>
+            <a:spLocks noGrp="1" noRot="1" noChangeAspect="1" noMove="1" noResize="1" noEditPoints="1" noAdjustHandles="1" noChangeArrowheads="1" noChangeShapeType="1" noTextEdit="1"/>
+          </p:cNvSpPr>
+          <p:nvPr>
+            <p:extLst>
+              <p:ext uri="{386F3935-93C4-4BCD-93E2-E3B085C9AB24}">
+                <p16:designElem xmlns:p16="http://schemas.microsoft.com/office/powerpoint/2015/main" val="1"/>
+              </p:ext>
+            </p:extLst>
+          </p:nvPr>
+        </p:nvSpPr>
+        <p:spPr>
+          <a:xfrm>
+            <a:off x="643468" y="643466"/>
+            <a:ext cx="10905066" cy="4592561"/>
+          </a:xfrm>
+          <a:prstGeom prst="roundRect">
+            <a:avLst>
+              <a:gd name="adj" fmla="val 3513"/>
+            </a:avLst>
+          </a:prstGeom>
+          <a:solidFill>
+            <a:schemeClr val="tx1"/>
+          </a:solidFill>
+          <a:ln>
+            <a:solidFill>
+              <a:schemeClr val="accent1">
+                <a:lumMod val="75000"/>
+              </a:schemeClr>
+            </a:solidFill>
+          </a:ln>
+          <a:effectLst/>
+        </p:spPr>
+        <p:style>
+          <a:lnRef idx="2">
+            <a:schemeClr val="accent1">
+              <a:shade val="50000"/>
+            </a:schemeClr>
+          </a:lnRef>
+          <a:fillRef idx="1">
+            <a:schemeClr val="accent1"/>
+          </a:fillRef>
+          <a:effectRef idx="0">
+            <a:schemeClr val="accent1"/>
+          </a:effectRef>
+          <a:fontRef idx="minor">
+            <a:schemeClr val="lt1"/>
+          </a:fontRef>
+        </p:style>
+        <p:txBody>
+          <a:bodyPr rtlCol="0" anchor="ctr"/>
+          <a:lstStyle/>
+          <a:p>
+            <a:pPr algn="ctr"/>
+            <a:endParaRPr lang="en-US"/>
+          </a:p>
+        </p:txBody>
+      </p:sp>
+      <p:sp>
+        <p:nvSpPr>
+          <p:cNvPr id="10" name="ZoneTexte 9">
+            <a:extLst>
+              <a:ext uri="{FF2B5EF4-FFF2-40B4-BE49-F238E27FC236}">
+                <a16:creationId xmlns:a16="http://schemas.microsoft.com/office/drawing/2014/main" id="{41AC9DED-FB16-4D5F-808F-CFAFF56BD818}"/>
+              </a:ext>
+            </a:extLst>
+          </p:cNvPr>
+          <p:cNvSpPr txBox="1"/>
+          <p:nvPr/>
+        </p:nvSpPr>
+        <p:spPr>
+          <a:xfrm>
             <a:off x="897622" y="6352598"/>
             <a:ext cx="3649211" cy="369332"/>
           </a:xfrm>
@@ -6327,7 +6625,7 @@
 </p:sld>
 </file>
 
-<file path=ppt/slides/slide13.xml><?xml version="1.0" encoding="utf-8"?>
+<file path=ppt/slides/slide14.xml><?xml version="1.0" encoding="utf-8"?>
 <p:sld xmlns:a="http://schemas.openxmlformats.org/drawingml/2006/main" xmlns:r="http://schemas.openxmlformats.org/officeDocument/2006/relationships" xmlns:p="http://schemas.openxmlformats.org/presentationml/2006/main">
   <p:cSld>
     <p:spTree>
@@ -6662,7 +6960,7 @@
 </p:sld>
 </file>
 
-<file path=ppt/slides/slide14.xml><?xml version="1.0" encoding="utf-8"?>
+<file path=ppt/slides/slide15.xml><?xml version="1.0" encoding="utf-8"?>
 <p:sld xmlns:a="http://schemas.openxmlformats.org/drawingml/2006/main" xmlns:r="http://schemas.openxmlformats.org/officeDocument/2006/relationships" xmlns:p="http://schemas.openxmlformats.org/presentationml/2006/main">
   <p:cSld>
     <p:bg>
@@ -6782,7 +7080,7 @@
           <a:effectLst/>
           <a:extLst>
             <a:ext uri="{91240B29-F687-4f45-9708-019B960494DF}">
-              <a14:hiddenLine xmlns:a14="http://schemas.microsoft.com/office/drawing/2010/main" xmlns:p14="http://schemas.microsoft.com/office/powerpoint/2010/main" xmlns:a16="http://schemas.microsoft.com/office/drawing/2014/main" xmlns="" w="9525">
+              <a14:hiddenLine xmlns="" xmlns:a16="http://schemas.microsoft.com/office/drawing/2014/main" xmlns:p14="http://schemas.microsoft.com/office/powerpoint/2010/main" xmlns:a14="http://schemas.microsoft.com/office/drawing/2010/main" w="9525">
                 <a:solidFill>
                   <a:srgbClr val="000000"/>
                 </a:solidFill>
@@ -7162,7 +7460,7 @@
 </p:sld>
 </file>
 
-<file path=ppt/slides/slide15.xml><?xml version="1.0" encoding="utf-8"?>
+<file path=ppt/slides/slide16.xml><?xml version="1.0" encoding="utf-8"?>
 <p:sld xmlns:a="http://schemas.openxmlformats.org/drawingml/2006/main" xmlns:r="http://schemas.openxmlformats.org/officeDocument/2006/relationships" xmlns:p="http://schemas.openxmlformats.org/presentationml/2006/main">
   <p:cSld>
     <p:spTree>
@@ -7755,7 +8053,7 @@
           </a:ln>
           <a:extLst>
             <a:ext uri="{91240B29-F687-4f45-9708-019B960494DF}">
-              <a14:hiddenLine xmlns="" xmlns:a16="http://schemas.microsoft.com/office/drawing/2014/main" xmlns:p14="http://schemas.microsoft.com/office/powerpoint/2010/main" xmlns:a14="http://schemas.microsoft.com/office/drawing/2010/main" w="9525">
+              <a14:hiddenLine xmlns:a14="http://schemas.microsoft.com/office/drawing/2010/main" xmlns:p14="http://schemas.microsoft.com/office/powerpoint/2010/main" xmlns:a16="http://schemas.microsoft.com/office/drawing/2014/main" xmlns="" w="9525">
                 <a:solidFill>
                   <a:srgbClr val="000000"/>
                 </a:solidFill>
@@ -8048,7 +8346,7 @@
           <a:effectLst/>
           <a:extLst>
             <a:ext uri="{91240B29-F687-4f45-9708-019B960494DF}">
-              <a14:hiddenLine xmlns:a14="http://schemas.microsoft.com/office/drawing/2010/main" xmlns:p14="http://schemas.microsoft.com/office/powerpoint/2010/main" xmlns:a16="http://schemas.microsoft.com/office/drawing/2014/main" xmlns="" w="9525">
+              <a14:hiddenLine xmlns="" xmlns:a16="http://schemas.microsoft.com/office/drawing/2014/main" xmlns:p14="http://schemas.microsoft.com/office/powerpoint/2010/main" xmlns:a14="http://schemas.microsoft.com/office/drawing/2010/main" w="9525">
                 <a:solidFill>
                   <a:srgbClr val="000000"/>
                 </a:solidFill>
@@ -8635,7 +8933,7 @@
           <a:effectLst/>
           <a:extLst>
             <a:ext uri="{91240B29-F687-4f45-9708-019B960494DF}">
-              <a14:hiddenLine xmlns:a14="http://schemas.microsoft.com/office/drawing/2010/main" xmlns:p14="http://schemas.microsoft.com/office/powerpoint/2010/main" xmlns:a16="http://schemas.microsoft.com/office/drawing/2014/main" xmlns="" w="9525">
+              <a14:hiddenLine xmlns="" xmlns:a16="http://schemas.microsoft.com/office/drawing/2014/main" xmlns:p14="http://schemas.microsoft.com/office/powerpoint/2010/main" xmlns:a14="http://schemas.microsoft.com/office/drawing/2010/main" w="9525">
                 <a:solidFill>
                   <a:srgbClr val="000000"/>
                 </a:solidFill>
@@ -9192,7 +9490,7 @@
           <a:effectLst/>
           <a:extLst>
             <a:ext uri="{91240B29-F687-4f45-9708-019B960494DF}">
-              <a14:hiddenLine xmlns:a14="http://schemas.microsoft.com/office/drawing/2010/main" xmlns:p14="http://schemas.microsoft.com/office/powerpoint/2010/main" xmlns:a16="http://schemas.microsoft.com/office/drawing/2014/main" xmlns="" w="9525">
+              <a14:hiddenLine xmlns="" xmlns:a16="http://schemas.microsoft.com/office/drawing/2014/main" xmlns:p14="http://schemas.microsoft.com/office/powerpoint/2010/main" xmlns:a14="http://schemas.microsoft.com/office/drawing/2010/main" w="9525">
                 <a:solidFill>
                   <a:srgbClr val="000000"/>
                 </a:solidFill>
@@ -9940,7 +10238,7 @@
           </a:ln>
           <a:extLst>
             <a:ext uri="{91240B29-F687-4f45-9708-019B960494DF}">
-              <a14:hiddenLine xmlns="" xmlns:a16="http://schemas.microsoft.com/office/drawing/2014/main" xmlns:p14="http://schemas.microsoft.com/office/powerpoint/2010/main" xmlns:a14="http://schemas.microsoft.com/office/drawing/2010/main" w="9525">
+              <a14:hiddenLine xmlns:a14="http://schemas.microsoft.com/office/drawing/2010/main" xmlns:p14="http://schemas.microsoft.com/office/powerpoint/2010/main" xmlns:a16="http://schemas.microsoft.com/office/drawing/2014/main" xmlns="" w="9525">
                 <a:solidFill>
                   <a:srgbClr val="000000"/>
                 </a:solidFill>
@@ -10390,7 +10688,7 @@
           <p:cNvPr id="5" name="Espace réservé du contenu 4">
             <a:extLst>
               <a:ext uri="{FF2B5EF4-FFF2-40B4-BE49-F238E27FC236}">
-                <a16:creationId xmlns:a16="http://schemas.microsoft.com/office/drawing/2014/main" id="{36FB0DA3-348E-4453-AE0D-EA21836AF17A}"/>
+                <a16:creationId xmlns:a16="http://schemas.microsoft.com/office/drawing/2014/main" id="{2E5104EC-39E4-4F20-993C-BE3F70AA9FA4}"/>
               </a:ext>
             </a:extLst>
           </p:cNvPr>
@@ -10409,53 +10707,18 @@
         </p:blipFill>
         <p:spPr>
           <a:xfrm>
-            <a:off x="1813009" y="873202"/>
-            <a:ext cx="8565984" cy="4133088"/>
+            <a:off x="3023073" y="873202"/>
+            <a:ext cx="6145855" cy="4133088"/>
           </a:xfrm>
           <a:prstGeom prst="rect">
             <a:avLst/>
           </a:prstGeom>
         </p:spPr>
       </p:pic>
-      <p:sp>
-        <p:nvSpPr>
-          <p:cNvPr id="6" name="ZoneTexte 5">
-            <a:extLst>
-              <a:ext uri="{FF2B5EF4-FFF2-40B4-BE49-F238E27FC236}">
-                <a16:creationId xmlns:a16="http://schemas.microsoft.com/office/drawing/2014/main" id="{1931F64B-F46F-45C4-AE5F-04D71766FB19}"/>
-              </a:ext>
-            </a:extLst>
-          </p:cNvPr>
-          <p:cNvSpPr txBox="1"/>
-          <p:nvPr/>
-        </p:nvSpPr>
-        <p:spPr>
-          <a:xfrm>
-            <a:off x="1065402" y="6352598"/>
-            <a:ext cx="2827090" cy="369332"/>
-          </a:xfrm>
-          <a:prstGeom prst="rect">
-            <a:avLst/>
-          </a:prstGeom>
-          <a:noFill/>
-        </p:spPr>
-        <p:txBody>
-          <a:bodyPr wrap="square" rtlCol="0">
-            <a:spAutoFit/>
-          </a:bodyPr>
-          <a:lstStyle/>
-          <a:p>
-            <a:r>
-              <a:rPr lang="fr-FR" dirty="0"/>
-              <a:t>Identification par NFC</a:t>
-            </a:r>
-          </a:p>
-        </p:txBody>
-      </p:sp>
     </p:spTree>
     <p:extLst>
       <p:ext uri="{BB962C8B-B14F-4D97-AF65-F5344CB8AC3E}">
-        <p14:creationId xmlns:p14="http://schemas.microsoft.com/office/powerpoint/2010/main" val="2270383845"/>
+        <p14:creationId xmlns:p14="http://schemas.microsoft.com/office/powerpoint/2010/main" val="2094185654"/>
       </p:ext>
     </p:extLst>
   </p:cSld>
@@ -10747,19 +11010,19 @@
 
 <file path=customXml/item1.xml><?xml version="1.0" encoding="utf-8"?>
 <Control xmlns="http://schemas.microsoft.com/VisualStudio/2011/storyboarding/control">
-  <Id Name="System.Storyboarding.Common.Text" Revision="1" Stencil="System.Storyboarding.Common" StencilVersion="0.1"/>
+  <Id Name="System.Storyboarding.WindowsApps.Share" Revision="1" Stencil="System.Storyboarding.WindowsApps" StencilVersion="0.1"/>
 </Control>
 </file>
 
 <file path=customXml/item2.xml><?xml version="1.0" encoding="utf-8"?>
 <Control xmlns="http://schemas.microsoft.com/VisualStudio/2011/storyboarding/control">
-  <Id Name="System.Storyboarding.WindowsApps.Share" Revision="1" Stencil="System.Storyboarding.WindowsApps" StencilVersion="0.1"/>
+  <Id Name="System.Storyboarding.Common.Text" Revision="1" Stencil="System.Storyboarding.Common" StencilVersion="0.1"/>
 </Control>
 </file>
 
 <file path=customXml/item3.xml><?xml version="1.0" encoding="utf-8"?>
 <Control xmlns="http://schemas.microsoft.com/VisualStudio/2011/storyboarding/control">
-  <Id Name="System.Storyboarding.WindowsApps.AppBar" Revision="1" Stencil="System.Storyboarding.WindowsApps" StencilVersion="0.1"/>
+  <Id Name="System.Storyboarding.Icons.ShoppingCart" Revision="1" Stencil="System.Storyboarding.Icons" StencilVersion="0.1"/>
 </Control>
 </file>
 
@@ -10771,11 +11034,19 @@
 
 <file path=customXml/item5.xml><?xml version="1.0" encoding="utf-8"?>
 <Control xmlns="http://schemas.microsoft.com/VisualStudio/2011/storyboarding/control">
-  <Id Name="System.Storyboarding.Icons.ShoppingCart" Revision="1" Stencil="System.Storyboarding.Icons" StencilVersion="0.1"/>
+  <Id Name="System.Storyboarding.WindowsApps.AppBar" Revision="1" Stencil="System.Storyboarding.WindowsApps" StencilVersion="0.1"/>
 </Control>
 </file>
 
 <file path=customXml/itemProps1.xml><?xml version="1.0" encoding="utf-8"?>
+<ds:datastoreItem xmlns:ds="http://schemas.openxmlformats.org/officeDocument/2006/customXml" ds:itemID="{91097976-5E66-41D8-ACC8-873151AB4E26}">
+  <ds:schemaRefs>
+    <ds:schemaRef ds:uri="http://schemas.microsoft.com/VisualStudio/2011/storyboarding/control"/>
+  </ds:schemaRefs>
+</ds:datastoreItem>
+</file>
+
+<file path=customXml/itemProps2.xml><?xml version="1.0" encoding="utf-8"?>
 <ds:datastoreItem xmlns:ds="http://schemas.openxmlformats.org/officeDocument/2006/customXml" ds:itemID="{A7EB2591-C851-4B19-B1F0-F52DEFA579ED}">
   <ds:schemaRefs>
     <ds:schemaRef ds:uri="http://schemas.microsoft.com/VisualStudio/2011/storyboarding/control"/>
@@ -10783,16 +11054,8 @@
 </ds:datastoreItem>
 </file>
 
-<file path=customXml/itemProps2.xml><?xml version="1.0" encoding="utf-8"?>
-<ds:datastoreItem xmlns:ds="http://schemas.openxmlformats.org/officeDocument/2006/customXml" ds:itemID="{91097976-5E66-41D8-ACC8-873151AB4E26}">
-  <ds:schemaRefs>
-    <ds:schemaRef ds:uri="http://schemas.microsoft.com/VisualStudio/2011/storyboarding/control"/>
-  </ds:schemaRefs>
-</ds:datastoreItem>
-</file>
-
 <file path=customXml/itemProps3.xml><?xml version="1.0" encoding="utf-8"?>
-<ds:datastoreItem xmlns:ds="http://schemas.openxmlformats.org/officeDocument/2006/customXml" ds:itemID="{35FB3D4A-92F3-4C3B-8298-A606444F704C}">
+<ds:datastoreItem xmlns:ds="http://schemas.openxmlformats.org/officeDocument/2006/customXml" ds:itemID="{B008DC4A-68C3-419C-8751-C37CC4556442}">
   <ds:schemaRefs>
     <ds:schemaRef ds:uri="http://schemas.microsoft.com/VisualStudio/2011/storyboarding/control"/>
   </ds:schemaRefs>
@@ -10808,7 +11071,7 @@
 </file>
 
 <file path=customXml/itemProps5.xml><?xml version="1.0" encoding="utf-8"?>
-<ds:datastoreItem xmlns:ds="http://schemas.openxmlformats.org/officeDocument/2006/customXml" ds:itemID="{B008DC4A-68C3-419C-8751-C37CC4556442}">
+<ds:datastoreItem xmlns:ds="http://schemas.openxmlformats.org/officeDocument/2006/customXml" ds:itemID="{35FB3D4A-92F3-4C3B-8298-A606444F704C}">
   <ds:schemaRefs>
     <ds:schemaRef ds:uri="http://schemas.microsoft.com/VisualStudio/2011/storyboarding/control"/>
   </ds:schemaRefs>

--- a/Revue n2/Presentation du projet SFL2  (Julio) Revue 2.pptx
+++ b/Revue n2/Presentation du projet SFL2  (Julio) Revue 2.pptx
@@ -222,7 +222,7 @@
           <a:effectLst/>
           <a:extLst>
             <a:ext uri="{91240B29-F687-4f45-9708-019B960494DF}">
-              <a14:hiddenLine xmlns="" xmlns:a14="http://schemas.microsoft.com/office/drawing/2010/main" w="9525">
+              <a14:hiddenLine xmlns:a14="http://schemas.microsoft.com/office/drawing/2010/main" xmlns="" w="9525">
                 <a:solidFill>
                   <a:srgbClr val="000000"/>
                 </a:solidFill>
@@ -415,7 +415,7 @@
             <a:fld id="{08B9EBBA-996F-894A-B54A-D6246ED52CEA}" type="datetimeFigureOut">
               <a:rPr lang="en-US" dirty="0"/>
               <a:pPr/>
-              <a:t>2/6/2019</a:t>
+              <a:t>2/8/2019</a:t>
             </a:fld>
             <a:endParaRPr lang="en-US" dirty="0"/>
           </a:p>
@@ -730,7 +730,7 @@
             <a:fld id="{18C79C5D-2A6F-F04D-97DA-BEF2467B64E4}" type="datetimeFigureOut">
               <a:rPr lang="en-US" dirty="0"/>
               <a:pPr/>
-              <a:t>2/6/2019</a:t>
+              <a:t>2/8/2019</a:t>
             </a:fld>
             <a:endParaRPr lang="en-US" dirty="0"/>
           </a:p>
@@ -1215,7 +1215,7 @@
             <a:fld id="{8DFA1846-DA80-1C48-A609-854EA85C59AD}" type="datetimeFigureOut">
               <a:rPr lang="en-US" dirty="0"/>
               <a:pPr/>
-              <a:t>2/6/2019</a:t>
+              <a:t>2/8/2019</a:t>
             </a:fld>
             <a:endParaRPr lang="en-US" dirty="0"/>
           </a:p>
@@ -1581,7 +1581,7 @@
             <a:fld id="{FBF54567-0DE4-3F47-BF90-CB84690072F9}" type="datetimeFigureOut">
               <a:rPr lang="en-US" dirty="0"/>
               <a:pPr/>
-              <a:t>2/6/2019</a:t>
+              <a:t>2/8/2019</a:t>
             </a:fld>
             <a:endParaRPr lang="en-US" dirty="0"/>
           </a:p>
@@ -1732,7 +1732,7 @@
           <a:ln/>
           <a:extLst>
             <a:ext uri="{91240B29-F687-4f45-9708-019B960494DF}">
-              <a14:hiddenLine xmlns="" xmlns:a14="http://schemas.microsoft.com/office/drawing/2010/main" w="9525">
+              <a14:hiddenLine xmlns:a14="http://schemas.microsoft.com/office/drawing/2010/main" xmlns="" w="9525">
                 <a:solidFill>
                   <a:srgbClr val="000000"/>
                 </a:solidFill>
@@ -1851,7 +1851,7 @@
             <a:fld id="{C6C52C72-DE31-F449-A4ED-4C594FD91407}" type="datetimeFigureOut">
               <a:rPr lang="en-US" dirty="0"/>
               <a:pPr/>
-              <a:t>2/6/2019</a:t>
+              <a:t>2/8/2019</a:t>
             </a:fld>
             <a:endParaRPr lang="en-US" dirty="0"/>
           </a:p>
@@ -2004,7 +2004,7 @@
           <a:ln/>
           <a:extLst>
             <a:ext uri="{91240B29-F687-4f45-9708-019B960494DF}">
-              <a14:hiddenLine xmlns="" xmlns:a14="http://schemas.microsoft.com/office/drawing/2010/main" w="9525">
+              <a14:hiddenLine xmlns:a14="http://schemas.microsoft.com/office/drawing/2010/main" xmlns="" w="9525">
                 <a:solidFill>
                   <a:srgbClr val="000000"/>
                 </a:solidFill>
@@ -2133,7 +2133,7 @@
             <a:fld id="{ED62726E-379B-B349-9EED-81ED093FA806}" type="datetimeFigureOut">
               <a:rPr lang="en-US" dirty="0"/>
               <a:pPr/>
-              <a:t>2/6/2019</a:t>
+              <a:t>2/8/2019</a:t>
             </a:fld>
             <a:endParaRPr lang="en-US" dirty="0"/>
           </a:p>
@@ -2284,7 +2284,7 @@
           <a:ln/>
           <a:extLst>
             <a:ext uri="{91240B29-F687-4f45-9708-019B960494DF}">
-              <a14:hiddenLine xmlns="" xmlns:a14="http://schemas.microsoft.com/office/drawing/2010/main" w="9525">
+              <a14:hiddenLine xmlns:a14="http://schemas.microsoft.com/office/drawing/2010/main" xmlns="" w="9525">
                 <a:solidFill>
                   <a:srgbClr val="000000"/>
                 </a:solidFill>
@@ -2413,7 +2413,7 @@
             <a:fld id="{9B3A1323-8D79-1946-B0D7-40001CF92E9D}" type="datetimeFigureOut">
               <a:rPr lang="en-US" dirty="0"/>
               <a:pPr/>
-              <a:t>2/6/2019</a:t>
+              <a:t>2/8/2019</a:t>
             </a:fld>
             <a:endParaRPr lang="en-US" dirty="0"/>
           </a:p>
@@ -2753,7 +2753,7 @@
             <a:fld id="{8DFA1846-DA80-1C48-A609-854EA85C59AD}" type="datetimeFigureOut">
               <a:rPr lang="en-US" dirty="0"/>
               <a:pPr/>
-              <a:t>2/6/2019</a:t>
+              <a:t>2/8/2019</a:t>
             </a:fld>
             <a:endParaRPr lang="en-US" dirty="0"/>
           </a:p>
@@ -2904,7 +2904,7 @@
           <a:ln/>
           <a:extLst>
             <a:ext uri="{91240B29-F687-4f45-9708-019B960494DF}">
-              <a14:hiddenLine xmlns="" xmlns:a14="http://schemas.microsoft.com/office/drawing/2010/main" w="9525">
+              <a14:hiddenLine xmlns:a14="http://schemas.microsoft.com/office/drawing/2010/main" xmlns="" w="9525">
                 <a:solidFill>
                   <a:srgbClr val="000000"/>
                 </a:solidFill>
@@ -3089,7 +3089,7 @@
             <a:fld id="{57302355-E14B-8545-A8F8-0FE83CC9D524}" type="datetimeFigureOut">
               <a:rPr lang="en-US" dirty="0"/>
               <a:pPr/>
-              <a:t>2/6/2019</a:t>
+              <a:t>2/8/2019</a:t>
             </a:fld>
             <a:endParaRPr lang="en-US" dirty="0"/>
           </a:p>
@@ -3240,7 +3240,7 @@
           <a:ln/>
           <a:extLst>
             <a:ext uri="{91240B29-F687-4f45-9708-019B960494DF}">
-              <a14:hiddenLine xmlns="" xmlns:a14="http://schemas.microsoft.com/office/drawing/2010/main" w="9525">
+              <a14:hiddenLine xmlns:a14="http://schemas.microsoft.com/office/drawing/2010/main" xmlns="" w="9525">
                 <a:solidFill>
                   <a:srgbClr val="000000"/>
                 </a:solidFill>
@@ -3563,7 +3563,7 @@
             <a:fld id="{02640F58-564D-2B4F-AE67-E407BA4FCF45}" type="datetimeFigureOut">
               <a:rPr lang="en-US" dirty="0"/>
               <a:pPr/>
-              <a:t>2/6/2019</a:t>
+              <a:t>2/8/2019</a:t>
             </a:fld>
             <a:endParaRPr lang="en-US" dirty="0"/>
           </a:p>
@@ -3714,7 +3714,7 @@
           <a:ln/>
           <a:extLst>
             <a:ext uri="{91240B29-F687-4f45-9708-019B960494DF}">
-              <a14:hiddenLine xmlns="" xmlns:a14="http://schemas.microsoft.com/office/drawing/2010/main" w="9525">
+              <a14:hiddenLine xmlns:a14="http://schemas.microsoft.com/office/drawing/2010/main" xmlns="" w="9525">
                 <a:solidFill>
                   <a:srgbClr val="000000"/>
                 </a:solidFill>
@@ -3781,7 +3781,7 @@
             <a:fld id="{F13A34C8-038E-2045-AF43-DF7DBB8E0E9E}" type="datetimeFigureOut">
               <a:rPr lang="en-US" dirty="0"/>
               <a:pPr/>
-              <a:t>2/6/2019</a:t>
+              <a:t>2/8/2019</a:t>
             </a:fld>
             <a:endParaRPr lang="en-US" dirty="0"/>
           </a:p>
@@ -3873,7 +3873,7 @@
             <a:fld id="{8818C68F-D26B-8F47-958C-23B49CF8A634}" type="datetimeFigureOut">
               <a:rPr lang="en-US" dirty="0"/>
               <a:pPr/>
-              <a:t>2/6/2019</a:t>
+              <a:t>2/8/2019</a:t>
             </a:fld>
             <a:endParaRPr lang="en-US" dirty="0"/>
           </a:p>
@@ -4137,7 +4137,7 @@
           <a:ln/>
           <a:extLst>
             <a:ext uri="{91240B29-F687-4f45-9708-019B960494DF}">
-              <a14:hiddenLine xmlns="" xmlns:a14="http://schemas.microsoft.com/office/drawing/2010/main" w="9525">
+              <a14:hiddenLine xmlns:a14="http://schemas.microsoft.com/office/drawing/2010/main" xmlns="" w="9525">
                 <a:solidFill>
                   <a:srgbClr val="000000"/>
                 </a:solidFill>
@@ -4337,7 +4337,7 @@
             <a:fld id="{D0DF5E60-9974-AC48-9591-99C2BB44B7CF}" type="datetimeFigureOut">
               <a:rPr lang="en-US" dirty="0"/>
               <a:pPr/>
-              <a:t>2/6/2019</a:t>
+              <a:t>2/8/2019</a:t>
             </a:fld>
             <a:endParaRPr lang="en-US" dirty="0"/>
           </a:p>
@@ -4647,7 +4647,7 @@
             <a:fld id="{18C79C5D-2A6F-F04D-97DA-BEF2467B64E4}" type="datetimeFigureOut">
               <a:rPr lang="en-US" dirty="0"/>
               <a:pPr/>
-              <a:t>2/6/2019</a:t>
+              <a:t>2/8/2019</a:t>
             </a:fld>
             <a:endParaRPr lang="en-US" dirty="0"/>
           </a:p>
@@ -4914,7 +4914,7 @@
             <a:fld id="{09B482E8-6E0E-1B4F-B1FD-C69DB9E858D9}" type="datetimeFigureOut">
               <a:rPr lang="en-US" dirty="0"/>
               <a:pPr/>
-              <a:t>2/6/2019</a:t>
+              <a:t>2/8/2019</a:t>
             </a:fld>
             <a:endParaRPr lang="en-US" dirty="0"/>
           </a:p>
@@ -5567,7 +5567,7 @@
           </a:ln>
           <a:extLst>
             <a:ext uri="{91240B29-F687-4f45-9708-019B960494DF}">
-              <a14:hiddenLine xmlns:a14="http://schemas.microsoft.com/office/drawing/2010/main" xmlns:p14="http://schemas.microsoft.com/office/powerpoint/2010/main" xmlns:a16="http://schemas.microsoft.com/office/drawing/2014/main" xmlns="" w="9525">
+              <a14:hiddenLine xmlns="" xmlns:a16="http://schemas.microsoft.com/office/drawing/2014/main" xmlns:p14="http://schemas.microsoft.com/office/powerpoint/2010/main" xmlns:a14="http://schemas.microsoft.com/office/drawing/2010/main" w="9525">
                 <a:solidFill>
                   <a:srgbClr val="000000"/>
                 </a:solidFill>
@@ -5864,7 +5864,7 @@
           </a:ln>
           <a:extLst>
             <a:ext uri="{91240B29-F687-4f45-9708-019B960494DF}">
-              <a14:hiddenLine xmlns:a14="http://schemas.microsoft.com/office/drawing/2010/main" xmlns:p14="http://schemas.microsoft.com/office/powerpoint/2010/main" xmlns:a16="http://schemas.microsoft.com/office/drawing/2014/main" xmlns="" w="9525">
+              <a14:hiddenLine xmlns="" xmlns:a16="http://schemas.microsoft.com/office/drawing/2014/main" xmlns:p14="http://schemas.microsoft.com/office/powerpoint/2010/main" xmlns:a14="http://schemas.microsoft.com/office/drawing/2010/main" w="9525">
                 <a:solidFill>
                   <a:srgbClr val="000000"/>
                 </a:solidFill>
@@ -6158,7 +6158,7 @@
           </a:ln>
           <a:extLst>
             <a:ext uri="{91240B29-F687-4f45-9708-019B960494DF}">
-              <a14:hiddenLine xmlns:a14="http://schemas.microsoft.com/office/drawing/2010/main" xmlns:p14="http://schemas.microsoft.com/office/powerpoint/2010/main" xmlns:a16="http://schemas.microsoft.com/office/drawing/2014/main" xmlns="" w="9525">
+              <a14:hiddenLine xmlns="" xmlns:a16="http://schemas.microsoft.com/office/drawing/2014/main" xmlns:p14="http://schemas.microsoft.com/office/powerpoint/2010/main" xmlns:a14="http://schemas.microsoft.com/office/drawing/2010/main" w="9525">
                 <a:solidFill>
                   <a:srgbClr val="000000"/>
                 </a:solidFill>
@@ -6452,7 +6452,7 @@
           </a:ln>
           <a:extLst>
             <a:ext uri="{91240B29-F687-4f45-9708-019B960494DF}">
-              <a14:hiddenLine xmlns:a14="http://schemas.microsoft.com/office/drawing/2010/main" xmlns:p14="http://schemas.microsoft.com/office/powerpoint/2010/main" xmlns:a16="http://schemas.microsoft.com/office/drawing/2014/main" xmlns="" w="9525">
+              <a14:hiddenLine xmlns="" xmlns:a16="http://schemas.microsoft.com/office/drawing/2014/main" xmlns:p14="http://schemas.microsoft.com/office/powerpoint/2010/main" xmlns:a14="http://schemas.microsoft.com/office/drawing/2010/main" w="9525">
                 <a:solidFill>
                   <a:srgbClr val="000000"/>
                 </a:solidFill>
@@ -7080,7 +7080,7 @@
           <a:effectLst/>
           <a:extLst>
             <a:ext uri="{91240B29-F687-4f45-9708-019B960494DF}">
-              <a14:hiddenLine xmlns="" xmlns:a16="http://schemas.microsoft.com/office/drawing/2014/main" xmlns:p14="http://schemas.microsoft.com/office/powerpoint/2010/main" xmlns:a14="http://schemas.microsoft.com/office/drawing/2010/main" w="9525">
+              <a14:hiddenLine xmlns:a14="http://schemas.microsoft.com/office/drawing/2010/main" xmlns:p14="http://schemas.microsoft.com/office/powerpoint/2010/main" xmlns:a16="http://schemas.microsoft.com/office/drawing/2014/main" xmlns="" w="9525">
                 <a:solidFill>
                   <a:srgbClr val="000000"/>
                 </a:solidFill>
@@ -7876,7 +7876,23 @@
                   <a:srgbClr val="FFFFFF"/>
                 </a:solidFill>
               </a:rPr>
-              <a:t>Simplifier le partage de matériel entre enseignant en leur faisant gagner du temps grâce à un système en temps réel d’état d’emprunt de matériels</a:t>
+              <a:t>Simplifier le partage de matériel </a:t>
+            </a:r>
+            <a:r>
+              <a:rPr lang="fr-FR" sz="1600">
+                <a:solidFill>
+                  <a:srgbClr val="FFFFFF"/>
+                </a:solidFill>
+              </a:rPr>
+              <a:t>entre emprunteurs </a:t>
+            </a:r>
+            <a:r>
+              <a:rPr lang="fr-FR" sz="1600" dirty="0">
+                <a:solidFill>
+                  <a:srgbClr val="FFFFFF"/>
+                </a:solidFill>
+              </a:rPr>
+              <a:t>en leur faisant gagner du temps grâce à un système en temps réel d’état d’emprunt de matériels</a:t>
             </a:r>
           </a:p>
         </p:txBody>
@@ -8053,7 +8069,7 @@
           </a:ln>
           <a:extLst>
             <a:ext uri="{91240B29-F687-4f45-9708-019B960494DF}">
-              <a14:hiddenLine xmlns:a14="http://schemas.microsoft.com/office/drawing/2010/main" xmlns:p14="http://schemas.microsoft.com/office/powerpoint/2010/main" xmlns:a16="http://schemas.microsoft.com/office/drawing/2014/main" xmlns="" w="9525">
+              <a14:hiddenLine xmlns="" xmlns:a16="http://schemas.microsoft.com/office/drawing/2014/main" xmlns:p14="http://schemas.microsoft.com/office/powerpoint/2010/main" xmlns:a14="http://schemas.microsoft.com/office/drawing/2010/main" w="9525">
                 <a:solidFill>
                   <a:srgbClr val="000000"/>
                 </a:solidFill>
@@ -8346,7 +8362,7 @@
           <a:effectLst/>
           <a:extLst>
             <a:ext uri="{91240B29-F687-4f45-9708-019B960494DF}">
-              <a14:hiddenLine xmlns="" xmlns:a16="http://schemas.microsoft.com/office/drawing/2014/main" xmlns:p14="http://schemas.microsoft.com/office/powerpoint/2010/main" xmlns:a14="http://schemas.microsoft.com/office/drawing/2010/main" w="9525">
+              <a14:hiddenLine xmlns:a14="http://schemas.microsoft.com/office/drawing/2010/main" xmlns:p14="http://schemas.microsoft.com/office/powerpoint/2010/main" xmlns:a16="http://schemas.microsoft.com/office/drawing/2014/main" xmlns="" w="9525">
                 <a:solidFill>
                   <a:srgbClr val="000000"/>
                 </a:solidFill>
@@ -8933,7 +8949,7 @@
           <a:effectLst/>
           <a:extLst>
             <a:ext uri="{91240B29-F687-4f45-9708-019B960494DF}">
-              <a14:hiddenLine xmlns="" xmlns:a16="http://schemas.microsoft.com/office/drawing/2014/main" xmlns:p14="http://schemas.microsoft.com/office/powerpoint/2010/main" xmlns:a14="http://schemas.microsoft.com/office/drawing/2010/main" w="9525">
+              <a14:hiddenLine xmlns:a14="http://schemas.microsoft.com/office/drawing/2010/main" xmlns:p14="http://schemas.microsoft.com/office/powerpoint/2010/main" xmlns:a16="http://schemas.microsoft.com/office/drawing/2014/main" xmlns="" w="9525">
                 <a:solidFill>
                   <a:srgbClr val="000000"/>
                 </a:solidFill>
@@ -9490,7 +9506,7 @@
           <a:effectLst/>
           <a:extLst>
             <a:ext uri="{91240B29-F687-4f45-9708-019B960494DF}">
-              <a14:hiddenLine xmlns="" xmlns:a16="http://schemas.microsoft.com/office/drawing/2014/main" xmlns:p14="http://schemas.microsoft.com/office/powerpoint/2010/main" xmlns:a14="http://schemas.microsoft.com/office/drawing/2010/main" w="9525">
+              <a14:hiddenLine xmlns:a14="http://schemas.microsoft.com/office/drawing/2010/main" xmlns:p14="http://schemas.microsoft.com/office/powerpoint/2010/main" xmlns:a16="http://schemas.microsoft.com/office/drawing/2014/main" xmlns="" w="9525">
                 <a:solidFill>
                   <a:srgbClr val="000000"/>
                 </a:solidFill>
@@ -10238,7 +10254,7 @@
           </a:ln>
           <a:extLst>
             <a:ext uri="{91240B29-F687-4f45-9708-019B960494DF}">
-              <a14:hiddenLine xmlns:a14="http://schemas.microsoft.com/office/drawing/2010/main" xmlns:p14="http://schemas.microsoft.com/office/powerpoint/2010/main" xmlns:a16="http://schemas.microsoft.com/office/drawing/2014/main" xmlns="" w="9525">
+              <a14:hiddenLine xmlns="" xmlns:a16="http://schemas.microsoft.com/office/drawing/2014/main" xmlns:p14="http://schemas.microsoft.com/office/powerpoint/2010/main" xmlns:a14="http://schemas.microsoft.com/office/drawing/2010/main" w="9525">
                 <a:solidFill>
                   <a:srgbClr val="000000"/>
                 </a:solidFill>
@@ -10587,7 +10603,7 @@
           </a:ln>
           <a:extLst>
             <a:ext uri="{91240B29-F687-4f45-9708-019B960494DF}">
-              <a14:hiddenLine xmlns="" xmlns:a16="http://schemas.microsoft.com/office/drawing/2014/main" xmlns:p14="http://schemas.microsoft.com/office/powerpoint/2010/main" xmlns:a14="http://schemas.microsoft.com/office/drawing/2010/main" w="9525">
+              <a14:hiddenLine xmlns:a14="http://schemas.microsoft.com/office/drawing/2010/main" xmlns:p14="http://schemas.microsoft.com/office/powerpoint/2010/main" xmlns:a16="http://schemas.microsoft.com/office/drawing/2014/main" xmlns="" w="9525">
                 <a:solidFill>
                   <a:srgbClr val="000000"/>
                 </a:solidFill>
@@ -11010,19 +11026,19 @@
 
 <file path=customXml/item1.xml><?xml version="1.0" encoding="utf-8"?>
 <Control xmlns="http://schemas.microsoft.com/VisualStudio/2011/storyboarding/control">
-  <Id Name="System.Storyboarding.WindowsApps.Share" Revision="1" Stencil="System.Storyboarding.WindowsApps" StencilVersion="0.1"/>
+  <Id Name="System.Storyboarding.Common.Text" Revision="1" Stencil="System.Storyboarding.Common" StencilVersion="0.1"/>
 </Control>
 </file>
 
 <file path=customXml/item2.xml><?xml version="1.0" encoding="utf-8"?>
 <Control xmlns="http://schemas.microsoft.com/VisualStudio/2011/storyboarding/control">
-  <Id Name="System.Storyboarding.Common.Text" Revision="1" Stencil="System.Storyboarding.Common" StencilVersion="0.1"/>
+  <Id Name="System.Storyboarding.WindowsApps.Share" Revision="1" Stencil="System.Storyboarding.WindowsApps" StencilVersion="0.1"/>
 </Control>
 </file>
 
 <file path=customXml/item3.xml><?xml version="1.0" encoding="utf-8"?>
 <Control xmlns="http://schemas.microsoft.com/VisualStudio/2011/storyboarding/control">
-  <Id Name="System.Storyboarding.Icons.ShoppingCart" Revision="1" Stencil="System.Storyboarding.Icons" StencilVersion="0.1"/>
+  <Id Name="System.Storyboarding.WindowsApps.AppBar" Revision="1" Stencil="System.Storyboarding.WindowsApps" StencilVersion="0.1"/>
 </Control>
 </file>
 
@@ -11034,11 +11050,19 @@
 
 <file path=customXml/item5.xml><?xml version="1.0" encoding="utf-8"?>
 <Control xmlns="http://schemas.microsoft.com/VisualStudio/2011/storyboarding/control">
-  <Id Name="System.Storyboarding.WindowsApps.AppBar" Revision="1" Stencil="System.Storyboarding.WindowsApps" StencilVersion="0.1"/>
+  <Id Name="System.Storyboarding.Icons.ShoppingCart" Revision="1" Stencil="System.Storyboarding.Icons" StencilVersion="0.1"/>
 </Control>
 </file>
 
 <file path=customXml/itemProps1.xml><?xml version="1.0" encoding="utf-8"?>
+<ds:datastoreItem xmlns:ds="http://schemas.openxmlformats.org/officeDocument/2006/customXml" ds:itemID="{A7EB2591-C851-4B19-B1F0-F52DEFA579ED}">
+  <ds:schemaRefs>
+    <ds:schemaRef ds:uri="http://schemas.microsoft.com/VisualStudio/2011/storyboarding/control"/>
+  </ds:schemaRefs>
+</ds:datastoreItem>
+</file>
+
+<file path=customXml/itemProps2.xml><?xml version="1.0" encoding="utf-8"?>
 <ds:datastoreItem xmlns:ds="http://schemas.openxmlformats.org/officeDocument/2006/customXml" ds:itemID="{91097976-5E66-41D8-ACC8-873151AB4E26}">
   <ds:schemaRefs>
     <ds:schemaRef ds:uri="http://schemas.microsoft.com/VisualStudio/2011/storyboarding/control"/>
@@ -11046,16 +11070,8 @@
 </ds:datastoreItem>
 </file>
 
-<file path=customXml/itemProps2.xml><?xml version="1.0" encoding="utf-8"?>
-<ds:datastoreItem xmlns:ds="http://schemas.openxmlformats.org/officeDocument/2006/customXml" ds:itemID="{A7EB2591-C851-4B19-B1F0-F52DEFA579ED}">
-  <ds:schemaRefs>
-    <ds:schemaRef ds:uri="http://schemas.microsoft.com/VisualStudio/2011/storyboarding/control"/>
-  </ds:schemaRefs>
-</ds:datastoreItem>
-</file>
-
 <file path=customXml/itemProps3.xml><?xml version="1.0" encoding="utf-8"?>
-<ds:datastoreItem xmlns:ds="http://schemas.openxmlformats.org/officeDocument/2006/customXml" ds:itemID="{B008DC4A-68C3-419C-8751-C37CC4556442}">
+<ds:datastoreItem xmlns:ds="http://schemas.openxmlformats.org/officeDocument/2006/customXml" ds:itemID="{35FB3D4A-92F3-4C3B-8298-A606444F704C}">
   <ds:schemaRefs>
     <ds:schemaRef ds:uri="http://schemas.microsoft.com/VisualStudio/2011/storyboarding/control"/>
   </ds:schemaRefs>
@@ -11071,7 +11087,7 @@
 </file>
 
 <file path=customXml/itemProps5.xml><?xml version="1.0" encoding="utf-8"?>
-<ds:datastoreItem xmlns:ds="http://schemas.openxmlformats.org/officeDocument/2006/customXml" ds:itemID="{35FB3D4A-92F3-4C3B-8298-A606444F704C}">
+<ds:datastoreItem xmlns:ds="http://schemas.openxmlformats.org/officeDocument/2006/customXml" ds:itemID="{B008DC4A-68C3-419C-8751-C37CC4556442}">
   <ds:schemaRefs>
     <ds:schemaRef ds:uri="http://schemas.microsoft.com/VisualStudio/2011/storyboarding/control"/>
   </ds:schemaRefs>

--- a/Revue n2/Presentation du projet SFL2  (Julio) Revue 2.pptx
+++ b/Revue n2/Presentation du projet SFL2  (Julio) Revue 2.pptx
@@ -222,7 +222,7 @@
           <a:effectLst/>
           <a:extLst>
             <a:ext uri="{91240B29-F687-4f45-9708-019B960494DF}">
-              <a14:hiddenLine xmlns:a14="http://schemas.microsoft.com/office/drawing/2010/main" xmlns="" w="9525">
+              <a14:hiddenLine xmlns="" xmlns:a14="http://schemas.microsoft.com/office/drawing/2010/main" w="9525">
                 <a:solidFill>
                   <a:srgbClr val="000000"/>
                 </a:solidFill>
@@ -1732,7 +1732,7 @@
           <a:ln/>
           <a:extLst>
             <a:ext uri="{91240B29-F687-4f45-9708-019B960494DF}">
-              <a14:hiddenLine xmlns:a14="http://schemas.microsoft.com/office/drawing/2010/main" xmlns="" w="9525">
+              <a14:hiddenLine xmlns="" xmlns:a14="http://schemas.microsoft.com/office/drawing/2010/main" w="9525">
                 <a:solidFill>
                   <a:srgbClr val="000000"/>
                 </a:solidFill>
@@ -2004,7 +2004,7 @@
           <a:ln/>
           <a:extLst>
             <a:ext uri="{91240B29-F687-4f45-9708-019B960494DF}">
-              <a14:hiddenLine xmlns:a14="http://schemas.microsoft.com/office/drawing/2010/main" xmlns="" w="9525">
+              <a14:hiddenLine xmlns="" xmlns:a14="http://schemas.microsoft.com/office/drawing/2010/main" w="9525">
                 <a:solidFill>
                   <a:srgbClr val="000000"/>
                 </a:solidFill>
@@ -2284,7 +2284,7 @@
           <a:ln/>
           <a:extLst>
             <a:ext uri="{91240B29-F687-4f45-9708-019B960494DF}">
-              <a14:hiddenLine xmlns:a14="http://schemas.microsoft.com/office/drawing/2010/main" xmlns="" w="9525">
+              <a14:hiddenLine xmlns="" xmlns:a14="http://schemas.microsoft.com/office/drawing/2010/main" w="9525">
                 <a:solidFill>
                   <a:srgbClr val="000000"/>
                 </a:solidFill>
@@ -2904,7 +2904,7 @@
           <a:ln/>
           <a:extLst>
             <a:ext uri="{91240B29-F687-4f45-9708-019B960494DF}">
-              <a14:hiddenLine xmlns:a14="http://schemas.microsoft.com/office/drawing/2010/main" xmlns="" w="9525">
+              <a14:hiddenLine xmlns="" xmlns:a14="http://schemas.microsoft.com/office/drawing/2010/main" w="9525">
                 <a:solidFill>
                   <a:srgbClr val="000000"/>
                 </a:solidFill>
@@ -3240,7 +3240,7 @@
           <a:ln/>
           <a:extLst>
             <a:ext uri="{91240B29-F687-4f45-9708-019B960494DF}">
-              <a14:hiddenLine xmlns:a14="http://schemas.microsoft.com/office/drawing/2010/main" xmlns="" w="9525">
+              <a14:hiddenLine xmlns="" xmlns:a14="http://schemas.microsoft.com/office/drawing/2010/main" w="9525">
                 <a:solidFill>
                   <a:srgbClr val="000000"/>
                 </a:solidFill>
@@ -3714,7 +3714,7 @@
           <a:ln/>
           <a:extLst>
             <a:ext uri="{91240B29-F687-4f45-9708-019B960494DF}">
-              <a14:hiddenLine xmlns:a14="http://schemas.microsoft.com/office/drawing/2010/main" xmlns="" w="9525">
+              <a14:hiddenLine xmlns="" xmlns:a14="http://schemas.microsoft.com/office/drawing/2010/main" w="9525">
                 <a:solidFill>
                   <a:srgbClr val="000000"/>
                 </a:solidFill>
@@ -4137,7 +4137,7 @@
           <a:ln/>
           <a:extLst>
             <a:ext uri="{91240B29-F687-4f45-9708-019B960494DF}">
-              <a14:hiddenLine xmlns:a14="http://schemas.microsoft.com/office/drawing/2010/main" xmlns="" w="9525">
+              <a14:hiddenLine xmlns="" xmlns:a14="http://schemas.microsoft.com/office/drawing/2010/main" w="9525">
                 <a:solidFill>
                   <a:srgbClr val="000000"/>
                 </a:solidFill>
@@ -5567,7 +5567,7 @@
           </a:ln>
           <a:extLst>
             <a:ext uri="{91240B29-F687-4f45-9708-019B960494DF}">
-              <a14:hiddenLine xmlns="" xmlns:a16="http://schemas.microsoft.com/office/drawing/2014/main" xmlns:p14="http://schemas.microsoft.com/office/powerpoint/2010/main" xmlns:a14="http://schemas.microsoft.com/office/drawing/2010/main" w="9525">
+              <a14:hiddenLine xmlns:a14="http://schemas.microsoft.com/office/drawing/2010/main" xmlns:p14="http://schemas.microsoft.com/office/powerpoint/2010/main" xmlns:a16="http://schemas.microsoft.com/office/drawing/2014/main" xmlns="" w="9525">
                 <a:solidFill>
                   <a:srgbClr val="000000"/>
                 </a:solidFill>
@@ -5864,7 +5864,7 @@
           </a:ln>
           <a:extLst>
             <a:ext uri="{91240B29-F687-4f45-9708-019B960494DF}">
-              <a14:hiddenLine xmlns="" xmlns:a16="http://schemas.microsoft.com/office/drawing/2014/main" xmlns:p14="http://schemas.microsoft.com/office/powerpoint/2010/main" xmlns:a14="http://schemas.microsoft.com/office/drawing/2010/main" w="9525">
+              <a14:hiddenLine xmlns:a14="http://schemas.microsoft.com/office/drawing/2010/main" xmlns:p14="http://schemas.microsoft.com/office/powerpoint/2010/main" xmlns:a16="http://schemas.microsoft.com/office/drawing/2014/main" xmlns="" w="9525">
                 <a:solidFill>
                   <a:srgbClr val="000000"/>
                 </a:solidFill>
@@ -6158,7 +6158,7 @@
           </a:ln>
           <a:extLst>
             <a:ext uri="{91240B29-F687-4f45-9708-019B960494DF}">
-              <a14:hiddenLine xmlns="" xmlns:a16="http://schemas.microsoft.com/office/drawing/2014/main" xmlns:p14="http://schemas.microsoft.com/office/powerpoint/2010/main" xmlns:a14="http://schemas.microsoft.com/office/drawing/2010/main" w="9525">
+              <a14:hiddenLine xmlns:a14="http://schemas.microsoft.com/office/drawing/2010/main" xmlns:p14="http://schemas.microsoft.com/office/powerpoint/2010/main" xmlns:a16="http://schemas.microsoft.com/office/drawing/2014/main" xmlns="" w="9525">
                 <a:solidFill>
                   <a:srgbClr val="000000"/>
                 </a:solidFill>
@@ -6452,7 +6452,7 @@
           </a:ln>
           <a:extLst>
             <a:ext uri="{91240B29-F687-4f45-9708-019B960494DF}">
-              <a14:hiddenLine xmlns="" xmlns:a16="http://schemas.microsoft.com/office/drawing/2014/main" xmlns:p14="http://schemas.microsoft.com/office/powerpoint/2010/main" xmlns:a14="http://schemas.microsoft.com/office/drawing/2010/main" w="9525">
+              <a14:hiddenLine xmlns:a14="http://schemas.microsoft.com/office/drawing/2010/main" xmlns:p14="http://schemas.microsoft.com/office/powerpoint/2010/main" xmlns:a16="http://schemas.microsoft.com/office/drawing/2014/main" xmlns="" w="9525">
                 <a:solidFill>
                   <a:srgbClr val="000000"/>
                 </a:solidFill>
@@ -7080,7 +7080,7 @@
           <a:effectLst/>
           <a:extLst>
             <a:ext uri="{91240B29-F687-4f45-9708-019B960494DF}">
-              <a14:hiddenLine xmlns:a14="http://schemas.microsoft.com/office/drawing/2010/main" xmlns:p14="http://schemas.microsoft.com/office/powerpoint/2010/main" xmlns:a16="http://schemas.microsoft.com/office/drawing/2014/main" xmlns="" w="9525">
+              <a14:hiddenLine xmlns="" xmlns:a16="http://schemas.microsoft.com/office/drawing/2014/main" xmlns:p14="http://schemas.microsoft.com/office/powerpoint/2010/main" xmlns:a14="http://schemas.microsoft.com/office/drawing/2010/main" w="9525">
                 <a:solidFill>
                   <a:srgbClr val="000000"/>
                 </a:solidFill>
@@ -7477,34 +7477,36 @@
           <a:chExt cx="0" cy="0"/>
         </a:xfrm>
       </p:grpSpPr>
-      <p:sp>
-        <p:nvSpPr>
-          <p:cNvPr id="2" name="Titre 1">
+      <p:pic>
+        <p:nvPicPr>
+          <p:cNvPr id="22" name="Image 21" descr="Une image contenant texte&#10;&#10;Description générée automatiquement">
             <a:extLst>
               <a:ext uri="{FF2B5EF4-FFF2-40B4-BE49-F238E27FC236}">
-                <a16:creationId xmlns:a16="http://schemas.microsoft.com/office/drawing/2014/main" id="{925AAC1B-608D-4EF4-ADA2-2B03CF283CB9}"/>
+                <a16:creationId xmlns:a16="http://schemas.microsoft.com/office/drawing/2014/main" id="{E833AE2C-5826-4390-8365-4FB46B318D5A}"/>
               </a:ext>
             </a:extLst>
           </p:cNvPr>
-          <p:cNvSpPr>
-            <a:spLocks noGrp="1"/>
-          </p:cNvSpPr>
-          <p:nvPr>
-            <p:ph type="title"/>
-          </p:nvPr>
-        </p:nvSpPr>
-        <p:spPr/>
-        <p:txBody>
-          <a:bodyPr/>
-          <a:lstStyle/>
-          <a:p>
-            <a:r>
-              <a:rPr lang="fr-FR" dirty="0"/>
-              <a:t>Gantt</a:t>
-            </a:r>
-          </a:p>
-        </p:txBody>
-      </p:sp>
+          <p:cNvPicPr>
+            <a:picLocks noChangeAspect="1"/>
+          </p:cNvPicPr>
+          <p:nvPr/>
+        </p:nvPicPr>
+        <p:blipFill>
+          <a:blip r:embed="rId2"/>
+          <a:stretch>
+            <a:fillRect/>
+          </a:stretch>
+        </p:blipFill>
+        <p:spPr>
+          <a:xfrm>
+            <a:off x="0" y="0"/>
+            <a:ext cx="12192000" cy="6858000"/>
+          </a:xfrm>
+          <a:prstGeom prst="rect">
+            <a:avLst/>
+          </a:prstGeom>
+        </p:spPr>
+      </p:pic>
     </p:spTree>
     <p:extLst>
       <p:ext uri="{BB962C8B-B14F-4D97-AF65-F5344CB8AC3E}">
@@ -8069,7 +8071,7 @@
           </a:ln>
           <a:extLst>
             <a:ext uri="{91240B29-F687-4f45-9708-019B960494DF}">
-              <a14:hiddenLine xmlns="" xmlns:a16="http://schemas.microsoft.com/office/drawing/2014/main" xmlns:p14="http://schemas.microsoft.com/office/powerpoint/2010/main" xmlns:a14="http://schemas.microsoft.com/office/drawing/2010/main" w="9525">
+              <a14:hiddenLine xmlns:a14="http://schemas.microsoft.com/office/drawing/2010/main" xmlns:p14="http://schemas.microsoft.com/office/powerpoint/2010/main" xmlns:a16="http://schemas.microsoft.com/office/drawing/2014/main" xmlns="" w="9525">
                 <a:solidFill>
                   <a:srgbClr val="000000"/>
                 </a:solidFill>
@@ -8224,8 +8226,8 @@
         </p:blipFill>
         <p:spPr>
           <a:xfrm>
-            <a:off x="1240972" y="1121264"/>
-            <a:ext cx="9862458" cy="3636963"/>
+            <a:off x="930248" y="1006680"/>
+            <a:ext cx="10483906" cy="3866132"/>
           </a:xfrm>
         </p:spPr>
       </p:pic>
@@ -8362,7 +8364,7 @@
           <a:effectLst/>
           <a:extLst>
             <a:ext uri="{91240B29-F687-4f45-9708-019B960494DF}">
-              <a14:hiddenLine xmlns:a14="http://schemas.microsoft.com/office/drawing/2010/main" xmlns:p14="http://schemas.microsoft.com/office/powerpoint/2010/main" xmlns:a16="http://schemas.microsoft.com/office/drawing/2014/main" xmlns="" w="9525">
+              <a14:hiddenLine xmlns="" xmlns:a16="http://schemas.microsoft.com/office/drawing/2014/main" xmlns:p14="http://schemas.microsoft.com/office/powerpoint/2010/main" xmlns:a14="http://schemas.microsoft.com/office/drawing/2010/main" w="9525">
                 <a:solidFill>
                   <a:srgbClr val="000000"/>
                 </a:solidFill>
@@ -8949,7 +8951,7 @@
           <a:effectLst/>
           <a:extLst>
             <a:ext uri="{91240B29-F687-4f45-9708-019B960494DF}">
-              <a14:hiddenLine xmlns:a14="http://schemas.microsoft.com/office/drawing/2010/main" xmlns:p14="http://schemas.microsoft.com/office/powerpoint/2010/main" xmlns:a16="http://schemas.microsoft.com/office/drawing/2014/main" xmlns="" w="9525">
+              <a14:hiddenLine xmlns="" xmlns:a16="http://schemas.microsoft.com/office/drawing/2014/main" xmlns:p14="http://schemas.microsoft.com/office/powerpoint/2010/main" xmlns:a14="http://schemas.microsoft.com/office/drawing/2010/main" w="9525">
                 <a:solidFill>
                   <a:srgbClr val="000000"/>
                 </a:solidFill>
@@ -9506,7 +9508,7 @@
           <a:effectLst/>
           <a:extLst>
             <a:ext uri="{91240B29-F687-4f45-9708-019B960494DF}">
-              <a14:hiddenLine xmlns:a14="http://schemas.microsoft.com/office/drawing/2010/main" xmlns:p14="http://schemas.microsoft.com/office/powerpoint/2010/main" xmlns:a16="http://schemas.microsoft.com/office/drawing/2014/main" xmlns="" w="9525">
+              <a14:hiddenLine xmlns="" xmlns:a16="http://schemas.microsoft.com/office/drawing/2014/main" xmlns:p14="http://schemas.microsoft.com/office/powerpoint/2010/main" xmlns:a14="http://schemas.microsoft.com/office/drawing/2010/main" w="9525">
                 <a:solidFill>
                   <a:srgbClr val="000000"/>
                 </a:solidFill>
@@ -10254,7 +10256,7 @@
           </a:ln>
           <a:extLst>
             <a:ext uri="{91240B29-F687-4f45-9708-019B960494DF}">
-              <a14:hiddenLine xmlns="" xmlns:a16="http://schemas.microsoft.com/office/drawing/2014/main" xmlns:p14="http://schemas.microsoft.com/office/powerpoint/2010/main" xmlns:a14="http://schemas.microsoft.com/office/drawing/2010/main" w="9525">
+              <a14:hiddenLine xmlns:a14="http://schemas.microsoft.com/office/drawing/2010/main" xmlns:p14="http://schemas.microsoft.com/office/powerpoint/2010/main" xmlns:a16="http://schemas.microsoft.com/office/drawing/2014/main" xmlns="" w="9525">
                 <a:solidFill>
                   <a:srgbClr val="000000"/>
                 </a:solidFill>
@@ -10603,7 +10605,7 @@
           </a:ln>
           <a:extLst>
             <a:ext uri="{91240B29-F687-4f45-9708-019B960494DF}">
-              <a14:hiddenLine xmlns:a14="http://schemas.microsoft.com/office/drawing/2010/main" xmlns:p14="http://schemas.microsoft.com/office/powerpoint/2010/main" xmlns:a16="http://schemas.microsoft.com/office/drawing/2014/main" xmlns="" w="9525">
+              <a14:hiddenLine xmlns="" xmlns:a16="http://schemas.microsoft.com/office/drawing/2014/main" xmlns:p14="http://schemas.microsoft.com/office/powerpoint/2010/main" xmlns:a14="http://schemas.microsoft.com/office/drawing/2010/main" w="9525">
                 <a:solidFill>
                   <a:srgbClr val="000000"/>
                 </a:solidFill>
@@ -10731,6 +10733,41 @@
           </a:prstGeom>
         </p:spPr>
       </p:pic>
+      <p:sp>
+        <p:nvSpPr>
+          <p:cNvPr id="2" name="ZoneTexte 1">
+            <a:extLst>
+              <a:ext uri="{FF2B5EF4-FFF2-40B4-BE49-F238E27FC236}">
+                <a16:creationId xmlns:a16="http://schemas.microsoft.com/office/drawing/2014/main" id="{3DC7080A-FE9D-4144-89C7-83A54821F03E}"/>
+              </a:ext>
+            </a:extLst>
+          </p:cNvPr>
+          <p:cNvSpPr txBox="1"/>
+          <p:nvPr/>
+        </p:nvSpPr>
+        <p:spPr>
+          <a:xfrm>
+            <a:off x="1023458" y="6325299"/>
+            <a:ext cx="3204594" cy="369332"/>
+          </a:xfrm>
+          <a:prstGeom prst="rect">
+            <a:avLst/>
+          </a:prstGeom>
+          <a:noFill/>
+        </p:spPr>
+        <p:txBody>
+          <a:bodyPr wrap="square" rtlCol="0">
+            <a:spAutoFit/>
+          </a:bodyPr>
+          <a:lstStyle/>
+          <a:p>
+            <a:r>
+              <a:rPr lang="fr-FR" dirty="0"/>
+              <a:t>Diagramme de classe</a:t>
+            </a:r>
+          </a:p>
+        </p:txBody>
+      </p:sp>
     </p:spTree>
     <p:extLst>
       <p:ext uri="{BB962C8B-B14F-4D97-AF65-F5344CB8AC3E}">
@@ -11026,19 +11063,19 @@
 
 <file path=customXml/item1.xml><?xml version="1.0" encoding="utf-8"?>
 <Control xmlns="http://schemas.microsoft.com/VisualStudio/2011/storyboarding/control">
-  <Id Name="System.Storyboarding.Common.Text" Revision="1" Stencil="System.Storyboarding.Common" StencilVersion="0.1"/>
+  <Id Name="System.Storyboarding.WindowsApps.Share" Revision="1" Stencil="System.Storyboarding.WindowsApps" StencilVersion="0.1"/>
 </Control>
 </file>
 
 <file path=customXml/item2.xml><?xml version="1.0" encoding="utf-8"?>
 <Control xmlns="http://schemas.microsoft.com/VisualStudio/2011/storyboarding/control">
-  <Id Name="System.Storyboarding.WindowsApps.Share" Revision="1" Stencil="System.Storyboarding.WindowsApps" StencilVersion="0.1"/>
+  <Id Name="System.Storyboarding.Common.Text" Revision="1" Stencil="System.Storyboarding.Common" StencilVersion="0.1"/>
 </Control>
 </file>
 
 <file path=customXml/item3.xml><?xml version="1.0" encoding="utf-8"?>
 <Control xmlns="http://schemas.microsoft.com/VisualStudio/2011/storyboarding/control">
-  <Id Name="System.Storyboarding.WindowsApps.AppBar" Revision="1" Stencil="System.Storyboarding.WindowsApps" StencilVersion="0.1"/>
+  <Id Name="System.Storyboarding.Icons.ShoppingCart" Revision="1" Stencil="System.Storyboarding.Icons" StencilVersion="0.1"/>
 </Control>
 </file>
 
@@ -11050,11 +11087,19 @@
 
 <file path=customXml/item5.xml><?xml version="1.0" encoding="utf-8"?>
 <Control xmlns="http://schemas.microsoft.com/VisualStudio/2011/storyboarding/control">
-  <Id Name="System.Storyboarding.Icons.ShoppingCart" Revision="1" Stencil="System.Storyboarding.Icons" StencilVersion="0.1"/>
+  <Id Name="System.Storyboarding.WindowsApps.AppBar" Revision="1" Stencil="System.Storyboarding.WindowsApps" StencilVersion="0.1"/>
 </Control>
 </file>
 
 <file path=customXml/itemProps1.xml><?xml version="1.0" encoding="utf-8"?>
+<ds:datastoreItem xmlns:ds="http://schemas.openxmlformats.org/officeDocument/2006/customXml" ds:itemID="{91097976-5E66-41D8-ACC8-873151AB4E26}">
+  <ds:schemaRefs>
+    <ds:schemaRef ds:uri="http://schemas.microsoft.com/VisualStudio/2011/storyboarding/control"/>
+  </ds:schemaRefs>
+</ds:datastoreItem>
+</file>
+
+<file path=customXml/itemProps2.xml><?xml version="1.0" encoding="utf-8"?>
 <ds:datastoreItem xmlns:ds="http://schemas.openxmlformats.org/officeDocument/2006/customXml" ds:itemID="{A7EB2591-C851-4B19-B1F0-F52DEFA579ED}">
   <ds:schemaRefs>
     <ds:schemaRef ds:uri="http://schemas.microsoft.com/VisualStudio/2011/storyboarding/control"/>
@@ -11062,16 +11107,8 @@
 </ds:datastoreItem>
 </file>
 
-<file path=customXml/itemProps2.xml><?xml version="1.0" encoding="utf-8"?>
-<ds:datastoreItem xmlns:ds="http://schemas.openxmlformats.org/officeDocument/2006/customXml" ds:itemID="{91097976-5E66-41D8-ACC8-873151AB4E26}">
-  <ds:schemaRefs>
-    <ds:schemaRef ds:uri="http://schemas.microsoft.com/VisualStudio/2011/storyboarding/control"/>
-  </ds:schemaRefs>
-</ds:datastoreItem>
-</file>
-
 <file path=customXml/itemProps3.xml><?xml version="1.0" encoding="utf-8"?>
-<ds:datastoreItem xmlns:ds="http://schemas.openxmlformats.org/officeDocument/2006/customXml" ds:itemID="{35FB3D4A-92F3-4C3B-8298-A606444F704C}">
+<ds:datastoreItem xmlns:ds="http://schemas.openxmlformats.org/officeDocument/2006/customXml" ds:itemID="{B008DC4A-68C3-419C-8751-C37CC4556442}">
   <ds:schemaRefs>
     <ds:schemaRef ds:uri="http://schemas.microsoft.com/VisualStudio/2011/storyboarding/control"/>
   </ds:schemaRefs>
@@ -11087,7 +11124,7 @@
 </file>
 
 <file path=customXml/itemProps5.xml><?xml version="1.0" encoding="utf-8"?>
-<ds:datastoreItem xmlns:ds="http://schemas.openxmlformats.org/officeDocument/2006/customXml" ds:itemID="{B008DC4A-68C3-419C-8751-C37CC4556442}">
+<ds:datastoreItem xmlns:ds="http://schemas.openxmlformats.org/officeDocument/2006/customXml" ds:itemID="{35FB3D4A-92F3-4C3B-8298-A606444F704C}">
   <ds:schemaRefs>
     <ds:schemaRef ds:uri="http://schemas.microsoft.com/VisualStudio/2011/storyboarding/control"/>
   </ds:schemaRefs>

--- a/Revue n2/Presentation du projet SFL2  (Julio) Revue 2.pptx
+++ b/Revue n2/Presentation du projet SFL2  (Julio) Revue 2.pptx
@@ -222,7 +222,7 @@
           <a:effectLst/>
           <a:extLst>
             <a:ext uri="{91240B29-F687-4f45-9708-019B960494DF}">
-              <a14:hiddenLine xmlns="" xmlns:a14="http://schemas.microsoft.com/office/drawing/2010/main" w="9525">
+              <a14:hiddenLine xmlns:a14="http://schemas.microsoft.com/office/drawing/2010/main" xmlns="" w="9525">
                 <a:solidFill>
                   <a:srgbClr val="000000"/>
                 </a:solidFill>
@@ -1732,7 +1732,7 @@
           <a:ln/>
           <a:extLst>
             <a:ext uri="{91240B29-F687-4f45-9708-019B960494DF}">
-              <a14:hiddenLine xmlns="" xmlns:a14="http://schemas.microsoft.com/office/drawing/2010/main" w="9525">
+              <a14:hiddenLine xmlns:a14="http://schemas.microsoft.com/office/drawing/2010/main" xmlns="" w="9525">
                 <a:solidFill>
                   <a:srgbClr val="000000"/>
                 </a:solidFill>
@@ -2004,7 +2004,7 @@
           <a:ln/>
           <a:extLst>
             <a:ext uri="{91240B29-F687-4f45-9708-019B960494DF}">
-              <a14:hiddenLine xmlns="" xmlns:a14="http://schemas.microsoft.com/office/drawing/2010/main" w="9525">
+              <a14:hiddenLine xmlns:a14="http://schemas.microsoft.com/office/drawing/2010/main" xmlns="" w="9525">
                 <a:solidFill>
                   <a:srgbClr val="000000"/>
                 </a:solidFill>
@@ -2284,7 +2284,7 @@
           <a:ln/>
           <a:extLst>
             <a:ext uri="{91240B29-F687-4f45-9708-019B960494DF}">
-              <a14:hiddenLine xmlns="" xmlns:a14="http://schemas.microsoft.com/office/drawing/2010/main" w="9525">
+              <a14:hiddenLine xmlns:a14="http://schemas.microsoft.com/office/drawing/2010/main" xmlns="" w="9525">
                 <a:solidFill>
                   <a:srgbClr val="000000"/>
                 </a:solidFill>
@@ -2904,7 +2904,7 @@
           <a:ln/>
           <a:extLst>
             <a:ext uri="{91240B29-F687-4f45-9708-019B960494DF}">
-              <a14:hiddenLine xmlns="" xmlns:a14="http://schemas.microsoft.com/office/drawing/2010/main" w="9525">
+              <a14:hiddenLine xmlns:a14="http://schemas.microsoft.com/office/drawing/2010/main" xmlns="" w="9525">
                 <a:solidFill>
                   <a:srgbClr val="000000"/>
                 </a:solidFill>
@@ -3240,7 +3240,7 @@
           <a:ln/>
           <a:extLst>
             <a:ext uri="{91240B29-F687-4f45-9708-019B960494DF}">
-              <a14:hiddenLine xmlns="" xmlns:a14="http://schemas.microsoft.com/office/drawing/2010/main" w="9525">
+              <a14:hiddenLine xmlns:a14="http://schemas.microsoft.com/office/drawing/2010/main" xmlns="" w="9525">
                 <a:solidFill>
                   <a:srgbClr val="000000"/>
                 </a:solidFill>
@@ -3714,7 +3714,7 @@
           <a:ln/>
           <a:extLst>
             <a:ext uri="{91240B29-F687-4f45-9708-019B960494DF}">
-              <a14:hiddenLine xmlns="" xmlns:a14="http://schemas.microsoft.com/office/drawing/2010/main" w="9525">
+              <a14:hiddenLine xmlns:a14="http://schemas.microsoft.com/office/drawing/2010/main" xmlns="" w="9525">
                 <a:solidFill>
                   <a:srgbClr val="000000"/>
                 </a:solidFill>
@@ -4137,7 +4137,7 @@
           <a:ln/>
           <a:extLst>
             <a:ext uri="{91240B29-F687-4f45-9708-019B960494DF}">
-              <a14:hiddenLine xmlns="" xmlns:a14="http://schemas.microsoft.com/office/drawing/2010/main" w="9525">
+              <a14:hiddenLine xmlns:a14="http://schemas.microsoft.com/office/drawing/2010/main" xmlns="" w="9525">
                 <a:solidFill>
                   <a:srgbClr val="000000"/>
                 </a:solidFill>
@@ -5567,7 +5567,7 @@
           </a:ln>
           <a:extLst>
             <a:ext uri="{91240B29-F687-4f45-9708-019B960494DF}">
-              <a14:hiddenLine xmlns:a14="http://schemas.microsoft.com/office/drawing/2010/main" xmlns:p14="http://schemas.microsoft.com/office/powerpoint/2010/main" xmlns:a16="http://schemas.microsoft.com/office/drawing/2014/main" xmlns="" w="9525">
+              <a14:hiddenLine xmlns="" xmlns:a16="http://schemas.microsoft.com/office/drawing/2014/main" xmlns:p14="http://schemas.microsoft.com/office/powerpoint/2010/main" xmlns:a14="http://schemas.microsoft.com/office/drawing/2010/main" w="9525">
                 <a:solidFill>
                   <a:srgbClr val="000000"/>
                 </a:solidFill>
@@ -5864,7 +5864,7 @@
           </a:ln>
           <a:extLst>
             <a:ext uri="{91240B29-F687-4f45-9708-019B960494DF}">
-              <a14:hiddenLine xmlns:a14="http://schemas.microsoft.com/office/drawing/2010/main" xmlns:p14="http://schemas.microsoft.com/office/powerpoint/2010/main" xmlns:a16="http://schemas.microsoft.com/office/drawing/2014/main" xmlns="" w="9525">
+              <a14:hiddenLine xmlns="" xmlns:a16="http://schemas.microsoft.com/office/drawing/2014/main" xmlns:p14="http://schemas.microsoft.com/office/powerpoint/2010/main" xmlns:a14="http://schemas.microsoft.com/office/drawing/2010/main" w="9525">
                 <a:solidFill>
                   <a:srgbClr val="000000"/>
                 </a:solidFill>
@@ -6158,7 +6158,7 @@
           </a:ln>
           <a:extLst>
             <a:ext uri="{91240B29-F687-4f45-9708-019B960494DF}">
-              <a14:hiddenLine xmlns:a14="http://schemas.microsoft.com/office/drawing/2010/main" xmlns:p14="http://schemas.microsoft.com/office/powerpoint/2010/main" xmlns:a16="http://schemas.microsoft.com/office/drawing/2014/main" xmlns="" w="9525">
+              <a14:hiddenLine xmlns="" xmlns:a16="http://schemas.microsoft.com/office/drawing/2014/main" xmlns:p14="http://schemas.microsoft.com/office/powerpoint/2010/main" xmlns:a14="http://schemas.microsoft.com/office/drawing/2010/main" w="9525">
                 <a:solidFill>
                   <a:srgbClr val="000000"/>
                 </a:solidFill>
@@ -6452,7 +6452,7 @@
           </a:ln>
           <a:extLst>
             <a:ext uri="{91240B29-F687-4f45-9708-019B960494DF}">
-              <a14:hiddenLine xmlns:a14="http://schemas.microsoft.com/office/drawing/2010/main" xmlns:p14="http://schemas.microsoft.com/office/powerpoint/2010/main" xmlns:a16="http://schemas.microsoft.com/office/drawing/2014/main" xmlns="" w="9525">
+              <a14:hiddenLine xmlns="" xmlns:a16="http://schemas.microsoft.com/office/drawing/2014/main" xmlns:p14="http://schemas.microsoft.com/office/powerpoint/2010/main" xmlns:a14="http://schemas.microsoft.com/office/drawing/2010/main" w="9525">
                 <a:solidFill>
                   <a:srgbClr val="000000"/>
                 </a:solidFill>
@@ -7080,7 +7080,7 @@
           <a:effectLst/>
           <a:extLst>
             <a:ext uri="{91240B29-F687-4f45-9708-019B960494DF}">
-              <a14:hiddenLine xmlns="" xmlns:a16="http://schemas.microsoft.com/office/drawing/2014/main" xmlns:p14="http://schemas.microsoft.com/office/powerpoint/2010/main" xmlns:a14="http://schemas.microsoft.com/office/drawing/2010/main" w="9525">
+              <a14:hiddenLine xmlns:a14="http://schemas.microsoft.com/office/drawing/2010/main" xmlns:p14="http://schemas.microsoft.com/office/powerpoint/2010/main" xmlns:a16="http://schemas.microsoft.com/office/drawing/2014/main" xmlns="" w="9525">
                 <a:solidFill>
                   <a:srgbClr val="000000"/>
                 </a:solidFill>
@@ -8071,7 +8071,7 @@
           </a:ln>
           <a:extLst>
             <a:ext uri="{91240B29-F687-4f45-9708-019B960494DF}">
-              <a14:hiddenLine xmlns:a14="http://schemas.microsoft.com/office/drawing/2010/main" xmlns:p14="http://schemas.microsoft.com/office/powerpoint/2010/main" xmlns:a16="http://schemas.microsoft.com/office/drawing/2014/main" xmlns="" w="9525">
+              <a14:hiddenLine xmlns="" xmlns:a16="http://schemas.microsoft.com/office/drawing/2014/main" xmlns:p14="http://schemas.microsoft.com/office/powerpoint/2010/main" xmlns:a14="http://schemas.microsoft.com/office/drawing/2010/main" w="9525">
                 <a:solidFill>
                   <a:srgbClr val="000000"/>
                 </a:solidFill>
@@ -8231,6 +8231,53 @@
           </a:xfrm>
         </p:spPr>
       </p:pic>
+      <p:sp>
+        <p:nvSpPr>
+          <p:cNvPr id="2" name="Ellipse 1">
+            <a:extLst>
+              <a:ext uri="{FF2B5EF4-FFF2-40B4-BE49-F238E27FC236}">
+                <a16:creationId xmlns:a16="http://schemas.microsoft.com/office/drawing/2014/main" id="{BE9E511E-29AB-496C-92A3-76577EC33B76}"/>
+              </a:ext>
+            </a:extLst>
+          </p:cNvPr>
+          <p:cNvSpPr/>
+          <p:nvPr/>
+        </p:nvSpPr>
+        <p:spPr>
+          <a:xfrm>
+            <a:off x="1656826" y="4647501"/>
+            <a:ext cx="851482" cy="196613"/>
+          </a:xfrm>
+          <a:prstGeom prst="ellipse">
+            <a:avLst/>
+          </a:prstGeom>
+          <a:noFill/>
+        </p:spPr>
+        <p:style>
+          <a:lnRef idx="2">
+            <a:schemeClr val="accent1">
+              <a:shade val="50000"/>
+            </a:schemeClr>
+          </a:lnRef>
+          <a:fillRef idx="1">
+            <a:schemeClr val="accent1"/>
+          </a:fillRef>
+          <a:effectRef idx="0">
+            <a:schemeClr val="accent1"/>
+          </a:effectRef>
+          <a:fontRef idx="minor">
+            <a:schemeClr val="lt1"/>
+          </a:fontRef>
+        </p:style>
+        <p:txBody>
+          <a:bodyPr rtlCol="0" anchor="ctr"/>
+          <a:lstStyle/>
+          <a:p>
+            <a:pPr algn="ctr"/>
+            <a:endParaRPr lang="fr-FR"/>
+          </a:p>
+        </p:txBody>
+      </p:sp>
     </p:spTree>
     <p:extLst>
       <p:ext uri="{BB962C8B-B14F-4D97-AF65-F5344CB8AC3E}">
@@ -8364,7 +8411,7 @@
           <a:effectLst/>
           <a:extLst>
             <a:ext uri="{91240B29-F687-4f45-9708-019B960494DF}">
-              <a14:hiddenLine xmlns="" xmlns:a16="http://schemas.microsoft.com/office/drawing/2014/main" xmlns:p14="http://schemas.microsoft.com/office/powerpoint/2010/main" xmlns:a14="http://schemas.microsoft.com/office/drawing/2010/main" w="9525">
+              <a14:hiddenLine xmlns:a14="http://schemas.microsoft.com/office/drawing/2010/main" xmlns:p14="http://schemas.microsoft.com/office/powerpoint/2010/main" xmlns:a16="http://schemas.microsoft.com/office/drawing/2014/main" xmlns="" w="9525">
                 <a:solidFill>
                   <a:srgbClr val="000000"/>
                 </a:solidFill>
@@ -8951,7 +8998,7 @@
           <a:effectLst/>
           <a:extLst>
             <a:ext uri="{91240B29-F687-4f45-9708-019B960494DF}">
-              <a14:hiddenLine xmlns="" xmlns:a16="http://schemas.microsoft.com/office/drawing/2014/main" xmlns:p14="http://schemas.microsoft.com/office/powerpoint/2010/main" xmlns:a14="http://schemas.microsoft.com/office/drawing/2010/main" w="9525">
+              <a14:hiddenLine xmlns:a14="http://schemas.microsoft.com/office/drawing/2010/main" xmlns:p14="http://schemas.microsoft.com/office/powerpoint/2010/main" xmlns:a16="http://schemas.microsoft.com/office/drawing/2014/main" xmlns="" w="9525">
                 <a:solidFill>
                   <a:srgbClr val="000000"/>
                 </a:solidFill>
@@ -9508,7 +9555,7 @@
           <a:effectLst/>
           <a:extLst>
             <a:ext uri="{91240B29-F687-4f45-9708-019B960494DF}">
-              <a14:hiddenLine xmlns="" xmlns:a16="http://schemas.microsoft.com/office/drawing/2014/main" xmlns:p14="http://schemas.microsoft.com/office/powerpoint/2010/main" xmlns:a14="http://schemas.microsoft.com/office/drawing/2010/main" w="9525">
+              <a14:hiddenLine xmlns:a14="http://schemas.microsoft.com/office/drawing/2010/main" xmlns:p14="http://schemas.microsoft.com/office/powerpoint/2010/main" xmlns:a16="http://schemas.microsoft.com/office/drawing/2014/main" xmlns="" w="9525">
                 <a:solidFill>
                   <a:srgbClr val="000000"/>
                 </a:solidFill>
@@ -10256,7 +10303,7 @@
           </a:ln>
           <a:extLst>
             <a:ext uri="{91240B29-F687-4f45-9708-019B960494DF}">
-              <a14:hiddenLine xmlns:a14="http://schemas.microsoft.com/office/drawing/2010/main" xmlns:p14="http://schemas.microsoft.com/office/powerpoint/2010/main" xmlns:a16="http://schemas.microsoft.com/office/drawing/2014/main" xmlns="" w="9525">
+              <a14:hiddenLine xmlns="" xmlns:a16="http://schemas.microsoft.com/office/drawing/2014/main" xmlns:p14="http://schemas.microsoft.com/office/powerpoint/2010/main" xmlns:a14="http://schemas.microsoft.com/office/drawing/2010/main" w="9525">
                 <a:solidFill>
                   <a:srgbClr val="000000"/>
                 </a:solidFill>
@@ -10605,7 +10652,7 @@
           </a:ln>
           <a:extLst>
             <a:ext uri="{91240B29-F687-4f45-9708-019B960494DF}">
-              <a14:hiddenLine xmlns="" xmlns:a16="http://schemas.microsoft.com/office/drawing/2014/main" xmlns:p14="http://schemas.microsoft.com/office/powerpoint/2010/main" xmlns:a14="http://schemas.microsoft.com/office/drawing/2010/main" w="9525">
+              <a14:hiddenLine xmlns:a14="http://schemas.microsoft.com/office/drawing/2010/main" xmlns:p14="http://schemas.microsoft.com/office/powerpoint/2010/main" xmlns:a16="http://schemas.microsoft.com/office/drawing/2014/main" xmlns="" w="9525">
                 <a:solidFill>
                   <a:srgbClr val="000000"/>
                 </a:solidFill>
@@ -11063,19 +11110,19 @@
 
 <file path=customXml/item1.xml><?xml version="1.0" encoding="utf-8"?>
 <Control xmlns="http://schemas.microsoft.com/VisualStudio/2011/storyboarding/control">
-  <Id Name="System.Storyboarding.WindowsApps.Share" Revision="1" Stencil="System.Storyboarding.WindowsApps" StencilVersion="0.1"/>
+  <Id Name="System.Storyboarding.Common.Text" Revision="1" Stencil="System.Storyboarding.Common" StencilVersion="0.1"/>
 </Control>
 </file>
 
 <file path=customXml/item2.xml><?xml version="1.0" encoding="utf-8"?>
 <Control xmlns="http://schemas.microsoft.com/VisualStudio/2011/storyboarding/control">
-  <Id Name="System.Storyboarding.Common.Text" Revision="1" Stencil="System.Storyboarding.Common" StencilVersion="0.1"/>
+  <Id Name="System.Storyboarding.WindowsApps.Share" Revision="1" Stencil="System.Storyboarding.WindowsApps" StencilVersion="0.1"/>
 </Control>
 </file>
 
 <file path=customXml/item3.xml><?xml version="1.0" encoding="utf-8"?>
 <Control xmlns="http://schemas.microsoft.com/VisualStudio/2011/storyboarding/control">
-  <Id Name="System.Storyboarding.Icons.ShoppingCart" Revision="1" Stencil="System.Storyboarding.Icons" StencilVersion="0.1"/>
+  <Id Name="System.Storyboarding.WindowsApps.AppBar" Revision="1" Stencil="System.Storyboarding.WindowsApps" StencilVersion="0.1"/>
 </Control>
 </file>
 
@@ -11087,11 +11134,19 @@
 
 <file path=customXml/item5.xml><?xml version="1.0" encoding="utf-8"?>
 <Control xmlns="http://schemas.microsoft.com/VisualStudio/2011/storyboarding/control">
-  <Id Name="System.Storyboarding.WindowsApps.AppBar" Revision="1" Stencil="System.Storyboarding.WindowsApps" StencilVersion="0.1"/>
+  <Id Name="System.Storyboarding.Icons.ShoppingCart" Revision="1" Stencil="System.Storyboarding.Icons" StencilVersion="0.1"/>
 </Control>
 </file>
 
 <file path=customXml/itemProps1.xml><?xml version="1.0" encoding="utf-8"?>
+<ds:datastoreItem xmlns:ds="http://schemas.openxmlformats.org/officeDocument/2006/customXml" ds:itemID="{A7EB2591-C851-4B19-B1F0-F52DEFA579ED}">
+  <ds:schemaRefs>
+    <ds:schemaRef ds:uri="http://schemas.microsoft.com/VisualStudio/2011/storyboarding/control"/>
+  </ds:schemaRefs>
+</ds:datastoreItem>
+</file>
+
+<file path=customXml/itemProps2.xml><?xml version="1.0" encoding="utf-8"?>
 <ds:datastoreItem xmlns:ds="http://schemas.openxmlformats.org/officeDocument/2006/customXml" ds:itemID="{91097976-5E66-41D8-ACC8-873151AB4E26}">
   <ds:schemaRefs>
     <ds:schemaRef ds:uri="http://schemas.microsoft.com/VisualStudio/2011/storyboarding/control"/>
@@ -11099,16 +11154,8 @@
 </ds:datastoreItem>
 </file>
 
-<file path=customXml/itemProps2.xml><?xml version="1.0" encoding="utf-8"?>
-<ds:datastoreItem xmlns:ds="http://schemas.openxmlformats.org/officeDocument/2006/customXml" ds:itemID="{A7EB2591-C851-4B19-B1F0-F52DEFA579ED}">
-  <ds:schemaRefs>
-    <ds:schemaRef ds:uri="http://schemas.microsoft.com/VisualStudio/2011/storyboarding/control"/>
-  </ds:schemaRefs>
-</ds:datastoreItem>
-</file>
-
 <file path=customXml/itemProps3.xml><?xml version="1.0" encoding="utf-8"?>
-<ds:datastoreItem xmlns:ds="http://schemas.openxmlformats.org/officeDocument/2006/customXml" ds:itemID="{B008DC4A-68C3-419C-8751-C37CC4556442}">
+<ds:datastoreItem xmlns:ds="http://schemas.openxmlformats.org/officeDocument/2006/customXml" ds:itemID="{35FB3D4A-92F3-4C3B-8298-A606444F704C}">
   <ds:schemaRefs>
     <ds:schemaRef ds:uri="http://schemas.microsoft.com/VisualStudio/2011/storyboarding/control"/>
   </ds:schemaRefs>
@@ -11124,7 +11171,7 @@
 </file>
 
 <file path=customXml/itemProps5.xml><?xml version="1.0" encoding="utf-8"?>
-<ds:datastoreItem xmlns:ds="http://schemas.openxmlformats.org/officeDocument/2006/customXml" ds:itemID="{35FB3D4A-92F3-4C3B-8298-A606444F704C}">
+<ds:datastoreItem xmlns:ds="http://schemas.openxmlformats.org/officeDocument/2006/customXml" ds:itemID="{B008DC4A-68C3-419C-8751-C37CC4556442}">
   <ds:schemaRefs>
     <ds:schemaRef ds:uri="http://schemas.microsoft.com/VisualStudio/2011/storyboarding/control"/>
   </ds:schemaRefs>

--- a/Revue n2/Presentation du projet SFL2  (Julio) Revue 2.pptx
+++ b/Revue n2/Presentation du projet SFL2  (Julio) Revue 2.pptx
@@ -20,7 +20,6 @@
     <p:sldId id="266" r:id="rId19"/>
     <p:sldId id="261" r:id="rId20"/>
     <p:sldId id="274" r:id="rId21"/>
-    <p:sldId id="273" r:id="rId22"/>
   </p:sldIdLst>
   <p:sldSz cx="12192000" cy="6858000"/>
   <p:notesSz cx="6858000" cy="9144000"/>
@@ -222,7 +221,7 @@
           <a:effectLst/>
           <a:extLst>
             <a:ext uri="{91240B29-F687-4f45-9708-019B960494DF}">
-              <a14:hiddenLine xmlns:a14="http://schemas.microsoft.com/office/drawing/2010/main" xmlns="" w="9525">
+              <a14:hiddenLine xmlns="" xmlns:a14="http://schemas.microsoft.com/office/drawing/2010/main" w="9525">
                 <a:solidFill>
                   <a:srgbClr val="000000"/>
                 </a:solidFill>
@@ -415,7 +414,7 @@
             <a:fld id="{08B9EBBA-996F-894A-B54A-D6246ED52CEA}" type="datetimeFigureOut">
               <a:rPr lang="en-US" dirty="0"/>
               <a:pPr/>
-              <a:t>2/8/2019</a:t>
+              <a:t>6/6/2019</a:t>
             </a:fld>
             <a:endParaRPr lang="en-US" dirty="0"/>
           </a:p>
@@ -730,7 +729,7 @@
             <a:fld id="{18C79C5D-2A6F-F04D-97DA-BEF2467B64E4}" type="datetimeFigureOut">
               <a:rPr lang="en-US" dirty="0"/>
               <a:pPr/>
-              <a:t>2/8/2019</a:t>
+              <a:t>6/6/2019</a:t>
             </a:fld>
             <a:endParaRPr lang="en-US" dirty="0"/>
           </a:p>
@@ -1215,7 +1214,7 @@
             <a:fld id="{8DFA1846-DA80-1C48-A609-854EA85C59AD}" type="datetimeFigureOut">
               <a:rPr lang="en-US" dirty="0"/>
               <a:pPr/>
-              <a:t>2/8/2019</a:t>
+              <a:t>6/6/2019</a:t>
             </a:fld>
             <a:endParaRPr lang="en-US" dirty="0"/>
           </a:p>
@@ -1581,7 +1580,7 @@
             <a:fld id="{FBF54567-0DE4-3F47-BF90-CB84690072F9}" type="datetimeFigureOut">
               <a:rPr lang="en-US" dirty="0"/>
               <a:pPr/>
-              <a:t>2/8/2019</a:t>
+              <a:t>6/6/2019</a:t>
             </a:fld>
             <a:endParaRPr lang="en-US" dirty="0"/>
           </a:p>
@@ -1732,7 +1731,7 @@
           <a:ln/>
           <a:extLst>
             <a:ext uri="{91240B29-F687-4f45-9708-019B960494DF}">
-              <a14:hiddenLine xmlns:a14="http://schemas.microsoft.com/office/drawing/2010/main" xmlns="" w="9525">
+              <a14:hiddenLine xmlns="" xmlns:a14="http://schemas.microsoft.com/office/drawing/2010/main" w="9525">
                 <a:solidFill>
                   <a:srgbClr val="000000"/>
                 </a:solidFill>
@@ -1851,7 +1850,7 @@
             <a:fld id="{C6C52C72-DE31-F449-A4ED-4C594FD91407}" type="datetimeFigureOut">
               <a:rPr lang="en-US" dirty="0"/>
               <a:pPr/>
-              <a:t>2/8/2019</a:t>
+              <a:t>6/6/2019</a:t>
             </a:fld>
             <a:endParaRPr lang="en-US" dirty="0"/>
           </a:p>
@@ -2004,7 +2003,7 @@
           <a:ln/>
           <a:extLst>
             <a:ext uri="{91240B29-F687-4f45-9708-019B960494DF}">
-              <a14:hiddenLine xmlns:a14="http://schemas.microsoft.com/office/drawing/2010/main" xmlns="" w="9525">
+              <a14:hiddenLine xmlns="" xmlns:a14="http://schemas.microsoft.com/office/drawing/2010/main" w="9525">
                 <a:solidFill>
                   <a:srgbClr val="000000"/>
                 </a:solidFill>
@@ -2133,7 +2132,7 @@
             <a:fld id="{ED62726E-379B-B349-9EED-81ED093FA806}" type="datetimeFigureOut">
               <a:rPr lang="en-US" dirty="0"/>
               <a:pPr/>
-              <a:t>2/8/2019</a:t>
+              <a:t>6/6/2019</a:t>
             </a:fld>
             <a:endParaRPr lang="en-US" dirty="0"/>
           </a:p>
@@ -2284,7 +2283,7 @@
           <a:ln/>
           <a:extLst>
             <a:ext uri="{91240B29-F687-4f45-9708-019B960494DF}">
-              <a14:hiddenLine xmlns:a14="http://schemas.microsoft.com/office/drawing/2010/main" xmlns="" w="9525">
+              <a14:hiddenLine xmlns="" xmlns:a14="http://schemas.microsoft.com/office/drawing/2010/main" w="9525">
                 <a:solidFill>
                   <a:srgbClr val="000000"/>
                 </a:solidFill>
@@ -2413,7 +2412,7 @@
             <a:fld id="{9B3A1323-8D79-1946-B0D7-40001CF92E9D}" type="datetimeFigureOut">
               <a:rPr lang="en-US" dirty="0"/>
               <a:pPr/>
-              <a:t>2/8/2019</a:t>
+              <a:t>6/6/2019</a:t>
             </a:fld>
             <a:endParaRPr lang="en-US" dirty="0"/>
           </a:p>
@@ -2753,7 +2752,7 @@
             <a:fld id="{8DFA1846-DA80-1C48-A609-854EA85C59AD}" type="datetimeFigureOut">
               <a:rPr lang="en-US" dirty="0"/>
               <a:pPr/>
-              <a:t>2/8/2019</a:t>
+              <a:t>6/6/2019</a:t>
             </a:fld>
             <a:endParaRPr lang="en-US" dirty="0"/>
           </a:p>
@@ -2904,7 +2903,7 @@
           <a:ln/>
           <a:extLst>
             <a:ext uri="{91240B29-F687-4f45-9708-019B960494DF}">
-              <a14:hiddenLine xmlns:a14="http://schemas.microsoft.com/office/drawing/2010/main" xmlns="" w="9525">
+              <a14:hiddenLine xmlns="" xmlns:a14="http://schemas.microsoft.com/office/drawing/2010/main" w="9525">
                 <a:solidFill>
                   <a:srgbClr val="000000"/>
                 </a:solidFill>
@@ -3089,7 +3088,7 @@
             <a:fld id="{57302355-E14B-8545-A8F8-0FE83CC9D524}" type="datetimeFigureOut">
               <a:rPr lang="en-US" dirty="0"/>
               <a:pPr/>
-              <a:t>2/8/2019</a:t>
+              <a:t>6/6/2019</a:t>
             </a:fld>
             <a:endParaRPr lang="en-US" dirty="0"/>
           </a:p>
@@ -3240,7 +3239,7 @@
           <a:ln/>
           <a:extLst>
             <a:ext uri="{91240B29-F687-4f45-9708-019B960494DF}">
-              <a14:hiddenLine xmlns:a14="http://schemas.microsoft.com/office/drawing/2010/main" xmlns="" w="9525">
+              <a14:hiddenLine xmlns="" xmlns:a14="http://schemas.microsoft.com/office/drawing/2010/main" w="9525">
                 <a:solidFill>
                   <a:srgbClr val="000000"/>
                 </a:solidFill>
@@ -3563,7 +3562,7 @@
             <a:fld id="{02640F58-564D-2B4F-AE67-E407BA4FCF45}" type="datetimeFigureOut">
               <a:rPr lang="en-US" dirty="0"/>
               <a:pPr/>
-              <a:t>2/8/2019</a:t>
+              <a:t>6/6/2019</a:t>
             </a:fld>
             <a:endParaRPr lang="en-US" dirty="0"/>
           </a:p>
@@ -3714,7 +3713,7 @@
           <a:ln/>
           <a:extLst>
             <a:ext uri="{91240B29-F687-4f45-9708-019B960494DF}">
-              <a14:hiddenLine xmlns:a14="http://schemas.microsoft.com/office/drawing/2010/main" xmlns="" w="9525">
+              <a14:hiddenLine xmlns="" xmlns:a14="http://schemas.microsoft.com/office/drawing/2010/main" w="9525">
                 <a:solidFill>
                   <a:srgbClr val="000000"/>
                 </a:solidFill>
@@ -3781,7 +3780,7 @@
             <a:fld id="{F13A34C8-038E-2045-AF43-DF7DBB8E0E9E}" type="datetimeFigureOut">
               <a:rPr lang="en-US" dirty="0"/>
               <a:pPr/>
-              <a:t>2/8/2019</a:t>
+              <a:t>6/6/2019</a:t>
             </a:fld>
             <a:endParaRPr lang="en-US" dirty="0"/>
           </a:p>
@@ -3873,7 +3872,7 @@
             <a:fld id="{8818C68F-D26B-8F47-958C-23B49CF8A634}" type="datetimeFigureOut">
               <a:rPr lang="en-US" dirty="0"/>
               <a:pPr/>
-              <a:t>2/8/2019</a:t>
+              <a:t>6/6/2019</a:t>
             </a:fld>
             <a:endParaRPr lang="en-US" dirty="0"/>
           </a:p>
@@ -4137,7 +4136,7 @@
           <a:ln/>
           <a:extLst>
             <a:ext uri="{91240B29-F687-4f45-9708-019B960494DF}">
-              <a14:hiddenLine xmlns:a14="http://schemas.microsoft.com/office/drawing/2010/main" xmlns="" w="9525">
+              <a14:hiddenLine xmlns="" xmlns:a14="http://schemas.microsoft.com/office/drawing/2010/main" w="9525">
                 <a:solidFill>
                   <a:srgbClr val="000000"/>
                 </a:solidFill>
@@ -4337,7 +4336,7 @@
             <a:fld id="{D0DF5E60-9974-AC48-9591-99C2BB44B7CF}" type="datetimeFigureOut">
               <a:rPr lang="en-US" dirty="0"/>
               <a:pPr/>
-              <a:t>2/8/2019</a:t>
+              <a:t>6/6/2019</a:t>
             </a:fld>
             <a:endParaRPr lang="en-US" dirty="0"/>
           </a:p>
@@ -4647,7 +4646,7 @@
             <a:fld id="{18C79C5D-2A6F-F04D-97DA-BEF2467B64E4}" type="datetimeFigureOut">
               <a:rPr lang="en-US" dirty="0"/>
               <a:pPr/>
-              <a:t>2/8/2019</a:t>
+              <a:t>6/6/2019</a:t>
             </a:fld>
             <a:endParaRPr lang="en-US" dirty="0"/>
           </a:p>
@@ -4914,7 +4913,7 @@
             <a:fld id="{09B482E8-6E0E-1B4F-B1FD-C69DB9E858D9}" type="datetimeFigureOut">
               <a:rPr lang="en-US" dirty="0"/>
               <a:pPr/>
-              <a:t>2/8/2019</a:t>
+              <a:t>6/6/2019</a:t>
             </a:fld>
             <a:endParaRPr lang="en-US" dirty="0"/>
           </a:p>
@@ -5567,7 +5566,7 @@
           </a:ln>
           <a:extLst>
             <a:ext uri="{91240B29-F687-4f45-9708-019B960494DF}">
-              <a14:hiddenLine xmlns="" xmlns:a16="http://schemas.microsoft.com/office/drawing/2014/main" xmlns:p14="http://schemas.microsoft.com/office/powerpoint/2010/main" xmlns:a14="http://schemas.microsoft.com/office/drawing/2010/main" w="9525">
+              <a14:hiddenLine xmlns:a14="http://schemas.microsoft.com/office/drawing/2010/main" xmlns:p14="http://schemas.microsoft.com/office/powerpoint/2010/main" xmlns:a16="http://schemas.microsoft.com/office/drawing/2014/main" xmlns="" w="9525">
                 <a:solidFill>
                   <a:srgbClr val="000000"/>
                 </a:solidFill>
@@ -5864,7 +5863,7 @@
           </a:ln>
           <a:extLst>
             <a:ext uri="{91240B29-F687-4f45-9708-019B960494DF}">
-              <a14:hiddenLine xmlns="" xmlns:a16="http://schemas.microsoft.com/office/drawing/2014/main" xmlns:p14="http://schemas.microsoft.com/office/powerpoint/2010/main" xmlns:a14="http://schemas.microsoft.com/office/drawing/2010/main" w="9525">
+              <a14:hiddenLine xmlns:a14="http://schemas.microsoft.com/office/drawing/2010/main" xmlns:p14="http://schemas.microsoft.com/office/powerpoint/2010/main" xmlns:a16="http://schemas.microsoft.com/office/drawing/2014/main" xmlns="" w="9525">
                 <a:solidFill>
                   <a:srgbClr val="000000"/>
                 </a:solidFill>
@@ -6158,7 +6157,7 @@
           </a:ln>
           <a:extLst>
             <a:ext uri="{91240B29-F687-4f45-9708-019B960494DF}">
-              <a14:hiddenLine xmlns="" xmlns:a16="http://schemas.microsoft.com/office/drawing/2014/main" xmlns:p14="http://schemas.microsoft.com/office/powerpoint/2010/main" xmlns:a14="http://schemas.microsoft.com/office/drawing/2010/main" w="9525">
+              <a14:hiddenLine xmlns:a14="http://schemas.microsoft.com/office/drawing/2010/main" xmlns:p14="http://schemas.microsoft.com/office/powerpoint/2010/main" xmlns:a16="http://schemas.microsoft.com/office/drawing/2014/main" xmlns="" w="9525">
                 <a:solidFill>
                   <a:srgbClr val="000000"/>
                 </a:solidFill>
@@ -6452,7 +6451,7 @@
           </a:ln>
           <a:extLst>
             <a:ext uri="{91240B29-F687-4f45-9708-019B960494DF}">
-              <a14:hiddenLine xmlns="" xmlns:a16="http://schemas.microsoft.com/office/drawing/2014/main" xmlns:p14="http://schemas.microsoft.com/office/powerpoint/2010/main" xmlns:a14="http://schemas.microsoft.com/office/drawing/2010/main" w="9525">
+              <a14:hiddenLine xmlns:a14="http://schemas.microsoft.com/office/drawing/2010/main" xmlns:p14="http://schemas.microsoft.com/office/powerpoint/2010/main" xmlns:a16="http://schemas.microsoft.com/office/drawing/2014/main" xmlns="" w="9525">
                 <a:solidFill>
                   <a:srgbClr val="000000"/>
                 </a:solidFill>
@@ -7080,7 +7079,7 @@
           <a:effectLst/>
           <a:extLst>
             <a:ext uri="{91240B29-F687-4f45-9708-019B960494DF}">
-              <a14:hiddenLine xmlns:a14="http://schemas.microsoft.com/office/drawing/2010/main" xmlns:p14="http://schemas.microsoft.com/office/powerpoint/2010/main" xmlns:a16="http://schemas.microsoft.com/office/drawing/2014/main" xmlns="" w="9525">
+              <a14:hiddenLine xmlns="" xmlns:a16="http://schemas.microsoft.com/office/drawing/2014/main" xmlns:p14="http://schemas.microsoft.com/office/powerpoint/2010/main" xmlns:a14="http://schemas.microsoft.com/office/drawing/2010/main" w="9525">
                 <a:solidFill>
                   <a:srgbClr val="000000"/>
                 </a:solidFill>
@@ -7460,66 +7459,6 @@
 </p:sld>
 </file>
 
-<file path=ppt/slides/slide16.xml><?xml version="1.0" encoding="utf-8"?>
-<p:sld xmlns:a="http://schemas.openxmlformats.org/drawingml/2006/main" xmlns:r="http://schemas.openxmlformats.org/officeDocument/2006/relationships" xmlns:p="http://schemas.openxmlformats.org/presentationml/2006/main">
-  <p:cSld>
-    <p:spTree>
-      <p:nvGrpSpPr>
-        <p:cNvPr id="1" name=""/>
-        <p:cNvGrpSpPr/>
-        <p:nvPr/>
-      </p:nvGrpSpPr>
-      <p:grpSpPr>
-        <a:xfrm>
-          <a:off x="0" y="0"/>
-          <a:ext cx="0" cy="0"/>
-          <a:chOff x="0" y="0"/>
-          <a:chExt cx="0" cy="0"/>
-        </a:xfrm>
-      </p:grpSpPr>
-      <p:pic>
-        <p:nvPicPr>
-          <p:cNvPr id="22" name="Image 21" descr="Une image contenant texte&#10;&#10;Description générée automatiquement">
-            <a:extLst>
-              <a:ext uri="{FF2B5EF4-FFF2-40B4-BE49-F238E27FC236}">
-                <a16:creationId xmlns:a16="http://schemas.microsoft.com/office/drawing/2014/main" id="{E833AE2C-5826-4390-8365-4FB46B318D5A}"/>
-              </a:ext>
-            </a:extLst>
-          </p:cNvPr>
-          <p:cNvPicPr>
-            <a:picLocks noChangeAspect="1"/>
-          </p:cNvPicPr>
-          <p:nvPr/>
-        </p:nvPicPr>
-        <p:blipFill>
-          <a:blip r:embed="rId2"/>
-          <a:stretch>
-            <a:fillRect/>
-          </a:stretch>
-        </p:blipFill>
-        <p:spPr>
-          <a:xfrm>
-            <a:off x="0" y="0"/>
-            <a:ext cx="12192000" cy="6858000"/>
-          </a:xfrm>
-          <a:prstGeom prst="rect">
-            <a:avLst/>
-          </a:prstGeom>
-        </p:spPr>
-      </p:pic>
-    </p:spTree>
-    <p:extLst>
-      <p:ext uri="{BB962C8B-B14F-4D97-AF65-F5344CB8AC3E}">
-        <p14:creationId xmlns:p14="http://schemas.microsoft.com/office/powerpoint/2010/main" val="1373478023"/>
-      </p:ext>
-    </p:extLst>
-  </p:cSld>
-  <p:clrMapOvr>
-    <a:masterClrMapping/>
-  </p:clrMapOvr>
-</p:sld>
-</file>
-
 <file path=ppt/slides/slide2.xml><?xml version="1.0" encoding="utf-8"?>
 <p:sld xmlns:a="http://schemas.openxmlformats.org/drawingml/2006/main" xmlns:r="http://schemas.openxmlformats.org/officeDocument/2006/relationships" xmlns:p="http://schemas.openxmlformats.org/presentationml/2006/main">
   <p:cSld>
@@ -8071,7 +8010,7 @@
           </a:ln>
           <a:extLst>
             <a:ext uri="{91240B29-F687-4f45-9708-019B960494DF}">
-              <a14:hiddenLine xmlns="" xmlns:a16="http://schemas.microsoft.com/office/drawing/2014/main" xmlns:p14="http://schemas.microsoft.com/office/powerpoint/2010/main" xmlns:a14="http://schemas.microsoft.com/office/drawing/2010/main" w="9525">
+              <a14:hiddenLine xmlns:a14="http://schemas.microsoft.com/office/drawing/2010/main" xmlns:p14="http://schemas.microsoft.com/office/powerpoint/2010/main" xmlns:a16="http://schemas.microsoft.com/office/drawing/2014/main" xmlns="" w="9525">
                 <a:solidFill>
                   <a:srgbClr val="000000"/>
                 </a:solidFill>
@@ -8411,7 +8350,7 @@
           <a:effectLst/>
           <a:extLst>
             <a:ext uri="{91240B29-F687-4f45-9708-019B960494DF}">
-              <a14:hiddenLine xmlns:a14="http://schemas.microsoft.com/office/drawing/2010/main" xmlns:p14="http://schemas.microsoft.com/office/powerpoint/2010/main" xmlns:a16="http://schemas.microsoft.com/office/drawing/2014/main" xmlns="" w="9525">
+              <a14:hiddenLine xmlns="" xmlns:a16="http://schemas.microsoft.com/office/drawing/2014/main" xmlns:p14="http://schemas.microsoft.com/office/powerpoint/2010/main" xmlns:a14="http://schemas.microsoft.com/office/drawing/2010/main" w="9525">
                 <a:solidFill>
                   <a:srgbClr val="000000"/>
                 </a:solidFill>
@@ -8998,7 +8937,7 @@
           <a:effectLst/>
           <a:extLst>
             <a:ext uri="{91240B29-F687-4f45-9708-019B960494DF}">
-              <a14:hiddenLine xmlns:a14="http://schemas.microsoft.com/office/drawing/2010/main" xmlns:p14="http://schemas.microsoft.com/office/powerpoint/2010/main" xmlns:a16="http://schemas.microsoft.com/office/drawing/2014/main" xmlns="" w="9525">
+              <a14:hiddenLine xmlns="" xmlns:a16="http://schemas.microsoft.com/office/drawing/2014/main" xmlns:p14="http://schemas.microsoft.com/office/powerpoint/2010/main" xmlns:a14="http://schemas.microsoft.com/office/drawing/2010/main" w="9525">
                 <a:solidFill>
                   <a:srgbClr val="000000"/>
                 </a:solidFill>
@@ -9555,7 +9494,7 @@
           <a:effectLst/>
           <a:extLst>
             <a:ext uri="{91240B29-F687-4f45-9708-019B960494DF}">
-              <a14:hiddenLine xmlns:a14="http://schemas.microsoft.com/office/drawing/2010/main" xmlns:p14="http://schemas.microsoft.com/office/powerpoint/2010/main" xmlns:a16="http://schemas.microsoft.com/office/drawing/2014/main" xmlns="" w="9525">
+              <a14:hiddenLine xmlns="" xmlns:a16="http://schemas.microsoft.com/office/drawing/2014/main" xmlns:p14="http://schemas.microsoft.com/office/powerpoint/2010/main" xmlns:a14="http://schemas.microsoft.com/office/drawing/2010/main" w="9525">
                 <a:solidFill>
                   <a:srgbClr val="000000"/>
                 </a:solidFill>
@@ -10303,7 +10242,7 @@
           </a:ln>
           <a:extLst>
             <a:ext uri="{91240B29-F687-4f45-9708-019B960494DF}">
-              <a14:hiddenLine xmlns="" xmlns:a16="http://schemas.microsoft.com/office/drawing/2014/main" xmlns:p14="http://schemas.microsoft.com/office/powerpoint/2010/main" xmlns:a14="http://schemas.microsoft.com/office/drawing/2010/main" w="9525">
+              <a14:hiddenLine xmlns:a14="http://schemas.microsoft.com/office/drawing/2010/main" xmlns:p14="http://schemas.microsoft.com/office/powerpoint/2010/main" xmlns:a16="http://schemas.microsoft.com/office/drawing/2014/main" xmlns="" w="9525">
                 <a:solidFill>
                   <a:srgbClr val="000000"/>
                 </a:solidFill>
@@ -10652,7 +10591,7 @@
           </a:ln>
           <a:extLst>
             <a:ext uri="{91240B29-F687-4f45-9708-019B960494DF}">
-              <a14:hiddenLine xmlns:a14="http://schemas.microsoft.com/office/drawing/2010/main" xmlns:p14="http://schemas.microsoft.com/office/powerpoint/2010/main" xmlns:a16="http://schemas.microsoft.com/office/drawing/2014/main" xmlns="" w="9525">
+              <a14:hiddenLine xmlns="" xmlns:a16="http://schemas.microsoft.com/office/drawing/2014/main" xmlns:p14="http://schemas.microsoft.com/office/powerpoint/2010/main" xmlns:a14="http://schemas.microsoft.com/office/drawing/2010/main" w="9525">
                 <a:solidFill>
                   <a:srgbClr val="000000"/>
                 </a:solidFill>
@@ -11110,19 +11049,19 @@
 
 <file path=customXml/item1.xml><?xml version="1.0" encoding="utf-8"?>
 <Control xmlns="http://schemas.microsoft.com/VisualStudio/2011/storyboarding/control">
-  <Id Name="System.Storyboarding.Common.Text" Revision="1" Stencil="System.Storyboarding.Common" StencilVersion="0.1"/>
+  <Id Name="System.Storyboarding.WindowsApps.Share" Revision="1" Stencil="System.Storyboarding.WindowsApps" StencilVersion="0.1"/>
 </Control>
 </file>
 
 <file path=customXml/item2.xml><?xml version="1.0" encoding="utf-8"?>
 <Control xmlns="http://schemas.microsoft.com/VisualStudio/2011/storyboarding/control">
-  <Id Name="System.Storyboarding.WindowsApps.Share" Revision="1" Stencil="System.Storyboarding.WindowsApps" StencilVersion="0.1"/>
+  <Id Name="System.Storyboarding.Common.Text" Revision="1" Stencil="System.Storyboarding.Common" StencilVersion="0.1"/>
 </Control>
 </file>
 
 <file path=customXml/item3.xml><?xml version="1.0" encoding="utf-8"?>
 <Control xmlns="http://schemas.microsoft.com/VisualStudio/2011/storyboarding/control">
-  <Id Name="System.Storyboarding.WindowsApps.AppBar" Revision="1" Stencil="System.Storyboarding.WindowsApps" StencilVersion="0.1"/>
+  <Id Name="System.Storyboarding.Icons.ShoppingCart" Revision="1" Stencil="System.Storyboarding.Icons" StencilVersion="0.1"/>
 </Control>
 </file>
 
@@ -11134,11 +11073,19 @@
 
 <file path=customXml/item5.xml><?xml version="1.0" encoding="utf-8"?>
 <Control xmlns="http://schemas.microsoft.com/VisualStudio/2011/storyboarding/control">
-  <Id Name="System.Storyboarding.Icons.ShoppingCart" Revision="1" Stencil="System.Storyboarding.Icons" StencilVersion="0.1"/>
+  <Id Name="System.Storyboarding.WindowsApps.AppBar" Revision="1" Stencil="System.Storyboarding.WindowsApps" StencilVersion="0.1"/>
 </Control>
 </file>
 
 <file path=customXml/itemProps1.xml><?xml version="1.0" encoding="utf-8"?>
+<ds:datastoreItem xmlns:ds="http://schemas.openxmlformats.org/officeDocument/2006/customXml" ds:itemID="{91097976-5E66-41D8-ACC8-873151AB4E26}">
+  <ds:schemaRefs>
+    <ds:schemaRef ds:uri="http://schemas.microsoft.com/VisualStudio/2011/storyboarding/control"/>
+  </ds:schemaRefs>
+</ds:datastoreItem>
+</file>
+
+<file path=customXml/itemProps2.xml><?xml version="1.0" encoding="utf-8"?>
 <ds:datastoreItem xmlns:ds="http://schemas.openxmlformats.org/officeDocument/2006/customXml" ds:itemID="{A7EB2591-C851-4B19-B1F0-F52DEFA579ED}">
   <ds:schemaRefs>
     <ds:schemaRef ds:uri="http://schemas.microsoft.com/VisualStudio/2011/storyboarding/control"/>
@@ -11146,16 +11093,8 @@
 </ds:datastoreItem>
 </file>
 
-<file path=customXml/itemProps2.xml><?xml version="1.0" encoding="utf-8"?>
-<ds:datastoreItem xmlns:ds="http://schemas.openxmlformats.org/officeDocument/2006/customXml" ds:itemID="{91097976-5E66-41D8-ACC8-873151AB4E26}">
-  <ds:schemaRefs>
-    <ds:schemaRef ds:uri="http://schemas.microsoft.com/VisualStudio/2011/storyboarding/control"/>
-  </ds:schemaRefs>
-</ds:datastoreItem>
-</file>
-
 <file path=customXml/itemProps3.xml><?xml version="1.0" encoding="utf-8"?>
-<ds:datastoreItem xmlns:ds="http://schemas.openxmlformats.org/officeDocument/2006/customXml" ds:itemID="{35FB3D4A-92F3-4C3B-8298-A606444F704C}">
+<ds:datastoreItem xmlns:ds="http://schemas.openxmlformats.org/officeDocument/2006/customXml" ds:itemID="{B008DC4A-68C3-419C-8751-C37CC4556442}">
   <ds:schemaRefs>
     <ds:schemaRef ds:uri="http://schemas.microsoft.com/VisualStudio/2011/storyboarding/control"/>
   </ds:schemaRefs>
@@ -11171,7 +11110,7 @@
 </file>
 
 <file path=customXml/itemProps5.xml><?xml version="1.0" encoding="utf-8"?>
-<ds:datastoreItem xmlns:ds="http://schemas.openxmlformats.org/officeDocument/2006/customXml" ds:itemID="{B008DC4A-68C3-419C-8751-C37CC4556442}">
+<ds:datastoreItem xmlns:ds="http://schemas.openxmlformats.org/officeDocument/2006/customXml" ds:itemID="{35FB3D4A-92F3-4C3B-8298-A606444F704C}">
   <ds:schemaRefs>
     <ds:schemaRef ds:uri="http://schemas.microsoft.com/VisualStudio/2011/storyboarding/control"/>
   </ds:schemaRefs>

--- a/Revue n2/Presentation du projet SFL2  (Julio) Revue 2.pptx
+++ b/Revue n2/Presentation du projet SFL2  (Julio) Revue 2.pptx
@@ -6,21 +6,28 @@
   </p:sldMasterIdLst>
   <p:sldIdLst>
     <p:sldId id="256" r:id="rId7"/>
-    <p:sldId id="257" r:id="rId8"/>
-    <p:sldId id="264" r:id="rId9"/>
-    <p:sldId id="267" r:id="rId10"/>
-    <p:sldId id="271" r:id="rId11"/>
-    <p:sldId id="272" r:id="rId12"/>
-    <p:sldId id="260" r:id="rId13"/>
-    <p:sldId id="269" r:id="rId14"/>
-    <p:sldId id="275" r:id="rId15"/>
-    <p:sldId id="270" r:id="rId16"/>
-    <p:sldId id="263" r:id="rId17"/>
-    <p:sldId id="265" r:id="rId18"/>
-    <p:sldId id="266" r:id="rId19"/>
-    <p:sldId id="261" r:id="rId20"/>
-    <p:sldId id="274" r:id="rId21"/>
-    <p:sldId id="273" r:id="rId22"/>
+    <p:sldId id="282" r:id="rId8"/>
+    <p:sldId id="257" r:id="rId9"/>
+    <p:sldId id="264" r:id="rId10"/>
+    <p:sldId id="267" r:id="rId11"/>
+    <p:sldId id="271" r:id="rId12"/>
+    <p:sldId id="280" r:id="rId13"/>
+    <p:sldId id="272" r:id="rId14"/>
+    <p:sldId id="260" r:id="rId15"/>
+    <p:sldId id="276" r:id="rId16"/>
+    <p:sldId id="269" r:id="rId17"/>
+    <p:sldId id="275" r:id="rId18"/>
+    <p:sldId id="270" r:id="rId19"/>
+    <p:sldId id="265" r:id="rId20"/>
+    <p:sldId id="261" r:id="rId21"/>
+    <p:sldId id="281" r:id="rId22"/>
+    <p:sldId id="283" r:id="rId23"/>
+    <p:sldId id="284" r:id="rId24"/>
+    <p:sldId id="285" r:id="rId25"/>
+    <p:sldId id="286" r:id="rId26"/>
+    <p:sldId id="277" r:id="rId27"/>
+    <p:sldId id="278" r:id="rId28"/>
+    <p:sldId id="279" r:id="rId29"/>
   </p:sldIdLst>
   <p:sldSz cx="12192000" cy="6858000"/>
   <p:notesSz cx="6858000" cy="9144000"/>
@@ -222,7 +229,7 @@
           <a:effectLst/>
           <a:extLst>
             <a:ext uri="{91240B29-F687-4f45-9708-019B960494DF}">
-              <a14:hiddenLine xmlns:a14="http://schemas.microsoft.com/office/drawing/2010/main" xmlns="" w="9525">
+              <a14:hiddenLine xmlns="" xmlns:a14="http://schemas.microsoft.com/office/drawing/2010/main" w="9525">
                 <a:solidFill>
                   <a:srgbClr val="000000"/>
                 </a:solidFill>
@@ -415,7 +422,7 @@
             <a:fld id="{08B9EBBA-996F-894A-B54A-D6246ED52CEA}" type="datetimeFigureOut">
               <a:rPr lang="en-US" dirty="0"/>
               <a:pPr/>
-              <a:t>2/8/2019</a:t>
+              <a:t>6/6/2019</a:t>
             </a:fld>
             <a:endParaRPr lang="en-US" dirty="0"/>
           </a:p>
@@ -730,7 +737,7 @@
             <a:fld id="{18C79C5D-2A6F-F04D-97DA-BEF2467B64E4}" type="datetimeFigureOut">
               <a:rPr lang="en-US" dirty="0"/>
               <a:pPr/>
-              <a:t>2/8/2019</a:t>
+              <a:t>6/6/2019</a:t>
             </a:fld>
             <a:endParaRPr lang="en-US" dirty="0"/>
           </a:p>
@@ -1215,7 +1222,7 @@
             <a:fld id="{8DFA1846-DA80-1C48-A609-854EA85C59AD}" type="datetimeFigureOut">
               <a:rPr lang="en-US" dirty="0"/>
               <a:pPr/>
-              <a:t>2/8/2019</a:t>
+              <a:t>6/6/2019</a:t>
             </a:fld>
             <a:endParaRPr lang="en-US" dirty="0"/>
           </a:p>
@@ -1581,7 +1588,7 @@
             <a:fld id="{FBF54567-0DE4-3F47-BF90-CB84690072F9}" type="datetimeFigureOut">
               <a:rPr lang="en-US" dirty="0"/>
               <a:pPr/>
-              <a:t>2/8/2019</a:t>
+              <a:t>6/6/2019</a:t>
             </a:fld>
             <a:endParaRPr lang="en-US" dirty="0"/>
           </a:p>
@@ -1732,7 +1739,7 @@
           <a:ln/>
           <a:extLst>
             <a:ext uri="{91240B29-F687-4f45-9708-019B960494DF}">
-              <a14:hiddenLine xmlns:a14="http://schemas.microsoft.com/office/drawing/2010/main" xmlns="" w="9525">
+              <a14:hiddenLine xmlns="" xmlns:a14="http://schemas.microsoft.com/office/drawing/2010/main" w="9525">
                 <a:solidFill>
                   <a:srgbClr val="000000"/>
                 </a:solidFill>
@@ -1851,7 +1858,7 @@
             <a:fld id="{C6C52C72-DE31-F449-A4ED-4C594FD91407}" type="datetimeFigureOut">
               <a:rPr lang="en-US" dirty="0"/>
               <a:pPr/>
-              <a:t>2/8/2019</a:t>
+              <a:t>6/6/2019</a:t>
             </a:fld>
             <a:endParaRPr lang="en-US" dirty="0"/>
           </a:p>
@@ -2004,7 +2011,7 @@
           <a:ln/>
           <a:extLst>
             <a:ext uri="{91240B29-F687-4f45-9708-019B960494DF}">
-              <a14:hiddenLine xmlns:a14="http://schemas.microsoft.com/office/drawing/2010/main" xmlns="" w="9525">
+              <a14:hiddenLine xmlns="" xmlns:a14="http://schemas.microsoft.com/office/drawing/2010/main" w="9525">
                 <a:solidFill>
                   <a:srgbClr val="000000"/>
                 </a:solidFill>
@@ -2133,7 +2140,7 @@
             <a:fld id="{ED62726E-379B-B349-9EED-81ED093FA806}" type="datetimeFigureOut">
               <a:rPr lang="en-US" dirty="0"/>
               <a:pPr/>
-              <a:t>2/8/2019</a:t>
+              <a:t>6/6/2019</a:t>
             </a:fld>
             <a:endParaRPr lang="en-US" dirty="0"/>
           </a:p>
@@ -2284,7 +2291,7 @@
           <a:ln/>
           <a:extLst>
             <a:ext uri="{91240B29-F687-4f45-9708-019B960494DF}">
-              <a14:hiddenLine xmlns:a14="http://schemas.microsoft.com/office/drawing/2010/main" xmlns="" w="9525">
+              <a14:hiddenLine xmlns="" xmlns:a14="http://schemas.microsoft.com/office/drawing/2010/main" w="9525">
                 <a:solidFill>
                   <a:srgbClr val="000000"/>
                 </a:solidFill>
@@ -2413,7 +2420,7 @@
             <a:fld id="{9B3A1323-8D79-1946-B0D7-40001CF92E9D}" type="datetimeFigureOut">
               <a:rPr lang="en-US" dirty="0"/>
               <a:pPr/>
-              <a:t>2/8/2019</a:t>
+              <a:t>6/6/2019</a:t>
             </a:fld>
             <a:endParaRPr lang="en-US" dirty="0"/>
           </a:p>
@@ -2753,7 +2760,7 @@
             <a:fld id="{8DFA1846-DA80-1C48-A609-854EA85C59AD}" type="datetimeFigureOut">
               <a:rPr lang="en-US" dirty="0"/>
               <a:pPr/>
-              <a:t>2/8/2019</a:t>
+              <a:t>6/6/2019</a:t>
             </a:fld>
             <a:endParaRPr lang="en-US" dirty="0"/>
           </a:p>
@@ -2904,7 +2911,7 @@
           <a:ln/>
           <a:extLst>
             <a:ext uri="{91240B29-F687-4f45-9708-019B960494DF}">
-              <a14:hiddenLine xmlns:a14="http://schemas.microsoft.com/office/drawing/2010/main" xmlns="" w="9525">
+              <a14:hiddenLine xmlns="" xmlns:a14="http://schemas.microsoft.com/office/drawing/2010/main" w="9525">
                 <a:solidFill>
                   <a:srgbClr val="000000"/>
                 </a:solidFill>
@@ -3089,7 +3096,7 @@
             <a:fld id="{57302355-E14B-8545-A8F8-0FE83CC9D524}" type="datetimeFigureOut">
               <a:rPr lang="en-US" dirty="0"/>
               <a:pPr/>
-              <a:t>2/8/2019</a:t>
+              <a:t>6/6/2019</a:t>
             </a:fld>
             <a:endParaRPr lang="en-US" dirty="0"/>
           </a:p>
@@ -3240,7 +3247,7 @@
           <a:ln/>
           <a:extLst>
             <a:ext uri="{91240B29-F687-4f45-9708-019B960494DF}">
-              <a14:hiddenLine xmlns:a14="http://schemas.microsoft.com/office/drawing/2010/main" xmlns="" w="9525">
+              <a14:hiddenLine xmlns="" xmlns:a14="http://schemas.microsoft.com/office/drawing/2010/main" w="9525">
                 <a:solidFill>
                   <a:srgbClr val="000000"/>
                 </a:solidFill>
@@ -3563,7 +3570,7 @@
             <a:fld id="{02640F58-564D-2B4F-AE67-E407BA4FCF45}" type="datetimeFigureOut">
               <a:rPr lang="en-US" dirty="0"/>
               <a:pPr/>
-              <a:t>2/8/2019</a:t>
+              <a:t>6/6/2019</a:t>
             </a:fld>
             <a:endParaRPr lang="en-US" dirty="0"/>
           </a:p>
@@ -3714,7 +3721,7 @@
           <a:ln/>
           <a:extLst>
             <a:ext uri="{91240B29-F687-4f45-9708-019B960494DF}">
-              <a14:hiddenLine xmlns:a14="http://schemas.microsoft.com/office/drawing/2010/main" xmlns="" w="9525">
+              <a14:hiddenLine xmlns="" xmlns:a14="http://schemas.microsoft.com/office/drawing/2010/main" w="9525">
                 <a:solidFill>
                   <a:srgbClr val="000000"/>
                 </a:solidFill>
@@ -3781,7 +3788,7 @@
             <a:fld id="{F13A34C8-038E-2045-AF43-DF7DBB8E0E9E}" type="datetimeFigureOut">
               <a:rPr lang="en-US" dirty="0"/>
               <a:pPr/>
-              <a:t>2/8/2019</a:t>
+              <a:t>6/6/2019</a:t>
             </a:fld>
             <a:endParaRPr lang="en-US" dirty="0"/>
           </a:p>
@@ -3873,7 +3880,7 @@
             <a:fld id="{8818C68F-D26B-8F47-958C-23B49CF8A634}" type="datetimeFigureOut">
               <a:rPr lang="en-US" dirty="0"/>
               <a:pPr/>
-              <a:t>2/8/2019</a:t>
+              <a:t>6/6/2019</a:t>
             </a:fld>
             <a:endParaRPr lang="en-US" dirty="0"/>
           </a:p>
@@ -4137,7 +4144,7 @@
           <a:ln/>
           <a:extLst>
             <a:ext uri="{91240B29-F687-4f45-9708-019B960494DF}">
-              <a14:hiddenLine xmlns:a14="http://schemas.microsoft.com/office/drawing/2010/main" xmlns="" w="9525">
+              <a14:hiddenLine xmlns="" xmlns:a14="http://schemas.microsoft.com/office/drawing/2010/main" w="9525">
                 <a:solidFill>
                   <a:srgbClr val="000000"/>
                 </a:solidFill>
@@ -4337,7 +4344,7 @@
             <a:fld id="{D0DF5E60-9974-AC48-9591-99C2BB44B7CF}" type="datetimeFigureOut">
               <a:rPr lang="en-US" dirty="0"/>
               <a:pPr/>
-              <a:t>2/8/2019</a:t>
+              <a:t>6/6/2019</a:t>
             </a:fld>
             <a:endParaRPr lang="en-US" dirty="0"/>
           </a:p>
@@ -4647,7 +4654,7 @@
             <a:fld id="{18C79C5D-2A6F-F04D-97DA-BEF2467B64E4}" type="datetimeFigureOut">
               <a:rPr lang="en-US" dirty="0"/>
               <a:pPr/>
-              <a:t>2/8/2019</a:t>
+              <a:t>6/6/2019</a:t>
             </a:fld>
             <a:endParaRPr lang="en-US" dirty="0"/>
           </a:p>
@@ -4914,7 +4921,7 @@
             <a:fld id="{09B482E8-6E0E-1B4F-B1FD-C69DB9E858D9}" type="datetimeFigureOut">
               <a:rPr lang="en-US" dirty="0"/>
               <a:pPr/>
-              <a:t>2/8/2019</a:t>
+              <a:t>6/6/2019</a:t>
             </a:fld>
             <a:endParaRPr lang="en-US" dirty="0"/>
           </a:p>
@@ -5428,7 +5435,11 @@
           <a:p>
             <a:r>
               <a:rPr lang="fr-FR" dirty="0"/>
-              <a:t>Avec Pierre GÖRGE / Paul CHESNE / Maxime GUILLOU / Julio GOMEZ-REYES</a:t>
+              <a:t>Pierre GÖRGE / Paul CHESNE / Maxime GUILLOU / </a:t>
+            </a:r>
+            <a:r>
+              <a:rPr lang="fr-FR" b="1" dirty="0"/>
+              <a:t>Julio GOMEZ REYES</a:t>
             </a:r>
           </a:p>
         </p:txBody>
@@ -5447,1520 +5458,6 @@
 </file>
 
 <file path=ppt/slides/slide10.xml><?xml version="1.0" encoding="utf-8"?>
-<p:sld xmlns:a="http://schemas.openxmlformats.org/drawingml/2006/main" xmlns:r="http://schemas.openxmlformats.org/officeDocument/2006/relationships" xmlns:p="http://schemas.openxmlformats.org/presentationml/2006/main">
-  <p:cSld>
-    <p:bg>
-      <p:bgPr>
-        <a:solidFill>
-          <a:schemeClr val="bg2"/>
-        </a:solidFill>
-        <a:effectLst/>
-      </p:bgPr>
-    </p:bg>
-    <p:spTree>
-      <p:nvGrpSpPr>
-        <p:cNvPr id="1" name=""/>
-        <p:cNvGrpSpPr/>
-        <p:nvPr/>
-      </p:nvGrpSpPr>
-      <p:grpSpPr>
-        <a:xfrm>
-          <a:off x="0" y="0"/>
-          <a:ext cx="0" cy="0"/>
-          <a:chOff x="0" y="0"/>
-          <a:chExt cx="0" cy="0"/>
-        </a:xfrm>
-      </p:grpSpPr>
-      <p:sp>
-        <p:nvSpPr>
-          <p:cNvPr id="10" name="Freeform 6">
-            <a:extLst>
-              <a:ext uri="{FF2B5EF4-FFF2-40B4-BE49-F238E27FC236}">
-                <a16:creationId xmlns:a16="http://schemas.microsoft.com/office/drawing/2014/main" id="{E7597382-59B5-427B-9E49-55383F0A5561}"/>
-              </a:ext>
-              <a:ext uri="{C183D7F6-B498-43B3-948B-1728B52AA6E4}">
-                <adec:decorative xmlns:adec="http://schemas.microsoft.com/office/drawing/2017/decorative" val="1"/>
-              </a:ext>
-            </a:extLst>
-          </p:cNvPr>
-          <p:cNvSpPr>
-            <a:spLocks noGrp="1" noRot="1" noChangeAspect="1" noMove="1" noResize="1" noEditPoints="1" noAdjustHandles="1" noChangeArrowheads="1" noChangeShapeType="1" noTextEdit="1"/>
-          </p:cNvSpPr>
-          <p:nvPr>
-            <p:extLst>
-              <p:ext uri="{386F3935-93C4-4BCD-93E2-E3B085C9AB24}">
-                <p16:designElem xmlns:p16="http://schemas.microsoft.com/office/powerpoint/2015/main" val="1"/>
-              </p:ext>
-            </p:extLst>
-          </p:nvPr>
-        </p:nvSpPr>
-        <p:spPr bwMode="auto">
-          <a:xfrm>
-            <a:off x="0" y="-3175"/>
-            <a:ext cx="12192000" cy="6229804"/>
-          </a:xfrm>
-          <a:custGeom>
-            <a:avLst/>
-            <a:gdLst/>
-            <a:ahLst/>
-            <a:cxnLst/>
-            <a:rect l="0" t="0" r="r" b="b"/>
-            <a:pathLst>
-              <a:path w="5760" h="3278">
-                <a:moveTo>
-                  <a:pt x="5760" y="0"/>
-                </a:moveTo>
-                <a:lnTo>
-                  <a:pt x="0" y="0"/>
-                </a:lnTo>
-                <a:lnTo>
-                  <a:pt x="0" y="3090"/>
-                </a:lnTo>
-                <a:lnTo>
-                  <a:pt x="943" y="3090"/>
-                </a:lnTo>
-                <a:lnTo>
-                  <a:pt x="1123" y="3270"/>
-                </a:lnTo>
-                <a:lnTo>
-                  <a:pt x="1123" y="3270"/>
-                </a:lnTo>
-                <a:lnTo>
-                  <a:pt x="1127" y="3272"/>
-                </a:lnTo>
-                <a:lnTo>
-                  <a:pt x="1133" y="3275"/>
-                </a:lnTo>
-                <a:lnTo>
-                  <a:pt x="1139" y="3278"/>
-                </a:lnTo>
-                <a:lnTo>
-                  <a:pt x="1144" y="3278"/>
-                </a:lnTo>
-                <a:lnTo>
-                  <a:pt x="1150" y="3278"/>
-                </a:lnTo>
-                <a:lnTo>
-                  <a:pt x="1155" y="3275"/>
-                </a:lnTo>
-                <a:lnTo>
-                  <a:pt x="1161" y="3272"/>
-                </a:lnTo>
-                <a:lnTo>
-                  <a:pt x="1165" y="3270"/>
-                </a:lnTo>
-                <a:lnTo>
-                  <a:pt x="1345" y="3090"/>
-                </a:lnTo>
-                <a:lnTo>
-                  <a:pt x="5760" y="3090"/>
-                </a:lnTo>
-                <a:lnTo>
-                  <a:pt x="5760" y="0"/>
-                </a:lnTo>
-                <a:close/>
-              </a:path>
-            </a:pathLst>
-          </a:custGeom>
-          <a:ln>
-            <a:noFill/>
-          </a:ln>
-          <a:extLst>
-            <a:ext uri="{91240B29-F687-4f45-9708-019B960494DF}">
-              <a14:hiddenLine xmlns="" xmlns:a16="http://schemas.microsoft.com/office/drawing/2014/main" xmlns:p14="http://schemas.microsoft.com/office/powerpoint/2010/main" xmlns:a14="http://schemas.microsoft.com/office/drawing/2010/main" w="9525">
-                <a:solidFill>
-                  <a:srgbClr val="000000"/>
-                </a:solidFill>
-                <a:round/>
-                <a:headEnd/>
-                <a:tailEnd/>
-              </a14:hiddenLine>
-            </a:ext>
-          </a:extLst>
-        </p:spPr>
-        <p:style>
-          <a:lnRef idx="1">
-            <a:schemeClr val="accent1"/>
-          </a:lnRef>
-          <a:fillRef idx="3">
-            <a:schemeClr val="accent1"/>
-          </a:fillRef>
-          <a:effectRef idx="2">
-            <a:schemeClr val="accent1"/>
-          </a:effectRef>
-          <a:fontRef idx="minor">
-            <a:schemeClr val="lt1"/>
-          </a:fontRef>
-        </p:style>
-      </p:sp>
-      <p:sp>
-        <p:nvSpPr>
-          <p:cNvPr id="12" name="Rounded Rectangle 16">
-            <a:extLst>
-              <a:ext uri="{FF2B5EF4-FFF2-40B4-BE49-F238E27FC236}">
-                <a16:creationId xmlns:a16="http://schemas.microsoft.com/office/drawing/2014/main" id="{26471DC7-FA6E-40EF-A167-93BB0BCE16AD}"/>
-              </a:ext>
-              <a:ext uri="{C183D7F6-B498-43B3-948B-1728B52AA6E4}">
-                <adec:decorative xmlns:adec="http://schemas.microsoft.com/office/drawing/2017/decorative" val="1"/>
-              </a:ext>
-            </a:extLst>
-          </p:cNvPr>
-          <p:cNvSpPr>
-            <a:spLocks noGrp="1" noRot="1" noChangeAspect="1" noMove="1" noResize="1" noEditPoints="1" noAdjustHandles="1" noChangeArrowheads="1" noChangeShapeType="1" noTextEdit="1"/>
-          </p:cNvSpPr>
-          <p:nvPr>
-            <p:extLst>
-              <p:ext uri="{386F3935-93C4-4BCD-93E2-E3B085C9AB24}">
-                <p16:designElem xmlns:p16="http://schemas.microsoft.com/office/powerpoint/2015/main" val="1"/>
-              </p:ext>
-            </p:extLst>
-          </p:nvPr>
-        </p:nvSpPr>
-        <p:spPr>
-          <a:xfrm>
-            <a:off x="643468" y="643466"/>
-            <a:ext cx="10905066" cy="4592561"/>
-          </a:xfrm>
-          <a:prstGeom prst="roundRect">
-            <a:avLst>
-              <a:gd name="adj" fmla="val 3513"/>
-            </a:avLst>
-          </a:prstGeom>
-          <a:solidFill>
-            <a:schemeClr val="tx1"/>
-          </a:solidFill>
-          <a:ln>
-            <a:solidFill>
-              <a:schemeClr val="accent1">
-                <a:lumMod val="75000"/>
-              </a:schemeClr>
-            </a:solidFill>
-          </a:ln>
-          <a:effectLst/>
-        </p:spPr>
-        <p:style>
-          <a:lnRef idx="2">
-            <a:schemeClr val="accent1">
-              <a:shade val="50000"/>
-            </a:schemeClr>
-          </a:lnRef>
-          <a:fillRef idx="1">
-            <a:schemeClr val="accent1"/>
-          </a:fillRef>
-          <a:effectRef idx="0">
-            <a:schemeClr val="accent1"/>
-          </a:effectRef>
-          <a:fontRef idx="minor">
-            <a:schemeClr val="lt1"/>
-          </a:fontRef>
-        </p:style>
-        <p:txBody>
-          <a:bodyPr rtlCol="0" anchor="ctr"/>
-          <a:lstStyle/>
-          <a:p>
-            <a:pPr algn="ctr"/>
-            <a:endParaRPr lang="en-US"/>
-          </a:p>
-        </p:txBody>
-      </p:sp>
-      <p:pic>
-        <p:nvPicPr>
-          <p:cNvPr id="5" name="Espace réservé du contenu 4">
-            <a:extLst>
-              <a:ext uri="{FF2B5EF4-FFF2-40B4-BE49-F238E27FC236}">
-                <a16:creationId xmlns:a16="http://schemas.microsoft.com/office/drawing/2014/main" id="{36FB0DA3-348E-4453-AE0D-EA21836AF17A}"/>
-              </a:ext>
-            </a:extLst>
-          </p:cNvPr>
-          <p:cNvPicPr>
-            <a:picLocks noGrp="1" noChangeAspect="1"/>
-          </p:cNvPicPr>
-          <p:nvPr>
-            <p:ph idx="1"/>
-          </p:nvPr>
-        </p:nvPicPr>
-        <p:blipFill>
-          <a:blip r:embed="rId2"/>
-          <a:stretch>
-            <a:fillRect/>
-          </a:stretch>
-        </p:blipFill>
-        <p:spPr>
-          <a:xfrm>
-            <a:off x="1813009" y="873202"/>
-            <a:ext cx="8565984" cy="4133088"/>
-          </a:xfrm>
-          <a:prstGeom prst="rect">
-            <a:avLst/>
-          </a:prstGeom>
-        </p:spPr>
-      </p:pic>
-      <p:sp>
-        <p:nvSpPr>
-          <p:cNvPr id="6" name="ZoneTexte 5">
-            <a:extLst>
-              <a:ext uri="{FF2B5EF4-FFF2-40B4-BE49-F238E27FC236}">
-                <a16:creationId xmlns:a16="http://schemas.microsoft.com/office/drawing/2014/main" id="{1931F64B-F46F-45C4-AE5F-04D71766FB19}"/>
-              </a:ext>
-            </a:extLst>
-          </p:cNvPr>
-          <p:cNvSpPr txBox="1"/>
-          <p:nvPr/>
-        </p:nvSpPr>
-        <p:spPr>
-          <a:xfrm>
-            <a:off x="1065402" y="6352598"/>
-            <a:ext cx="2827090" cy="369332"/>
-          </a:xfrm>
-          <a:prstGeom prst="rect">
-            <a:avLst/>
-          </a:prstGeom>
-          <a:noFill/>
-        </p:spPr>
-        <p:txBody>
-          <a:bodyPr wrap="square" rtlCol="0">
-            <a:spAutoFit/>
-          </a:bodyPr>
-          <a:lstStyle/>
-          <a:p>
-            <a:r>
-              <a:rPr lang="fr-FR" dirty="0"/>
-              <a:t>Identification par NFC</a:t>
-            </a:r>
-          </a:p>
-        </p:txBody>
-      </p:sp>
-    </p:spTree>
-    <p:extLst>
-      <p:ext uri="{BB962C8B-B14F-4D97-AF65-F5344CB8AC3E}">
-        <p14:creationId xmlns:p14="http://schemas.microsoft.com/office/powerpoint/2010/main" val="2270383845"/>
-      </p:ext>
-    </p:extLst>
-  </p:cSld>
-  <p:clrMapOvr>
-    <a:masterClrMapping/>
-  </p:clrMapOvr>
-</p:sld>
-</file>
-
-<file path=ppt/slides/slide11.xml><?xml version="1.0" encoding="utf-8"?>
-<p:sld xmlns:a="http://schemas.openxmlformats.org/drawingml/2006/main" xmlns:r="http://schemas.openxmlformats.org/officeDocument/2006/relationships" xmlns:p="http://schemas.openxmlformats.org/presentationml/2006/main">
-  <p:cSld>
-    <p:bg>
-      <p:bgPr>
-        <a:solidFill>
-          <a:schemeClr val="bg2"/>
-        </a:solidFill>
-        <a:effectLst/>
-      </p:bgPr>
-    </p:bg>
-    <p:spTree>
-      <p:nvGrpSpPr>
-        <p:cNvPr id="1" name=""/>
-        <p:cNvGrpSpPr/>
-        <p:nvPr/>
-      </p:nvGrpSpPr>
-      <p:grpSpPr>
-        <a:xfrm>
-          <a:off x="0" y="0"/>
-          <a:ext cx="0" cy="0"/>
-          <a:chOff x="0" y="0"/>
-          <a:chExt cx="0" cy="0"/>
-        </a:xfrm>
-      </p:grpSpPr>
-      <p:sp>
-        <p:nvSpPr>
-          <p:cNvPr id="60" name="Freeform 6">
-            <a:extLst>
-              <a:ext uri="{FF2B5EF4-FFF2-40B4-BE49-F238E27FC236}">
-                <a16:creationId xmlns:a16="http://schemas.microsoft.com/office/drawing/2014/main" id="{E7597382-59B5-427B-9E49-55383F0A5561}"/>
-              </a:ext>
-              <a:ext uri="{C183D7F6-B498-43B3-948B-1728B52AA6E4}">
-                <adec:decorative xmlns:adec="http://schemas.microsoft.com/office/drawing/2017/decorative" val="1"/>
-              </a:ext>
-            </a:extLst>
-          </p:cNvPr>
-          <p:cNvSpPr>
-            <a:spLocks noGrp="1" noRot="1" noChangeAspect="1" noMove="1" noResize="1" noEditPoints="1" noAdjustHandles="1" noChangeArrowheads="1" noChangeShapeType="1" noTextEdit="1"/>
-          </p:cNvSpPr>
-          <p:nvPr>
-            <p:extLst>
-              <p:ext uri="{386F3935-93C4-4BCD-93E2-E3B085C9AB24}">
-                <p16:designElem xmlns:p16="http://schemas.microsoft.com/office/powerpoint/2015/main" val="1"/>
-              </p:ext>
-            </p:extLst>
-          </p:nvPr>
-        </p:nvSpPr>
-        <p:spPr bwMode="auto">
-          <a:xfrm>
-            <a:off x="0" y="-3175"/>
-            <a:ext cx="12192000" cy="6229804"/>
-          </a:xfrm>
-          <a:custGeom>
-            <a:avLst/>
-            <a:gdLst/>
-            <a:ahLst/>
-            <a:cxnLst/>
-            <a:rect l="0" t="0" r="r" b="b"/>
-            <a:pathLst>
-              <a:path w="5760" h="3278">
-                <a:moveTo>
-                  <a:pt x="5760" y="0"/>
-                </a:moveTo>
-                <a:lnTo>
-                  <a:pt x="0" y="0"/>
-                </a:lnTo>
-                <a:lnTo>
-                  <a:pt x="0" y="3090"/>
-                </a:lnTo>
-                <a:lnTo>
-                  <a:pt x="943" y="3090"/>
-                </a:lnTo>
-                <a:lnTo>
-                  <a:pt x="1123" y="3270"/>
-                </a:lnTo>
-                <a:lnTo>
-                  <a:pt x="1123" y="3270"/>
-                </a:lnTo>
-                <a:lnTo>
-                  <a:pt x="1127" y="3272"/>
-                </a:lnTo>
-                <a:lnTo>
-                  <a:pt x="1133" y="3275"/>
-                </a:lnTo>
-                <a:lnTo>
-                  <a:pt x="1139" y="3278"/>
-                </a:lnTo>
-                <a:lnTo>
-                  <a:pt x="1144" y="3278"/>
-                </a:lnTo>
-                <a:lnTo>
-                  <a:pt x="1150" y="3278"/>
-                </a:lnTo>
-                <a:lnTo>
-                  <a:pt x="1155" y="3275"/>
-                </a:lnTo>
-                <a:lnTo>
-                  <a:pt x="1161" y="3272"/>
-                </a:lnTo>
-                <a:lnTo>
-                  <a:pt x="1165" y="3270"/>
-                </a:lnTo>
-                <a:lnTo>
-                  <a:pt x="1345" y="3090"/>
-                </a:lnTo>
-                <a:lnTo>
-                  <a:pt x="5760" y="3090"/>
-                </a:lnTo>
-                <a:lnTo>
-                  <a:pt x="5760" y="0"/>
-                </a:lnTo>
-                <a:close/>
-              </a:path>
-            </a:pathLst>
-          </a:custGeom>
-          <a:ln>
-            <a:noFill/>
-          </a:ln>
-          <a:extLst>
-            <a:ext uri="{91240B29-F687-4f45-9708-019B960494DF}">
-              <a14:hiddenLine xmlns="" xmlns:a16="http://schemas.microsoft.com/office/drawing/2014/main" xmlns:p14="http://schemas.microsoft.com/office/powerpoint/2010/main" xmlns:a14="http://schemas.microsoft.com/office/drawing/2010/main" w="9525">
-                <a:solidFill>
-                  <a:srgbClr val="000000"/>
-                </a:solidFill>
-                <a:round/>
-                <a:headEnd/>
-                <a:tailEnd/>
-              </a14:hiddenLine>
-            </a:ext>
-          </a:extLst>
-        </p:spPr>
-        <p:style>
-          <a:lnRef idx="1">
-            <a:schemeClr val="accent1"/>
-          </a:lnRef>
-          <a:fillRef idx="3">
-            <a:schemeClr val="accent1"/>
-          </a:fillRef>
-          <a:effectRef idx="2">
-            <a:schemeClr val="accent1"/>
-          </a:effectRef>
-          <a:fontRef idx="minor">
-            <a:schemeClr val="lt1"/>
-          </a:fontRef>
-        </p:style>
-      </p:sp>
-      <p:sp>
-        <p:nvSpPr>
-          <p:cNvPr id="59" name="Rounded Rectangle 16">
-            <a:extLst>
-              <a:ext uri="{FF2B5EF4-FFF2-40B4-BE49-F238E27FC236}">
-                <a16:creationId xmlns:a16="http://schemas.microsoft.com/office/drawing/2014/main" id="{26471DC7-FA6E-40EF-A167-93BB0BCE16AD}"/>
-              </a:ext>
-              <a:ext uri="{C183D7F6-B498-43B3-948B-1728B52AA6E4}">
-                <adec:decorative xmlns:adec="http://schemas.microsoft.com/office/drawing/2017/decorative" val="1"/>
-              </a:ext>
-            </a:extLst>
-          </p:cNvPr>
-          <p:cNvSpPr>
-            <a:spLocks noGrp="1" noRot="1" noChangeAspect="1" noMove="1" noResize="1" noEditPoints="1" noAdjustHandles="1" noChangeArrowheads="1" noChangeShapeType="1" noTextEdit="1"/>
-          </p:cNvSpPr>
-          <p:nvPr>
-            <p:extLst>
-              <p:ext uri="{386F3935-93C4-4BCD-93E2-E3B085C9AB24}">
-                <p16:designElem xmlns:p16="http://schemas.microsoft.com/office/powerpoint/2015/main" val="1"/>
-              </p:ext>
-            </p:extLst>
-          </p:nvPr>
-        </p:nvSpPr>
-        <p:spPr>
-          <a:xfrm>
-            <a:off x="643468" y="643466"/>
-            <a:ext cx="10905066" cy="4592561"/>
-          </a:xfrm>
-          <a:prstGeom prst="roundRect">
-            <a:avLst>
-              <a:gd name="adj" fmla="val 3513"/>
-            </a:avLst>
-          </a:prstGeom>
-          <a:solidFill>
-            <a:schemeClr val="tx1"/>
-          </a:solidFill>
-          <a:ln>
-            <a:solidFill>
-              <a:schemeClr val="accent1">
-                <a:lumMod val="75000"/>
-              </a:schemeClr>
-            </a:solidFill>
-          </a:ln>
-          <a:effectLst/>
-        </p:spPr>
-        <p:style>
-          <a:lnRef idx="2">
-            <a:schemeClr val="accent1">
-              <a:shade val="50000"/>
-            </a:schemeClr>
-          </a:lnRef>
-          <a:fillRef idx="1">
-            <a:schemeClr val="accent1"/>
-          </a:fillRef>
-          <a:effectRef idx="0">
-            <a:schemeClr val="accent1"/>
-          </a:effectRef>
-          <a:fontRef idx="minor">
-            <a:schemeClr val="lt1"/>
-          </a:fontRef>
-        </p:style>
-        <p:txBody>
-          <a:bodyPr rtlCol="0" anchor="ctr"/>
-          <a:lstStyle/>
-          <a:p>
-            <a:pPr algn="ctr"/>
-            <a:endParaRPr lang="en-US"/>
-          </a:p>
-        </p:txBody>
-      </p:sp>
-      <p:sp>
-        <p:nvSpPr>
-          <p:cNvPr id="10" name="ZoneTexte 9">
-            <a:extLst>
-              <a:ext uri="{FF2B5EF4-FFF2-40B4-BE49-F238E27FC236}">
-                <a16:creationId xmlns:a16="http://schemas.microsoft.com/office/drawing/2014/main" id="{41AC9DED-FB16-4D5F-808F-CFAFF56BD818}"/>
-              </a:ext>
-            </a:extLst>
-          </p:cNvPr>
-          <p:cNvSpPr txBox="1"/>
-          <p:nvPr/>
-        </p:nvSpPr>
-        <p:spPr>
-          <a:xfrm>
-            <a:off x="897622" y="6352598"/>
-            <a:ext cx="3649211" cy="369332"/>
-          </a:xfrm>
-          <a:prstGeom prst="rect">
-            <a:avLst/>
-          </a:prstGeom>
-          <a:noFill/>
-        </p:spPr>
-        <p:txBody>
-          <a:bodyPr wrap="square" rtlCol="0">
-            <a:spAutoFit/>
-          </a:bodyPr>
-          <a:lstStyle/>
-          <a:p>
-            <a:r>
-              <a:rPr lang="fr-FR" dirty="0"/>
-              <a:t>Identification par QR code</a:t>
-            </a:r>
-          </a:p>
-        </p:txBody>
-      </p:sp>
-      <p:pic>
-        <p:nvPicPr>
-          <p:cNvPr id="5" name="Espace réservé du contenu 4">
-            <a:extLst>
-              <a:ext uri="{FF2B5EF4-FFF2-40B4-BE49-F238E27FC236}">
-                <a16:creationId xmlns:a16="http://schemas.microsoft.com/office/drawing/2014/main" id="{1F6800D5-2F1E-4A08-BDA8-2E4E910DFF7A}"/>
-              </a:ext>
-            </a:extLst>
-          </p:cNvPr>
-          <p:cNvPicPr>
-            <a:picLocks noGrp="1" noChangeAspect="1"/>
-          </p:cNvPicPr>
-          <p:nvPr>
-            <p:ph idx="1"/>
-          </p:nvPr>
-        </p:nvPicPr>
-        <p:blipFill>
-          <a:blip r:embed="rId2"/>
-          <a:stretch>
-            <a:fillRect/>
-          </a:stretch>
-        </p:blipFill>
-        <p:spPr>
-          <a:xfrm>
-            <a:off x="1060838" y="893882"/>
-            <a:ext cx="9818656" cy="4247286"/>
-          </a:xfrm>
-        </p:spPr>
-      </p:pic>
-    </p:spTree>
-    <p:extLst>
-      <p:ext uri="{BB962C8B-B14F-4D97-AF65-F5344CB8AC3E}">
-        <p14:creationId xmlns:p14="http://schemas.microsoft.com/office/powerpoint/2010/main" val="385290132"/>
-      </p:ext>
-    </p:extLst>
-  </p:cSld>
-  <p:clrMapOvr>
-    <a:masterClrMapping/>
-  </p:clrMapOvr>
-</p:sld>
-</file>
-
-<file path=ppt/slides/slide12.xml><?xml version="1.0" encoding="utf-8"?>
-<p:sld xmlns:a="http://schemas.openxmlformats.org/drawingml/2006/main" xmlns:r="http://schemas.openxmlformats.org/officeDocument/2006/relationships" xmlns:p="http://schemas.openxmlformats.org/presentationml/2006/main">
-  <p:cSld>
-    <p:bg>
-      <p:bgPr>
-        <a:solidFill>
-          <a:schemeClr val="bg2"/>
-        </a:solidFill>
-        <a:effectLst/>
-      </p:bgPr>
-    </p:bg>
-    <p:spTree>
-      <p:nvGrpSpPr>
-        <p:cNvPr id="1" name=""/>
-        <p:cNvGrpSpPr/>
-        <p:nvPr/>
-      </p:nvGrpSpPr>
-      <p:grpSpPr>
-        <a:xfrm>
-          <a:off x="0" y="0"/>
-          <a:ext cx="0" cy="0"/>
-          <a:chOff x="0" y="0"/>
-          <a:chExt cx="0" cy="0"/>
-        </a:xfrm>
-      </p:grpSpPr>
-      <p:sp>
-        <p:nvSpPr>
-          <p:cNvPr id="60" name="Freeform 6">
-            <a:extLst>
-              <a:ext uri="{FF2B5EF4-FFF2-40B4-BE49-F238E27FC236}">
-                <a16:creationId xmlns:a16="http://schemas.microsoft.com/office/drawing/2014/main" id="{E7597382-59B5-427B-9E49-55383F0A5561}"/>
-              </a:ext>
-              <a:ext uri="{C183D7F6-B498-43B3-948B-1728B52AA6E4}">
-                <adec:decorative xmlns:adec="http://schemas.microsoft.com/office/drawing/2017/decorative" val="1"/>
-              </a:ext>
-            </a:extLst>
-          </p:cNvPr>
-          <p:cNvSpPr>
-            <a:spLocks noGrp="1" noRot="1" noChangeAspect="1" noMove="1" noResize="1" noEditPoints="1" noAdjustHandles="1" noChangeArrowheads="1" noChangeShapeType="1" noTextEdit="1"/>
-          </p:cNvSpPr>
-          <p:nvPr>
-            <p:extLst>
-              <p:ext uri="{386F3935-93C4-4BCD-93E2-E3B085C9AB24}">
-                <p16:designElem xmlns:p16="http://schemas.microsoft.com/office/powerpoint/2015/main" val="1"/>
-              </p:ext>
-            </p:extLst>
-          </p:nvPr>
-        </p:nvSpPr>
-        <p:spPr bwMode="auto">
-          <a:xfrm>
-            <a:off x="0" y="-3175"/>
-            <a:ext cx="12192000" cy="6229804"/>
-          </a:xfrm>
-          <a:custGeom>
-            <a:avLst/>
-            <a:gdLst/>
-            <a:ahLst/>
-            <a:cxnLst/>
-            <a:rect l="0" t="0" r="r" b="b"/>
-            <a:pathLst>
-              <a:path w="5760" h="3278">
-                <a:moveTo>
-                  <a:pt x="5760" y="0"/>
-                </a:moveTo>
-                <a:lnTo>
-                  <a:pt x="0" y="0"/>
-                </a:lnTo>
-                <a:lnTo>
-                  <a:pt x="0" y="3090"/>
-                </a:lnTo>
-                <a:lnTo>
-                  <a:pt x="943" y="3090"/>
-                </a:lnTo>
-                <a:lnTo>
-                  <a:pt x="1123" y="3270"/>
-                </a:lnTo>
-                <a:lnTo>
-                  <a:pt x="1123" y="3270"/>
-                </a:lnTo>
-                <a:lnTo>
-                  <a:pt x="1127" y="3272"/>
-                </a:lnTo>
-                <a:lnTo>
-                  <a:pt x="1133" y="3275"/>
-                </a:lnTo>
-                <a:lnTo>
-                  <a:pt x="1139" y="3278"/>
-                </a:lnTo>
-                <a:lnTo>
-                  <a:pt x="1144" y="3278"/>
-                </a:lnTo>
-                <a:lnTo>
-                  <a:pt x="1150" y="3278"/>
-                </a:lnTo>
-                <a:lnTo>
-                  <a:pt x="1155" y="3275"/>
-                </a:lnTo>
-                <a:lnTo>
-                  <a:pt x="1161" y="3272"/>
-                </a:lnTo>
-                <a:lnTo>
-                  <a:pt x="1165" y="3270"/>
-                </a:lnTo>
-                <a:lnTo>
-                  <a:pt x="1345" y="3090"/>
-                </a:lnTo>
-                <a:lnTo>
-                  <a:pt x="5760" y="3090"/>
-                </a:lnTo>
-                <a:lnTo>
-                  <a:pt x="5760" y="0"/>
-                </a:lnTo>
-                <a:close/>
-              </a:path>
-            </a:pathLst>
-          </a:custGeom>
-          <a:ln>
-            <a:noFill/>
-          </a:ln>
-          <a:extLst>
-            <a:ext uri="{91240B29-F687-4f45-9708-019B960494DF}">
-              <a14:hiddenLine xmlns="" xmlns:a16="http://schemas.microsoft.com/office/drawing/2014/main" xmlns:p14="http://schemas.microsoft.com/office/powerpoint/2010/main" xmlns:a14="http://schemas.microsoft.com/office/drawing/2010/main" w="9525">
-                <a:solidFill>
-                  <a:srgbClr val="000000"/>
-                </a:solidFill>
-                <a:round/>
-                <a:headEnd/>
-                <a:tailEnd/>
-              </a14:hiddenLine>
-            </a:ext>
-          </a:extLst>
-        </p:spPr>
-        <p:style>
-          <a:lnRef idx="1">
-            <a:schemeClr val="accent1"/>
-          </a:lnRef>
-          <a:fillRef idx="3">
-            <a:schemeClr val="accent1"/>
-          </a:fillRef>
-          <a:effectRef idx="2">
-            <a:schemeClr val="accent1"/>
-          </a:effectRef>
-          <a:fontRef idx="minor">
-            <a:schemeClr val="lt1"/>
-          </a:fontRef>
-        </p:style>
-      </p:sp>
-      <p:sp>
-        <p:nvSpPr>
-          <p:cNvPr id="59" name="Rounded Rectangle 16">
-            <a:extLst>
-              <a:ext uri="{FF2B5EF4-FFF2-40B4-BE49-F238E27FC236}">
-                <a16:creationId xmlns:a16="http://schemas.microsoft.com/office/drawing/2014/main" id="{26471DC7-FA6E-40EF-A167-93BB0BCE16AD}"/>
-              </a:ext>
-              <a:ext uri="{C183D7F6-B498-43B3-948B-1728B52AA6E4}">
-                <adec:decorative xmlns:adec="http://schemas.microsoft.com/office/drawing/2017/decorative" val="1"/>
-              </a:ext>
-            </a:extLst>
-          </p:cNvPr>
-          <p:cNvSpPr>
-            <a:spLocks noGrp="1" noRot="1" noChangeAspect="1" noMove="1" noResize="1" noEditPoints="1" noAdjustHandles="1" noChangeArrowheads="1" noChangeShapeType="1" noTextEdit="1"/>
-          </p:cNvSpPr>
-          <p:nvPr>
-            <p:extLst>
-              <p:ext uri="{386F3935-93C4-4BCD-93E2-E3B085C9AB24}">
-                <p16:designElem xmlns:p16="http://schemas.microsoft.com/office/powerpoint/2015/main" val="1"/>
-              </p:ext>
-            </p:extLst>
-          </p:nvPr>
-        </p:nvSpPr>
-        <p:spPr>
-          <a:xfrm>
-            <a:off x="643468" y="643466"/>
-            <a:ext cx="10905066" cy="4592561"/>
-          </a:xfrm>
-          <a:prstGeom prst="roundRect">
-            <a:avLst>
-              <a:gd name="adj" fmla="val 3513"/>
-            </a:avLst>
-          </a:prstGeom>
-          <a:solidFill>
-            <a:schemeClr val="tx1"/>
-          </a:solidFill>
-          <a:ln>
-            <a:solidFill>
-              <a:schemeClr val="accent1">
-                <a:lumMod val="75000"/>
-              </a:schemeClr>
-            </a:solidFill>
-          </a:ln>
-          <a:effectLst/>
-        </p:spPr>
-        <p:style>
-          <a:lnRef idx="2">
-            <a:schemeClr val="accent1">
-              <a:shade val="50000"/>
-            </a:schemeClr>
-          </a:lnRef>
-          <a:fillRef idx="1">
-            <a:schemeClr val="accent1"/>
-          </a:fillRef>
-          <a:effectRef idx="0">
-            <a:schemeClr val="accent1"/>
-          </a:effectRef>
-          <a:fontRef idx="minor">
-            <a:schemeClr val="lt1"/>
-          </a:fontRef>
-        </p:style>
-        <p:txBody>
-          <a:bodyPr rtlCol="0" anchor="ctr"/>
-          <a:lstStyle/>
-          <a:p>
-            <a:pPr algn="ctr"/>
-            <a:endParaRPr lang="en-US"/>
-          </a:p>
-        </p:txBody>
-      </p:sp>
-      <p:sp>
-        <p:nvSpPr>
-          <p:cNvPr id="10" name="ZoneTexte 9">
-            <a:extLst>
-              <a:ext uri="{FF2B5EF4-FFF2-40B4-BE49-F238E27FC236}">
-                <a16:creationId xmlns:a16="http://schemas.microsoft.com/office/drawing/2014/main" id="{41AC9DED-FB16-4D5F-808F-CFAFF56BD818}"/>
-              </a:ext>
-            </a:extLst>
-          </p:cNvPr>
-          <p:cNvSpPr txBox="1"/>
-          <p:nvPr/>
-        </p:nvSpPr>
-        <p:spPr>
-          <a:xfrm>
-            <a:off x="860300" y="6292291"/>
-            <a:ext cx="3649211" cy="369332"/>
-          </a:xfrm>
-          <a:prstGeom prst="rect">
-            <a:avLst/>
-          </a:prstGeom>
-          <a:noFill/>
-        </p:spPr>
-        <p:txBody>
-          <a:bodyPr wrap="square" rtlCol="0">
-            <a:spAutoFit/>
-          </a:bodyPr>
-          <a:lstStyle/>
-          <a:p>
-            <a:r>
-              <a:rPr lang="fr-FR" dirty="0"/>
-              <a:t>Emprunter par NFC</a:t>
-            </a:r>
-          </a:p>
-        </p:txBody>
-      </p:sp>
-      <p:pic>
-        <p:nvPicPr>
-          <p:cNvPr id="9" name="Espace réservé du contenu 8">
-            <a:extLst>
-              <a:ext uri="{FF2B5EF4-FFF2-40B4-BE49-F238E27FC236}">
-                <a16:creationId xmlns:a16="http://schemas.microsoft.com/office/drawing/2014/main" id="{703D726A-6292-48DB-8C7D-70EFB8FC9A83}"/>
-              </a:ext>
-            </a:extLst>
-          </p:cNvPr>
-          <p:cNvPicPr>
-            <a:picLocks noGrp="1" noChangeAspect="1"/>
-          </p:cNvPicPr>
-          <p:nvPr>
-            <p:ph idx="1"/>
-          </p:nvPr>
-        </p:nvPicPr>
-        <p:blipFill>
-          <a:blip r:embed="rId2"/>
-          <a:stretch>
-            <a:fillRect/>
-          </a:stretch>
-        </p:blipFill>
-        <p:spPr>
-          <a:xfrm>
-            <a:off x="1091683" y="709128"/>
-            <a:ext cx="9955762" cy="4049100"/>
-          </a:xfrm>
-        </p:spPr>
-      </p:pic>
-    </p:spTree>
-    <p:extLst>
-      <p:ext uri="{BB962C8B-B14F-4D97-AF65-F5344CB8AC3E}">
-        <p14:creationId xmlns:p14="http://schemas.microsoft.com/office/powerpoint/2010/main" val="3490439325"/>
-      </p:ext>
-    </p:extLst>
-  </p:cSld>
-  <p:clrMapOvr>
-    <a:masterClrMapping/>
-  </p:clrMapOvr>
-</p:sld>
-</file>
-
-<file path=ppt/slides/slide13.xml><?xml version="1.0" encoding="utf-8"?>
-<p:sld xmlns:a="http://schemas.openxmlformats.org/drawingml/2006/main" xmlns:r="http://schemas.openxmlformats.org/officeDocument/2006/relationships" xmlns:p="http://schemas.openxmlformats.org/presentationml/2006/main">
-  <p:cSld>
-    <p:bg>
-      <p:bgPr>
-        <a:solidFill>
-          <a:schemeClr val="bg2"/>
-        </a:solidFill>
-        <a:effectLst/>
-      </p:bgPr>
-    </p:bg>
-    <p:spTree>
-      <p:nvGrpSpPr>
-        <p:cNvPr id="1" name=""/>
-        <p:cNvGrpSpPr/>
-        <p:nvPr/>
-      </p:nvGrpSpPr>
-      <p:grpSpPr>
-        <a:xfrm>
-          <a:off x="0" y="0"/>
-          <a:ext cx="0" cy="0"/>
-          <a:chOff x="0" y="0"/>
-          <a:chExt cx="0" cy="0"/>
-        </a:xfrm>
-      </p:grpSpPr>
-      <p:sp>
-        <p:nvSpPr>
-          <p:cNvPr id="60" name="Freeform 6">
-            <a:extLst>
-              <a:ext uri="{FF2B5EF4-FFF2-40B4-BE49-F238E27FC236}">
-                <a16:creationId xmlns:a16="http://schemas.microsoft.com/office/drawing/2014/main" id="{E7597382-59B5-427B-9E49-55383F0A5561}"/>
-              </a:ext>
-              <a:ext uri="{C183D7F6-B498-43B3-948B-1728B52AA6E4}">
-                <adec:decorative xmlns:adec="http://schemas.microsoft.com/office/drawing/2017/decorative" val="1"/>
-              </a:ext>
-            </a:extLst>
-          </p:cNvPr>
-          <p:cNvSpPr>
-            <a:spLocks noGrp="1" noRot="1" noChangeAspect="1" noMove="1" noResize="1" noEditPoints="1" noAdjustHandles="1" noChangeArrowheads="1" noChangeShapeType="1" noTextEdit="1"/>
-          </p:cNvSpPr>
-          <p:nvPr>
-            <p:extLst>
-              <p:ext uri="{386F3935-93C4-4BCD-93E2-E3B085C9AB24}">
-                <p16:designElem xmlns:p16="http://schemas.microsoft.com/office/powerpoint/2015/main" val="1"/>
-              </p:ext>
-            </p:extLst>
-          </p:nvPr>
-        </p:nvSpPr>
-        <p:spPr bwMode="auto">
-          <a:xfrm>
-            <a:off x="0" y="-3175"/>
-            <a:ext cx="12192000" cy="6229804"/>
-          </a:xfrm>
-          <a:custGeom>
-            <a:avLst/>
-            <a:gdLst/>
-            <a:ahLst/>
-            <a:cxnLst/>
-            <a:rect l="0" t="0" r="r" b="b"/>
-            <a:pathLst>
-              <a:path w="5760" h="3278">
-                <a:moveTo>
-                  <a:pt x="5760" y="0"/>
-                </a:moveTo>
-                <a:lnTo>
-                  <a:pt x="0" y="0"/>
-                </a:lnTo>
-                <a:lnTo>
-                  <a:pt x="0" y="3090"/>
-                </a:lnTo>
-                <a:lnTo>
-                  <a:pt x="943" y="3090"/>
-                </a:lnTo>
-                <a:lnTo>
-                  <a:pt x="1123" y="3270"/>
-                </a:lnTo>
-                <a:lnTo>
-                  <a:pt x="1123" y="3270"/>
-                </a:lnTo>
-                <a:lnTo>
-                  <a:pt x="1127" y="3272"/>
-                </a:lnTo>
-                <a:lnTo>
-                  <a:pt x="1133" y="3275"/>
-                </a:lnTo>
-                <a:lnTo>
-                  <a:pt x="1139" y="3278"/>
-                </a:lnTo>
-                <a:lnTo>
-                  <a:pt x="1144" y="3278"/>
-                </a:lnTo>
-                <a:lnTo>
-                  <a:pt x="1150" y="3278"/>
-                </a:lnTo>
-                <a:lnTo>
-                  <a:pt x="1155" y="3275"/>
-                </a:lnTo>
-                <a:lnTo>
-                  <a:pt x="1161" y="3272"/>
-                </a:lnTo>
-                <a:lnTo>
-                  <a:pt x="1165" y="3270"/>
-                </a:lnTo>
-                <a:lnTo>
-                  <a:pt x="1345" y="3090"/>
-                </a:lnTo>
-                <a:lnTo>
-                  <a:pt x="5760" y="3090"/>
-                </a:lnTo>
-                <a:lnTo>
-                  <a:pt x="5760" y="0"/>
-                </a:lnTo>
-                <a:close/>
-              </a:path>
-            </a:pathLst>
-          </a:custGeom>
-          <a:ln>
-            <a:noFill/>
-          </a:ln>
-          <a:extLst>
-            <a:ext uri="{91240B29-F687-4f45-9708-019B960494DF}">
-              <a14:hiddenLine xmlns="" xmlns:a16="http://schemas.microsoft.com/office/drawing/2014/main" xmlns:p14="http://schemas.microsoft.com/office/powerpoint/2010/main" xmlns:a14="http://schemas.microsoft.com/office/drawing/2010/main" w="9525">
-                <a:solidFill>
-                  <a:srgbClr val="000000"/>
-                </a:solidFill>
-                <a:round/>
-                <a:headEnd/>
-                <a:tailEnd/>
-              </a14:hiddenLine>
-            </a:ext>
-          </a:extLst>
-        </p:spPr>
-        <p:style>
-          <a:lnRef idx="1">
-            <a:schemeClr val="accent1"/>
-          </a:lnRef>
-          <a:fillRef idx="3">
-            <a:schemeClr val="accent1"/>
-          </a:fillRef>
-          <a:effectRef idx="2">
-            <a:schemeClr val="accent1"/>
-          </a:effectRef>
-          <a:fontRef idx="minor">
-            <a:schemeClr val="lt1"/>
-          </a:fontRef>
-        </p:style>
-      </p:sp>
-      <p:sp>
-        <p:nvSpPr>
-          <p:cNvPr id="59" name="Rounded Rectangle 16">
-            <a:extLst>
-              <a:ext uri="{FF2B5EF4-FFF2-40B4-BE49-F238E27FC236}">
-                <a16:creationId xmlns:a16="http://schemas.microsoft.com/office/drawing/2014/main" id="{26471DC7-FA6E-40EF-A167-93BB0BCE16AD}"/>
-              </a:ext>
-              <a:ext uri="{C183D7F6-B498-43B3-948B-1728B52AA6E4}">
-                <adec:decorative xmlns:adec="http://schemas.microsoft.com/office/drawing/2017/decorative" val="1"/>
-              </a:ext>
-            </a:extLst>
-          </p:cNvPr>
-          <p:cNvSpPr>
-            <a:spLocks noGrp="1" noRot="1" noChangeAspect="1" noMove="1" noResize="1" noEditPoints="1" noAdjustHandles="1" noChangeArrowheads="1" noChangeShapeType="1" noTextEdit="1"/>
-          </p:cNvSpPr>
-          <p:nvPr>
-            <p:extLst>
-              <p:ext uri="{386F3935-93C4-4BCD-93E2-E3B085C9AB24}">
-                <p16:designElem xmlns:p16="http://schemas.microsoft.com/office/powerpoint/2015/main" val="1"/>
-              </p:ext>
-            </p:extLst>
-          </p:nvPr>
-        </p:nvSpPr>
-        <p:spPr>
-          <a:xfrm>
-            <a:off x="643468" y="643466"/>
-            <a:ext cx="10905066" cy="4592561"/>
-          </a:xfrm>
-          <a:prstGeom prst="roundRect">
-            <a:avLst>
-              <a:gd name="adj" fmla="val 3513"/>
-            </a:avLst>
-          </a:prstGeom>
-          <a:solidFill>
-            <a:schemeClr val="tx1"/>
-          </a:solidFill>
-          <a:ln>
-            <a:solidFill>
-              <a:schemeClr val="accent1">
-                <a:lumMod val="75000"/>
-              </a:schemeClr>
-            </a:solidFill>
-          </a:ln>
-          <a:effectLst/>
-        </p:spPr>
-        <p:style>
-          <a:lnRef idx="2">
-            <a:schemeClr val="accent1">
-              <a:shade val="50000"/>
-            </a:schemeClr>
-          </a:lnRef>
-          <a:fillRef idx="1">
-            <a:schemeClr val="accent1"/>
-          </a:fillRef>
-          <a:effectRef idx="0">
-            <a:schemeClr val="accent1"/>
-          </a:effectRef>
-          <a:fontRef idx="minor">
-            <a:schemeClr val="lt1"/>
-          </a:fontRef>
-        </p:style>
-        <p:txBody>
-          <a:bodyPr rtlCol="0" anchor="ctr"/>
-          <a:lstStyle/>
-          <a:p>
-            <a:pPr algn="ctr"/>
-            <a:endParaRPr lang="en-US"/>
-          </a:p>
-        </p:txBody>
-      </p:sp>
-      <p:sp>
-        <p:nvSpPr>
-          <p:cNvPr id="10" name="ZoneTexte 9">
-            <a:extLst>
-              <a:ext uri="{FF2B5EF4-FFF2-40B4-BE49-F238E27FC236}">
-                <a16:creationId xmlns:a16="http://schemas.microsoft.com/office/drawing/2014/main" id="{41AC9DED-FB16-4D5F-808F-CFAFF56BD818}"/>
-              </a:ext>
-            </a:extLst>
-          </p:cNvPr>
-          <p:cNvSpPr txBox="1"/>
-          <p:nvPr/>
-        </p:nvSpPr>
-        <p:spPr>
-          <a:xfrm>
-            <a:off x="897622" y="6352598"/>
-            <a:ext cx="3649211" cy="369332"/>
-          </a:xfrm>
-          <a:prstGeom prst="rect">
-            <a:avLst/>
-          </a:prstGeom>
-          <a:noFill/>
-        </p:spPr>
-        <p:txBody>
-          <a:bodyPr wrap="square" rtlCol="0">
-            <a:spAutoFit/>
-          </a:bodyPr>
-          <a:lstStyle/>
-          <a:p>
-            <a:r>
-              <a:rPr lang="fr-FR" dirty="0"/>
-              <a:t>Emprunter par QR Code</a:t>
-            </a:r>
-          </a:p>
-        </p:txBody>
-      </p:sp>
-      <p:pic>
-        <p:nvPicPr>
-          <p:cNvPr id="5" name="Espace réservé du contenu 4">
-            <a:extLst>
-              <a:ext uri="{FF2B5EF4-FFF2-40B4-BE49-F238E27FC236}">
-                <a16:creationId xmlns:a16="http://schemas.microsoft.com/office/drawing/2014/main" id="{B2C70422-16AF-42CF-B98F-B1E235038380}"/>
-              </a:ext>
-            </a:extLst>
-          </p:cNvPr>
-          <p:cNvPicPr>
-            <a:picLocks noGrp="1" noChangeAspect="1"/>
-          </p:cNvPicPr>
-          <p:nvPr>
-            <p:ph idx="1"/>
-          </p:nvPr>
-        </p:nvPicPr>
-        <p:blipFill>
-          <a:blip r:embed="rId2"/>
-          <a:stretch>
-            <a:fillRect/>
-          </a:stretch>
-        </p:blipFill>
-        <p:spPr>
-          <a:xfrm>
-            <a:off x="1334278" y="914400"/>
-            <a:ext cx="9367934" cy="4180113"/>
-          </a:xfrm>
-        </p:spPr>
-      </p:pic>
-    </p:spTree>
-    <p:extLst>
-      <p:ext uri="{BB962C8B-B14F-4D97-AF65-F5344CB8AC3E}">
-        <p14:creationId xmlns:p14="http://schemas.microsoft.com/office/powerpoint/2010/main" val="477034004"/>
-      </p:ext>
-    </p:extLst>
-  </p:cSld>
-  <p:clrMapOvr>
-    <a:masterClrMapping/>
-  </p:clrMapOvr>
-</p:sld>
-</file>
-
-<file path=ppt/slides/slide14.xml><?xml version="1.0" encoding="utf-8"?>
-<p:sld xmlns:a="http://schemas.openxmlformats.org/drawingml/2006/main" xmlns:r="http://schemas.openxmlformats.org/officeDocument/2006/relationships" xmlns:p="http://schemas.openxmlformats.org/presentationml/2006/main">
-  <p:cSld>
-    <p:spTree>
-      <p:nvGrpSpPr>
-        <p:cNvPr id="1" name=""/>
-        <p:cNvGrpSpPr/>
-        <p:nvPr/>
-      </p:nvGrpSpPr>
-      <p:grpSpPr>
-        <a:xfrm>
-          <a:off x="0" y="0"/>
-          <a:ext cx="0" cy="0"/>
-          <a:chOff x="0" y="0"/>
-          <a:chExt cx="0" cy="0"/>
-        </a:xfrm>
-      </p:grpSpPr>
-      <p:sp>
-        <p:nvSpPr>
-          <p:cNvPr id="2" name="Titre 1">
-            <a:extLst>
-              <a:ext uri="{FF2B5EF4-FFF2-40B4-BE49-F238E27FC236}">
-                <a16:creationId xmlns:a16="http://schemas.microsoft.com/office/drawing/2014/main" id="{E0B0C63A-BD8F-4F56-BCC9-E96007308935}"/>
-              </a:ext>
-            </a:extLst>
-          </p:cNvPr>
-          <p:cNvSpPr>
-            <a:spLocks noGrp="1"/>
-          </p:cNvSpPr>
-          <p:nvPr>
-            <p:ph type="title"/>
-          </p:nvPr>
-        </p:nvSpPr>
-        <p:spPr/>
-        <p:txBody>
-          <a:bodyPr/>
-          <a:lstStyle/>
-          <a:p>
-            <a:r>
-              <a:rPr lang="fr-FR" sz="5400" dirty="0"/>
-              <a:t>Matériels &amp; technologies</a:t>
-            </a:r>
-          </a:p>
-        </p:txBody>
-      </p:sp>
-      <p:pic>
-        <p:nvPicPr>
-          <p:cNvPr id="3" name="Image 2">
-            <a:extLst>
-              <a:ext uri="{FF2B5EF4-FFF2-40B4-BE49-F238E27FC236}">
-                <a16:creationId xmlns:a16="http://schemas.microsoft.com/office/drawing/2014/main" id="{9BC7E72C-AC4F-4DF5-A115-1C40F59723F4}"/>
-              </a:ext>
-            </a:extLst>
-          </p:cNvPr>
-          <p:cNvPicPr>
-            <a:picLocks noChangeAspect="1"/>
-          </p:cNvPicPr>
-          <p:nvPr/>
-        </p:nvPicPr>
-        <p:blipFill>
-          <a:blip r:embed="rId2" cstate="print">
-            <a:extLst>
-              <a:ext uri="{28A0092B-C50C-407E-A947-70E740481C1C}">
-                <a14:useLocalDpi xmlns:a14="http://schemas.microsoft.com/office/drawing/2010/main" val="0"/>
-              </a:ext>
-            </a:extLst>
-          </a:blip>
-          <a:stretch>
-            <a:fillRect/>
-          </a:stretch>
-        </p:blipFill>
-        <p:spPr>
-          <a:xfrm>
-            <a:off x="3596152" y="3833536"/>
-            <a:ext cx="1361257" cy="2382198"/>
-          </a:xfrm>
-          <a:prstGeom prst="rect">
-            <a:avLst/>
-          </a:prstGeom>
-        </p:spPr>
-      </p:pic>
-      <p:sp>
-        <p:nvSpPr>
-          <p:cNvPr id="5" name="ZoneTexte 4">
-            <a:extLst>
-              <a:ext uri="{FF2B5EF4-FFF2-40B4-BE49-F238E27FC236}">
-                <a16:creationId xmlns:a16="http://schemas.microsoft.com/office/drawing/2014/main" id="{2F61662E-57F0-4406-A385-9957ECCC1D3C}"/>
-              </a:ext>
-            </a:extLst>
-          </p:cNvPr>
-          <p:cNvSpPr txBox="1"/>
-          <p:nvPr/>
-        </p:nvSpPr>
-        <p:spPr>
-          <a:xfrm>
-            <a:off x="1945249" y="2782669"/>
-            <a:ext cx="2331532" cy="646331"/>
-          </a:xfrm>
-          <a:prstGeom prst="rect">
-            <a:avLst/>
-          </a:prstGeom>
-          <a:noFill/>
-        </p:spPr>
-        <p:txBody>
-          <a:bodyPr wrap="square" rtlCol="0">
-            <a:spAutoFit/>
-          </a:bodyPr>
-          <a:lstStyle/>
-          <a:p>
-            <a:r>
-              <a:rPr lang="fr-FR" sz="3600" b="1" dirty="0"/>
-              <a:t>Physique</a:t>
-            </a:r>
-          </a:p>
-        </p:txBody>
-      </p:sp>
-      <p:sp>
-        <p:nvSpPr>
-          <p:cNvPr id="6" name="ZoneTexte 5">
-            <a:extLst>
-              <a:ext uri="{FF2B5EF4-FFF2-40B4-BE49-F238E27FC236}">
-                <a16:creationId xmlns:a16="http://schemas.microsoft.com/office/drawing/2014/main" id="{51E32AEB-A3F5-4B00-8910-12363FA847CF}"/>
-              </a:ext>
-            </a:extLst>
-          </p:cNvPr>
-          <p:cNvSpPr txBox="1"/>
-          <p:nvPr/>
-        </p:nvSpPr>
-        <p:spPr>
-          <a:xfrm>
-            <a:off x="7915219" y="2782669"/>
-            <a:ext cx="2331532" cy="646331"/>
-          </a:xfrm>
-          <a:prstGeom prst="rect">
-            <a:avLst/>
-          </a:prstGeom>
-          <a:noFill/>
-        </p:spPr>
-        <p:txBody>
-          <a:bodyPr wrap="square" rtlCol="0">
-            <a:spAutoFit/>
-          </a:bodyPr>
-          <a:lstStyle/>
-          <a:p>
-            <a:r>
-              <a:rPr lang="fr-FR" sz="3600" b="1" dirty="0"/>
-              <a:t>Logiciel</a:t>
-            </a:r>
-          </a:p>
-        </p:txBody>
-      </p:sp>
-      <p:pic>
-        <p:nvPicPr>
-          <p:cNvPr id="7" name="Image 6">
-            <a:extLst>
-              <a:ext uri="{FF2B5EF4-FFF2-40B4-BE49-F238E27FC236}">
-                <a16:creationId xmlns:a16="http://schemas.microsoft.com/office/drawing/2014/main" id="{C3F29262-998C-405A-B910-7DF7C5B9789D}"/>
-              </a:ext>
-            </a:extLst>
-          </p:cNvPr>
-          <p:cNvPicPr>
-            <a:picLocks noChangeAspect="1"/>
-          </p:cNvPicPr>
-          <p:nvPr/>
-        </p:nvPicPr>
-        <p:blipFill>
-          <a:blip r:embed="rId3" cstate="print">
-            <a:extLst>
-              <a:ext uri="{BEBA8EAE-BF5A-486C-A8C5-ECC9F3942E4B}">
-                <a14:imgProps xmlns:a14="http://schemas.microsoft.com/office/drawing/2010/main">
-                  <a14:imgLayer r:embed="rId4">
-                    <a14:imgEffect>
-                      <a14:brightnessContrast bright="40000" contrast="40000"/>
-                    </a14:imgEffect>
-                  </a14:imgLayer>
-                </a14:imgProps>
-              </a:ext>
-              <a:ext uri="{28A0092B-C50C-407E-A947-70E740481C1C}">
-                <a14:useLocalDpi xmlns:a14="http://schemas.microsoft.com/office/drawing/2010/main" val="0"/>
-              </a:ext>
-            </a:extLst>
-          </a:blip>
-          <a:stretch>
-            <a:fillRect/>
-          </a:stretch>
-        </p:blipFill>
-        <p:spPr>
-          <a:xfrm>
-            <a:off x="6544673" y="4174231"/>
-            <a:ext cx="1700808" cy="1700808"/>
-          </a:xfrm>
-          <a:prstGeom prst="rect">
-            <a:avLst/>
-          </a:prstGeom>
-        </p:spPr>
-      </p:pic>
-      <p:pic>
-        <p:nvPicPr>
-          <p:cNvPr id="8" name="Image 7">
-            <a:extLst>
-              <a:ext uri="{FF2B5EF4-FFF2-40B4-BE49-F238E27FC236}">
-                <a16:creationId xmlns:a16="http://schemas.microsoft.com/office/drawing/2014/main" id="{10689F10-2223-410A-AD0E-5CA156E7918B}"/>
-              </a:ext>
-            </a:extLst>
-          </p:cNvPr>
-          <p:cNvPicPr>
-            <a:picLocks noChangeAspect="1"/>
-          </p:cNvPicPr>
-          <p:nvPr/>
-        </p:nvPicPr>
-        <p:blipFill>
-          <a:blip r:embed="rId5" cstate="print">
-            <a:extLst>
-              <a:ext uri="{28A0092B-C50C-407E-A947-70E740481C1C}">
-                <a14:useLocalDpi xmlns:a14="http://schemas.microsoft.com/office/drawing/2010/main" val="0"/>
-              </a:ext>
-            </a:extLst>
-          </a:blip>
-          <a:stretch>
-            <a:fillRect/>
-          </a:stretch>
-        </p:blipFill>
-        <p:spPr>
-          <a:xfrm>
-            <a:off x="9681190" y="4091462"/>
-            <a:ext cx="1700808" cy="1700808"/>
-          </a:xfrm>
-          <a:prstGeom prst="rect">
-            <a:avLst/>
-          </a:prstGeom>
-        </p:spPr>
-      </p:pic>
-      <p:pic>
-        <p:nvPicPr>
-          <p:cNvPr id="10" name="Image 9">
-            <a:extLst>
-              <a:ext uri="{FF2B5EF4-FFF2-40B4-BE49-F238E27FC236}">
-                <a16:creationId xmlns:a16="http://schemas.microsoft.com/office/drawing/2014/main" id="{C603689C-2193-4F1A-AB6F-D930790C8743}"/>
-              </a:ext>
-            </a:extLst>
-          </p:cNvPr>
-          <p:cNvPicPr>
-            <a:picLocks noChangeAspect="1"/>
-          </p:cNvPicPr>
-          <p:nvPr/>
-        </p:nvPicPr>
-        <p:blipFill>
-          <a:blip r:embed="rId6"/>
-          <a:stretch>
-            <a:fillRect/>
-          </a:stretch>
-        </p:blipFill>
-        <p:spPr>
-          <a:xfrm>
-            <a:off x="1034570" y="3950927"/>
-            <a:ext cx="1843727" cy="2147416"/>
-          </a:xfrm>
-          <a:prstGeom prst="rect">
-            <a:avLst/>
-          </a:prstGeom>
-        </p:spPr>
-      </p:pic>
-      <p:pic>
-        <p:nvPicPr>
-          <p:cNvPr id="9" name="Image 8">
-            <a:extLst>
-              <a:ext uri="{FF2B5EF4-FFF2-40B4-BE49-F238E27FC236}">
-                <a16:creationId xmlns:a16="http://schemas.microsoft.com/office/drawing/2014/main" id="{693BAB8E-1CE2-4321-8C24-45E869F5EE34}"/>
-              </a:ext>
-            </a:extLst>
-          </p:cNvPr>
-          <p:cNvPicPr>
-            <a:picLocks noChangeAspect="1"/>
-          </p:cNvPicPr>
-          <p:nvPr/>
-        </p:nvPicPr>
-        <p:blipFill>
-          <a:blip r:embed="rId7">
-            <a:extLst>
-              <a:ext uri="{BEBA8EAE-BF5A-486C-A8C5-ECC9F3942E4B}">
-                <a14:imgProps xmlns:a14="http://schemas.microsoft.com/office/drawing/2010/main">
-                  <a14:imgLayer r:embed="rId8">
-                    <a14:imgEffect>
-                      <a14:backgroundRemoval t="10000" b="90000" l="10000" r="90000">
-                        <a14:foregroundMark x1="25122" y1="37691" x2="27927" y2="62309"/>
-                        <a14:foregroundMark x1="27927" y1="62309" x2="25610" y2="60784"/>
-                        <a14:foregroundMark x1="46098" y1="20479" x2="40610" y2="25708"/>
-                        <a14:foregroundMark x1="40610" y1="25708" x2="40854" y2="27887"/>
-                        <a14:foregroundMark x1="48171" y1="16993" x2="50244" y2="10240"/>
-                        <a14:foregroundMark x1="59512" y1="52070" x2="58293" y2="38780"/>
-                        <a14:foregroundMark x1="69024" y1="35294" x2="70610" y2="36383"/>
-                        <a14:foregroundMark x1="36463" y1="16122" x2="34878" y2="10022"/>
-                        <a14:foregroundMark x1="68780" y1="37473" x2="75000" y2="37037"/>
-                        <a14:foregroundMark x1="75000" y1="37037" x2="70732" y2="28976"/>
-                        <a14:foregroundMark x1="70732" y1="28976" x2="65488" y2="35948"/>
-                        <a14:foregroundMark x1="65488" y1="35948" x2="68780" y2="44880"/>
-                        <a14:foregroundMark x1="61707" y1="56427" x2="65732" y2="46841"/>
-                        <a14:foregroundMark x1="36829" y1="23312" x2="37195" y2="24401"/>
-                        <a14:foregroundMark x1="49024" y1="23529" x2="48780" y2="23747"/>
-                        <a14:foregroundMark x1="38171" y1="89978" x2="38171" y2="89978"/>
-                        <a14:foregroundMark x1="47683" y1="89978" x2="47683" y2="89978"/>
-                      </a14:backgroundRemoval>
-                    </a14:imgEffect>
-                  </a14:imgLayer>
-                </a14:imgProps>
-              </a:ext>
-            </a:extLst>
-          </a:blip>
-          <a:stretch>
-            <a:fillRect/>
-          </a:stretch>
-        </p:blipFill>
-        <p:spPr>
-          <a:xfrm>
-            <a:off x="3682596" y="4537703"/>
-            <a:ext cx="1361116" cy="973864"/>
-          </a:xfrm>
-          <a:prstGeom prst="rect">
-            <a:avLst/>
-          </a:prstGeom>
-        </p:spPr>
-      </p:pic>
-    </p:spTree>
-    <p:extLst>
-      <p:ext uri="{BB962C8B-B14F-4D97-AF65-F5344CB8AC3E}">
-        <p14:creationId xmlns:p14="http://schemas.microsoft.com/office/powerpoint/2010/main" val="2861865556"/>
-      </p:ext>
-    </p:extLst>
-  </p:cSld>
-  <p:clrMapOvr>
-    <a:masterClrMapping/>
-  </p:clrMapOvr>
-</p:sld>
-</file>
-
-<file path=ppt/slides/slide15.xml><?xml version="1.0" encoding="utf-8"?>
 <p:sld xmlns:a="http://schemas.openxmlformats.org/drawingml/2006/main" xmlns:r="http://schemas.openxmlformats.org/officeDocument/2006/relationships" xmlns:p="http://schemas.openxmlformats.org/presentationml/2006/main">
   <p:cSld>
     <p:bg>
@@ -6987,10 +5484,10 @@
       </p:grpSpPr>
       <p:sp>
         <p:nvSpPr>
-          <p:cNvPr id="9" name="Freeform 6">
+          <p:cNvPr id="15" name="Rectangle 14">
             <a:extLst>
               <a:ext uri="{FF2B5EF4-FFF2-40B4-BE49-F238E27FC236}">
-                <a16:creationId xmlns:a16="http://schemas.microsoft.com/office/drawing/2014/main" id="{133F8CB7-795C-4272-9073-64D8CF97F220}"/>
+                <a16:creationId xmlns:a16="http://schemas.microsoft.com/office/drawing/2014/main" id="{E2264E67-6F59-4D8D-8E5F-8245B0FEAE76}"/>
               </a:ext>
               <a:ext uri="{C183D7F6-B498-43B3-948B-1728B52AA6E4}">
                 <adec:decorative xmlns:adec="http://schemas.microsoft.com/office/drawing/2017/decorative" val="1"/>
@@ -7008,131 +5505,10 @@
             </p:extLst>
           </p:nvPr>
         </p:nvSpPr>
-        <p:spPr bwMode="auto">
-          <a:xfrm>
-            <a:off x="0" y="-3175"/>
-            <a:ext cx="12192000" cy="5203825"/>
-          </a:xfrm>
-          <a:custGeom>
-            <a:avLst/>
-            <a:gdLst/>
-            <a:ahLst/>
-            <a:cxnLst/>
-            <a:rect l="0" t="0" r="r" b="b"/>
-            <a:pathLst>
-              <a:path w="5760" h="3278">
-                <a:moveTo>
-                  <a:pt x="5760" y="0"/>
-                </a:moveTo>
-                <a:lnTo>
-                  <a:pt x="0" y="0"/>
-                </a:lnTo>
-                <a:lnTo>
-                  <a:pt x="0" y="3090"/>
-                </a:lnTo>
-                <a:lnTo>
-                  <a:pt x="943" y="3090"/>
-                </a:lnTo>
-                <a:lnTo>
-                  <a:pt x="1123" y="3270"/>
-                </a:lnTo>
-                <a:lnTo>
-                  <a:pt x="1123" y="3270"/>
-                </a:lnTo>
-                <a:lnTo>
-                  <a:pt x="1127" y="3272"/>
-                </a:lnTo>
-                <a:lnTo>
-                  <a:pt x="1133" y="3275"/>
-                </a:lnTo>
-                <a:lnTo>
-                  <a:pt x="1139" y="3278"/>
-                </a:lnTo>
-                <a:lnTo>
-                  <a:pt x="1144" y="3278"/>
-                </a:lnTo>
-                <a:lnTo>
-                  <a:pt x="1150" y="3278"/>
-                </a:lnTo>
-                <a:lnTo>
-                  <a:pt x="1155" y="3275"/>
-                </a:lnTo>
-                <a:lnTo>
-                  <a:pt x="1161" y="3272"/>
-                </a:lnTo>
-                <a:lnTo>
-                  <a:pt x="1165" y="3270"/>
-                </a:lnTo>
-                <a:lnTo>
-                  <a:pt x="1345" y="3090"/>
-                </a:lnTo>
-                <a:lnTo>
-                  <a:pt x="5760" y="3090"/>
-                </a:lnTo>
-                <a:lnTo>
-                  <a:pt x="5760" y="0"/>
-                </a:lnTo>
-                <a:close/>
-              </a:path>
-            </a:pathLst>
-          </a:custGeom>
-          <a:ln/>
-          <a:effectLst/>
-          <a:extLst>
-            <a:ext uri="{91240B29-F687-4f45-9708-019B960494DF}">
-              <a14:hiddenLine xmlns:a14="http://schemas.microsoft.com/office/drawing/2010/main" xmlns:p14="http://schemas.microsoft.com/office/powerpoint/2010/main" xmlns:a16="http://schemas.microsoft.com/office/drawing/2014/main" xmlns="" w="9525">
-                <a:solidFill>
-                  <a:srgbClr val="000000"/>
-                </a:solidFill>
-                <a:round/>
-                <a:headEnd/>
-                <a:tailEnd/>
-              </a14:hiddenLine>
-            </a:ext>
-          </a:extLst>
-        </p:spPr>
-        <p:style>
-          <a:lnRef idx="1">
-            <a:schemeClr val="accent1"/>
-          </a:lnRef>
-          <a:fillRef idx="3">
-            <a:schemeClr val="accent1"/>
-          </a:fillRef>
-          <a:effectRef idx="2">
-            <a:schemeClr val="accent1"/>
-          </a:effectRef>
-          <a:fontRef idx="minor">
-            <a:schemeClr val="lt1"/>
-          </a:fontRef>
-        </p:style>
-      </p:sp>
-      <p:sp>
-        <p:nvSpPr>
-          <p:cNvPr id="11" name="Rectangle 10">
-            <a:extLst>
-              <a:ext uri="{FF2B5EF4-FFF2-40B4-BE49-F238E27FC236}">
-                <a16:creationId xmlns:a16="http://schemas.microsoft.com/office/drawing/2014/main" id="{B7743172-17A8-4FA4-8434-B813E03B7665}"/>
-              </a:ext>
-              <a:ext uri="{C183D7F6-B498-43B3-948B-1728B52AA6E4}">
-                <adec:decorative xmlns:adec="http://schemas.microsoft.com/office/drawing/2017/decorative" val="1"/>
-              </a:ext>
-            </a:extLst>
-          </p:cNvPr>
-          <p:cNvSpPr>
-            <a:spLocks noGrp="1" noRot="1" noChangeAspect="1" noMove="1" noResize="1" noEditPoints="1" noAdjustHandles="1" noChangeArrowheads="1" noChangeShapeType="1" noTextEdit="1"/>
-          </p:cNvSpPr>
-          <p:nvPr>
-            <p:extLst>
-              <p:ext uri="{386F3935-93C4-4BCD-93E2-E3B085C9AB24}">
-                <p16:designElem xmlns:p16="http://schemas.microsoft.com/office/powerpoint/2015/main" val="1"/>
-              </p:ext>
-            </p:extLst>
-          </p:nvPr>
-        </p:nvSpPr>
         <p:spPr>
           <a:xfrm>
-            <a:off x="0" y="0"/>
-            <a:ext cx="12192000" cy="6858000"/>
+            <a:off x="4573" y="0"/>
+            <a:ext cx="12187427" cy="6858000"/>
           </a:xfrm>
           <a:prstGeom prst="rect">
             <a:avLst/>
@@ -7171,10 +5547,10 @@
       </p:sp>
       <p:sp>
         <p:nvSpPr>
-          <p:cNvPr id="13" name="Freeform 23">
+          <p:cNvPr id="17" name="Freeform 23">
             <a:extLst>
               <a:ext uri="{FF2B5EF4-FFF2-40B4-BE49-F238E27FC236}">
-                <a16:creationId xmlns:a16="http://schemas.microsoft.com/office/drawing/2014/main" id="{4CE1233C-FD2F-489E-BFDE-086F5FED6491}"/>
+                <a16:creationId xmlns:a16="http://schemas.microsoft.com/office/drawing/2014/main" id="{158E1C6E-D299-4F5D-B15B-155EBF7F62FD}"/>
               </a:ext>
               <a:ext uri="{C183D7F6-B498-43B3-948B-1728B52AA6E4}">
                 <adec:decorative xmlns:adec="http://schemas.microsoft.com/office/drawing/2017/decorative" val="1"/>
@@ -7331,22 +5707,11 @@
               </a:path>
             </a:pathLst>
           </a:custGeom>
-          <a:blipFill>
-            <a:blip r:embed="rId2">
-              <a:duotone>
-                <a:schemeClr val="accent1">
-                  <a:tint val="98000"/>
-                  <a:lumMod val="102000"/>
-                </a:schemeClr>
-                <a:schemeClr val="accent1">
-                  <a:shade val="98000"/>
-                  <a:lumMod val="98000"/>
-                </a:schemeClr>
-              </a:duotone>
-            </a:blip>
-            <a:tile tx="0" ty="0" sx="100000" sy="100000" flip="none" algn="tl"/>
-          </a:blipFill>
+          <a:solidFill>
+            <a:srgbClr val="212121"/>
+          </a:solidFill>
           <a:ln>
+            <a:noFill/>
             <a:headEnd/>
             <a:tailEnd/>
           </a:ln>
@@ -7381,7 +5746,7 @@
           <p:cNvPr id="2" name="Titre 1">
             <a:extLst>
               <a:ext uri="{FF2B5EF4-FFF2-40B4-BE49-F238E27FC236}">
-                <a16:creationId xmlns:a16="http://schemas.microsoft.com/office/drawing/2014/main" id="{50714342-0871-4D66-9FE2-E89E0EFF2879}"/>
+                <a16:creationId xmlns:a16="http://schemas.microsoft.com/office/drawing/2014/main" id="{C738AEE7-C585-410B-8733-5612449286FD}"/>
               </a:ext>
             </a:extLst>
           </p:cNvPr>
@@ -7394,29 +5759,34 @@
         </p:nvSpPr>
         <p:spPr>
           <a:xfrm>
-            <a:off x="451514" y="1800225"/>
-            <a:ext cx="3444211" cy="4241136"/>
+            <a:off x="431208" y="1615735"/>
+            <a:ext cx="3575737" cy="815895"/>
           </a:xfrm>
         </p:spPr>
         <p:txBody>
-          <a:bodyPr vert="horz" lIns="91440" tIns="45720" rIns="91440" bIns="45720" rtlCol="0" anchor="t">
+          <a:bodyPr anchor="b">
             <a:normAutofit/>
           </a:bodyPr>
           <a:lstStyle/>
           <a:p>
+            <a:pPr algn="ctr"/>
             <a:r>
-              <a:rPr lang="en-US" sz="4400"/>
-              <a:t>IHM</a:t>
+              <a:rPr lang="fr-FR" sz="3200" dirty="0">
+                <a:solidFill>
+                  <a:srgbClr val="FFFFFF"/>
+                </a:solidFill>
+              </a:rPr>
+              <a:t>Partie étudiant 4 </a:t>
             </a:r>
           </a:p>
         </p:txBody>
       </p:sp>
       <p:pic>
         <p:nvPicPr>
-          <p:cNvPr id="4" name="Image 3">
+          <p:cNvPr id="10" name="Espace réservé du contenu 8">
             <a:extLst>
               <a:ext uri="{FF2B5EF4-FFF2-40B4-BE49-F238E27FC236}">
-                <a16:creationId xmlns:a16="http://schemas.microsoft.com/office/drawing/2014/main" id="{21996DEE-43F0-48D4-A41F-8408267D3EFB}"/>
+                <a16:creationId xmlns:a16="http://schemas.microsoft.com/office/drawing/2014/main" id="{A249B342-EA14-40F0-AF0A-15F8485D7CC2}"/>
               </a:ext>
             </a:extLst>
           </p:cNvPr>
@@ -7426,15 +5796,15 @@
           <p:nvPr/>
         </p:nvPicPr>
         <p:blipFill>
-          <a:blip r:embed="rId3"/>
+          <a:blip r:embed="rId2"/>
           <a:stretch>
             <a:fillRect/>
           </a:stretch>
         </p:blipFill>
         <p:spPr>
           <a:xfrm>
-            <a:off x="4998590" y="670651"/>
-            <a:ext cx="6831824" cy="5516698"/>
+            <a:off x="5477379" y="643467"/>
+            <a:ext cx="5874564" cy="5272421"/>
           </a:xfrm>
           <a:prstGeom prst="roundRect">
             <a:avLst>
@@ -7442,7 +5812,9 @@
             </a:avLst>
           </a:prstGeom>
           <a:ln>
-            <a:noFill/>
+            <a:solidFill>
+              <a:schemeClr val="accent1"/>
+            </a:solidFill>
           </a:ln>
           <a:effectLst/>
         </p:spPr>
@@ -7450,12 +5822,1663 @@
     </p:spTree>
     <p:extLst>
       <p:ext uri="{BB962C8B-B14F-4D97-AF65-F5344CB8AC3E}">
-        <p14:creationId xmlns:p14="http://schemas.microsoft.com/office/powerpoint/2010/main" val="1578203825"/>
+        <p14:creationId xmlns:p14="http://schemas.microsoft.com/office/powerpoint/2010/main" val="3419121880"/>
       </p:ext>
     </p:extLst>
   </p:cSld>
   <p:clrMapOvr>
     <a:overrideClrMapping bg1="lt1" tx1="dk1" bg2="lt2" tx2="dk2" accent1="accent1" accent2="accent2" accent3="accent3" accent4="accent4" accent5="accent5" accent6="accent6" hlink="hlink" folHlink="folHlink"/>
+  </p:clrMapOvr>
+</p:sld>
+</file>
+
+<file path=ppt/slides/slide11.xml><?xml version="1.0" encoding="utf-8"?>
+<p:sld xmlns:a="http://schemas.openxmlformats.org/drawingml/2006/main" xmlns:r="http://schemas.openxmlformats.org/officeDocument/2006/relationships" xmlns:p="http://schemas.openxmlformats.org/presentationml/2006/main">
+  <p:cSld>
+    <p:bg>
+      <p:bgPr>
+        <a:solidFill>
+          <a:schemeClr val="bg2"/>
+        </a:solidFill>
+        <a:effectLst/>
+      </p:bgPr>
+    </p:bg>
+    <p:spTree>
+      <p:nvGrpSpPr>
+        <p:cNvPr id="1" name=""/>
+        <p:cNvGrpSpPr/>
+        <p:nvPr/>
+      </p:nvGrpSpPr>
+      <p:grpSpPr>
+        <a:xfrm>
+          <a:off x="0" y="0"/>
+          <a:ext cx="0" cy="0"/>
+          <a:chOff x="0" y="0"/>
+          <a:chExt cx="0" cy="0"/>
+        </a:xfrm>
+      </p:grpSpPr>
+      <p:sp>
+        <p:nvSpPr>
+          <p:cNvPr id="60" name="Freeform 6">
+            <a:extLst>
+              <a:ext uri="{FF2B5EF4-FFF2-40B4-BE49-F238E27FC236}">
+                <a16:creationId xmlns:a16="http://schemas.microsoft.com/office/drawing/2014/main" id="{E7597382-59B5-427B-9E49-55383F0A5561}"/>
+              </a:ext>
+              <a:ext uri="{C183D7F6-B498-43B3-948B-1728B52AA6E4}">
+                <adec:decorative xmlns:adec="http://schemas.microsoft.com/office/drawing/2017/decorative" val="1"/>
+              </a:ext>
+            </a:extLst>
+          </p:cNvPr>
+          <p:cNvSpPr>
+            <a:spLocks noGrp="1" noRot="1" noChangeAspect="1" noMove="1" noResize="1" noEditPoints="1" noAdjustHandles="1" noChangeArrowheads="1" noChangeShapeType="1" noTextEdit="1"/>
+          </p:cNvSpPr>
+          <p:nvPr>
+            <p:extLst>
+              <p:ext uri="{386F3935-93C4-4BCD-93E2-E3B085C9AB24}">
+                <p16:designElem xmlns:p16="http://schemas.microsoft.com/office/powerpoint/2015/main" val="1"/>
+              </p:ext>
+            </p:extLst>
+          </p:nvPr>
+        </p:nvSpPr>
+        <p:spPr bwMode="auto">
+          <a:xfrm>
+            <a:off x="0" y="-3175"/>
+            <a:ext cx="12192000" cy="6229804"/>
+          </a:xfrm>
+          <a:custGeom>
+            <a:avLst/>
+            <a:gdLst/>
+            <a:ahLst/>
+            <a:cxnLst/>
+            <a:rect l="0" t="0" r="r" b="b"/>
+            <a:pathLst>
+              <a:path w="5760" h="3278">
+                <a:moveTo>
+                  <a:pt x="5760" y="0"/>
+                </a:moveTo>
+                <a:lnTo>
+                  <a:pt x="0" y="0"/>
+                </a:lnTo>
+                <a:lnTo>
+                  <a:pt x="0" y="3090"/>
+                </a:lnTo>
+                <a:lnTo>
+                  <a:pt x="943" y="3090"/>
+                </a:lnTo>
+                <a:lnTo>
+                  <a:pt x="1123" y="3270"/>
+                </a:lnTo>
+                <a:lnTo>
+                  <a:pt x="1123" y="3270"/>
+                </a:lnTo>
+                <a:lnTo>
+                  <a:pt x="1127" y="3272"/>
+                </a:lnTo>
+                <a:lnTo>
+                  <a:pt x="1133" y="3275"/>
+                </a:lnTo>
+                <a:lnTo>
+                  <a:pt x="1139" y="3278"/>
+                </a:lnTo>
+                <a:lnTo>
+                  <a:pt x="1144" y="3278"/>
+                </a:lnTo>
+                <a:lnTo>
+                  <a:pt x="1150" y="3278"/>
+                </a:lnTo>
+                <a:lnTo>
+                  <a:pt x="1155" y="3275"/>
+                </a:lnTo>
+                <a:lnTo>
+                  <a:pt x="1161" y="3272"/>
+                </a:lnTo>
+                <a:lnTo>
+                  <a:pt x="1165" y="3270"/>
+                </a:lnTo>
+                <a:lnTo>
+                  <a:pt x="1345" y="3090"/>
+                </a:lnTo>
+                <a:lnTo>
+                  <a:pt x="5760" y="3090"/>
+                </a:lnTo>
+                <a:lnTo>
+                  <a:pt x="5760" y="0"/>
+                </a:lnTo>
+                <a:close/>
+              </a:path>
+            </a:pathLst>
+          </a:custGeom>
+          <a:ln>
+            <a:noFill/>
+          </a:ln>
+          <a:extLst>
+            <a:ext uri="{91240B29-F687-4f45-9708-019B960494DF}">
+              <a14:hiddenLine xmlns:a14="http://schemas.microsoft.com/office/drawing/2010/main" xmlns:p14="http://schemas.microsoft.com/office/powerpoint/2010/main" xmlns:a16="http://schemas.microsoft.com/office/drawing/2014/main" xmlns="" w="9525">
+                <a:solidFill>
+                  <a:srgbClr val="000000"/>
+                </a:solidFill>
+                <a:round/>
+                <a:headEnd/>
+                <a:tailEnd/>
+              </a14:hiddenLine>
+            </a:ext>
+          </a:extLst>
+        </p:spPr>
+        <p:style>
+          <a:lnRef idx="1">
+            <a:schemeClr val="accent1"/>
+          </a:lnRef>
+          <a:fillRef idx="3">
+            <a:schemeClr val="accent1"/>
+          </a:fillRef>
+          <a:effectRef idx="2">
+            <a:schemeClr val="accent1"/>
+          </a:effectRef>
+          <a:fontRef idx="minor">
+            <a:schemeClr val="lt1"/>
+          </a:fontRef>
+        </p:style>
+      </p:sp>
+      <p:sp>
+        <p:nvSpPr>
+          <p:cNvPr id="59" name="Rounded Rectangle 16">
+            <a:extLst>
+              <a:ext uri="{FF2B5EF4-FFF2-40B4-BE49-F238E27FC236}">
+                <a16:creationId xmlns:a16="http://schemas.microsoft.com/office/drawing/2014/main" id="{26471DC7-FA6E-40EF-A167-93BB0BCE16AD}"/>
+              </a:ext>
+              <a:ext uri="{C183D7F6-B498-43B3-948B-1728B52AA6E4}">
+                <adec:decorative xmlns:adec="http://schemas.microsoft.com/office/drawing/2017/decorative" val="1"/>
+              </a:ext>
+            </a:extLst>
+          </p:cNvPr>
+          <p:cNvSpPr>
+            <a:spLocks noGrp="1" noRot="1" noChangeAspect="1" noMove="1" noResize="1" noEditPoints="1" noAdjustHandles="1" noChangeArrowheads="1" noChangeShapeType="1" noTextEdit="1"/>
+          </p:cNvSpPr>
+          <p:nvPr>
+            <p:extLst>
+              <p:ext uri="{386F3935-93C4-4BCD-93E2-E3B085C9AB24}">
+                <p16:designElem xmlns:p16="http://schemas.microsoft.com/office/powerpoint/2015/main" val="1"/>
+              </p:ext>
+            </p:extLst>
+          </p:nvPr>
+        </p:nvSpPr>
+        <p:spPr>
+          <a:xfrm>
+            <a:off x="643468" y="643466"/>
+            <a:ext cx="10905066" cy="4592561"/>
+          </a:xfrm>
+          <a:prstGeom prst="roundRect">
+            <a:avLst>
+              <a:gd name="adj" fmla="val 3513"/>
+            </a:avLst>
+          </a:prstGeom>
+          <a:solidFill>
+            <a:schemeClr val="tx1"/>
+          </a:solidFill>
+          <a:ln>
+            <a:solidFill>
+              <a:schemeClr val="accent1">
+                <a:lumMod val="75000"/>
+              </a:schemeClr>
+            </a:solidFill>
+          </a:ln>
+          <a:effectLst/>
+        </p:spPr>
+        <p:style>
+          <a:lnRef idx="2">
+            <a:schemeClr val="accent1">
+              <a:shade val="50000"/>
+            </a:schemeClr>
+          </a:lnRef>
+          <a:fillRef idx="1">
+            <a:schemeClr val="accent1"/>
+          </a:fillRef>
+          <a:effectRef idx="0">
+            <a:schemeClr val="accent1"/>
+          </a:effectRef>
+          <a:fontRef idx="minor">
+            <a:schemeClr val="lt1"/>
+          </a:fontRef>
+        </p:style>
+        <p:txBody>
+          <a:bodyPr rtlCol="0" anchor="ctr"/>
+          <a:lstStyle/>
+          <a:p>
+            <a:pPr algn="ctr"/>
+            <a:endParaRPr lang="en-US"/>
+          </a:p>
+        </p:txBody>
+      </p:sp>
+      <p:sp>
+        <p:nvSpPr>
+          <p:cNvPr id="10" name="ZoneTexte 9">
+            <a:extLst>
+              <a:ext uri="{FF2B5EF4-FFF2-40B4-BE49-F238E27FC236}">
+                <a16:creationId xmlns:a16="http://schemas.microsoft.com/office/drawing/2014/main" id="{41AC9DED-FB16-4D5F-808F-CFAFF56BD818}"/>
+              </a:ext>
+            </a:extLst>
+          </p:cNvPr>
+          <p:cNvSpPr txBox="1"/>
+          <p:nvPr/>
+        </p:nvSpPr>
+        <p:spPr>
+          <a:xfrm>
+            <a:off x="897622" y="6306320"/>
+            <a:ext cx="3649211" cy="369332"/>
+          </a:xfrm>
+          <a:prstGeom prst="rect">
+            <a:avLst/>
+          </a:prstGeom>
+          <a:noFill/>
+        </p:spPr>
+        <p:txBody>
+          <a:bodyPr wrap="square" rtlCol="0">
+            <a:spAutoFit/>
+          </a:bodyPr>
+          <a:lstStyle/>
+          <a:p>
+            <a:r>
+              <a:rPr lang="fr-FR" dirty="0"/>
+              <a:t>Cas d’utilisation Emprunteur</a:t>
+            </a:r>
+          </a:p>
+        </p:txBody>
+      </p:sp>
+      <p:pic>
+        <p:nvPicPr>
+          <p:cNvPr id="11" name="Image 10">
+            <a:extLst>
+              <a:ext uri="{FF2B5EF4-FFF2-40B4-BE49-F238E27FC236}">
+                <a16:creationId xmlns:a16="http://schemas.microsoft.com/office/drawing/2014/main" id="{87EFFC71-B550-4182-B4FB-964F5E3738DE}"/>
+              </a:ext>
+            </a:extLst>
+          </p:cNvPr>
+          <p:cNvPicPr>
+            <a:picLocks noChangeAspect="1"/>
+          </p:cNvPicPr>
+          <p:nvPr/>
+        </p:nvPicPr>
+        <p:blipFill>
+          <a:blip r:embed="rId2"/>
+          <a:stretch>
+            <a:fillRect/>
+          </a:stretch>
+        </p:blipFill>
+        <p:spPr>
+          <a:xfrm>
+            <a:off x="731240" y="695991"/>
+            <a:ext cx="10729519" cy="4441780"/>
+          </a:xfrm>
+          <a:prstGeom prst="rect">
+            <a:avLst/>
+          </a:prstGeom>
+        </p:spPr>
+      </p:pic>
+      <p:sp>
+        <p:nvSpPr>
+          <p:cNvPr id="12" name="Ellipse 11">
+            <a:extLst>
+              <a:ext uri="{FF2B5EF4-FFF2-40B4-BE49-F238E27FC236}">
+                <a16:creationId xmlns:a16="http://schemas.microsoft.com/office/drawing/2014/main" id="{C85EA85E-EB82-48EE-9B18-52CFF481163C}"/>
+              </a:ext>
+            </a:extLst>
+          </p:cNvPr>
+          <p:cNvSpPr/>
+          <p:nvPr/>
+        </p:nvSpPr>
+        <p:spPr>
+          <a:xfrm>
+            <a:off x="897622" y="3798113"/>
+            <a:ext cx="10253830" cy="1379503"/>
+          </a:xfrm>
+          <a:prstGeom prst="ellipse">
+            <a:avLst/>
+          </a:prstGeom>
+          <a:noFill/>
+          <a:ln>
+            <a:solidFill>
+              <a:schemeClr val="accent6">
+                <a:lumMod val="75000"/>
+              </a:schemeClr>
+            </a:solidFill>
+          </a:ln>
+        </p:spPr>
+        <p:style>
+          <a:lnRef idx="2">
+            <a:schemeClr val="accent1">
+              <a:shade val="50000"/>
+            </a:schemeClr>
+          </a:lnRef>
+          <a:fillRef idx="1">
+            <a:schemeClr val="accent1"/>
+          </a:fillRef>
+          <a:effectRef idx="0">
+            <a:schemeClr val="accent1"/>
+          </a:effectRef>
+          <a:fontRef idx="minor">
+            <a:schemeClr val="lt1"/>
+          </a:fontRef>
+        </p:style>
+        <p:txBody>
+          <a:bodyPr rtlCol="0" anchor="ctr"/>
+          <a:lstStyle/>
+          <a:p>
+            <a:pPr algn="ctr"/>
+            <a:endParaRPr lang="fr-FR"/>
+          </a:p>
+        </p:txBody>
+      </p:sp>
+    </p:spTree>
+    <p:extLst>
+      <p:ext uri="{BB962C8B-B14F-4D97-AF65-F5344CB8AC3E}">
+        <p14:creationId xmlns:p14="http://schemas.microsoft.com/office/powerpoint/2010/main" val="2926079855"/>
+      </p:ext>
+    </p:extLst>
+  </p:cSld>
+  <p:clrMapOvr>
+    <a:masterClrMapping/>
+  </p:clrMapOvr>
+</p:sld>
+</file>
+
+<file path=ppt/slides/slide12.xml><?xml version="1.0" encoding="utf-8"?>
+<p:sld xmlns:a="http://schemas.openxmlformats.org/drawingml/2006/main" xmlns:r="http://schemas.openxmlformats.org/officeDocument/2006/relationships" xmlns:p="http://schemas.openxmlformats.org/presentationml/2006/main">
+  <p:cSld>
+    <p:bg>
+      <p:bgPr>
+        <a:solidFill>
+          <a:schemeClr val="bg2"/>
+        </a:solidFill>
+        <a:effectLst/>
+      </p:bgPr>
+    </p:bg>
+    <p:spTree>
+      <p:nvGrpSpPr>
+        <p:cNvPr id="1" name=""/>
+        <p:cNvGrpSpPr/>
+        <p:nvPr/>
+      </p:nvGrpSpPr>
+      <p:grpSpPr>
+        <a:xfrm>
+          <a:off x="0" y="0"/>
+          <a:ext cx="0" cy="0"/>
+          <a:chOff x="0" y="0"/>
+          <a:chExt cx="0" cy="0"/>
+        </a:xfrm>
+      </p:grpSpPr>
+      <p:sp>
+        <p:nvSpPr>
+          <p:cNvPr id="10" name="Freeform 6">
+            <a:extLst>
+              <a:ext uri="{FF2B5EF4-FFF2-40B4-BE49-F238E27FC236}">
+                <a16:creationId xmlns:a16="http://schemas.microsoft.com/office/drawing/2014/main" id="{E7597382-59B5-427B-9E49-55383F0A5561}"/>
+              </a:ext>
+              <a:ext uri="{C183D7F6-B498-43B3-948B-1728B52AA6E4}">
+                <adec:decorative xmlns:adec="http://schemas.microsoft.com/office/drawing/2017/decorative" val="1"/>
+              </a:ext>
+            </a:extLst>
+          </p:cNvPr>
+          <p:cNvSpPr>
+            <a:spLocks noGrp="1" noRot="1" noChangeAspect="1" noMove="1" noResize="1" noEditPoints="1" noAdjustHandles="1" noChangeArrowheads="1" noChangeShapeType="1" noTextEdit="1"/>
+          </p:cNvSpPr>
+          <p:nvPr>
+            <p:extLst>
+              <p:ext uri="{386F3935-93C4-4BCD-93E2-E3B085C9AB24}">
+                <p16:designElem xmlns:p16="http://schemas.microsoft.com/office/powerpoint/2015/main" val="1"/>
+              </p:ext>
+            </p:extLst>
+          </p:nvPr>
+        </p:nvSpPr>
+        <p:spPr bwMode="auto">
+          <a:xfrm>
+            <a:off x="0" y="-3175"/>
+            <a:ext cx="12192000" cy="6229804"/>
+          </a:xfrm>
+          <a:custGeom>
+            <a:avLst/>
+            <a:gdLst/>
+            <a:ahLst/>
+            <a:cxnLst/>
+            <a:rect l="0" t="0" r="r" b="b"/>
+            <a:pathLst>
+              <a:path w="5760" h="3278">
+                <a:moveTo>
+                  <a:pt x="5760" y="0"/>
+                </a:moveTo>
+                <a:lnTo>
+                  <a:pt x="0" y="0"/>
+                </a:lnTo>
+                <a:lnTo>
+                  <a:pt x="0" y="3090"/>
+                </a:lnTo>
+                <a:lnTo>
+                  <a:pt x="943" y="3090"/>
+                </a:lnTo>
+                <a:lnTo>
+                  <a:pt x="1123" y="3270"/>
+                </a:lnTo>
+                <a:lnTo>
+                  <a:pt x="1123" y="3270"/>
+                </a:lnTo>
+                <a:lnTo>
+                  <a:pt x="1127" y="3272"/>
+                </a:lnTo>
+                <a:lnTo>
+                  <a:pt x="1133" y="3275"/>
+                </a:lnTo>
+                <a:lnTo>
+                  <a:pt x="1139" y="3278"/>
+                </a:lnTo>
+                <a:lnTo>
+                  <a:pt x="1144" y="3278"/>
+                </a:lnTo>
+                <a:lnTo>
+                  <a:pt x="1150" y="3278"/>
+                </a:lnTo>
+                <a:lnTo>
+                  <a:pt x="1155" y="3275"/>
+                </a:lnTo>
+                <a:lnTo>
+                  <a:pt x="1161" y="3272"/>
+                </a:lnTo>
+                <a:lnTo>
+                  <a:pt x="1165" y="3270"/>
+                </a:lnTo>
+                <a:lnTo>
+                  <a:pt x="1345" y="3090"/>
+                </a:lnTo>
+                <a:lnTo>
+                  <a:pt x="5760" y="3090"/>
+                </a:lnTo>
+                <a:lnTo>
+                  <a:pt x="5760" y="0"/>
+                </a:lnTo>
+                <a:close/>
+              </a:path>
+            </a:pathLst>
+          </a:custGeom>
+          <a:ln>
+            <a:noFill/>
+          </a:ln>
+          <a:extLst>
+            <a:ext uri="{91240B29-F687-4f45-9708-019B960494DF}">
+              <a14:hiddenLine xmlns="" xmlns:a16="http://schemas.microsoft.com/office/drawing/2014/main" xmlns:p14="http://schemas.microsoft.com/office/powerpoint/2010/main" xmlns:a14="http://schemas.microsoft.com/office/drawing/2010/main" w="9525">
+                <a:solidFill>
+                  <a:srgbClr val="000000"/>
+                </a:solidFill>
+                <a:round/>
+                <a:headEnd/>
+                <a:tailEnd/>
+              </a14:hiddenLine>
+            </a:ext>
+          </a:extLst>
+        </p:spPr>
+        <p:style>
+          <a:lnRef idx="1">
+            <a:schemeClr val="accent1"/>
+          </a:lnRef>
+          <a:fillRef idx="3">
+            <a:schemeClr val="accent1"/>
+          </a:fillRef>
+          <a:effectRef idx="2">
+            <a:schemeClr val="accent1"/>
+          </a:effectRef>
+          <a:fontRef idx="minor">
+            <a:schemeClr val="lt1"/>
+          </a:fontRef>
+        </p:style>
+      </p:sp>
+      <p:sp>
+        <p:nvSpPr>
+          <p:cNvPr id="12" name="Rounded Rectangle 16">
+            <a:extLst>
+              <a:ext uri="{FF2B5EF4-FFF2-40B4-BE49-F238E27FC236}">
+                <a16:creationId xmlns:a16="http://schemas.microsoft.com/office/drawing/2014/main" id="{26471DC7-FA6E-40EF-A167-93BB0BCE16AD}"/>
+              </a:ext>
+              <a:ext uri="{C183D7F6-B498-43B3-948B-1728B52AA6E4}">
+                <adec:decorative xmlns:adec="http://schemas.microsoft.com/office/drawing/2017/decorative" val="1"/>
+              </a:ext>
+            </a:extLst>
+          </p:cNvPr>
+          <p:cNvSpPr>
+            <a:spLocks noGrp="1" noRot="1" noChangeAspect="1" noMove="1" noResize="1" noEditPoints="1" noAdjustHandles="1" noChangeArrowheads="1" noChangeShapeType="1" noTextEdit="1"/>
+          </p:cNvSpPr>
+          <p:nvPr>
+            <p:extLst>
+              <p:ext uri="{386F3935-93C4-4BCD-93E2-E3B085C9AB24}">
+                <p16:designElem xmlns:p16="http://schemas.microsoft.com/office/powerpoint/2015/main" val="1"/>
+              </p:ext>
+            </p:extLst>
+          </p:nvPr>
+        </p:nvSpPr>
+        <p:spPr>
+          <a:xfrm>
+            <a:off x="643468" y="643466"/>
+            <a:ext cx="10905066" cy="4592561"/>
+          </a:xfrm>
+          <a:prstGeom prst="roundRect">
+            <a:avLst>
+              <a:gd name="adj" fmla="val 3513"/>
+            </a:avLst>
+          </a:prstGeom>
+          <a:solidFill>
+            <a:schemeClr val="tx1"/>
+          </a:solidFill>
+          <a:ln>
+            <a:solidFill>
+              <a:schemeClr val="accent1">
+                <a:lumMod val="75000"/>
+              </a:schemeClr>
+            </a:solidFill>
+          </a:ln>
+          <a:effectLst/>
+        </p:spPr>
+        <p:style>
+          <a:lnRef idx="2">
+            <a:schemeClr val="accent1">
+              <a:shade val="50000"/>
+            </a:schemeClr>
+          </a:lnRef>
+          <a:fillRef idx="1">
+            <a:schemeClr val="accent1"/>
+          </a:fillRef>
+          <a:effectRef idx="0">
+            <a:schemeClr val="accent1"/>
+          </a:effectRef>
+          <a:fontRef idx="minor">
+            <a:schemeClr val="lt1"/>
+          </a:fontRef>
+        </p:style>
+        <p:txBody>
+          <a:bodyPr rtlCol="0" anchor="ctr"/>
+          <a:lstStyle/>
+          <a:p>
+            <a:pPr algn="ctr"/>
+            <a:endParaRPr lang="en-US"/>
+          </a:p>
+        </p:txBody>
+      </p:sp>
+      <p:pic>
+        <p:nvPicPr>
+          <p:cNvPr id="5" name="Espace réservé du contenu 4">
+            <a:extLst>
+              <a:ext uri="{FF2B5EF4-FFF2-40B4-BE49-F238E27FC236}">
+                <a16:creationId xmlns:a16="http://schemas.microsoft.com/office/drawing/2014/main" id="{2E5104EC-39E4-4F20-993C-BE3F70AA9FA4}"/>
+              </a:ext>
+            </a:extLst>
+          </p:cNvPr>
+          <p:cNvPicPr>
+            <a:picLocks noGrp="1" noChangeAspect="1"/>
+          </p:cNvPicPr>
+          <p:nvPr>
+            <p:ph idx="1"/>
+          </p:nvPr>
+        </p:nvPicPr>
+        <p:blipFill>
+          <a:blip r:embed="rId2"/>
+          <a:stretch>
+            <a:fillRect/>
+          </a:stretch>
+        </p:blipFill>
+        <p:spPr>
+          <a:xfrm>
+            <a:off x="3023073" y="873202"/>
+            <a:ext cx="6145855" cy="4133088"/>
+          </a:xfrm>
+          <a:prstGeom prst="rect">
+            <a:avLst/>
+          </a:prstGeom>
+        </p:spPr>
+      </p:pic>
+      <p:sp>
+        <p:nvSpPr>
+          <p:cNvPr id="2" name="ZoneTexte 1">
+            <a:extLst>
+              <a:ext uri="{FF2B5EF4-FFF2-40B4-BE49-F238E27FC236}">
+                <a16:creationId xmlns:a16="http://schemas.microsoft.com/office/drawing/2014/main" id="{3DC7080A-FE9D-4144-89C7-83A54821F03E}"/>
+              </a:ext>
+            </a:extLst>
+          </p:cNvPr>
+          <p:cNvSpPr txBox="1"/>
+          <p:nvPr/>
+        </p:nvSpPr>
+        <p:spPr>
+          <a:xfrm>
+            <a:off x="1023458" y="6325299"/>
+            <a:ext cx="3204594" cy="369332"/>
+          </a:xfrm>
+          <a:prstGeom prst="rect">
+            <a:avLst/>
+          </a:prstGeom>
+          <a:noFill/>
+        </p:spPr>
+        <p:txBody>
+          <a:bodyPr wrap="square" rtlCol="0">
+            <a:spAutoFit/>
+          </a:bodyPr>
+          <a:lstStyle/>
+          <a:p>
+            <a:r>
+              <a:rPr lang="fr-FR" dirty="0"/>
+              <a:t>Diagramme de classe</a:t>
+            </a:r>
+          </a:p>
+        </p:txBody>
+      </p:sp>
+    </p:spTree>
+    <p:extLst>
+      <p:ext uri="{BB962C8B-B14F-4D97-AF65-F5344CB8AC3E}">
+        <p14:creationId xmlns:p14="http://schemas.microsoft.com/office/powerpoint/2010/main" val="2094185654"/>
+      </p:ext>
+    </p:extLst>
+  </p:cSld>
+  <p:clrMapOvr>
+    <a:masterClrMapping/>
+  </p:clrMapOvr>
+</p:sld>
+</file>
+
+<file path=ppt/slides/slide13.xml><?xml version="1.0" encoding="utf-8"?>
+<p:sld xmlns:a="http://schemas.openxmlformats.org/drawingml/2006/main" xmlns:r="http://schemas.openxmlformats.org/officeDocument/2006/relationships" xmlns:p="http://schemas.openxmlformats.org/presentationml/2006/main">
+  <p:cSld>
+    <p:bg>
+      <p:bgPr>
+        <a:solidFill>
+          <a:schemeClr val="bg2"/>
+        </a:solidFill>
+        <a:effectLst/>
+      </p:bgPr>
+    </p:bg>
+    <p:spTree>
+      <p:nvGrpSpPr>
+        <p:cNvPr id="1" name=""/>
+        <p:cNvGrpSpPr/>
+        <p:nvPr/>
+      </p:nvGrpSpPr>
+      <p:grpSpPr>
+        <a:xfrm>
+          <a:off x="0" y="0"/>
+          <a:ext cx="0" cy="0"/>
+          <a:chOff x="0" y="0"/>
+          <a:chExt cx="0" cy="0"/>
+        </a:xfrm>
+      </p:grpSpPr>
+      <p:sp>
+        <p:nvSpPr>
+          <p:cNvPr id="10" name="Freeform 6">
+            <a:extLst>
+              <a:ext uri="{FF2B5EF4-FFF2-40B4-BE49-F238E27FC236}">
+                <a16:creationId xmlns:a16="http://schemas.microsoft.com/office/drawing/2014/main" id="{E7597382-59B5-427B-9E49-55383F0A5561}"/>
+              </a:ext>
+              <a:ext uri="{C183D7F6-B498-43B3-948B-1728B52AA6E4}">
+                <adec:decorative xmlns:adec="http://schemas.microsoft.com/office/drawing/2017/decorative" val="1"/>
+              </a:ext>
+            </a:extLst>
+          </p:cNvPr>
+          <p:cNvSpPr>
+            <a:spLocks noGrp="1" noRot="1" noChangeAspect="1" noMove="1" noResize="1" noEditPoints="1" noAdjustHandles="1" noChangeArrowheads="1" noChangeShapeType="1" noTextEdit="1"/>
+          </p:cNvSpPr>
+          <p:nvPr>
+            <p:extLst>
+              <p:ext uri="{386F3935-93C4-4BCD-93E2-E3B085C9AB24}">
+                <p16:designElem xmlns:p16="http://schemas.microsoft.com/office/powerpoint/2015/main" val="1"/>
+              </p:ext>
+            </p:extLst>
+          </p:nvPr>
+        </p:nvSpPr>
+        <p:spPr bwMode="auto">
+          <a:xfrm>
+            <a:off x="0" y="-3175"/>
+            <a:ext cx="12192000" cy="6229804"/>
+          </a:xfrm>
+          <a:custGeom>
+            <a:avLst/>
+            <a:gdLst/>
+            <a:ahLst/>
+            <a:cxnLst/>
+            <a:rect l="0" t="0" r="r" b="b"/>
+            <a:pathLst>
+              <a:path w="5760" h="3278">
+                <a:moveTo>
+                  <a:pt x="5760" y="0"/>
+                </a:moveTo>
+                <a:lnTo>
+                  <a:pt x="0" y="0"/>
+                </a:lnTo>
+                <a:lnTo>
+                  <a:pt x="0" y="3090"/>
+                </a:lnTo>
+                <a:lnTo>
+                  <a:pt x="943" y="3090"/>
+                </a:lnTo>
+                <a:lnTo>
+                  <a:pt x="1123" y="3270"/>
+                </a:lnTo>
+                <a:lnTo>
+                  <a:pt x="1123" y="3270"/>
+                </a:lnTo>
+                <a:lnTo>
+                  <a:pt x="1127" y="3272"/>
+                </a:lnTo>
+                <a:lnTo>
+                  <a:pt x="1133" y="3275"/>
+                </a:lnTo>
+                <a:lnTo>
+                  <a:pt x="1139" y="3278"/>
+                </a:lnTo>
+                <a:lnTo>
+                  <a:pt x="1144" y="3278"/>
+                </a:lnTo>
+                <a:lnTo>
+                  <a:pt x="1150" y="3278"/>
+                </a:lnTo>
+                <a:lnTo>
+                  <a:pt x="1155" y="3275"/>
+                </a:lnTo>
+                <a:lnTo>
+                  <a:pt x="1161" y="3272"/>
+                </a:lnTo>
+                <a:lnTo>
+                  <a:pt x="1165" y="3270"/>
+                </a:lnTo>
+                <a:lnTo>
+                  <a:pt x="1345" y="3090"/>
+                </a:lnTo>
+                <a:lnTo>
+                  <a:pt x="5760" y="3090"/>
+                </a:lnTo>
+                <a:lnTo>
+                  <a:pt x="5760" y="0"/>
+                </a:lnTo>
+                <a:close/>
+              </a:path>
+            </a:pathLst>
+          </a:custGeom>
+          <a:ln>
+            <a:noFill/>
+          </a:ln>
+          <a:extLst>
+            <a:ext uri="{91240B29-F687-4f45-9708-019B960494DF}">
+              <a14:hiddenLine xmlns:a14="http://schemas.microsoft.com/office/drawing/2010/main" xmlns:p14="http://schemas.microsoft.com/office/powerpoint/2010/main" xmlns:a16="http://schemas.microsoft.com/office/drawing/2014/main" xmlns="" w="9525">
+                <a:solidFill>
+                  <a:srgbClr val="000000"/>
+                </a:solidFill>
+                <a:round/>
+                <a:headEnd/>
+                <a:tailEnd/>
+              </a14:hiddenLine>
+            </a:ext>
+          </a:extLst>
+        </p:spPr>
+        <p:style>
+          <a:lnRef idx="1">
+            <a:schemeClr val="accent1"/>
+          </a:lnRef>
+          <a:fillRef idx="3">
+            <a:schemeClr val="accent1"/>
+          </a:fillRef>
+          <a:effectRef idx="2">
+            <a:schemeClr val="accent1"/>
+          </a:effectRef>
+          <a:fontRef idx="minor">
+            <a:schemeClr val="lt1"/>
+          </a:fontRef>
+        </p:style>
+      </p:sp>
+      <p:sp>
+        <p:nvSpPr>
+          <p:cNvPr id="12" name="Rounded Rectangle 16">
+            <a:extLst>
+              <a:ext uri="{FF2B5EF4-FFF2-40B4-BE49-F238E27FC236}">
+                <a16:creationId xmlns:a16="http://schemas.microsoft.com/office/drawing/2014/main" id="{26471DC7-FA6E-40EF-A167-93BB0BCE16AD}"/>
+              </a:ext>
+              <a:ext uri="{C183D7F6-B498-43B3-948B-1728B52AA6E4}">
+                <adec:decorative xmlns:adec="http://schemas.microsoft.com/office/drawing/2017/decorative" val="1"/>
+              </a:ext>
+            </a:extLst>
+          </p:cNvPr>
+          <p:cNvSpPr>
+            <a:spLocks noGrp="1" noRot="1" noChangeAspect="1" noMove="1" noResize="1" noEditPoints="1" noAdjustHandles="1" noChangeArrowheads="1" noChangeShapeType="1" noTextEdit="1"/>
+          </p:cNvSpPr>
+          <p:nvPr>
+            <p:extLst>
+              <p:ext uri="{386F3935-93C4-4BCD-93E2-E3B085C9AB24}">
+                <p16:designElem xmlns:p16="http://schemas.microsoft.com/office/powerpoint/2015/main" val="1"/>
+              </p:ext>
+            </p:extLst>
+          </p:nvPr>
+        </p:nvSpPr>
+        <p:spPr>
+          <a:xfrm>
+            <a:off x="643468" y="643466"/>
+            <a:ext cx="10905066" cy="4592561"/>
+          </a:xfrm>
+          <a:prstGeom prst="roundRect">
+            <a:avLst>
+              <a:gd name="adj" fmla="val 3513"/>
+            </a:avLst>
+          </a:prstGeom>
+          <a:solidFill>
+            <a:schemeClr val="tx1"/>
+          </a:solidFill>
+          <a:ln>
+            <a:solidFill>
+              <a:schemeClr val="accent1">
+                <a:lumMod val="75000"/>
+              </a:schemeClr>
+            </a:solidFill>
+          </a:ln>
+          <a:effectLst/>
+        </p:spPr>
+        <p:style>
+          <a:lnRef idx="2">
+            <a:schemeClr val="accent1">
+              <a:shade val="50000"/>
+            </a:schemeClr>
+          </a:lnRef>
+          <a:fillRef idx="1">
+            <a:schemeClr val="accent1"/>
+          </a:fillRef>
+          <a:effectRef idx="0">
+            <a:schemeClr val="accent1"/>
+          </a:effectRef>
+          <a:fontRef idx="minor">
+            <a:schemeClr val="lt1"/>
+          </a:fontRef>
+        </p:style>
+        <p:txBody>
+          <a:bodyPr rtlCol="0" anchor="ctr"/>
+          <a:lstStyle/>
+          <a:p>
+            <a:pPr algn="ctr"/>
+            <a:endParaRPr lang="en-US"/>
+          </a:p>
+        </p:txBody>
+      </p:sp>
+      <p:pic>
+        <p:nvPicPr>
+          <p:cNvPr id="5" name="Espace réservé du contenu 4">
+            <a:extLst>
+              <a:ext uri="{FF2B5EF4-FFF2-40B4-BE49-F238E27FC236}">
+                <a16:creationId xmlns:a16="http://schemas.microsoft.com/office/drawing/2014/main" id="{36FB0DA3-348E-4453-AE0D-EA21836AF17A}"/>
+              </a:ext>
+            </a:extLst>
+          </p:cNvPr>
+          <p:cNvPicPr>
+            <a:picLocks noGrp="1" noChangeAspect="1"/>
+          </p:cNvPicPr>
+          <p:nvPr>
+            <p:ph idx="1"/>
+          </p:nvPr>
+        </p:nvPicPr>
+        <p:blipFill>
+          <a:blip r:embed="rId2"/>
+          <a:stretch>
+            <a:fillRect/>
+          </a:stretch>
+        </p:blipFill>
+        <p:spPr>
+          <a:xfrm>
+            <a:off x="1813009" y="873202"/>
+            <a:ext cx="8565984" cy="4133088"/>
+          </a:xfrm>
+          <a:prstGeom prst="rect">
+            <a:avLst/>
+          </a:prstGeom>
+        </p:spPr>
+      </p:pic>
+      <p:sp>
+        <p:nvSpPr>
+          <p:cNvPr id="6" name="ZoneTexte 5">
+            <a:extLst>
+              <a:ext uri="{FF2B5EF4-FFF2-40B4-BE49-F238E27FC236}">
+                <a16:creationId xmlns:a16="http://schemas.microsoft.com/office/drawing/2014/main" id="{1931F64B-F46F-45C4-AE5F-04D71766FB19}"/>
+              </a:ext>
+            </a:extLst>
+          </p:cNvPr>
+          <p:cNvSpPr txBox="1"/>
+          <p:nvPr/>
+        </p:nvSpPr>
+        <p:spPr>
+          <a:xfrm>
+            <a:off x="1065402" y="6352598"/>
+            <a:ext cx="2827090" cy="369332"/>
+          </a:xfrm>
+          <a:prstGeom prst="rect">
+            <a:avLst/>
+          </a:prstGeom>
+          <a:noFill/>
+        </p:spPr>
+        <p:txBody>
+          <a:bodyPr wrap="square" rtlCol="0">
+            <a:spAutoFit/>
+          </a:bodyPr>
+          <a:lstStyle/>
+          <a:p>
+            <a:r>
+              <a:rPr lang="fr-FR" dirty="0"/>
+              <a:t>Identification par NFC</a:t>
+            </a:r>
+          </a:p>
+        </p:txBody>
+      </p:sp>
+    </p:spTree>
+    <p:extLst>
+      <p:ext uri="{BB962C8B-B14F-4D97-AF65-F5344CB8AC3E}">
+        <p14:creationId xmlns:p14="http://schemas.microsoft.com/office/powerpoint/2010/main" val="2270383845"/>
+      </p:ext>
+    </p:extLst>
+  </p:cSld>
+  <p:clrMapOvr>
+    <a:masterClrMapping/>
+  </p:clrMapOvr>
+</p:sld>
+</file>
+
+<file path=ppt/slides/slide14.xml><?xml version="1.0" encoding="utf-8"?>
+<p:sld xmlns:a="http://schemas.openxmlformats.org/drawingml/2006/main" xmlns:r="http://schemas.openxmlformats.org/officeDocument/2006/relationships" xmlns:p="http://schemas.openxmlformats.org/presentationml/2006/main">
+  <p:cSld>
+    <p:bg>
+      <p:bgPr>
+        <a:solidFill>
+          <a:schemeClr val="bg2"/>
+        </a:solidFill>
+        <a:effectLst/>
+      </p:bgPr>
+    </p:bg>
+    <p:spTree>
+      <p:nvGrpSpPr>
+        <p:cNvPr id="1" name=""/>
+        <p:cNvGrpSpPr/>
+        <p:nvPr/>
+      </p:nvGrpSpPr>
+      <p:grpSpPr>
+        <a:xfrm>
+          <a:off x="0" y="0"/>
+          <a:ext cx="0" cy="0"/>
+          <a:chOff x="0" y="0"/>
+          <a:chExt cx="0" cy="0"/>
+        </a:xfrm>
+      </p:grpSpPr>
+      <p:sp>
+        <p:nvSpPr>
+          <p:cNvPr id="60" name="Freeform 6">
+            <a:extLst>
+              <a:ext uri="{FF2B5EF4-FFF2-40B4-BE49-F238E27FC236}">
+                <a16:creationId xmlns:a16="http://schemas.microsoft.com/office/drawing/2014/main" id="{E7597382-59B5-427B-9E49-55383F0A5561}"/>
+              </a:ext>
+              <a:ext uri="{C183D7F6-B498-43B3-948B-1728B52AA6E4}">
+                <adec:decorative xmlns:adec="http://schemas.microsoft.com/office/drawing/2017/decorative" val="1"/>
+              </a:ext>
+            </a:extLst>
+          </p:cNvPr>
+          <p:cNvSpPr>
+            <a:spLocks noGrp="1" noRot="1" noChangeAspect="1" noMove="1" noResize="1" noEditPoints="1" noAdjustHandles="1" noChangeArrowheads="1" noChangeShapeType="1" noTextEdit="1"/>
+          </p:cNvSpPr>
+          <p:nvPr>
+            <p:extLst>
+              <p:ext uri="{386F3935-93C4-4BCD-93E2-E3B085C9AB24}">
+                <p16:designElem xmlns:p16="http://schemas.microsoft.com/office/powerpoint/2015/main" val="1"/>
+              </p:ext>
+            </p:extLst>
+          </p:nvPr>
+        </p:nvSpPr>
+        <p:spPr bwMode="auto">
+          <a:xfrm>
+            <a:off x="0" y="-3175"/>
+            <a:ext cx="12192000" cy="6229804"/>
+          </a:xfrm>
+          <a:custGeom>
+            <a:avLst/>
+            <a:gdLst/>
+            <a:ahLst/>
+            <a:cxnLst/>
+            <a:rect l="0" t="0" r="r" b="b"/>
+            <a:pathLst>
+              <a:path w="5760" h="3278">
+                <a:moveTo>
+                  <a:pt x="5760" y="0"/>
+                </a:moveTo>
+                <a:lnTo>
+                  <a:pt x="0" y="0"/>
+                </a:lnTo>
+                <a:lnTo>
+                  <a:pt x="0" y="3090"/>
+                </a:lnTo>
+                <a:lnTo>
+                  <a:pt x="943" y="3090"/>
+                </a:lnTo>
+                <a:lnTo>
+                  <a:pt x="1123" y="3270"/>
+                </a:lnTo>
+                <a:lnTo>
+                  <a:pt x="1123" y="3270"/>
+                </a:lnTo>
+                <a:lnTo>
+                  <a:pt x="1127" y="3272"/>
+                </a:lnTo>
+                <a:lnTo>
+                  <a:pt x="1133" y="3275"/>
+                </a:lnTo>
+                <a:lnTo>
+                  <a:pt x="1139" y="3278"/>
+                </a:lnTo>
+                <a:lnTo>
+                  <a:pt x="1144" y="3278"/>
+                </a:lnTo>
+                <a:lnTo>
+                  <a:pt x="1150" y="3278"/>
+                </a:lnTo>
+                <a:lnTo>
+                  <a:pt x="1155" y="3275"/>
+                </a:lnTo>
+                <a:lnTo>
+                  <a:pt x="1161" y="3272"/>
+                </a:lnTo>
+                <a:lnTo>
+                  <a:pt x="1165" y="3270"/>
+                </a:lnTo>
+                <a:lnTo>
+                  <a:pt x="1345" y="3090"/>
+                </a:lnTo>
+                <a:lnTo>
+                  <a:pt x="5760" y="3090"/>
+                </a:lnTo>
+                <a:lnTo>
+                  <a:pt x="5760" y="0"/>
+                </a:lnTo>
+                <a:close/>
+              </a:path>
+            </a:pathLst>
+          </a:custGeom>
+          <a:ln>
+            <a:noFill/>
+          </a:ln>
+          <a:extLst>
+            <a:ext uri="{91240B29-F687-4f45-9708-019B960494DF}">
+              <a14:hiddenLine xmlns:a14="http://schemas.microsoft.com/office/drawing/2010/main" xmlns:p14="http://schemas.microsoft.com/office/powerpoint/2010/main" xmlns:a16="http://schemas.microsoft.com/office/drawing/2014/main" xmlns="" w="9525">
+                <a:solidFill>
+                  <a:srgbClr val="000000"/>
+                </a:solidFill>
+                <a:round/>
+                <a:headEnd/>
+                <a:tailEnd/>
+              </a14:hiddenLine>
+            </a:ext>
+          </a:extLst>
+        </p:spPr>
+        <p:style>
+          <a:lnRef idx="1">
+            <a:schemeClr val="accent1"/>
+          </a:lnRef>
+          <a:fillRef idx="3">
+            <a:schemeClr val="accent1"/>
+          </a:fillRef>
+          <a:effectRef idx="2">
+            <a:schemeClr val="accent1"/>
+          </a:effectRef>
+          <a:fontRef idx="minor">
+            <a:schemeClr val="lt1"/>
+          </a:fontRef>
+        </p:style>
+      </p:sp>
+      <p:sp>
+        <p:nvSpPr>
+          <p:cNvPr id="59" name="Rounded Rectangle 16">
+            <a:extLst>
+              <a:ext uri="{FF2B5EF4-FFF2-40B4-BE49-F238E27FC236}">
+                <a16:creationId xmlns:a16="http://schemas.microsoft.com/office/drawing/2014/main" id="{26471DC7-FA6E-40EF-A167-93BB0BCE16AD}"/>
+              </a:ext>
+              <a:ext uri="{C183D7F6-B498-43B3-948B-1728B52AA6E4}">
+                <adec:decorative xmlns:adec="http://schemas.microsoft.com/office/drawing/2017/decorative" val="1"/>
+              </a:ext>
+            </a:extLst>
+          </p:cNvPr>
+          <p:cNvSpPr>
+            <a:spLocks noGrp="1" noRot="1" noChangeAspect="1" noMove="1" noResize="1" noEditPoints="1" noAdjustHandles="1" noChangeArrowheads="1" noChangeShapeType="1" noTextEdit="1"/>
+          </p:cNvSpPr>
+          <p:nvPr>
+            <p:extLst>
+              <p:ext uri="{386F3935-93C4-4BCD-93E2-E3B085C9AB24}">
+                <p16:designElem xmlns:p16="http://schemas.microsoft.com/office/powerpoint/2015/main" val="1"/>
+              </p:ext>
+            </p:extLst>
+          </p:nvPr>
+        </p:nvSpPr>
+        <p:spPr>
+          <a:xfrm>
+            <a:off x="643468" y="643466"/>
+            <a:ext cx="10905066" cy="4592561"/>
+          </a:xfrm>
+          <a:prstGeom prst="roundRect">
+            <a:avLst>
+              <a:gd name="adj" fmla="val 3513"/>
+            </a:avLst>
+          </a:prstGeom>
+          <a:solidFill>
+            <a:schemeClr val="tx1"/>
+          </a:solidFill>
+          <a:ln>
+            <a:solidFill>
+              <a:schemeClr val="accent1">
+                <a:lumMod val="75000"/>
+              </a:schemeClr>
+            </a:solidFill>
+          </a:ln>
+          <a:effectLst/>
+        </p:spPr>
+        <p:style>
+          <a:lnRef idx="2">
+            <a:schemeClr val="accent1">
+              <a:shade val="50000"/>
+            </a:schemeClr>
+          </a:lnRef>
+          <a:fillRef idx="1">
+            <a:schemeClr val="accent1"/>
+          </a:fillRef>
+          <a:effectRef idx="0">
+            <a:schemeClr val="accent1"/>
+          </a:effectRef>
+          <a:fontRef idx="minor">
+            <a:schemeClr val="lt1"/>
+          </a:fontRef>
+        </p:style>
+        <p:txBody>
+          <a:bodyPr rtlCol="0" anchor="ctr"/>
+          <a:lstStyle/>
+          <a:p>
+            <a:pPr algn="ctr"/>
+            <a:endParaRPr lang="en-US"/>
+          </a:p>
+        </p:txBody>
+      </p:sp>
+      <p:sp>
+        <p:nvSpPr>
+          <p:cNvPr id="10" name="ZoneTexte 9">
+            <a:extLst>
+              <a:ext uri="{FF2B5EF4-FFF2-40B4-BE49-F238E27FC236}">
+                <a16:creationId xmlns:a16="http://schemas.microsoft.com/office/drawing/2014/main" id="{41AC9DED-FB16-4D5F-808F-CFAFF56BD818}"/>
+              </a:ext>
+            </a:extLst>
+          </p:cNvPr>
+          <p:cNvSpPr txBox="1"/>
+          <p:nvPr/>
+        </p:nvSpPr>
+        <p:spPr>
+          <a:xfrm>
+            <a:off x="643468" y="6226794"/>
+            <a:ext cx="3649211" cy="369332"/>
+          </a:xfrm>
+          <a:prstGeom prst="rect">
+            <a:avLst/>
+          </a:prstGeom>
+          <a:noFill/>
+        </p:spPr>
+        <p:txBody>
+          <a:bodyPr wrap="square" rtlCol="0">
+            <a:spAutoFit/>
+          </a:bodyPr>
+          <a:lstStyle/>
+          <a:p>
+            <a:pPr algn="ctr"/>
+            <a:r>
+              <a:rPr lang="fr-FR" dirty="0"/>
+              <a:t>Emprunter par NFC</a:t>
+            </a:r>
+          </a:p>
+        </p:txBody>
+      </p:sp>
+      <p:pic>
+        <p:nvPicPr>
+          <p:cNvPr id="9" name="Espace réservé du contenu 8">
+            <a:extLst>
+              <a:ext uri="{FF2B5EF4-FFF2-40B4-BE49-F238E27FC236}">
+                <a16:creationId xmlns:a16="http://schemas.microsoft.com/office/drawing/2014/main" id="{703D726A-6292-48DB-8C7D-70EFB8FC9A83}"/>
+              </a:ext>
+            </a:extLst>
+          </p:cNvPr>
+          <p:cNvPicPr>
+            <a:picLocks noGrp="1" noChangeAspect="1"/>
+          </p:cNvPicPr>
+          <p:nvPr>
+            <p:ph idx="1"/>
+          </p:nvPr>
+        </p:nvPicPr>
+        <p:blipFill>
+          <a:blip r:embed="rId2"/>
+          <a:stretch>
+            <a:fillRect/>
+          </a:stretch>
+        </p:blipFill>
+        <p:spPr>
+          <a:xfrm>
+            <a:off x="1091683" y="709128"/>
+            <a:ext cx="9955762" cy="4049100"/>
+          </a:xfrm>
+        </p:spPr>
+      </p:pic>
+    </p:spTree>
+    <p:extLst>
+      <p:ext uri="{BB962C8B-B14F-4D97-AF65-F5344CB8AC3E}">
+        <p14:creationId xmlns:p14="http://schemas.microsoft.com/office/powerpoint/2010/main" val="3490439325"/>
+      </p:ext>
+    </p:extLst>
+  </p:cSld>
+  <p:clrMapOvr>
+    <a:masterClrMapping/>
+  </p:clrMapOvr>
+</p:sld>
+</file>
+
+<file path=ppt/slides/slide15.xml><?xml version="1.0" encoding="utf-8"?>
+<p:sld xmlns:a="http://schemas.openxmlformats.org/drawingml/2006/main" xmlns:r="http://schemas.openxmlformats.org/officeDocument/2006/relationships" xmlns:p="http://schemas.openxmlformats.org/presentationml/2006/main">
+  <p:cSld>
+    <p:spTree>
+      <p:nvGrpSpPr>
+        <p:cNvPr id="1" name=""/>
+        <p:cNvGrpSpPr/>
+        <p:nvPr/>
+      </p:nvGrpSpPr>
+      <p:grpSpPr>
+        <a:xfrm>
+          <a:off x="0" y="0"/>
+          <a:ext cx="0" cy="0"/>
+          <a:chOff x="0" y="0"/>
+          <a:chExt cx="0" cy="0"/>
+        </a:xfrm>
+      </p:grpSpPr>
+      <p:sp>
+        <p:nvSpPr>
+          <p:cNvPr id="2" name="Titre 1">
+            <a:extLst>
+              <a:ext uri="{FF2B5EF4-FFF2-40B4-BE49-F238E27FC236}">
+                <a16:creationId xmlns:a16="http://schemas.microsoft.com/office/drawing/2014/main" id="{E0B0C63A-BD8F-4F56-BCC9-E96007308935}"/>
+              </a:ext>
+            </a:extLst>
+          </p:cNvPr>
+          <p:cNvSpPr>
+            <a:spLocks noGrp="1"/>
+          </p:cNvSpPr>
+          <p:nvPr>
+            <p:ph type="title"/>
+          </p:nvPr>
+        </p:nvSpPr>
+        <p:spPr/>
+        <p:txBody>
+          <a:bodyPr/>
+          <a:lstStyle/>
+          <a:p>
+            <a:r>
+              <a:rPr lang="fr-FR" sz="5400" dirty="0"/>
+              <a:t>Matériels &amp; technologies</a:t>
+            </a:r>
+          </a:p>
+        </p:txBody>
+      </p:sp>
+      <p:pic>
+        <p:nvPicPr>
+          <p:cNvPr id="3" name="Image 2">
+            <a:extLst>
+              <a:ext uri="{FF2B5EF4-FFF2-40B4-BE49-F238E27FC236}">
+                <a16:creationId xmlns:a16="http://schemas.microsoft.com/office/drawing/2014/main" id="{9BC7E72C-AC4F-4DF5-A115-1C40F59723F4}"/>
+              </a:ext>
+            </a:extLst>
+          </p:cNvPr>
+          <p:cNvPicPr>
+            <a:picLocks noChangeAspect="1"/>
+          </p:cNvPicPr>
+          <p:nvPr/>
+        </p:nvPicPr>
+        <p:blipFill>
+          <a:blip r:embed="rId2" cstate="print">
+            <a:extLst>
+              <a:ext uri="{28A0092B-C50C-407E-A947-70E740481C1C}">
+                <a14:useLocalDpi xmlns:a14="http://schemas.microsoft.com/office/drawing/2010/main" val="0"/>
+              </a:ext>
+            </a:extLst>
+          </a:blip>
+          <a:stretch>
+            <a:fillRect/>
+          </a:stretch>
+        </p:blipFill>
+        <p:spPr>
+          <a:xfrm>
+            <a:off x="3596152" y="3833536"/>
+            <a:ext cx="1361257" cy="2382198"/>
+          </a:xfrm>
+          <a:prstGeom prst="rect">
+            <a:avLst/>
+          </a:prstGeom>
+        </p:spPr>
+      </p:pic>
+      <p:sp>
+        <p:nvSpPr>
+          <p:cNvPr id="5" name="ZoneTexte 4">
+            <a:extLst>
+              <a:ext uri="{FF2B5EF4-FFF2-40B4-BE49-F238E27FC236}">
+                <a16:creationId xmlns:a16="http://schemas.microsoft.com/office/drawing/2014/main" id="{2F61662E-57F0-4406-A385-9957ECCC1D3C}"/>
+              </a:ext>
+            </a:extLst>
+          </p:cNvPr>
+          <p:cNvSpPr txBox="1"/>
+          <p:nvPr/>
+        </p:nvSpPr>
+        <p:spPr>
+          <a:xfrm>
+            <a:off x="1945249" y="2782669"/>
+            <a:ext cx="2331532" cy="646331"/>
+          </a:xfrm>
+          <a:prstGeom prst="rect">
+            <a:avLst/>
+          </a:prstGeom>
+          <a:noFill/>
+        </p:spPr>
+        <p:txBody>
+          <a:bodyPr wrap="square" rtlCol="0">
+            <a:spAutoFit/>
+          </a:bodyPr>
+          <a:lstStyle/>
+          <a:p>
+            <a:r>
+              <a:rPr lang="fr-FR" sz="3600" b="1" dirty="0"/>
+              <a:t>Physique</a:t>
+            </a:r>
+          </a:p>
+        </p:txBody>
+      </p:sp>
+      <p:sp>
+        <p:nvSpPr>
+          <p:cNvPr id="6" name="ZoneTexte 5">
+            <a:extLst>
+              <a:ext uri="{FF2B5EF4-FFF2-40B4-BE49-F238E27FC236}">
+                <a16:creationId xmlns:a16="http://schemas.microsoft.com/office/drawing/2014/main" id="{51E32AEB-A3F5-4B00-8910-12363FA847CF}"/>
+              </a:ext>
+            </a:extLst>
+          </p:cNvPr>
+          <p:cNvSpPr txBox="1"/>
+          <p:nvPr/>
+        </p:nvSpPr>
+        <p:spPr>
+          <a:xfrm>
+            <a:off x="7915219" y="2782669"/>
+            <a:ext cx="2331532" cy="646331"/>
+          </a:xfrm>
+          <a:prstGeom prst="rect">
+            <a:avLst/>
+          </a:prstGeom>
+          <a:noFill/>
+        </p:spPr>
+        <p:txBody>
+          <a:bodyPr wrap="square" rtlCol="0">
+            <a:spAutoFit/>
+          </a:bodyPr>
+          <a:lstStyle/>
+          <a:p>
+            <a:r>
+              <a:rPr lang="fr-FR" sz="3600" b="1" dirty="0"/>
+              <a:t>Logiciel</a:t>
+            </a:r>
+          </a:p>
+        </p:txBody>
+      </p:sp>
+      <p:pic>
+        <p:nvPicPr>
+          <p:cNvPr id="7" name="Image 6">
+            <a:extLst>
+              <a:ext uri="{FF2B5EF4-FFF2-40B4-BE49-F238E27FC236}">
+                <a16:creationId xmlns:a16="http://schemas.microsoft.com/office/drawing/2014/main" id="{C3F29262-998C-405A-B910-7DF7C5B9789D}"/>
+              </a:ext>
+            </a:extLst>
+          </p:cNvPr>
+          <p:cNvPicPr>
+            <a:picLocks noChangeAspect="1"/>
+          </p:cNvPicPr>
+          <p:nvPr/>
+        </p:nvPicPr>
+        <p:blipFill>
+          <a:blip r:embed="rId3" cstate="print">
+            <a:extLst>
+              <a:ext uri="{BEBA8EAE-BF5A-486C-A8C5-ECC9F3942E4B}">
+                <a14:imgProps xmlns:a14="http://schemas.microsoft.com/office/drawing/2010/main">
+                  <a14:imgLayer r:embed="rId4">
+                    <a14:imgEffect>
+                      <a14:brightnessContrast bright="40000" contrast="40000"/>
+                    </a14:imgEffect>
+                  </a14:imgLayer>
+                </a14:imgProps>
+              </a:ext>
+              <a:ext uri="{28A0092B-C50C-407E-A947-70E740481C1C}">
+                <a14:useLocalDpi xmlns:a14="http://schemas.microsoft.com/office/drawing/2010/main" val="0"/>
+              </a:ext>
+            </a:extLst>
+          </a:blip>
+          <a:stretch>
+            <a:fillRect/>
+          </a:stretch>
+        </p:blipFill>
+        <p:spPr>
+          <a:xfrm>
+            <a:off x="6941355" y="3429000"/>
+            <a:ext cx="973864" cy="973864"/>
+          </a:xfrm>
+          <a:prstGeom prst="rect">
+            <a:avLst/>
+          </a:prstGeom>
+        </p:spPr>
+      </p:pic>
+      <p:pic>
+        <p:nvPicPr>
+          <p:cNvPr id="8" name="Image 7">
+            <a:extLst>
+              <a:ext uri="{FF2B5EF4-FFF2-40B4-BE49-F238E27FC236}">
+                <a16:creationId xmlns:a16="http://schemas.microsoft.com/office/drawing/2014/main" id="{10689F10-2223-410A-AD0E-5CA156E7918B}"/>
+              </a:ext>
+            </a:extLst>
+          </p:cNvPr>
+          <p:cNvPicPr>
+            <a:picLocks noChangeAspect="1"/>
+          </p:cNvPicPr>
+          <p:nvPr/>
+        </p:nvPicPr>
+        <p:blipFill>
+          <a:blip r:embed="rId5" cstate="print">
+            <a:extLst>
+              <a:ext uri="{28A0092B-C50C-407E-A947-70E740481C1C}">
+                <a14:useLocalDpi xmlns:a14="http://schemas.microsoft.com/office/drawing/2010/main" val="0"/>
+              </a:ext>
+            </a:extLst>
+          </a:blip>
+          <a:stretch>
+            <a:fillRect/>
+          </a:stretch>
+        </p:blipFill>
+        <p:spPr>
+          <a:xfrm>
+            <a:off x="9677050" y="3346231"/>
+            <a:ext cx="1139402" cy="1139402"/>
+          </a:xfrm>
+          <a:prstGeom prst="rect">
+            <a:avLst/>
+          </a:prstGeom>
+        </p:spPr>
+      </p:pic>
+      <p:pic>
+        <p:nvPicPr>
+          <p:cNvPr id="10" name="Image 9">
+            <a:extLst>
+              <a:ext uri="{FF2B5EF4-FFF2-40B4-BE49-F238E27FC236}">
+                <a16:creationId xmlns:a16="http://schemas.microsoft.com/office/drawing/2014/main" id="{C603689C-2193-4F1A-AB6F-D930790C8743}"/>
+              </a:ext>
+            </a:extLst>
+          </p:cNvPr>
+          <p:cNvPicPr>
+            <a:picLocks noChangeAspect="1"/>
+          </p:cNvPicPr>
+          <p:nvPr/>
+        </p:nvPicPr>
+        <p:blipFill>
+          <a:blip r:embed="rId6"/>
+          <a:stretch>
+            <a:fillRect/>
+          </a:stretch>
+        </p:blipFill>
+        <p:spPr>
+          <a:xfrm>
+            <a:off x="1034570" y="3950927"/>
+            <a:ext cx="1843727" cy="2147416"/>
+          </a:xfrm>
+          <a:prstGeom prst="rect">
+            <a:avLst/>
+          </a:prstGeom>
+        </p:spPr>
+      </p:pic>
+      <p:pic>
+        <p:nvPicPr>
+          <p:cNvPr id="9" name="Image 8">
+            <a:extLst>
+              <a:ext uri="{FF2B5EF4-FFF2-40B4-BE49-F238E27FC236}">
+                <a16:creationId xmlns:a16="http://schemas.microsoft.com/office/drawing/2014/main" id="{693BAB8E-1CE2-4321-8C24-45E869F5EE34}"/>
+              </a:ext>
+            </a:extLst>
+          </p:cNvPr>
+          <p:cNvPicPr>
+            <a:picLocks noChangeAspect="1"/>
+          </p:cNvPicPr>
+          <p:nvPr/>
+        </p:nvPicPr>
+        <p:blipFill>
+          <a:blip r:embed="rId7">
+            <a:extLst>
+              <a:ext uri="{BEBA8EAE-BF5A-486C-A8C5-ECC9F3942E4B}">
+                <a14:imgProps xmlns:a14="http://schemas.microsoft.com/office/drawing/2010/main">
+                  <a14:imgLayer r:embed="rId8">
+                    <a14:imgEffect>
+                      <a14:backgroundRemoval t="10000" b="90000" l="10000" r="90000">
+                        <a14:foregroundMark x1="25122" y1="37691" x2="27927" y2="62309"/>
+                        <a14:foregroundMark x1="27927" y1="62309" x2="25610" y2="60784"/>
+                        <a14:foregroundMark x1="46098" y1="20479" x2="40610" y2="25708"/>
+                        <a14:foregroundMark x1="40610" y1="25708" x2="40854" y2="27887"/>
+                        <a14:foregroundMark x1="48171" y1="16993" x2="50244" y2="10240"/>
+                        <a14:foregroundMark x1="59512" y1="52070" x2="58293" y2="38780"/>
+                        <a14:foregroundMark x1="69024" y1="35294" x2="70610" y2="36383"/>
+                        <a14:foregroundMark x1="36463" y1="16122" x2="34878" y2="10022"/>
+                        <a14:foregroundMark x1="68780" y1="37473" x2="75000" y2="37037"/>
+                        <a14:foregroundMark x1="75000" y1="37037" x2="70732" y2="28976"/>
+                        <a14:foregroundMark x1="70732" y1="28976" x2="65488" y2="35948"/>
+                        <a14:foregroundMark x1="65488" y1="35948" x2="68780" y2="44880"/>
+                        <a14:foregroundMark x1="61707" y1="56427" x2="65732" y2="46841"/>
+                        <a14:foregroundMark x1="36829" y1="23312" x2="37195" y2="24401"/>
+                        <a14:foregroundMark x1="49024" y1="23529" x2="48780" y2="23747"/>
+                        <a14:foregroundMark x1="38171" y1="89978" x2="38171" y2="89978"/>
+                        <a14:foregroundMark x1="47683" y1="89978" x2="47683" y2="89978"/>
+                      </a14:backgroundRemoval>
+                    </a14:imgEffect>
+                  </a14:imgLayer>
+                </a14:imgProps>
+              </a:ext>
+            </a:extLst>
+          </a:blip>
+          <a:stretch>
+            <a:fillRect/>
+          </a:stretch>
+        </p:blipFill>
+        <p:spPr>
+          <a:xfrm>
+            <a:off x="3682596" y="4537703"/>
+            <a:ext cx="1361116" cy="973864"/>
+          </a:xfrm>
+          <a:prstGeom prst="rect">
+            <a:avLst/>
+          </a:prstGeom>
+        </p:spPr>
+      </p:pic>
+      <p:pic>
+        <p:nvPicPr>
+          <p:cNvPr id="11" name="Image 10">
+            <a:extLst>
+              <a:ext uri="{FF2B5EF4-FFF2-40B4-BE49-F238E27FC236}">
+                <a16:creationId xmlns:a16="http://schemas.microsoft.com/office/drawing/2014/main" id="{48166D37-17E1-481D-9A46-317B714B4E99}"/>
+              </a:ext>
+            </a:extLst>
+          </p:cNvPr>
+          <p:cNvPicPr/>
+          <p:nvPr/>
+        </p:nvPicPr>
+        <p:blipFill>
+          <a:blip r:embed="rId9" cstate="print">
+            <a:extLst>
+              <a:ext uri="{28A0092B-C50C-407E-A947-70E740481C1C}">
+                <a14:useLocalDpi xmlns:a14="http://schemas.microsoft.com/office/drawing/2010/main" val="0"/>
+              </a:ext>
+            </a:extLst>
+          </a:blip>
+          <a:srcRect/>
+          <a:stretch>
+            <a:fillRect/>
+          </a:stretch>
+        </p:blipFill>
+        <p:spPr bwMode="auto">
+          <a:xfrm>
+            <a:off x="9732645" y="4879834"/>
+            <a:ext cx="997504" cy="1032694"/>
+          </a:xfrm>
+          <a:prstGeom prst="rect">
+            <a:avLst/>
+          </a:prstGeom>
+          <a:noFill/>
+          <a:ln>
+            <a:noFill/>
+          </a:ln>
+        </p:spPr>
+      </p:pic>
+      <p:pic>
+        <p:nvPicPr>
+          <p:cNvPr id="12" name="Image 11">
+            <a:extLst>
+              <a:ext uri="{FF2B5EF4-FFF2-40B4-BE49-F238E27FC236}">
+                <a16:creationId xmlns:a16="http://schemas.microsoft.com/office/drawing/2014/main" id="{D50CEE66-B045-4A50-AF03-BD736BAA5F64}"/>
+              </a:ext>
+            </a:extLst>
+          </p:cNvPr>
+          <p:cNvPicPr/>
+          <p:nvPr/>
+        </p:nvPicPr>
+        <p:blipFill>
+          <a:blip r:embed="rId10" cstate="print">
+            <a:extLst>
+              <a:ext uri="{28A0092B-C50C-407E-A947-70E740481C1C}">
+                <a14:useLocalDpi xmlns:a14="http://schemas.microsoft.com/office/drawing/2010/main" val="0"/>
+              </a:ext>
+            </a:extLst>
+          </a:blip>
+          <a:srcRect/>
+          <a:stretch>
+            <a:fillRect/>
+          </a:stretch>
+        </p:blipFill>
+        <p:spPr bwMode="auto">
+          <a:xfrm>
+            <a:off x="7007551" y="4879834"/>
+            <a:ext cx="841472" cy="1032694"/>
+          </a:xfrm>
+          <a:prstGeom prst="rect">
+            <a:avLst/>
+          </a:prstGeom>
+          <a:noFill/>
+          <a:ln>
+            <a:noFill/>
+          </a:ln>
+        </p:spPr>
+      </p:pic>
+    </p:spTree>
+    <p:extLst>
+      <p:ext uri="{BB962C8B-B14F-4D97-AF65-F5344CB8AC3E}">
+        <p14:creationId xmlns:p14="http://schemas.microsoft.com/office/powerpoint/2010/main" val="3541569699"/>
+      </p:ext>
+    </p:extLst>
+  </p:cSld>
+  <p:clrMapOvr>
+    <a:masterClrMapping/>
   </p:clrMapOvr>
 </p:sld>
 </file>
@@ -7477,40 +7500,133 @@
           <a:chExt cx="0" cy="0"/>
         </a:xfrm>
       </p:grpSpPr>
-      <p:pic>
-        <p:nvPicPr>
-          <p:cNvPr id="22" name="Image 21" descr="Une image contenant texte&#10;&#10;Description générée automatiquement">
+      <p:sp>
+        <p:nvSpPr>
+          <p:cNvPr id="2" name="Titre 1">
             <a:extLst>
               <a:ext uri="{FF2B5EF4-FFF2-40B4-BE49-F238E27FC236}">
-                <a16:creationId xmlns:a16="http://schemas.microsoft.com/office/drawing/2014/main" id="{E833AE2C-5826-4390-8365-4FB46B318D5A}"/>
+                <a16:creationId xmlns:a16="http://schemas.microsoft.com/office/drawing/2014/main" id="{9F7992D1-496C-40EE-8537-8E13E2790AEE}"/>
               </a:ext>
             </a:extLst>
           </p:cNvPr>
-          <p:cNvPicPr>
-            <a:picLocks noChangeAspect="1"/>
-          </p:cNvPicPr>
+          <p:cNvSpPr>
+            <a:spLocks noGrp="1"/>
+          </p:cNvSpPr>
+          <p:nvPr>
+            <p:ph type="title"/>
+          </p:nvPr>
+        </p:nvSpPr>
+        <p:spPr/>
+        <p:txBody>
+          <a:bodyPr/>
+          <a:lstStyle/>
+          <a:p>
+            <a:r>
+              <a:rPr lang="fr-FR" dirty="0"/>
+              <a:t>Développement</a:t>
+            </a:r>
+          </a:p>
+        </p:txBody>
+      </p:sp>
+      <p:sp>
+        <p:nvSpPr>
+          <p:cNvPr id="4" name="ZoneTexte 3">
+            <a:extLst>
+              <a:ext uri="{FF2B5EF4-FFF2-40B4-BE49-F238E27FC236}">
+                <a16:creationId xmlns:a16="http://schemas.microsoft.com/office/drawing/2014/main" id="{965B5987-103B-465D-B5EC-4827D8281F44}"/>
+              </a:ext>
+            </a:extLst>
+          </p:cNvPr>
+          <p:cNvSpPr txBox="1"/>
           <p:nvPr/>
-        </p:nvPicPr>
-        <p:blipFill>
-          <a:blip r:embed="rId2"/>
-          <a:stretch>
-            <a:fillRect/>
-          </a:stretch>
-        </p:blipFill>
+        </p:nvSpPr>
         <p:spPr>
           <a:xfrm>
-            <a:off x="0" y="0"/>
-            <a:ext cx="12192000" cy="6858000"/>
+            <a:off x="1164454" y="2414728"/>
+            <a:ext cx="9863090" cy="3139321"/>
           </a:xfrm>
           <a:prstGeom prst="rect">
             <a:avLst/>
           </a:prstGeom>
+          <a:noFill/>
         </p:spPr>
-      </p:pic>
+        <p:txBody>
+          <a:bodyPr wrap="square" rtlCol="0">
+            <a:spAutoFit/>
+          </a:bodyPr>
+          <a:lstStyle/>
+          <a:p>
+            <a:r>
+              <a:rPr lang="fr-FR" sz="2000" dirty="0"/>
+              <a:t>4 classes : </a:t>
+            </a:r>
+          </a:p>
+          <a:p>
+            <a:endParaRPr lang="fr-FR" sz="2000" dirty="0"/>
+          </a:p>
+          <a:p>
+            <a:pPr marL="342900" indent="-342900">
+              <a:buFont typeface="Courier New" panose="02070309020205020404" pitchFamily="49" charset="0"/>
+              <a:buChar char="o"/>
+            </a:pPr>
+            <a:r>
+              <a:rPr lang="fr-FR" sz="2000" dirty="0"/>
+              <a:t>Main Activity</a:t>
+            </a:r>
+          </a:p>
+          <a:p>
+            <a:endParaRPr lang="fr-FR" sz="2000" dirty="0"/>
+          </a:p>
+          <a:p>
+            <a:pPr marL="342900" indent="-342900">
+              <a:buFont typeface="Courier New" panose="02070309020205020404" pitchFamily="49" charset="0"/>
+              <a:buChar char="o"/>
+            </a:pPr>
+            <a:r>
+              <a:rPr lang="fr-FR" sz="2000" dirty="0"/>
+              <a:t>Interface NFCQR</a:t>
+            </a:r>
+          </a:p>
+          <a:p>
+            <a:endParaRPr lang="fr-FR" sz="2000" dirty="0"/>
+          </a:p>
+          <a:p>
+            <a:pPr marL="342900" indent="-342900">
+              <a:buFont typeface="Courier New" panose="02070309020205020404" pitchFamily="49" charset="0"/>
+              <a:buChar char="o"/>
+            </a:pPr>
+            <a:r>
+              <a:rPr lang="fr-FR" sz="2000" dirty="0" err="1"/>
+              <a:t>NFCScan</a:t>
+            </a:r>
+            <a:endParaRPr lang="fr-FR" sz="2000" dirty="0"/>
+          </a:p>
+          <a:p>
+            <a:endParaRPr lang="fr-FR" sz="2000" dirty="0"/>
+          </a:p>
+          <a:p>
+            <a:pPr marL="342900" indent="-342900">
+              <a:buFont typeface="Courier New" panose="02070309020205020404" pitchFamily="49" charset="0"/>
+              <a:buChar char="o"/>
+            </a:pPr>
+            <a:r>
+              <a:rPr lang="fr-FR" sz="2000" dirty="0"/>
+              <a:t>Position</a:t>
+            </a:r>
+          </a:p>
+          <a:p>
+            <a:pPr marL="285750" indent="-285750">
+              <a:buFont typeface="Arial" panose="020B0604020202020204" pitchFamily="34" charset="0"/>
+              <a:buChar char="•"/>
+            </a:pPr>
+            <a:endParaRPr lang="fr-FR" dirty="0"/>
+          </a:p>
+        </p:txBody>
+      </p:sp>
     </p:spTree>
     <p:extLst>
       <p:ext uri="{BB962C8B-B14F-4D97-AF65-F5344CB8AC3E}">
-        <p14:creationId xmlns:p14="http://schemas.microsoft.com/office/powerpoint/2010/main" val="1373478023"/>
+        <p14:creationId xmlns:p14="http://schemas.microsoft.com/office/powerpoint/2010/main" val="177664929"/>
       </p:ext>
     </p:extLst>
   </p:cSld>
@@ -7520,7 +7636,7 @@
 </p:sld>
 </file>
 
-<file path=ppt/slides/slide2.xml><?xml version="1.0" encoding="utf-8"?>
+<file path=ppt/slides/slide17.xml><?xml version="1.0" encoding="utf-8"?>
 <p:sld xmlns:a="http://schemas.openxmlformats.org/drawingml/2006/main" xmlns:r="http://schemas.openxmlformats.org/officeDocument/2006/relationships" xmlns:p="http://schemas.openxmlformats.org/presentationml/2006/main">
   <p:cSld>
     <p:bg>
@@ -7547,7 +7663,7 @@
       </p:grpSpPr>
       <p:sp>
         <p:nvSpPr>
-          <p:cNvPr id="9" name="Rectangle 8">
+          <p:cNvPr id="10" name="Rectangle 9">
             <a:extLst>
               <a:ext uri="{FF2B5EF4-FFF2-40B4-BE49-F238E27FC236}">
                 <a16:creationId xmlns:a16="http://schemas.microsoft.com/office/drawing/2014/main" id="{E2264E67-6F59-4D8D-8E5F-8245B0FEAE76}"/>
@@ -7610,7 +7726,7 @@
       </p:sp>
       <p:sp>
         <p:nvSpPr>
-          <p:cNvPr id="11" name="Freeform 23">
+          <p:cNvPr id="12" name="Freeform 23">
             <a:extLst>
               <a:ext uri="{FF2B5EF4-FFF2-40B4-BE49-F238E27FC236}">
                 <a16:creationId xmlns:a16="http://schemas.microsoft.com/office/drawing/2014/main" id="{158E1C6E-D299-4F5D-B15B-155EBF7F62FD}"/>
@@ -7809,7 +7925,7 @@
           <p:cNvPr id="2" name="Titre 1">
             <a:extLst>
               <a:ext uri="{FF2B5EF4-FFF2-40B4-BE49-F238E27FC236}">
-                <a16:creationId xmlns:a16="http://schemas.microsoft.com/office/drawing/2014/main" id="{1C745A3F-D2C1-4AD8-887D-F974FF99D293}"/>
+                <a16:creationId xmlns:a16="http://schemas.microsoft.com/office/drawing/2014/main" id="{BCB4F61E-C434-4EAC-9F2E-AE7624CDC6F3}"/>
               </a:ext>
             </a:extLst>
           </p:cNvPr>
@@ -7839,7 +7955,7 @@
                   <a:srgbClr val="FFFFFF"/>
                 </a:solidFill>
               </a:rPr>
-              <a:t>Finalité du projet</a:t>
+              <a:t>MAIN ACTIVITY</a:t>
             </a:r>
           </a:p>
         </p:txBody>
@@ -7849,7 +7965,7 @@
           <p:cNvPr id="3" name="Espace réservé du contenu 2">
             <a:extLst>
               <a:ext uri="{FF2B5EF4-FFF2-40B4-BE49-F238E27FC236}">
-                <a16:creationId xmlns:a16="http://schemas.microsoft.com/office/drawing/2014/main" id="{D30C5D0E-B5AF-49FB-B817-6D9FB8F3FF6F}"/>
+                <a16:creationId xmlns:a16="http://schemas.microsoft.com/office/drawing/2014/main" id="{F13A25EE-FDD3-4A99-A461-05D64FCB44C8}"/>
               </a:ext>
             </a:extLst>
           </p:cNvPr>
@@ -7862,8 +7978,8 @@
         </p:nvSpPr>
         <p:spPr>
           <a:xfrm>
-            <a:off x="451514" y="2046514"/>
-            <a:ext cx="3575737" cy="3994848"/>
+            <a:off x="513192" y="2247090"/>
+            <a:ext cx="3575737" cy="1207682"/>
           </a:xfrm>
         </p:spPr>
         <p:txBody>
@@ -7878,15 +7994,1401 @@
                   <a:srgbClr val="FFFFFF"/>
                 </a:solidFill>
               </a:rPr>
-              <a:t>Simplifier le partage de matériel </a:t>
+              <a:t>C’est notre activité principale et la première couche de notre application. Dans cette partie le Login est présent. </a:t>
             </a:r>
+          </a:p>
+        </p:txBody>
+      </p:sp>
+      <p:pic>
+        <p:nvPicPr>
+          <p:cNvPr id="5" name="Image 4" descr="Une image contenant capture d’écran&#10;&#10;Description générée automatiquement">
+            <a:extLst>
+              <a:ext uri="{FF2B5EF4-FFF2-40B4-BE49-F238E27FC236}">
+                <a16:creationId xmlns:a16="http://schemas.microsoft.com/office/drawing/2014/main" id="{993E33FD-35B3-43BB-8758-5D555128883E}"/>
+              </a:ext>
+            </a:extLst>
+          </p:cNvPr>
+          <p:cNvPicPr>
+            <a:picLocks noChangeAspect="1"/>
+          </p:cNvPicPr>
+          <p:nvPr/>
+        </p:nvPicPr>
+        <p:blipFill>
+          <a:blip r:embed="rId2"/>
+          <a:stretch>
+            <a:fillRect/>
+          </a:stretch>
+        </p:blipFill>
+        <p:spPr>
+          <a:xfrm>
+            <a:off x="6938383" y="643467"/>
+            <a:ext cx="2952556" cy="5272421"/>
+          </a:xfrm>
+          <a:prstGeom prst="roundRect">
+            <a:avLst>
+              <a:gd name="adj" fmla="val 3876"/>
+            </a:avLst>
+          </a:prstGeom>
+          <a:ln>
+            <a:noFill/>
+          </a:ln>
+          <a:effectLst/>
+        </p:spPr>
+      </p:pic>
+    </p:spTree>
+    <p:extLst>
+      <p:ext uri="{BB962C8B-B14F-4D97-AF65-F5344CB8AC3E}">
+        <p14:creationId xmlns:p14="http://schemas.microsoft.com/office/powerpoint/2010/main" val="1349677669"/>
+      </p:ext>
+    </p:extLst>
+  </p:cSld>
+  <p:clrMapOvr>
+    <a:overrideClrMapping bg1="lt1" tx1="dk1" bg2="lt2" tx2="dk2" accent1="accent1" accent2="accent2" accent3="accent3" accent4="accent4" accent5="accent5" accent6="accent6" hlink="hlink" folHlink="folHlink"/>
+  </p:clrMapOvr>
+</p:sld>
+</file>
+
+<file path=ppt/slides/slide18.xml><?xml version="1.0" encoding="utf-8"?>
+<p:sld xmlns:a="http://schemas.openxmlformats.org/drawingml/2006/main" xmlns:r="http://schemas.openxmlformats.org/officeDocument/2006/relationships" xmlns:p="http://schemas.openxmlformats.org/presentationml/2006/main">
+  <p:cSld>
+    <p:bg>
+      <p:bgPr>
+        <a:solidFill>
+          <a:schemeClr val="bg1"/>
+        </a:solidFill>
+        <a:effectLst/>
+      </p:bgPr>
+    </p:bg>
+    <p:spTree>
+      <p:nvGrpSpPr>
+        <p:cNvPr id="1" name=""/>
+        <p:cNvGrpSpPr/>
+        <p:nvPr/>
+      </p:nvGrpSpPr>
+      <p:grpSpPr>
+        <a:xfrm>
+          <a:off x="0" y="0"/>
+          <a:ext cx="0" cy="0"/>
+          <a:chOff x="0" y="0"/>
+          <a:chExt cx="0" cy="0"/>
+        </a:xfrm>
+      </p:grpSpPr>
+      <p:sp>
+        <p:nvSpPr>
+          <p:cNvPr id="10" name="Rectangle 9">
+            <a:extLst>
+              <a:ext uri="{FF2B5EF4-FFF2-40B4-BE49-F238E27FC236}">
+                <a16:creationId xmlns:a16="http://schemas.microsoft.com/office/drawing/2014/main" id="{E2264E67-6F59-4D8D-8E5F-8245B0FEAE76}"/>
+              </a:ext>
+              <a:ext uri="{C183D7F6-B498-43B3-948B-1728B52AA6E4}">
+                <adec:decorative xmlns:adec="http://schemas.microsoft.com/office/drawing/2017/decorative" val="1"/>
+              </a:ext>
+            </a:extLst>
+          </p:cNvPr>
+          <p:cNvSpPr>
+            <a:spLocks noGrp="1" noRot="1" noChangeAspect="1" noMove="1" noResize="1" noEditPoints="1" noAdjustHandles="1" noChangeArrowheads="1" noChangeShapeType="1" noTextEdit="1"/>
+          </p:cNvSpPr>
+          <p:nvPr>
+            <p:extLst>
+              <p:ext uri="{386F3935-93C4-4BCD-93E2-E3B085C9AB24}">
+                <p16:designElem xmlns:p16="http://schemas.microsoft.com/office/powerpoint/2015/main" val="1"/>
+              </p:ext>
+            </p:extLst>
+          </p:nvPr>
+        </p:nvSpPr>
+        <p:spPr>
+          <a:xfrm>
+            <a:off x="4573" y="0"/>
+            <a:ext cx="12187427" cy="6858000"/>
+          </a:xfrm>
+          <a:prstGeom prst="rect">
+            <a:avLst/>
+          </a:prstGeom>
+          <a:solidFill>
+            <a:schemeClr val="bg1"/>
+          </a:solidFill>
+          <a:ln>
+            <a:noFill/>
+          </a:ln>
+        </p:spPr>
+        <p:style>
+          <a:lnRef idx="2">
+            <a:schemeClr val="accent1">
+              <a:shade val="50000"/>
+            </a:schemeClr>
+          </a:lnRef>
+          <a:fillRef idx="1">
+            <a:schemeClr val="accent1"/>
+          </a:fillRef>
+          <a:effectRef idx="0">
+            <a:schemeClr val="accent1"/>
+          </a:effectRef>
+          <a:fontRef idx="minor">
+            <a:schemeClr val="lt1"/>
+          </a:fontRef>
+        </p:style>
+        <p:txBody>
+          <a:bodyPr rtlCol="0" anchor="ctr"/>
+          <a:lstStyle/>
+          <a:p>
+            <a:pPr algn="ctr"/>
+            <a:endParaRPr lang="en-US"/>
+          </a:p>
+        </p:txBody>
+      </p:sp>
+      <p:sp>
+        <p:nvSpPr>
+          <p:cNvPr id="12" name="Freeform 23">
+            <a:extLst>
+              <a:ext uri="{FF2B5EF4-FFF2-40B4-BE49-F238E27FC236}">
+                <a16:creationId xmlns:a16="http://schemas.microsoft.com/office/drawing/2014/main" id="{158E1C6E-D299-4F5D-B15B-155EBF7F62FD}"/>
+              </a:ext>
+              <a:ext uri="{C183D7F6-B498-43B3-948B-1728B52AA6E4}">
+                <adec:decorative xmlns:adec="http://schemas.microsoft.com/office/drawing/2017/decorative" val="1"/>
+              </a:ext>
+            </a:extLst>
+          </p:cNvPr>
+          <p:cNvSpPr>
+            <a:spLocks noGrp="1" noRot="1" noChangeAspect="1" noMove="1" noResize="1" noEditPoints="1" noAdjustHandles="1" noChangeArrowheads="1" noChangeShapeType="1" noTextEdit="1"/>
+          </p:cNvSpPr>
+          <p:nvPr>
+            <p:extLst>
+              <p:ext uri="{386F3935-93C4-4BCD-93E2-E3B085C9AB24}">
+                <p16:designElem xmlns:p16="http://schemas.microsoft.com/office/powerpoint/2015/main" val="1"/>
+              </p:ext>
+            </p:extLst>
+          </p:nvPr>
+        </p:nvSpPr>
+        <p:spPr bwMode="white">
+          <a:xfrm>
+            <a:off x="0" y="0"/>
+            <a:ext cx="4637005" cy="6858000"/>
+          </a:xfrm>
+          <a:custGeom>
+            <a:avLst/>
+            <a:gdLst>
+              <a:gd name="connsiteX0" fmla="*/ 0 w 4637005"/>
+              <a:gd name="connsiteY0" fmla="*/ 0 h 6858000"/>
+              <a:gd name="connsiteX1" fmla="*/ 4637005 w 4637005"/>
+              <a:gd name="connsiteY1" fmla="*/ 0 h 6858000"/>
+              <a:gd name="connsiteX2" fmla="*/ 4637005 w 4637005"/>
+              <a:gd name="connsiteY2" fmla="*/ 1900238 h 6858000"/>
+              <a:gd name="connsiteX3" fmla="*/ 4266589 w 4637005"/>
+              <a:gd name="connsiteY3" fmla="*/ 2178050 h 6858000"/>
+              <a:gd name="connsiteX4" fmla="*/ 4262355 w 4637005"/>
+              <a:gd name="connsiteY4" fmla="*/ 2184400 h 6858000"/>
+              <a:gd name="connsiteX5" fmla="*/ 4256005 w 4637005"/>
+              <a:gd name="connsiteY5" fmla="*/ 2193925 h 6858000"/>
+              <a:gd name="connsiteX6" fmla="*/ 4249655 w 4637005"/>
+              <a:gd name="connsiteY6" fmla="*/ 2201863 h 6858000"/>
+              <a:gd name="connsiteX7" fmla="*/ 4249655 w 4637005"/>
+              <a:gd name="connsiteY7" fmla="*/ 2211388 h 6858000"/>
+              <a:gd name="connsiteX8" fmla="*/ 4249655 w 4637005"/>
+              <a:gd name="connsiteY8" fmla="*/ 2220913 h 6858000"/>
+              <a:gd name="connsiteX9" fmla="*/ 4256005 w 4637005"/>
+              <a:gd name="connsiteY9" fmla="*/ 2228850 h 6858000"/>
+              <a:gd name="connsiteX10" fmla="*/ 4262355 w 4637005"/>
+              <a:gd name="connsiteY10" fmla="*/ 2238375 h 6858000"/>
+              <a:gd name="connsiteX11" fmla="*/ 4266589 w 4637005"/>
+              <a:gd name="connsiteY11" fmla="*/ 2244725 h 6858000"/>
+              <a:gd name="connsiteX12" fmla="*/ 4637005 w 4637005"/>
+              <a:gd name="connsiteY12" fmla="*/ 2522538 h 6858000"/>
+              <a:gd name="connsiteX13" fmla="*/ 4637005 w 4637005"/>
+              <a:gd name="connsiteY13" fmla="*/ 6858000 h 6858000"/>
+              <a:gd name="connsiteX14" fmla="*/ 0 w 4637005"/>
+              <a:gd name="connsiteY14" fmla="*/ 6858000 h 6858000"/>
+            </a:gdLst>
+            <a:ahLst/>
+            <a:cxnLst>
+              <a:cxn ang="0">
+                <a:pos x="connsiteX0" y="connsiteY0"/>
+              </a:cxn>
+              <a:cxn ang="0">
+                <a:pos x="connsiteX1" y="connsiteY1"/>
+              </a:cxn>
+              <a:cxn ang="0">
+                <a:pos x="connsiteX2" y="connsiteY2"/>
+              </a:cxn>
+              <a:cxn ang="0">
+                <a:pos x="connsiteX3" y="connsiteY3"/>
+              </a:cxn>
+              <a:cxn ang="0">
+                <a:pos x="connsiteX4" y="connsiteY4"/>
+              </a:cxn>
+              <a:cxn ang="0">
+                <a:pos x="connsiteX5" y="connsiteY5"/>
+              </a:cxn>
+              <a:cxn ang="0">
+                <a:pos x="connsiteX6" y="connsiteY6"/>
+              </a:cxn>
+              <a:cxn ang="0">
+                <a:pos x="connsiteX7" y="connsiteY7"/>
+              </a:cxn>
+              <a:cxn ang="0">
+                <a:pos x="connsiteX8" y="connsiteY8"/>
+              </a:cxn>
+              <a:cxn ang="0">
+                <a:pos x="connsiteX9" y="connsiteY9"/>
+              </a:cxn>
+              <a:cxn ang="0">
+                <a:pos x="connsiteX10" y="connsiteY10"/>
+              </a:cxn>
+              <a:cxn ang="0">
+                <a:pos x="connsiteX11" y="connsiteY11"/>
+              </a:cxn>
+              <a:cxn ang="0">
+                <a:pos x="connsiteX12" y="connsiteY12"/>
+              </a:cxn>
+              <a:cxn ang="0">
+                <a:pos x="connsiteX13" y="connsiteY13"/>
+              </a:cxn>
+              <a:cxn ang="0">
+                <a:pos x="connsiteX14" y="connsiteY14"/>
+              </a:cxn>
+            </a:cxnLst>
+            <a:rect l="l" t="t" r="r" b="b"/>
+            <a:pathLst>
+              <a:path w="4637005" h="6858000">
+                <a:moveTo>
+                  <a:pt x="0" y="0"/>
+                </a:moveTo>
+                <a:lnTo>
+                  <a:pt x="4637005" y="0"/>
+                </a:lnTo>
+                <a:lnTo>
+                  <a:pt x="4637005" y="1900238"/>
+                </a:lnTo>
+                <a:lnTo>
+                  <a:pt x="4266589" y="2178050"/>
+                </a:lnTo>
+                <a:lnTo>
+                  <a:pt x="4262355" y="2184400"/>
+                </a:lnTo>
+                <a:lnTo>
+                  <a:pt x="4256005" y="2193925"/>
+                </a:lnTo>
+                <a:lnTo>
+                  <a:pt x="4249655" y="2201863"/>
+                </a:lnTo>
+                <a:lnTo>
+                  <a:pt x="4249655" y="2211388"/>
+                </a:lnTo>
+                <a:lnTo>
+                  <a:pt x="4249655" y="2220913"/>
+                </a:lnTo>
+                <a:lnTo>
+                  <a:pt x="4256005" y="2228850"/>
+                </a:lnTo>
+                <a:lnTo>
+                  <a:pt x="4262355" y="2238375"/>
+                </a:lnTo>
+                <a:lnTo>
+                  <a:pt x="4266589" y="2244725"/>
+                </a:lnTo>
+                <a:lnTo>
+                  <a:pt x="4637005" y="2522538"/>
+                </a:lnTo>
+                <a:lnTo>
+                  <a:pt x="4637005" y="6858000"/>
+                </a:lnTo>
+                <a:lnTo>
+                  <a:pt x="0" y="6858000"/>
+                </a:lnTo>
+                <a:close/>
+              </a:path>
+            </a:pathLst>
+          </a:custGeom>
+          <a:solidFill>
+            <a:srgbClr val="212121"/>
+          </a:solidFill>
+          <a:ln>
+            <a:noFill/>
+            <a:headEnd/>
+            <a:tailEnd/>
+          </a:ln>
+        </p:spPr>
+        <p:style>
+          <a:lnRef idx="1">
+            <a:schemeClr val="accent1"/>
+          </a:lnRef>
+          <a:fillRef idx="3">
+            <a:schemeClr val="accent1"/>
+          </a:fillRef>
+          <a:effectRef idx="2">
+            <a:schemeClr val="accent1"/>
+          </a:effectRef>
+          <a:fontRef idx="minor">
+            <a:schemeClr val="lt1"/>
+          </a:fontRef>
+        </p:style>
+        <p:txBody>
+          <a:bodyPr wrap="square" rtlCol="0" anchor="ctr">
+            <a:noAutofit/>
+          </a:bodyPr>
+          <a:lstStyle/>
+          <a:p>
+            <a:pPr algn="ctr"/>
+            <a:endParaRPr lang="en-US"/>
+          </a:p>
+        </p:txBody>
+      </p:sp>
+      <p:sp>
+        <p:nvSpPr>
+          <p:cNvPr id="2" name="Titre 1">
+            <a:extLst>
+              <a:ext uri="{FF2B5EF4-FFF2-40B4-BE49-F238E27FC236}">
+                <a16:creationId xmlns:a16="http://schemas.microsoft.com/office/drawing/2014/main" id="{0042F311-3385-43F5-B5E3-4640740CD023}"/>
+              </a:ext>
+            </a:extLst>
+          </p:cNvPr>
+          <p:cNvSpPr>
+            <a:spLocks noGrp="1"/>
+          </p:cNvSpPr>
+          <p:nvPr>
+            <p:ph type="title"/>
+          </p:nvPr>
+        </p:nvSpPr>
+        <p:spPr>
+          <a:xfrm>
+            <a:off x="451514" y="457201"/>
+            <a:ext cx="3575737" cy="1332688"/>
+          </a:xfrm>
+        </p:spPr>
+        <p:txBody>
+          <a:bodyPr anchor="b">
+            <a:normAutofit/>
+          </a:bodyPr>
+          <a:lstStyle/>
+          <a:p>
+            <a:pPr algn="ctr"/>
             <a:r>
-              <a:rPr lang="fr-FR" sz="1600">
+              <a:rPr lang="fr-FR" sz="3200">
                 <a:solidFill>
                   <a:srgbClr val="FFFFFF"/>
                 </a:solidFill>
               </a:rPr>
-              <a:t>entre emprunteurs </a:t>
+              <a:t>INTERFACE NFCQR</a:t>
+            </a:r>
+          </a:p>
+        </p:txBody>
+      </p:sp>
+      <p:sp>
+        <p:nvSpPr>
+          <p:cNvPr id="3" name="Espace réservé du contenu 2">
+            <a:extLst>
+              <a:ext uri="{FF2B5EF4-FFF2-40B4-BE49-F238E27FC236}">
+                <a16:creationId xmlns:a16="http://schemas.microsoft.com/office/drawing/2014/main" id="{892AF192-463B-4D56-A642-CB0D2C16C6DF}"/>
+              </a:ext>
+            </a:extLst>
+          </p:cNvPr>
+          <p:cNvSpPr>
+            <a:spLocks noGrp="1"/>
+          </p:cNvSpPr>
+          <p:nvPr>
+            <p:ph idx="1"/>
+          </p:nvPr>
+        </p:nvSpPr>
+        <p:spPr>
+          <a:xfrm>
+            <a:off x="530633" y="2049801"/>
+            <a:ext cx="3575737" cy="1229876"/>
+          </a:xfrm>
+        </p:spPr>
+        <p:txBody>
+          <a:bodyPr>
+            <a:normAutofit/>
+          </a:bodyPr>
+          <a:lstStyle/>
+          <a:p>
+            <a:r>
+              <a:rPr lang="fr-FR" sz="1600" dirty="0">
+                <a:solidFill>
+                  <a:srgbClr val="FFFFFF"/>
+                </a:solidFill>
+              </a:rPr>
+              <a:t>Cette classe ou « Activity », selon Android Studio, est l’interface de l’emprunt. </a:t>
+            </a:r>
+          </a:p>
+        </p:txBody>
+      </p:sp>
+      <p:pic>
+        <p:nvPicPr>
+          <p:cNvPr id="5" name="Image 4" descr="Une image contenant capture d’écran&#10;&#10;Description générée automatiquement">
+            <a:extLst>
+              <a:ext uri="{FF2B5EF4-FFF2-40B4-BE49-F238E27FC236}">
+                <a16:creationId xmlns:a16="http://schemas.microsoft.com/office/drawing/2014/main" id="{857C9486-9CB6-4DCE-BCE5-BC898D454A7B}"/>
+              </a:ext>
+            </a:extLst>
+          </p:cNvPr>
+          <p:cNvPicPr>
+            <a:picLocks noChangeAspect="1"/>
+          </p:cNvPicPr>
+          <p:nvPr/>
+        </p:nvPicPr>
+        <p:blipFill>
+          <a:blip r:embed="rId2"/>
+          <a:stretch>
+            <a:fillRect/>
+          </a:stretch>
+        </p:blipFill>
+        <p:spPr>
+          <a:xfrm>
+            <a:off x="6758281" y="643467"/>
+            <a:ext cx="3312761" cy="5272421"/>
+          </a:xfrm>
+          <a:prstGeom prst="roundRect">
+            <a:avLst>
+              <a:gd name="adj" fmla="val 3876"/>
+            </a:avLst>
+          </a:prstGeom>
+          <a:ln>
+            <a:noFill/>
+          </a:ln>
+          <a:effectLst/>
+        </p:spPr>
+      </p:pic>
+    </p:spTree>
+    <p:extLst>
+      <p:ext uri="{BB962C8B-B14F-4D97-AF65-F5344CB8AC3E}">
+        <p14:creationId xmlns:p14="http://schemas.microsoft.com/office/powerpoint/2010/main" val="2324250364"/>
+      </p:ext>
+    </p:extLst>
+  </p:cSld>
+  <p:clrMapOvr>
+    <a:overrideClrMapping bg1="lt1" tx1="dk1" bg2="lt2" tx2="dk2" accent1="accent1" accent2="accent2" accent3="accent3" accent4="accent4" accent5="accent5" accent6="accent6" hlink="hlink" folHlink="folHlink"/>
+  </p:clrMapOvr>
+</p:sld>
+</file>
+
+<file path=ppt/slides/slide19.xml><?xml version="1.0" encoding="utf-8"?>
+<p:sld xmlns:a="http://schemas.openxmlformats.org/drawingml/2006/main" xmlns:r="http://schemas.openxmlformats.org/officeDocument/2006/relationships" xmlns:p="http://schemas.openxmlformats.org/presentationml/2006/main">
+  <p:cSld>
+    <p:bg>
+      <p:bgPr>
+        <a:solidFill>
+          <a:schemeClr val="bg1"/>
+        </a:solidFill>
+        <a:effectLst/>
+      </p:bgPr>
+    </p:bg>
+    <p:spTree>
+      <p:nvGrpSpPr>
+        <p:cNvPr id="1" name=""/>
+        <p:cNvGrpSpPr/>
+        <p:nvPr/>
+      </p:nvGrpSpPr>
+      <p:grpSpPr>
+        <a:xfrm>
+          <a:off x="0" y="0"/>
+          <a:ext cx="0" cy="0"/>
+          <a:chOff x="0" y="0"/>
+          <a:chExt cx="0" cy="0"/>
+        </a:xfrm>
+      </p:grpSpPr>
+      <p:sp>
+        <p:nvSpPr>
+          <p:cNvPr id="12" name="Rectangle 11">
+            <a:extLst>
+              <a:ext uri="{FF2B5EF4-FFF2-40B4-BE49-F238E27FC236}">
+                <a16:creationId xmlns:a16="http://schemas.microsoft.com/office/drawing/2014/main" id="{E2264E67-6F59-4D8D-8E5F-8245B0FEAE76}"/>
+              </a:ext>
+              <a:ext uri="{C183D7F6-B498-43B3-948B-1728B52AA6E4}">
+                <adec:decorative xmlns:adec="http://schemas.microsoft.com/office/drawing/2017/decorative" val="1"/>
+              </a:ext>
+            </a:extLst>
+          </p:cNvPr>
+          <p:cNvSpPr>
+            <a:spLocks noGrp="1" noRot="1" noChangeAspect="1" noMove="1" noResize="1" noEditPoints="1" noAdjustHandles="1" noChangeArrowheads="1" noChangeShapeType="1" noTextEdit="1"/>
+          </p:cNvSpPr>
+          <p:nvPr>
+            <p:extLst>
+              <p:ext uri="{386F3935-93C4-4BCD-93E2-E3B085C9AB24}">
+                <p16:designElem xmlns:p16="http://schemas.microsoft.com/office/powerpoint/2015/main" val="1"/>
+              </p:ext>
+            </p:extLst>
+          </p:nvPr>
+        </p:nvSpPr>
+        <p:spPr>
+          <a:xfrm>
+            <a:off x="4573" y="0"/>
+            <a:ext cx="12187427" cy="6858000"/>
+          </a:xfrm>
+          <a:prstGeom prst="rect">
+            <a:avLst/>
+          </a:prstGeom>
+          <a:solidFill>
+            <a:schemeClr val="bg1"/>
+          </a:solidFill>
+          <a:ln>
+            <a:noFill/>
+          </a:ln>
+        </p:spPr>
+        <p:style>
+          <a:lnRef idx="2">
+            <a:schemeClr val="accent1">
+              <a:shade val="50000"/>
+            </a:schemeClr>
+          </a:lnRef>
+          <a:fillRef idx="1">
+            <a:schemeClr val="accent1"/>
+          </a:fillRef>
+          <a:effectRef idx="0">
+            <a:schemeClr val="accent1"/>
+          </a:effectRef>
+          <a:fontRef idx="minor">
+            <a:schemeClr val="lt1"/>
+          </a:fontRef>
+        </p:style>
+        <p:txBody>
+          <a:bodyPr rtlCol="0" anchor="ctr"/>
+          <a:lstStyle/>
+          <a:p>
+            <a:pPr algn="ctr"/>
+            <a:endParaRPr lang="en-US"/>
+          </a:p>
+        </p:txBody>
+      </p:sp>
+      <p:sp>
+        <p:nvSpPr>
+          <p:cNvPr id="14" name="Freeform 23">
+            <a:extLst>
+              <a:ext uri="{FF2B5EF4-FFF2-40B4-BE49-F238E27FC236}">
+                <a16:creationId xmlns:a16="http://schemas.microsoft.com/office/drawing/2014/main" id="{158E1C6E-D299-4F5D-B15B-155EBF7F62FD}"/>
+              </a:ext>
+              <a:ext uri="{C183D7F6-B498-43B3-948B-1728B52AA6E4}">
+                <adec:decorative xmlns:adec="http://schemas.microsoft.com/office/drawing/2017/decorative" val="1"/>
+              </a:ext>
+            </a:extLst>
+          </p:cNvPr>
+          <p:cNvSpPr>
+            <a:spLocks noGrp="1" noRot="1" noChangeAspect="1" noMove="1" noResize="1" noEditPoints="1" noAdjustHandles="1" noChangeArrowheads="1" noChangeShapeType="1" noTextEdit="1"/>
+          </p:cNvSpPr>
+          <p:nvPr>
+            <p:extLst>
+              <p:ext uri="{386F3935-93C4-4BCD-93E2-E3B085C9AB24}">
+                <p16:designElem xmlns:p16="http://schemas.microsoft.com/office/powerpoint/2015/main" val="1"/>
+              </p:ext>
+            </p:extLst>
+          </p:nvPr>
+        </p:nvSpPr>
+        <p:spPr bwMode="white">
+          <a:xfrm>
+            <a:off x="0" y="0"/>
+            <a:ext cx="4637005" cy="6858000"/>
+          </a:xfrm>
+          <a:custGeom>
+            <a:avLst/>
+            <a:gdLst>
+              <a:gd name="connsiteX0" fmla="*/ 0 w 4637005"/>
+              <a:gd name="connsiteY0" fmla="*/ 0 h 6858000"/>
+              <a:gd name="connsiteX1" fmla="*/ 4637005 w 4637005"/>
+              <a:gd name="connsiteY1" fmla="*/ 0 h 6858000"/>
+              <a:gd name="connsiteX2" fmla="*/ 4637005 w 4637005"/>
+              <a:gd name="connsiteY2" fmla="*/ 1900238 h 6858000"/>
+              <a:gd name="connsiteX3" fmla="*/ 4266589 w 4637005"/>
+              <a:gd name="connsiteY3" fmla="*/ 2178050 h 6858000"/>
+              <a:gd name="connsiteX4" fmla="*/ 4262355 w 4637005"/>
+              <a:gd name="connsiteY4" fmla="*/ 2184400 h 6858000"/>
+              <a:gd name="connsiteX5" fmla="*/ 4256005 w 4637005"/>
+              <a:gd name="connsiteY5" fmla="*/ 2193925 h 6858000"/>
+              <a:gd name="connsiteX6" fmla="*/ 4249655 w 4637005"/>
+              <a:gd name="connsiteY6" fmla="*/ 2201863 h 6858000"/>
+              <a:gd name="connsiteX7" fmla="*/ 4249655 w 4637005"/>
+              <a:gd name="connsiteY7" fmla="*/ 2211388 h 6858000"/>
+              <a:gd name="connsiteX8" fmla="*/ 4249655 w 4637005"/>
+              <a:gd name="connsiteY8" fmla="*/ 2220913 h 6858000"/>
+              <a:gd name="connsiteX9" fmla="*/ 4256005 w 4637005"/>
+              <a:gd name="connsiteY9" fmla="*/ 2228850 h 6858000"/>
+              <a:gd name="connsiteX10" fmla="*/ 4262355 w 4637005"/>
+              <a:gd name="connsiteY10" fmla="*/ 2238375 h 6858000"/>
+              <a:gd name="connsiteX11" fmla="*/ 4266589 w 4637005"/>
+              <a:gd name="connsiteY11" fmla="*/ 2244725 h 6858000"/>
+              <a:gd name="connsiteX12" fmla="*/ 4637005 w 4637005"/>
+              <a:gd name="connsiteY12" fmla="*/ 2522538 h 6858000"/>
+              <a:gd name="connsiteX13" fmla="*/ 4637005 w 4637005"/>
+              <a:gd name="connsiteY13" fmla="*/ 6858000 h 6858000"/>
+              <a:gd name="connsiteX14" fmla="*/ 0 w 4637005"/>
+              <a:gd name="connsiteY14" fmla="*/ 6858000 h 6858000"/>
+            </a:gdLst>
+            <a:ahLst/>
+            <a:cxnLst>
+              <a:cxn ang="0">
+                <a:pos x="connsiteX0" y="connsiteY0"/>
+              </a:cxn>
+              <a:cxn ang="0">
+                <a:pos x="connsiteX1" y="connsiteY1"/>
+              </a:cxn>
+              <a:cxn ang="0">
+                <a:pos x="connsiteX2" y="connsiteY2"/>
+              </a:cxn>
+              <a:cxn ang="0">
+                <a:pos x="connsiteX3" y="connsiteY3"/>
+              </a:cxn>
+              <a:cxn ang="0">
+                <a:pos x="connsiteX4" y="connsiteY4"/>
+              </a:cxn>
+              <a:cxn ang="0">
+                <a:pos x="connsiteX5" y="connsiteY5"/>
+              </a:cxn>
+              <a:cxn ang="0">
+                <a:pos x="connsiteX6" y="connsiteY6"/>
+              </a:cxn>
+              <a:cxn ang="0">
+                <a:pos x="connsiteX7" y="connsiteY7"/>
+              </a:cxn>
+              <a:cxn ang="0">
+                <a:pos x="connsiteX8" y="connsiteY8"/>
+              </a:cxn>
+              <a:cxn ang="0">
+                <a:pos x="connsiteX9" y="connsiteY9"/>
+              </a:cxn>
+              <a:cxn ang="0">
+                <a:pos x="connsiteX10" y="connsiteY10"/>
+              </a:cxn>
+              <a:cxn ang="0">
+                <a:pos x="connsiteX11" y="connsiteY11"/>
+              </a:cxn>
+              <a:cxn ang="0">
+                <a:pos x="connsiteX12" y="connsiteY12"/>
+              </a:cxn>
+              <a:cxn ang="0">
+                <a:pos x="connsiteX13" y="connsiteY13"/>
+              </a:cxn>
+              <a:cxn ang="0">
+                <a:pos x="connsiteX14" y="connsiteY14"/>
+              </a:cxn>
+            </a:cxnLst>
+            <a:rect l="l" t="t" r="r" b="b"/>
+            <a:pathLst>
+              <a:path w="4637005" h="6858000">
+                <a:moveTo>
+                  <a:pt x="0" y="0"/>
+                </a:moveTo>
+                <a:lnTo>
+                  <a:pt x="4637005" y="0"/>
+                </a:lnTo>
+                <a:lnTo>
+                  <a:pt x="4637005" y="1900238"/>
+                </a:lnTo>
+                <a:lnTo>
+                  <a:pt x="4266589" y="2178050"/>
+                </a:lnTo>
+                <a:lnTo>
+                  <a:pt x="4262355" y="2184400"/>
+                </a:lnTo>
+                <a:lnTo>
+                  <a:pt x="4256005" y="2193925"/>
+                </a:lnTo>
+                <a:lnTo>
+                  <a:pt x="4249655" y="2201863"/>
+                </a:lnTo>
+                <a:lnTo>
+                  <a:pt x="4249655" y="2211388"/>
+                </a:lnTo>
+                <a:lnTo>
+                  <a:pt x="4249655" y="2220913"/>
+                </a:lnTo>
+                <a:lnTo>
+                  <a:pt x="4256005" y="2228850"/>
+                </a:lnTo>
+                <a:lnTo>
+                  <a:pt x="4262355" y="2238375"/>
+                </a:lnTo>
+                <a:lnTo>
+                  <a:pt x="4266589" y="2244725"/>
+                </a:lnTo>
+                <a:lnTo>
+                  <a:pt x="4637005" y="2522538"/>
+                </a:lnTo>
+                <a:lnTo>
+                  <a:pt x="4637005" y="6858000"/>
+                </a:lnTo>
+                <a:lnTo>
+                  <a:pt x="0" y="6858000"/>
+                </a:lnTo>
+                <a:close/>
+              </a:path>
+            </a:pathLst>
+          </a:custGeom>
+          <a:solidFill>
+            <a:srgbClr val="212121"/>
+          </a:solidFill>
+          <a:ln>
+            <a:noFill/>
+            <a:headEnd/>
+            <a:tailEnd/>
+          </a:ln>
+        </p:spPr>
+        <p:style>
+          <a:lnRef idx="1">
+            <a:schemeClr val="accent1"/>
+          </a:lnRef>
+          <a:fillRef idx="3">
+            <a:schemeClr val="accent1"/>
+          </a:fillRef>
+          <a:effectRef idx="2">
+            <a:schemeClr val="accent1"/>
+          </a:effectRef>
+          <a:fontRef idx="minor">
+            <a:schemeClr val="lt1"/>
+          </a:fontRef>
+        </p:style>
+        <p:txBody>
+          <a:bodyPr wrap="square" rtlCol="0" anchor="ctr">
+            <a:noAutofit/>
+          </a:bodyPr>
+          <a:lstStyle/>
+          <a:p>
+            <a:pPr algn="ctr"/>
+            <a:endParaRPr lang="en-US"/>
+          </a:p>
+        </p:txBody>
+      </p:sp>
+      <p:sp>
+        <p:nvSpPr>
+          <p:cNvPr id="2" name="Titre 1">
+            <a:extLst>
+              <a:ext uri="{FF2B5EF4-FFF2-40B4-BE49-F238E27FC236}">
+                <a16:creationId xmlns:a16="http://schemas.microsoft.com/office/drawing/2014/main" id="{C147FA53-6DB3-449D-B131-BCA69B93FECB}"/>
+              </a:ext>
+            </a:extLst>
+          </p:cNvPr>
+          <p:cNvSpPr>
+            <a:spLocks noGrp="1"/>
+          </p:cNvSpPr>
+          <p:nvPr>
+            <p:ph type="title"/>
+          </p:nvPr>
+        </p:nvSpPr>
+        <p:spPr>
+          <a:xfrm>
+            <a:off x="451514" y="457201"/>
+            <a:ext cx="3575737" cy="1332688"/>
+          </a:xfrm>
+        </p:spPr>
+        <p:txBody>
+          <a:bodyPr anchor="b">
+            <a:normAutofit/>
+          </a:bodyPr>
+          <a:lstStyle/>
+          <a:p>
+            <a:pPr algn="ctr"/>
+            <a:r>
+              <a:rPr lang="fr-FR" sz="3200">
+                <a:solidFill>
+                  <a:srgbClr val="FFFFFF"/>
+                </a:solidFill>
+              </a:rPr>
+              <a:t>NFC SCAN</a:t>
+            </a:r>
+          </a:p>
+        </p:txBody>
+      </p:sp>
+      <p:sp>
+        <p:nvSpPr>
+          <p:cNvPr id="3" name="Espace réservé du contenu 2">
+            <a:extLst>
+              <a:ext uri="{FF2B5EF4-FFF2-40B4-BE49-F238E27FC236}">
+                <a16:creationId xmlns:a16="http://schemas.microsoft.com/office/drawing/2014/main" id="{F455CF1F-ADDB-4368-94EA-E6B0FD228022}"/>
+              </a:ext>
+            </a:extLst>
+          </p:cNvPr>
+          <p:cNvSpPr>
+            <a:spLocks noGrp="1"/>
+          </p:cNvSpPr>
+          <p:nvPr>
+            <p:ph idx="1"/>
+          </p:nvPr>
+        </p:nvSpPr>
+        <p:spPr>
+          <a:xfrm>
+            <a:off x="530633" y="1935331"/>
+            <a:ext cx="3575737" cy="1749220"/>
+          </a:xfrm>
+        </p:spPr>
+        <p:txBody>
+          <a:bodyPr>
+            <a:normAutofit/>
+          </a:bodyPr>
+          <a:lstStyle/>
+          <a:p>
+            <a:r>
+              <a:rPr lang="fr-FR" sz="1600" dirty="0">
+                <a:solidFill>
+                  <a:srgbClr val="FFFFFF"/>
+                </a:solidFill>
+              </a:rPr>
+              <a:t>Dans cette classe nous trouvons la lecture d’un tag RFID, l’identification d’un article grâce à l’ID du tag et à la mise à jour d’une base de données. </a:t>
+            </a:r>
+          </a:p>
+        </p:txBody>
+      </p:sp>
+      <p:pic>
+        <p:nvPicPr>
+          <p:cNvPr id="7" name="Image 6" descr="Une image contenant capture d’écran&#10;&#10;Description générée automatiquement">
+            <a:extLst>
+              <a:ext uri="{FF2B5EF4-FFF2-40B4-BE49-F238E27FC236}">
+                <a16:creationId xmlns:a16="http://schemas.microsoft.com/office/drawing/2014/main" id="{7231DA2B-E3F3-4A5A-9DE7-FF12FD4246B3}"/>
+              </a:ext>
+            </a:extLst>
+          </p:cNvPr>
+          <p:cNvPicPr>
+            <a:picLocks noChangeAspect="1"/>
+          </p:cNvPicPr>
+          <p:nvPr/>
+        </p:nvPicPr>
+        <p:blipFill>
+          <a:blip r:embed="rId2"/>
+          <a:stretch>
+            <a:fillRect/>
+          </a:stretch>
+        </p:blipFill>
+        <p:spPr>
+          <a:xfrm>
+            <a:off x="6746972" y="643467"/>
+            <a:ext cx="3335378" cy="5272421"/>
+          </a:xfrm>
+          <a:prstGeom prst="roundRect">
+            <a:avLst>
+              <a:gd name="adj" fmla="val 3876"/>
+            </a:avLst>
+          </a:prstGeom>
+          <a:ln>
+            <a:noFill/>
+          </a:ln>
+          <a:effectLst/>
+        </p:spPr>
+      </p:pic>
+    </p:spTree>
+    <p:extLst>
+      <p:ext uri="{BB962C8B-B14F-4D97-AF65-F5344CB8AC3E}">
+        <p14:creationId xmlns:p14="http://schemas.microsoft.com/office/powerpoint/2010/main" val="1534044252"/>
+      </p:ext>
+    </p:extLst>
+  </p:cSld>
+  <p:clrMapOvr>
+    <a:overrideClrMapping bg1="lt1" tx1="dk1" bg2="lt2" tx2="dk2" accent1="accent1" accent2="accent2" accent3="accent3" accent4="accent4" accent5="accent5" accent6="accent6" hlink="hlink" folHlink="folHlink"/>
+  </p:clrMapOvr>
+</p:sld>
+</file>
+
+<file path=ppt/slides/slide2.xml><?xml version="1.0" encoding="utf-8"?>
+<p:sld xmlns:a="http://schemas.openxmlformats.org/drawingml/2006/main" xmlns:r="http://schemas.openxmlformats.org/officeDocument/2006/relationships" xmlns:p="http://schemas.openxmlformats.org/presentationml/2006/main">
+  <p:cSld>
+    <p:spTree>
+      <p:nvGrpSpPr>
+        <p:cNvPr id="1" name=""/>
+        <p:cNvGrpSpPr/>
+        <p:nvPr/>
+      </p:nvGrpSpPr>
+      <p:grpSpPr>
+        <a:xfrm>
+          <a:off x="0" y="0"/>
+          <a:ext cx="0" cy="0"/>
+          <a:chOff x="0" y="0"/>
+          <a:chExt cx="0" cy="0"/>
+        </a:xfrm>
+      </p:grpSpPr>
+      <p:sp>
+        <p:nvSpPr>
+          <p:cNvPr id="2" name="Titre 1">
+            <a:extLst>
+              <a:ext uri="{FF2B5EF4-FFF2-40B4-BE49-F238E27FC236}">
+                <a16:creationId xmlns:a16="http://schemas.microsoft.com/office/drawing/2014/main" id="{6425CC7E-F4C2-41C8-A7F4-AB57B3CF96DF}"/>
+              </a:ext>
+            </a:extLst>
+          </p:cNvPr>
+          <p:cNvSpPr>
+            <a:spLocks noGrp="1"/>
+          </p:cNvSpPr>
+          <p:nvPr>
+            <p:ph type="title"/>
+          </p:nvPr>
+        </p:nvSpPr>
+        <p:spPr/>
+        <p:txBody>
+          <a:bodyPr/>
+          <a:lstStyle/>
+          <a:p>
+            <a:r>
+              <a:rPr lang="fr-FR" dirty="0"/>
+              <a:t>Mise en scène</a:t>
+            </a:r>
+          </a:p>
+        </p:txBody>
+      </p:sp>
+      <p:sp>
+        <p:nvSpPr>
+          <p:cNvPr id="3" name="Espace réservé du contenu 2">
+            <a:extLst>
+              <a:ext uri="{FF2B5EF4-FFF2-40B4-BE49-F238E27FC236}">
+                <a16:creationId xmlns:a16="http://schemas.microsoft.com/office/drawing/2014/main" id="{B1F7A83C-812F-416C-A6F6-8ECA2443104C}"/>
+              </a:ext>
+            </a:extLst>
+          </p:cNvPr>
+          <p:cNvSpPr>
+            <a:spLocks noGrp="1"/>
+          </p:cNvSpPr>
+          <p:nvPr>
+            <p:ph idx="1"/>
+          </p:nvPr>
+        </p:nvSpPr>
+        <p:spPr>
+          <a:xfrm>
+            <a:off x="810000" y="2683462"/>
+            <a:ext cx="5626311" cy="3051512"/>
+          </a:xfrm>
+        </p:spPr>
+        <p:txBody>
+          <a:bodyPr>
+            <a:normAutofit fontScale="92500" lnSpcReduction="10000"/>
+          </a:bodyPr>
+          <a:lstStyle/>
+          <a:p>
+            <a:r>
+              <a:rPr lang="fr-FR" dirty="0"/>
+              <a:t>La société FIO, spécialisée dans le conseil et la commercialisation de solutions technologiques innovantes, propose à ses clients des solutions créatives permettant d'optimiser l'outil de production.</a:t>
+            </a:r>
+          </a:p>
+          <a:p>
+            <a:pPr marL="0" indent="0">
+              <a:buNone/>
+            </a:pPr>
+            <a:r>
+              <a:rPr lang="fr-FR" dirty="0"/>
+              <a:t> </a:t>
+            </a:r>
+          </a:p>
+          <a:p>
+            <a:r>
+              <a:rPr lang="fr-FR" dirty="0"/>
+              <a:t>Dans cette optique, l’entreprise nous a chargé du développement d’un système pour l’emprunt d’articles à l’aide de la technologie RFID (sigle en anglais pour l’identification par radiofréquence).</a:t>
+            </a:r>
+          </a:p>
+          <a:p>
+            <a:endParaRPr lang="fr-FR" dirty="0"/>
+          </a:p>
+        </p:txBody>
+      </p:sp>
+      <p:pic>
+        <p:nvPicPr>
+          <p:cNvPr id="4" name="Image 3">
+            <a:extLst>
+              <a:ext uri="{FF2B5EF4-FFF2-40B4-BE49-F238E27FC236}">
+                <a16:creationId xmlns:a16="http://schemas.microsoft.com/office/drawing/2014/main" id="{1B613026-789E-4091-AAB3-C97425D47C09}"/>
+              </a:ext>
+            </a:extLst>
+          </p:cNvPr>
+          <p:cNvPicPr/>
+          <p:nvPr/>
+        </p:nvPicPr>
+        <p:blipFill>
+          <a:blip r:embed="rId2">
+            <a:extLst>
+              <a:ext uri="{28A0092B-C50C-407E-A947-70E740481C1C}">
+                <a14:useLocalDpi xmlns:a14="http://schemas.microsoft.com/office/drawing/2010/main" val="0"/>
+              </a:ext>
+            </a:extLst>
+          </a:blip>
+          <a:srcRect/>
+          <a:stretch>
+            <a:fillRect/>
+          </a:stretch>
+        </p:blipFill>
+        <p:spPr bwMode="auto">
+          <a:xfrm>
+            <a:off x="7979708" y="2589822"/>
+            <a:ext cx="3402290" cy="2714206"/>
+          </a:xfrm>
+          <a:prstGeom prst="rect">
+            <a:avLst/>
+          </a:prstGeom>
+          <a:noFill/>
+          <a:ln>
+            <a:noFill/>
+          </a:ln>
+        </p:spPr>
+      </p:pic>
+    </p:spTree>
+    <p:extLst>
+      <p:ext uri="{BB962C8B-B14F-4D97-AF65-F5344CB8AC3E}">
+        <p14:creationId xmlns:p14="http://schemas.microsoft.com/office/powerpoint/2010/main" val="264685096"/>
+      </p:ext>
+    </p:extLst>
+  </p:cSld>
+  <p:clrMapOvr>
+    <a:masterClrMapping/>
+  </p:clrMapOvr>
+</p:sld>
+</file>
+
+<file path=ppt/slides/slide20.xml><?xml version="1.0" encoding="utf-8"?>
+<p:sld xmlns:a="http://schemas.openxmlformats.org/drawingml/2006/main" xmlns:r="http://schemas.openxmlformats.org/officeDocument/2006/relationships" xmlns:p="http://schemas.openxmlformats.org/presentationml/2006/main">
+  <p:cSld>
+    <p:bg>
+      <p:bgPr>
+        <a:solidFill>
+          <a:schemeClr val="bg1"/>
+        </a:solidFill>
+        <a:effectLst/>
+      </p:bgPr>
+    </p:bg>
+    <p:spTree>
+      <p:nvGrpSpPr>
+        <p:cNvPr id="1" name=""/>
+        <p:cNvGrpSpPr/>
+        <p:nvPr/>
+      </p:nvGrpSpPr>
+      <p:grpSpPr>
+        <a:xfrm>
+          <a:off x="0" y="0"/>
+          <a:ext cx="0" cy="0"/>
+          <a:chOff x="0" y="0"/>
+          <a:chExt cx="0" cy="0"/>
+        </a:xfrm>
+      </p:grpSpPr>
+      <p:sp>
+        <p:nvSpPr>
+          <p:cNvPr id="10" name="Rectangle 9">
+            <a:extLst>
+              <a:ext uri="{FF2B5EF4-FFF2-40B4-BE49-F238E27FC236}">
+                <a16:creationId xmlns:a16="http://schemas.microsoft.com/office/drawing/2014/main" id="{E2264E67-6F59-4D8D-8E5F-8245B0FEAE76}"/>
+              </a:ext>
+              <a:ext uri="{C183D7F6-B498-43B3-948B-1728B52AA6E4}">
+                <adec:decorative xmlns:adec="http://schemas.microsoft.com/office/drawing/2017/decorative" val="1"/>
+              </a:ext>
+            </a:extLst>
+          </p:cNvPr>
+          <p:cNvSpPr>
+            <a:spLocks noGrp="1" noRot="1" noChangeAspect="1" noMove="1" noResize="1" noEditPoints="1" noAdjustHandles="1" noChangeArrowheads="1" noChangeShapeType="1" noTextEdit="1"/>
+          </p:cNvSpPr>
+          <p:nvPr>
+            <p:extLst>
+              <p:ext uri="{386F3935-93C4-4BCD-93E2-E3B085C9AB24}">
+                <p16:designElem xmlns:p16="http://schemas.microsoft.com/office/powerpoint/2015/main" val="1"/>
+              </p:ext>
+            </p:extLst>
+          </p:nvPr>
+        </p:nvSpPr>
+        <p:spPr>
+          <a:xfrm>
+            <a:off x="4573" y="0"/>
+            <a:ext cx="12187427" cy="6858000"/>
+          </a:xfrm>
+          <a:prstGeom prst="rect">
+            <a:avLst/>
+          </a:prstGeom>
+          <a:solidFill>
+            <a:schemeClr val="bg1"/>
+          </a:solidFill>
+          <a:ln>
+            <a:noFill/>
+          </a:ln>
+        </p:spPr>
+        <p:style>
+          <a:lnRef idx="2">
+            <a:schemeClr val="accent1">
+              <a:shade val="50000"/>
+            </a:schemeClr>
+          </a:lnRef>
+          <a:fillRef idx="1">
+            <a:schemeClr val="accent1"/>
+          </a:fillRef>
+          <a:effectRef idx="0">
+            <a:schemeClr val="accent1"/>
+          </a:effectRef>
+          <a:fontRef idx="minor">
+            <a:schemeClr val="lt1"/>
+          </a:fontRef>
+        </p:style>
+        <p:txBody>
+          <a:bodyPr rtlCol="0" anchor="ctr"/>
+          <a:lstStyle/>
+          <a:p>
+            <a:pPr algn="ctr"/>
+            <a:endParaRPr lang="en-US"/>
+          </a:p>
+        </p:txBody>
+      </p:sp>
+      <p:sp>
+        <p:nvSpPr>
+          <p:cNvPr id="12" name="Freeform 23">
+            <a:extLst>
+              <a:ext uri="{FF2B5EF4-FFF2-40B4-BE49-F238E27FC236}">
+                <a16:creationId xmlns:a16="http://schemas.microsoft.com/office/drawing/2014/main" id="{158E1C6E-D299-4F5D-B15B-155EBF7F62FD}"/>
+              </a:ext>
+              <a:ext uri="{C183D7F6-B498-43B3-948B-1728B52AA6E4}">
+                <adec:decorative xmlns:adec="http://schemas.microsoft.com/office/drawing/2017/decorative" val="1"/>
+              </a:ext>
+            </a:extLst>
+          </p:cNvPr>
+          <p:cNvSpPr>
+            <a:spLocks noGrp="1" noRot="1" noChangeAspect="1" noMove="1" noResize="1" noEditPoints="1" noAdjustHandles="1" noChangeArrowheads="1" noChangeShapeType="1" noTextEdit="1"/>
+          </p:cNvSpPr>
+          <p:nvPr>
+            <p:extLst>
+              <p:ext uri="{386F3935-93C4-4BCD-93E2-E3B085C9AB24}">
+                <p16:designElem xmlns:p16="http://schemas.microsoft.com/office/powerpoint/2015/main" val="1"/>
+              </p:ext>
+            </p:extLst>
+          </p:nvPr>
+        </p:nvSpPr>
+        <p:spPr bwMode="white">
+          <a:xfrm>
+            <a:off x="0" y="0"/>
+            <a:ext cx="4637005" cy="6858000"/>
+          </a:xfrm>
+          <a:custGeom>
+            <a:avLst/>
+            <a:gdLst>
+              <a:gd name="connsiteX0" fmla="*/ 0 w 4637005"/>
+              <a:gd name="connsiteY0" fmla="*/ 0 h 6858000"/>
+              <a:gd name="connsiteX1" fmla="*/ 4637005 w 4637005"/>
+              <a:gd name="connsiteY1" fmla="*/ 0 h 6858000"/>
+              <a:gd name="connsiteX2" fmla="*/ 4637005 w 4637005"/>
+              <a:gd name="connsiteY2" fmla="*/ 1900238 h 6858000"/>
+              <a:gd name="connsiteX3" fmla="*/ 4266589 w 4637005"/>
+              <a:gd name="connsiteY3" fmla="*/ 2178050 h 6858000"/>
+              <a:gd name="connsiteX4" fmla="*/ 4262355 w 4637005"/>
+              <a:gd name="connsiteY4" fmla="*/ 2184400 h 6858000"/>
+              <a:gd name="connsiteX5" fmla="*/ 4256005 w 4637005"/>
+              <a:gd name="connsiteY5" fmla="*/ 2193925 h 6858000"/>
+              <a:gd name="connsiteX6" fmla="*/ 4249655 w 4637005"/>
+              <a:gd name="connsiteY6" fmla="*/ 2201863 h 6858000"/>
+              <a:gd name="connsiteX7" fmla="*/ 4249655 w 4637005"/>
+              <a:gd name="connsiteY7" fmla="*/ 2211388 h 6858000"/>
+              <a:gd name="connsiteX8" fmla="*/ 4249655 w 4637005"/>
+              <a:gd name="connsiteY8" fmla="*/ 2220913 h 6858000"/>
+              <a:gd name="connsiteX9" fmla="*/ 4256005 w 4637005"/>
+              <a:gd name="connsiteY9" fmla="*/ 2228850 h 6858000"/>
+              <a:gd name="connsiteX10" fmla="*/ 4262355 w 4637005"/>
+              <a:gd name="connsiteY10" fmla="*/ 2238375 h 6858000"/>
+              <a:gd name="connsiteX11" fmla="*/ 4266589 w 4637005"/>
+              <a:gd name="connsiteY11" fmla="*/ 2244725 h 6858000"/>
+              <a:gd name="connsiteX12" fmla="*/ 4637005 w 4637005"/>
+              <a:gd name="connsiteY12" fmla="*/ 2522538 h 6858000"/>
+              <a:gd name="connsiteX13" fmla="*/ 4637005 w 4637005"/>
+              <a:gd name="connsiteY13" fmla="*/ 6858000 h 6858000"/>
+              <a:gd name="connsiteX14" fmla="*/ 0 w 4637005"/>
+              <a:gd name="connsiteY14" fmla="*/ 6858000 h 6858000"/>
+            </a:gdLst>
+            <a:ahLst/>
+            <a:cxnLst>
+              <a:cxn ang="0">
+                <a:pos x="connsiteX0" y="connsiteY0"/>
+              </a:cxn>
+              <a:cxn ang="0">
+                <a:pos x="connsiteX1" y="connsiteY1"/>
+              </a:cxn>
+              <a:cxn ang="0">
+                <a:pos x="connsiteX2" y="connsiteY2"/>
+              </a:cxn>
+              <a:cxn ang="0">
+                <a:pos x="connsiteX3" y="connsiteY3"/>
+              </a:cxn>
+              <a:cxn ang="0">
+                <a:pos x="connsiteX4" y="connsiteY4"/>
+              </a:cxn>
+              <a:cxn ang="0">
+                <a:pos x="connsiteX5" y="connsiteY5"/>
+              </a:cxn>
+              <a:cxn ang="0">
+                <a:pos x="connsiteX6" y="connsiteY6"/>
+              </a:cxn>
+              <a:cxn ang="0">
+                <a:pos x="connsiteX7" y="connsiteY7"/>
+              </a:cxn>
+              <a:cxn ang="0">
+                <a:pos x="connsiteX8" y="connsiteY8"/>
+              </a:cxn>
+              <a:cxn ang="0">
+                <a:pos x="connsiteX9" y="connsiteY9"/>
+              </a:cxn>
+              <a:cxn ang="0">
+                <a:pos x="connsiteX10" y="connsiteY10"/>
+              </a:cxn>
+              <a:cxn ang="0">
+                <a:pos x="connsiteX11" y="connsiteY11"/>
+              </a:cxn>
+              <a:cxn ang="0">
+                <a:pos x="connsiteX12" y="connsiteY12"/>
+              </a:cxn>
+              <a:cxn ang="0">
+                <a:pos x="connsiteX13" y="connsiteY13"/>
+              </a:cxn>
+              <a:cxn ang="0">
+                <a:pos x="connsiteX14" y="connsiteY14"/>
+              </a:cxn>
+            </a:cxnLst>
+            <a:rect l="l" t="t" r="r" b="b"/>
+            <a:pathLst>
+              <a:path w="4637005" h="6858000">
+                <a:moveTo>
+                  <a:pt x="0" y="0"/>
+                </a:moveTo>
+                <a:lnTo>
+                  <a:pt x="4637005" y="0"/>
+                </a:lnTo>
+                <a:lnTo>
+                  <a:pt x="4637005" y="1900238"/>
+                </a:lnTo>
+                <a:lnTo>
+                  <a:pt x="4266589" y="2178050"/>
+                </a:lnTo>
+                <a:lnTo>
+                  <a:pt x="4262355" y="2184400"/>
+                </a:lnTo>
+                <a:lnTo>
+                  <a:pt x="4256005" y="2193925"/>
+                </a:lnTo>
+                <a:lnTo>
+                  <a:pt x="4249655" y="2201863"/>
+                </a:lnTo>
+                <a:lnTo>
+                  <a:pt x="4249655" y="2211388"/>
+                </a:lnTo>
+                <a:lnTo>
+                  <a:pt x="4249655" y="2220913"/>
+                </a:lnTo>
+                <a:lnTo>
+                  <a:pt x="4256005" y="2228850"/>
+                </a:lnTo>
+                <a:lnTo>
+                  <a:pt x="4262355" y="2238375"/>
+                </a:lnTo>
+                <a:lnTo>
+                  <a:pt x="4266589" y="2244725"/>
+                </a:lnTo>
+                <a:lnTo>
+                  <a:pt x="4637005" y="2522538"/>
+                </a:lnTo>
+                <a:lnTo>
+                  <a:pt x="4637005" y="6858000"/>
+                </a:lnTo>
+                <a:lnTo>
+                  <a:pt x="0" y="6858000"/>
+                </a:lnTo>
+                <a:close/>
+              </a:path>
+            </a:pathLst>
+          </a:custGeom>
+          <a:solidFill>
+            <a:srgbClr val="212121"/>
+          </a:solidFill>
+          <a:ln>
+            <a:noFill/>
+            <a:headEnd/>
+            <a:tailEnd/>
+          </a:ln>
+        </p:spPr>
+        <p:style>
+          <a:lnRef idx="1">
+            <a:schemeClr val="accent1"/>
+          </a:lnRef>
+          <a:fillRef idx="3">
+            <a:schemeClr val="accent1"/>
+          </a:fillRef>
+          <a:effectRef idx="2">
+            <a:schemeClr val="accent1"/>
+          </a:effectRef>
+          <a:fontRef idx="minor">
+            <a:schemeClr val="lt1"/>
+          </a:fontRef>
+        </p:style>
+        <p:txBody>
+          <a:bodyPr wrap="square" rtlCol="0" anchor="ctr">
+            <a:noAutofit/>
+          </a:bodyPr>
+          <a:lstStyle/>
+          <a:p>
+            <a:pPr algn="ctr"/>
+            <a:endParaRPr lang="en-US"/>
+          </a:p>
+        </p:txBody>
+      </p:sp>
+      <p:sp>
+        <p:nvSpPr>
+          <p:cNvPr id="2" name="Titre 1">
+            <a:extLst>
+              <a:ext uri="{FF2B5EF4-FFF2-40B4-BE49-F238E27FC236}">
+                <a16:creationId xmlns:a16="http://schemas.microsoft.com/office/drawing/2014/main" id="{4615A380-CC96-4F0A-90D2-700F44FC792C}"/>
+              </a:ext>
+            </a:extLst>
+          </p:cNvPr>
+          <p:cNvSpPr>
+            <a:spLocks noGrp="1"/>
+          </p:cNvSpPr>
+          <p:nvPr>
+            <p:ph type="title"/>
+          </p:nvPr>
+        </p:nvSpPr>
+        <p:spPr>
+          <a:xfrm>
+            <a:off x="451514" y="457201"/>
+            <a:ext cx="3575737" cy="1332688"/>
+          </a:xfrm>
+        </p:spPr>
+        <p:txBody>
+          <a:bodyPr anchor="b">
+            <a:normAutofit/>
+          </a:bodyPr>
+          <a:lstStyle/>
+          <a:p>
+            <a:pPr algn="ctr"/>
+            <a:r>
+              <a:rPr lang="fr-FR" sz="3200">
+                <a:solidFill>
+                  <a:srgbClr val="FFFFFF"/>
+                </a:solidFill>
+              </a:rPr>
+              <a:t>POSITION</a:t>
+            </a:r>
+          </a:p>
+        </p:txBody>
+      </p:sp>
+      <p:sp>
+        <p:nvSpPr>
+          <p:cNvPr id="3" name="Espace réservé du contenu 2">
+            <a:extLst>
+              <a:ext uri="{FF2B5EF4-FFF2-40B4-BE49-F238E27FC236}">
+                <a16:creationId xmlns:a16="http://schemas.microsoft.com/office/drawing/2014/main" id="{03450193-F250-47C2-A2D2-B53A06F594F2}"/>
+              </a:ext>
+            </a:extLst>
+          </p:cNvPr>
+          <p:cNvSpPr>
+            <a:spLocks noGrp="1"/>
+          </p:cNvSpPr>
+          <p:nvPr>
+            <p:ph idx="1"/>
+          </p:nvPr>
+        </p:nvSpPr>
+        <p:spPr>
+          <a:xfrm>
+            <a:off x="451514" y="1824404"/>
+            <a:ext cx="3575737" cy="1660442"/>
+          </a:xfrm>
+        </p:spPr>
+        <p:txBody>
+          <a:bodyPr>
+            <a:normAutofit/>
+          </a:bodyPr>
+          <a:lstStyle/>
+          <a:p>
+            <a:r>
+              <a:rPr lang="fr-FR" sz="1600" dirty="0">
+                <a:solidFill>
+                  <a:srgbClr val="FFFFFF"/>
+                </a:solidFill>
+              </a:rPr>
+              <a:t>Nous utilisons l’API Google </a:t>
+            </a:r>
+            <a:r>
+              <a:rPr lang="fr-FR" sz="1600" dirty="0" err="1">
+                <a:solidFill>
+                  <a:srgbClr val="FFFFFF"/>
+                </a:solidFill>
+              </a:rPr>
+              <a:t>Maps</a:t>
             </a:r>
             <a:r>
               <a:rPr lang="fr-FR" sz="1600" dirty="0">
@@ -7894,7 +9396,1135 @@
                   <a:srgbClr val="FFFFFF"/>
                 </a:solidFill>
               </a:rPr>
-              <a:t>en leur faisant gagner du temps grâce à un système en temps réel d’état d’emprunt de matériels</a:t>
+              <a:t> dans cette classe. Dans cette partie, nous pouvons récupérer la localisation exacte de l’emprunteur ainsi que ses coordonnées, </a:t>
+            </a:r>
+          </a:p>
+        </p:txBody>
+      </p:sp>
+      <p:pic>
+        <p:nvPicPr>
+          <p:cNvPr id="5" name="Image 4" descr="Une image contenant texte, carte&#10;&#10;Description générée automatiquement">
+            <a:extLst>
+              <a:ext uri="{FF2B5EF4-FFF2-40B4-BE49-F238E27FC236}">
+                <a16:creationId xmlns:a16="http://schemas.microsoft.com/office/drawing/2014/main" id="{675339A3-BFBD-44E3-A7CE-1B7119E5AA5A}"/>
+              </a:ext>
+            </a:extLst>
+          </p:cNvPr>
+          <p:cNvPicPr>
+            <a:picLocks noChangeAspect="1"/>
+          </p:cNvPicPr>
+          <p:nvPr/>
+        </p:nvPicPr>
+        <p:blipFill>
+          <a:blip r:embed="rId2"/>
+          <a:stretch>
+            <a:fillRect/>
+          </a:stretch>
+        </p:blipFill>
+        <p:spPr>
+          <a:xfrm>
+            <a:off x="7108273" y="860442"/>
+            <a:ext cx="2612776" cy="4838472"/>
+          </a:xfrm>
+          <a:prstGeom prst="roundRect">
+            <a:avLst>
+              <a:gd name="adj" fmla="val 3876"/>
+            </a:avLst>
+          </a:prstGeom>
+          <a:ln>
+            <a:noFill/>
+          </a:ln>
+          <a:effectLst/>
+        </p:spPr>
+      </p:pic>
+    </p:spTree>
+    <p:extLst>
+      <p:ext uri="{BB962C8B-B14F-4D97-AF65-F5344CB8AC3E}">
+        <p14:creationId xmlns:p14="http://schemas.microsoft.com/office/powerpoint/2010/main" val="1218110640"/>
+      </p:ext>
+    </p:extLst>
+  </p:cSld>
+  <p:clrMapOvr>
+    <a:overrideClrMapping bg1="lt1" tx1="dk1" bg2="lt2" tx2="dk2" accent1="accent1" accent2="accent2" accent3="accent3" accent4="accent4" accent5="accent5" accent6="accent6" hlink="hlink" folHlink="folHlink"/>
+  </p:clrMapOvr>
+</p:sld>
+</file>
+
+<file path=ppt/slides/slide21.xml><?xml version="1.0" encoding="utf-8"?>
+<p:sld xmlns:a="http://schemas.openxmlformats.org/drawingml/2006/main" xmlns:r="http://schemas.openxmlformats.org/officeDocument/2006/relationships" xmlns:p="http://schemas.openxmlformats.org/presentationml/2006/main">
+  <p:cSld>
+    <p:bg>
+      <p:bgPr>
+        <a:solidFill>
+          <a:schemeClr val="bg2"/>
+        </a:solidFill>
+        <a:effectLst/>
+      </p:bgPr>
+    </p:bg>
+    <p:spTree>
+      <p:nvGrpSpPr>
+        <p:cNvPr id="1" name=""/>
+        <p:cNvGrpSpPr/>
+        <p:nvPr/>
+      </p:nvGrpSpPr>
+      <p:grpSpPr>
+        <a:xfrm>
+          <a:off x="0" y="0"/>
+          <a:ext cx="0" cy="0"/>
+          <a:chOff x="0" y="0"/>
+          <a:chExt cx="0" cy="0"/>
+        </a:xfrm>
+      </p:grpSpPr>
+      <p:sp>
+        <p:nvSpPr>
+          <p:cNvPr id="13" name="Freeform 6">
+            <a:extLst>
+              <a:ext uri="{FF2B5EF4-FFF2-40B4-BE49-F238E27FC236}">
+                <a16:creationId xmlns:a16="http://schemas.microsoft.com/office/drawing/2014/main" id="{8775F366-526C-4C42-8931-696FFE8AA517}"/>
+              </a:ext>
+              <a:ext uri="{C183D7F6-B498-43B3-948B-1728B52AA6E4}">
+                <adec:decorative xmlns:adec="http://schemas.microsoft.com/office/drawing/2017/decorative" val="1"/>
+              </a:ext>
+            </a:extLst>
+          </p:cNvPr>
+          <p:cNvSpPr>
+            <a:spLocks noGrp="1" noRot="1" noChangeAspect="1" noMove="1" noResize="1" noEditPoints="1" noAdjustHandles="1" noChangeArrowheads="1" noChangeShapeType="1" noTextEdit="1"/>
+          </p:cNvSpPr>
+          <p:nvPr>
+            <p:extLst>
+              <p:ext uri="{386F3935-93C4-4BCD-93E2-E3B085C9AB24}">
+                <p16:designElem xmlns:p16="http://schemas.microsoft.com/office/powerpoint/2015/main" val="1"/>
+              </p:ext>
+            </p:extLst>
+          </p:nvPr>
+        </p:nvSpPr>
+        <p:spPr bwMode="auto">
+          <a:xfrm>
+            <a:off x="0" y="-3175"/>
+            <a:ext cx="12192000" cy="5203825"/>
+          </a:xfrm>
+          <a:custGeom>
+            <a:avLst/>
+            <a:gdLst/>
+            <a:ahLst/>
+            <a:cxnLst/>
+            <a:rect l="0" t="0" r="r" b="b"/>
+            <a:pathLst>
+              <a:path w="5760" h="3278">
+                <a:moveTo>
+                  <a:pt x="5760" y="0"/>
+                </a:moveTo>
+                <a:lnTo>
+                  <a:pt x="0" y="0"/>
+                </a:lnTo>
+                <a:lnTo>
+                  <a:pt x="0" y="3090"/>
+                </a:lnTo>
+                <a:lnTo>
+                  <a:pt x="943" y="3090"/>
+                </a:lnTo>
+                <a:lnTo>
+                  <a:pt x="1123" y="3270"/>
+                </a:lnTo>
+                <a:lnTo>
+                  <a:pt x="1123" y="3270"/>
+                </a:lnTo>
+                <a:lnTo>
+                  <a:pt x="1127" y="3272"/>
+                </a:lnTo>
+                <a:lnTo>
+                  <a:pt x="1133" y="3275"/>
+                </a:lnTo>
+                <a:lnTo>
+                  <a:pt x="1139" y="3278"/>
+                </a:lnTo>
+                <a:lnTo>
+                  <a:pt x="1144" y="3278"/>
+                </a:lnTo>
+                <a:lnTo>
+                  <a:pt x="1150" y="3278"/>
+                </a:lnTo>
+                <a:lnTo>
+                  <a:pt x="1155" y="3275"/>
+                </a:lnTo>
+                <a:lnTo>
+                  <a:pt x="1161" y="3272"/>
+                </a:lnTo>
+                <a:lnTo>
+                  <a:pt x="1165" y="3270"/>
+                </a:lnTo>
+                <a:lnTo>
+                  <a:pt x="1345" y="3090"/>
+                </a:lnTo>
+                <a:lnTo>
+                  <a:pt x="5760" y="3090"/>
+                </a:lnTo>
+                <a:lnTo>
+                  <a:pt x="5760" y="0"/>
+                </a:lnTo>
+                <a:close/>
+              </a:path>
+            </a:pathLst>
+          </a:custGeom>
+          <a:ln/>
+          <a:effectLst/>
+          <a:extLst>
+            <a:ext uri="{91240B29-F687-4f45-9708-019B960494DF}">
+              <a14:hiddenLine xmlns="" xmlns:a14="http://schemas.microsoft.com/office/drawing/2010/main" xmlns:a16="http://schemas.microsoft.com/office/drawing/2014/main" w="9525">
+                <a:solidFill>
+                  <a:srgbClr val="000000"/>
+                </a:solidFill>
+                <a:round/>
+                <a:headEnd/>
+                <a:tailEnd/>
+              </a14:hiddenLine>
+            </a:ext>
+          </a:extLst>
+        </p:spPr>
+        <p:style>
+          <a:lnRef idx="1">
+            <a:schemeClr val="accent1"/>
+          </a:lnRef>
+          <a:fillRef idx="3">
+            <a:schemeClr val="accent1"/>
+          </a:fillRef>
+          <a:effectRef idx="2">
+            <a:schemeClr val="accent1"/>
+          </a:effectRef>
+          <a:fontRef idx="minor">
+            <a:schemeClr val="lt1"/>
+          </a:fontRef>
+        </p:style>
+      </p:sp>
+      <p:sp useBgFill="1">
+        <p:nvSpPr>
+          <p:cNvPr id="14" name="Rectangle 8">
+            <a:extLst>
+              <a:ext uri="{FF2B5EF4-FFF2-40B4-BE49-F238E27FC236}">
+                <a16:creationId xmlns:a16="http://schemas.microsoft.com/office/drawing/2014/main" id="{2FE8DED1-24FF-4A79-873B-ECE3ABE73035}"/>
+              </a:ext>
+              <a:ext uri="{C183D7F6-B498-43B3-948B-1728B52AA6E4}">
+                <adec:decorative xmlns:adec="http://schemas.microsoft.com/office/drawing/2017/decorative" val="1"/>
+              </a:ext>
+            </a:extLst>
+          </p:cNvPr>
+          <p:cNvSpPr>
+            <a:spLocks noGrp="1" noRot="1" noChangeAspect="1" noMove="1" noResize="1" noEditPoints="1" noAdjustHandles="1" noChangeArrowheads="1" noChangeShapeType="1" noTextEdit="1"/>
+          </p:cNvSpPr>
+          <p:nvPr>
+            <p:extLst>
+              <p:ext uri="{386F3935-93C4-4BCD-93E2-E3B085C9AB24}">
+                <p16:designElem xmlns:p16="http://schemas.microsoft.com/office/powerpoint/2015/main" val="1"/>
+              </p:ext>
+            </p:extLst>
+          </p:nvPr>
+        </p:nvSpPr>
+        <p:spPr>
+          <a:xfrm>
+            <a:off x="0" y="0"/>
+            <a:ext cx="12192000" cy="6858000"/>
+          </a:xfrm>
+          <a:prstGeom prst="rect">
+            <a:avLst/>
+          </a:prstGeom>
+          <a:ln>
+            <a:noFill/>
+          </a:ln>
+        </p:spPr>
+        <p:style>
+          <a:lnRef idx="2">
+            <a:schemeClr val="accent1">
+              <a:shade val="50000"/>
+            </a:schemeClr>
+          </a:lnRef>
+          <a:fillRef idx="1">
+            <a:schemeClr val="accent1"/>
+          </a:fillRef>
+          <a:effectRef idx="0">
+            <a:schemeClr val="accent1"/>
+          </a:effectRef>
+          <a:fontRef idx="minor">
+            <a:schemeClr val="lt1"/>
+          </a:fontRef>
+        </p:style>
+        <p:txBody>
+          <a:bodyPr rtlCol="0" anchor="ctr"/>
+          <a:lstStyle/>
+          <a:p>
+            <a:pPr algn="ctr"/>
+            <a:endParaRPr lang="en-US"/>
+          </a:p>
+        </p:txBody>
+      </p:sp>
+      <p:sp>
+        <p:nvSpPr>
+          <p:cNvPr id="15" name="Freeform: Shape 10">
+            <a:extLst>
+              <a:ext uri="{FF2B5EF4-FFF2-40B4-BE49-F238E27FC236}">
+                <a16:creationId xmlns:a16="http://schemas.microsoft.com/office/drawing/2014/main" id="{0AA6A048-501A-4387-906B-B8A8543E7B11}"/>
+              </a:ext>
+              <a:ext uri="{C183D7F6-B498-43B3-948B-1728B52AA6E4}">
+                <adec:decorative xmlns:adec="http://schemas.microsoft.com/office/drawing/2017/decorative" val="1"/>
+              </a:ext>
+            </a:extLst>
+          </p:cNvPr>
+          <p:cNvSpPr>
+            <a:spLocks noGrp="1" noRot="1" noChangeAspect="1" noMove="1" noResize="1" noEditPoints="1" noAdjustHandles="1" noChangeArrowheads="1" noChangeShapeType="1" noTextEdit="1"/>
+          </p:cNvSpPr>
+          <p:nvPr>
+            <p:extLst>
+              <p:ext uri="{386F3935-93C4-4BCD-93E2-E3B085C9AB24}">
+                <p16:designElem xmlns:p16="http://schemas.microsoft.com/office/powerpoint/2015/main" val="1"/>
+              </p:ext>
+            </p:extLst>
+          </p:nvPr>
+        </p:nvSpPr>
+        <p:spPr>
+          <a:xfrm>
+            <a:off x="637093" y="643467"/>
+            <a:ext cx="10917814" cy="5571066"/>
+          </a:xfrm>
+          <a:custGeom>
+            <a:avLst/>
+            <a:gdLst>
+              <a:gd name="connsiteX0" fmla="*/ 195712 w 10917814"/>
+              <a:gd name="connsiteY0" fmla="*/ 0 h 5571066"/>
+              <a:gd name="connsiteX1" fmla="*/ 5062165 w 10917814"/>
+              <a:gd name="connsiteY1" fmla="*/ 0 h 5571066"/>
+              <a:gd name="connsiteX2" fmla="*/ 5419638 w 10917814"/>
+              <a:gd name="connsiteY2" fmla="*/ 268105 h 5571066"/>
+              <a:gd name="connsiteX3" fmla="*/ 5428105 w 10917814"/>
+              <a:gd name="connsiteY3" fmla="*/ 271280 h 5571066"/>
+              <a:gd name="connsiteX4" fmla="*/ 5440804 w 10917814"/>
+              <a:gd name="connsiteY4" fmla="*/ 276043 h 5571066"/>
+              <a:gd name="connsiteX5" fmla="*/ 5453505 w 10917814"/>
+              <a:gd name="connsiteY5" fmla="*/ 280805 h 5571066"/>
+              <a:gd name="connsiteX6" fmla="*/ 5464088 w 10917814"/>
+              <a:gd name="connsiteY6" fmla="*/ 280805 h 5571066"/>
+              <a:gd name="connsiteX7" fmla="*/ 5476788 w 10917814"/>
+              <a:gd name="connsiteY7" fmla="*/ 280805 h 5571066"/>
+              <a:gd name="connsiteX8" fmla="*/ 5487371 w 10917814"/>
+              <a:gd name="connsiteY8" fmla="*/ 276043 h 5571066"/>
+              <a:gd name="connsiteX9" fmla="*/ 5500071 w 10917814"/>
+              <a:gd name="connsiteY9" fmla="*/ 271280 h 5571066"/>
+              <a:gd name="connsiteX10" fmla="*/ 5508538 w 10917814"/>
+              <a:gd name="connsiteY10" fmla="*/ 268105 h 5571066"/>
+              <a:gd name="connsiteX11" fmla="*/ 5866011 w 10917814"/>
+              <a:gd name="connsiteY11" fmla="*/ 0 h 5571066"/>
+              <a:gd name="connsiteX12" fmla="*/ 10722102 w 10917814"/>
+              <a:gd name="connsiteY12" fmla="*/ 0 h 5571066"/>
+              <a:gd name="connsiteX13" fmla="*/ 10917814 w 10917814"/>
+              <a:gd name="connsiteY13" fmla="*/ 195712 h 5571066"/>
+              <a:gd name="connsiteX14" fmla="*/ 10917814 w 10917814"/>
+              <a:gd name="connsiteY14" fmla="*/ 5375354 h 5571066"/>
+              <a:gd name="connsiteX15" fmla="*/ 10722102 w 10917814"/>
+              <a:gd name="connsiteY15" fmla="*/ 5571066 h 5571066"/>
+              <a:gd name="connsiteX16" fmla="*/ 195712 w 10917814"/>
+              <a:gd name="connsiteY16" fmla="*/ 5571066 h 5571066"/>
+              <a:gd name="connsiteX17" fmla="*/ 0 w 10917814"/>
+              <a:gd name="connsiteY17" fmla="*/ 5375354 h 5571066"/>
+              <a:gd name="connsiteX18" fmla="*/ 0 w 10917814"/>
+              <a:gd name="connsiteY18" fmla="*/ 195712 h 5571066"/>
+              <a:gd name="connsiteX19" fmla="*/ 195712 w 10917814"/>
+              <a:gd name="connsiteY19" fmla="*/ 0 h 5571066"/>
+            </a:gdLst>
+            <a:ahLst/>
+            <a:cxnLst>
+              <a:cxn ang="0">
+                <a:pos x="connsiteX0" y="connsiteY0"/>
+              </a:cxn>
+              <a:cxn ang="0">
+                <a:pos x="connsiteX1" y="connsiteY1"/>
+              </a:cxn>
+              <a:cxn ang="0">
+                <a:pos x="connsiteX2" y="connsiteY2"/>
+              </a:cxn>
+              <a:cxn ang="0">
+                <a:pos x="connsiteX3" y="connsiteY3"/>
+              </a:cxn>
+              <a:cxn ang="0">
+                <a:pos x="connsiteX4" y="connsiteY4"/>
+              </a:cxn>
+              <a:cxn ang="0">
+                <a:pos x="connsiteX5" y="connsiteY5"/>
+              </a:cxn>
+              <a:cxn ang="0">
+                <a:pos x="connsiteX6" y="connsiteY6"/>
+              </a:cxn>
+              <a:cxn ang="0">
+                <a:pos x="connsiteX7" y="connsiteY7"/>
+              </a:cxn>
+              <a:cxn ang="0">
+                <a:pos x="connsiteX8" y="connsiteY8"/>
+              </a:cxn>
+              <a:cxn ang="0">
+                <a:pos x="connsiteX9" y="connsiteY9"/>
+              </a:cxn>
+              <a:cxn ang="0">
+                <a:pos x="connsiteX10" y="connsiteY10"/>
+              </a:cxn>
+              <a:cxn ang="0">
+                <a:pos x="connsiteX11" y="connsiteY11"/>
+              </a:cxn>
+              <a:cxn ang="0">
+                <a:pos x="connsiteX12" y="connsiteY12"/>
+              </a:cxn>
+              <a:cxn ang="0">
+                <a:pos x="connsiteX13" y="connsiteY13"/>
+              </a:cxn>
+              <a:cxn ang="0">
+                <a:pos x="connsiteX14" y="connsiteY14"/>
+              </a:cxn>
+              <a:cxn ang="0">
+                <a:pos x="connsiteX15" y="connsiteY15"/>
+              </a:cxn>
+              <a:cxn ang="0">
+                <a:pos x="connsiteX16" y="connsiteY16"/>
+              </a:cxn>
+              <a:cxn ang="0">
+                <a:pos x="connsiteX17" y="connsiteY17"/>
+              </a:cxn>
+              <a:cxn ang="0">
+                <a:pos x="connsiteX18" y="connsiteY18"/>
+              </a:cxn>
+              <a:cxn ang="0">
+                <a:pos x="connsiteX19" y="connsiteY19"/>
+              </a:cxn>
+            </a:cxnLst>
+            <a:rect l="l" t="t" r="r" b="b"/>
+            <a:pathLst>
+              <a:path w="10917814" h="5571066">
+                <a:moveTo>
+                  <a:pt x="195712" y="0"/>
+                </a:moveTo>
+                <a:lnTo>
+                  <a:pt x="5062165" y="0"/>
+                </a:lnTo>
+                <a:lnTo>
+                  <a:pt x="5419638" y="268105"/>
+                </a:lnTo>
+                <a:lnTo>
+                  <a:pt x="5428105" y="271280"/>
+                </a:lnTo>
+                <a:lnTo>
+                  <a:pt x="5440804" y="276043"/>
+                </a:lnTo>
+                <a:lnTo>
+                  <a:pt x="5453505" y="280805"/>
+                </a:lnTo>
+                <a:lnTo>
+                  <a:pt x="5464088" y="280805"/>
+                </a:lnTo>
+                <a:lnTo>
+                  <a:pt x="5476788" y="280805"/>
+                </a:lnTo>
+                <a:lnTo>
+                  <a:pt x="5487371" y="276043"/>
+                </a:lnTo>
+                <a:lnTo>
+                  <a:pt x="5500071" y="271280"/>
+                </a:lnTo>
+                <a:lnTo>
+                  <a:pt x="5508538" y="268105"/>
+                </a:lnTo>
+                <a:lnTo>
+                  <a:pt x="5866011" y="0"/>
+                </a:lnTo>
+                <a:lnTo>
+                  <a:pt x="10722102" y="0"/>
+                </a:lnTo>
+                <a:cubicBezTo>
+                  <a:pt x="10830191" y="0"/>
+                  <a:pt x="10917814" y="87623"/>
+                  <a:pt x="10917814" y="195712"/>
+                </a:cubicBezTo>
+                <a:lnTo>
+                  <a:pt x="10917814" y="5375354"/>
+                </a:lnTo>
+                <a:cubicBezTo>
+                  <a:pt x="10917814" y="5483443"/>
+                  <a:pt x="10830191" y="5571066"/>
+                  <a:pt x="10722102" y="5571066"/>
+                </a:cubicBezTo>
+                <a:lnTo>
+                  <a:pt x="195712" y="5571066"/>
+                </a:lnTo>
+                <a:cubicBezTo>
+                  <a:pt x="87623" y="5571066"/>
+                  <a:pt x="0" y="5483443"/>
+                  <a:pt x="0" y="5375354"/>
+                </a:cubicBezTo>
+                <a:lnTo>
+                  <a:pt x="0" y="195712"/>
+                </a:lnTo>
+                <a:cubicBezTo>
+                  <a:pt x="0" y="87623"/>
+                  <a:pt x="87623" y="0"/>
+                  <a:pt x="195712" y="0"/>
+                </a:cubicBezTo>
+                <a:close/>
+              </a:path>
+            </a:pathLst>
+          </a:custGeom>
+          <a:noFill/>
+          <a:ln w="19050">
+            <a:solidFill>
+              <a:schemeClr val="accent1"/>
+            </a:solidFill>
+          </a:ln>
+          <a:effectLst/>
+        </p:spPr>
+        <p:style>
+          <a:lnRef idx="2">
+            <a:schemeClr val="accent1">
+              <a:shade val="50000"/>
+            </a:schemeClr>
+          </a:lnRef>
+          <a:fillRef idx="1">
+            <a:schemeClr val="accent1"/>
+          </a:fillRef>
+          <a:effectRef idx="0">
+            <a:schemeClr val="accent1"/>
+          </a:effectRef>
+          <a:fontRef idx="minor">
+            <a:schemeClr val="lt1"/>
+          </a:fontRef>
+        </p:style>
+        <p:txBody>
+          <a:bodyPr wrap="square" rtlCol="0" anchor="ctr">
+            <a:noAutofit/>
+          </a:bodyPr>
+          <a:lstStyle/>
+          <a:p>
+            <a:pPr algn="ctr"/>
+            <a:endParaRPr lang="en-US"/>
+          </a:p>
+        </p:txBody>
+      </p:sp>
+      <p:sp>
+        <p:nvSpPr>
+          <p:cNvPr id="2" name="Titre 1">
+            <a:extLst>
+              <a:ext uri="{FF2B5EF4-FFF2-40B4-BE49-F238E27FC236}">
+                <a16:creationId xmlns:a16="http://schemas.microsoft.com/office/drawing/2014/main" id="{EF862A0E-B311-4F9F-BAF0-07CB9654F0AE}"/>
+              </a:ext>
+            </a:extLst>
+          </p:cNvPr>
+          <p:cNvSpPr>
+            <a:spLocks noGrp="1"/>
+          </p:cNvSpPr>
+          <p:nvPr>
+            <p:ph type="title"/>
+          </p:nvPr>
+        </p:nvSpPr>
+        <p:spPr>
+          <a:xfrm>
+            <a:off x="1280559" y="1286935"/>
+            <a:ext cx="9638153" cy="2668377"/>
+          </a:xfrm>
+          <a:effectLst/>
+        </p:spPr>
+        <p:txBody>
+          <a:bodyPr vert="horz" lIns="91440" tIns="45720" rIns="91440" bIns="45720" rtlCol="0" anchor="b">
+            <a:normAutofit/>
+          </a:bodyPr>
+          <a:lstStyle/>
+          <a:p>
+            <a:pPr algn="ctr"/>
+            <a:r>
+              <a:rPr lang="en-US" sz="5400">
+                <a:solidFill>
+                  <a:schemeClr val="tx1"/>
+                </a:solidFill>
+              </a:rPr>
+              <a:t>Bilan</a:t>
+            </a:r>
+          </a:p>
+        </p:txBody>
+      </p:sp>
+    </p:spTree>
+    <p:extLst>
+      <p:ext uri="{BB962C8B-B14F-4D97-AF65-F5344CB8AC3E}">
+        <p14:creationId xmlns:p14="http://schemas.microsoft.com/office/powerpoint/2010/main" val="3827174331"/>
+      </p:ext>
+    </p:extLst>
+  </p:cSld>
+  <p:clrMapOvr>
+    <a:masterClrMapping/>
+  </p:clrMapOvr>
+</p:sld>
+</file>
+
+<file path=ppt/slides/slide22.xml><?xml version="1.0" encoding="utf-8"?>
+<p:sld xmlns:a="http://schemas.openxmlformats.org/drawingml/2006/main" xmlns:r="http://schemas.openxmlformats.org/officeDocument/2006/relationships" xmlns:p="http://schemas.openxmlformats.org/presentationml/2006/main">
+  <p:cSld>
+    <p:spTree>
+      <p:nvGrpSpPr>
+        <p:cNvPr id="1" name=""/>
+        <p:cNvGrpSpPr/>
+        <p:nvPr/>
+      </p:nvGrpSpPr>
+      <p:grpSpPr>
+        <a:xfrm>
+          <a:off x="0" y="0"/>
+          <a:ext cx="0" cy="0"/>
+          <a:chOff x="0" y="0"/>
+          <a:chExt cx="0" cy="0"/>
+        </a:xfrm>
+      </p:grpSpPr>
+      <p:sp>
+        <p:nvSpPr>
+          <p:cNvPr id="3" name="Titre 2">
+            <a:extLst>
+              <a:ext uri="{FF2B5EF4-FFF2-40B4-BE49-F238E27FC236}">
+                <a16:creationId xmlns:a16="http://schemas.microsoft.com/office/drawing/2014/main" id="{FF6C65AA-BE74-4BBF-BB98-2E6CC79905D7}"/>
+              </a:ext>
+            </a:extLst>
+          </p:cNvPr>
+          <p:cNvSpPr>
+            <a:spLocks noGrp="1"/>
+          </p:cNvSpPr>
+          <p:nvPr>
+            <p:ph type="title"/>
+          </p:nvPr>
+        </p:nvSpPr>
+        <p:spPr/>
+        <p:txBody>
+          <a:bodyPr/>
+          <a:lstStyle/>
+          <a:p>
+            <a:r>
+              <a:rPr lang="fr-FR" dirty="0"/>
+              <a:t>Parties manquantes</a:t>
+            </a:r>
+          </a:p>
+        </p:txBody>
+      </p:sp>
+      <p:sp>
+        <p:nvSpPr>
+          <p:cNvPr id="4" name="Espace réservé du contenu 3">
+            <a:extLst>
+              <a:ext uri="{FF2B5EF4-FFF2-40B4-BE49-F238E27FC236}">
+                <a16:creationId xmlns:a16="http://schemas.microsoft.com/office/drawing/2014/main" id="{CDE046A5-1BE6-427C-9F2C-3796DD0996E3}"/>
+              </a:ext>
+            </a:extLst>
+          </p:cNvPr>
+          <p:cNvSpPr>
+            <a:spLocks noGrp="1"/>
+          </p:cNvSpPr>
+          <p:nvPr>
+            <p:ph idx="1"/>
+          </p:nvPr>
+        </p:nvSpPr>
+        <p:spPr/>
+        <p:txBody>
+          <a:bodyPr/>
+          <a:lstStyle/>
+          <a:p>
+            <a:pPr lvl="0"/>
+            <a:r>
+              <a:rPr lang="fr-FR" dirty="0"/>
+              <a:t>Un Login qui marche correctement avec les utilisateurs que nous avons déclarés dans la base de données. </a:t>
+            </a:r>
+          </a:p>
+          <a:p>
+            <a:pPr lvl="0"/>
+            <a:r>
+              <a:rPr lang="fr-FR" dirty="0"/>
+              <a:t>Un service emprunt opérationnel.</a:t>
+            </a:r>
+          </a:p>
+          <a:p>
+            <a:pPr lvl="0"/>
+            <a:r>
+              <a:rPr lang="fr-FR" dirty="0"/>
+              <a:t>Envoyer les coordonnées pour remplir la table « Localisation ».</a:t>
+            </a:r>
+          </a:p>
+          <a:p>
+            <a:pPr marL="0" indent="0">
+              <a:buNone/>
+            </a:pPr>
+            <a:endParaRPr lang="fr-FR" dirty="0"/>
+          </a:p>
+        </p:txBody>
+      </p:sp>
+    </p:spTree>
+    <p:extLst>
+      <p:ext uri="{BB962C8B-B14F-4D97-AF65-F5344CB8AC3E}">
+        <p14:creationId xmlns:p14="http://schemas.microsoft.com/office/powerpoint/2010/main" val="3950054613"/>
+      </p:ext>
+    </p:extLst>
+  </p:cSld>
+  <p:clrMapOvr>
+    <a:masterClrMapping/>
+  </p:clrMapOvr>
+</p:sld>
+</file>
+
+<file path=ppt/slides/slide23.xml><?xml version="1.0" encoding="utf-8"?>
+<p:sld xmlns:a="http://schemas.openxmlformats.org/drawingml/2006/main" xmlns:r="http://schemas.openxmlformats.org/officeDocument/2006/relationships" xmlns:p="http://schemas.openxmlformats.org/presentationml/2006/main">
+  <p:cSld>
+    <p:spTree>
+      <p:nvGrpSpPr>
+        <p:cNvPr id="1" name=""/>
+        <p:cNvGrpSpPr/>
+        <p:nvPr/>
+      </p:nvGrpSpPr>
+      <p:grpSpPr>
+        <a:xfrm>
+          <a:off x="0" y="0"/>
+          <a:ext cx="0" cy="0"/>
+          <a:chOff x="0" y="0"/>
+          <a:chExt cx="0" cy="0"/>
+        </a:xfrm>
+      </p:grpSpPr>
+      <p:sp>
+        <p:nvSpPr>
+          <p:cNvPr id="2" name="Titre 1">
+            <a:extLst>
+              <a:ext uri="{FF2B5EF4-FFF2-40B4-BE49-F238E27FC236}">
+                <a16:creationId xmlns:a16="http://schemas.microsoft.com/office/drawing/2014/main" id="{EF2CCC0B-AF5E-4388-A69B-6D5AD43B1B41}"/>
+              </a:ext>
+            </a:extLst>
+          </p:cNvPr>
+          <p:cNvSpPr>
+            <a:spLocks noGrp="1"/>
+          </p:cNvSpPr>
+          <p:nvPr>
+            <p:ph type="title"/>
+          </p:nvPr>
+        </p:nvSpPr>
+        <p:spPr/>
+        <p:txBody>
+          <a:bodyPr/>
+          <a:lstStyle/>
+          <a:p>
+            <a:r>
+              <a:rPr lang="fr-FR" dirty="0"/>
+              <a:t>Conclusion</a:t>
+            </a:r>
+          </a:p>
+        </p:txBody>
+      </p:sp>
+      <p:sp>
+        <p:nvSpPr>
+          <p:cNvPr id="3" name="Espace réservé du contenu 2">
+            <a:extLst>
+              <a:ext uri="{FF2B5EF4-FFF2-40B4-BE49-F238E27FC236}">
+                <a16:creationId xmlns:a16="http://schemas.microsoft.com/office/drawing/2014/main" id="{8D717342-302C-44BA-8893-CD50808DBE6D}"/>
+              </a:ext>
+            </a:extLst>
+          </p:cNvPr>
+          <p:cNvSpPr>
+            <a:spLocks noGrp="1"/>
+          </p:cNvSpPr>
+          <p:nvPr>
+            <p:ph idx="1"/>
+          </p:nvPr>
+        </p:nvSpPr>
+        <p:spPr/>
+        <p:txBody>
+          <a:bodyPr/>
+          <a:lstStyle/>
+          <a:p>
+            <a:r>
+              <a:rPr lang="fr-FR" dirty="0"/>
+              <a:t>Ce projet nous a permis d’acquérir des connaissances très utiles dans le domaine des applications mobiles. </a:t>
+            </a:r>
+          </a:p>
+          <a:p>
+            <a:r>
+              <a:rPr lang="fr-FR" dirty="0"/>
+              <a:t>La partie où je devais manipuler les RFID et le NFC était la plus difficile. Cette tâche a pris la majeure partie de mon temps</a:t>
+            </a:r>
+          </a:p>
+          <a:p>
+            <a:r>
+              <a:rPr lang="fr-FR" dirty="0"/>
+              <a:t>Même si l’application n’est pas à la hauteur d’un expert développeur Android, j’espère que le projet répond aux attentes de la société FIO et du jury.</a:t>
+            </a:r>
+          </a:p>
+          <a:p>
+            <a:pPr marL="0" indent="0">
+              <a:buNone/>
+            </a:pPr>
+            <a:endParaRPr lang="fr-FR" dirty="0"/>
+          </a:p>
+        </p:txBody>
+      </p:sp>
+    </p:spTree>
+    <p:extLst>
+      <p:ext uri="{BB962C8B-B14F-4D97-AF65-F5344CB8AC3E}">
+        <p14:creationId xmlns:p14="http://schemas.microsoft.com/office/powerpoint/2010/main" val="199597704"/>
+      </p:ext>
+    </p:extLst>
+  </p:cSld>
+  <p:clrMapOvr>
+    <a:masterClrMapping/>
+  </p:clrMapOvr>
+</p:sld>
+</file>
+
+<file path=ppt/slides/slide3.xml><?xml version="1.0" encoding="utf-8"?>
+<p:sld xmlns:a="http://schemas.openxmlformats.org/drawingml/2006/main" xmlns:r="http://schemas.openxmlformats.org/officeDocument/2006/relationships" xmlns:p="http://schemas.openxmlformats.org/presentationml/2006/main">
+  <p:cSld>
+    <p:bg>
+      <p:bgPr>
+        <a:solidFill>
+          <a:schemeClr val="bg1"/>
+        </a:solidFill>
+        <a:effectLst/>
+      </p:bgPr>
+    </p:bg>
+    <p:spTree>
+      <p:nvGrpSpPr>
+        <p:cNvPr id="1" name=""/>
+        <p:cNvGrpSpPr/>
+        <p:nvPr/>
+      </p:nvGrpSpPr>
+      <p:grpSpPr>
+        <a:xfrm>
+          <a:off x="0" y="0"/>
+          <a:ext cx="0" cy="0"/>
+          <a:chOff x="0" y="0"/>
+          <a:chExt cx="0" cy="0"/>
+        </a:xfrm>
+      </p:grpSpPr>
+      <p:sp>
+        <p:nvSpPr>
+          <p:cNvPr id="9" name="Rectangle 8">
+            <a:extLst>
+              <a:ext uri="{FF2B5EF4-FFF2-40B4-BE49-F238E27FC236}">
+                <a16:creationId xmlns:a16="http://schemas.microsoft.com/office/drawing/2014/main" id="{E2264E67-6F59-4D8D-8E5F-8245B0FEAE76}"/>
+              </a:ext>
+              <a:ext uri="{C183D7F6-B498-43B3-948B-1728B52AA6E4}">
+                <adec:decorative xmlns:adec="http://schemas.microsoft.com/office/drawing/2017/decorative" val="1"/>
+              </a:ext>
+            </a:extLst>
+          </p:cNvPr>
+          <p:cNvSpPr>
+            <a:spLocks noGrp="1" noRot="1" noChangeAspect="1" noMove="1" noResize="1" noEditPoints="1" noAdjustHandles="1" noChangeArrowheads="1" noChangeShapeType="1" noTextEdit="1"/>
+          </p:cNvSpPr>
+          <p:nvPr>
+            <p:extLst>
+              <p:ext uri="{386F3935-93C4-4BCD-93E2-E3B085C9AB24}">
+                <p16:designElem xmlns:p16="http://schemas.microsoft.com/office/powerpoint/2015/main" val="1"/>
+              </p:ext>
+            </p:extLst>
+          </p:nvPr>
+        </p:nvSpPr>
+        <p:spPr>
+          <a:xfrm>
+            <a:off x="4573" y="0"/>
+            <a:ext cx="12187427" cy="6858000"/>
+          </a:xfrm>
+          <a:prstGeom prst="rect">
+            <a:avLst/>
+          </a:prstGeom>
+          <a:solidFill>
+            <a:schemeClr val="bg1"/>
+          </a:solidFill>
+          <a:ln>
+            <a:noFill/>
+          </a:ln>
+        </p:spPr>
+        <p:style>
+          <a:lnRef idx="2">
+            <a:schemeClr val="accent1">
+              <a:shade val="50000"/>
+            </a:schemeClr>
+          </a:lnRef>
+          <a:fillRef idx="1">
+            <a:schemeClr val="accent1"/>
+          </a:fillRef>
+          <a:effectRef idx="0">
+            <a:schemeClr val="accent1"/>
+          </a:effectRef>
+          <a:fontRef idx="minor">
+            <a:schemeClr val="lt1"/>
+          </a:fontRef>
+        </p:style>
+        <p:txBody>
+          <a:bodyPr rtlCol="0" anchor="ctr"/>
+          <a:lstStyle/>
+          <a:p>
+            <a:pPr algn="ctr"/>
+            <a:endParaRPr lang="en-US"/>
+          </a:p>
+        </p:txBody>
+      </p:sp>
+      <p:sp>
+        <p:nvSpPr>
+          <p:cNvPr id="11" name="Freeform 23">
+            <a:extLst>
+              <a:ext uri="{FF2B5EF4-FFF2-40B4-BE49-F238E27FC236}">
+                <a16:creationId xmlns:a16="http://schemas.microsoft.com/office/drawing/2014/main" id="{158E1C6E-D299-4F5D-B15B-155EBF7F62FD}"/>
+              </a:ext>
+              <a:ext uri="{C183D7F6-B498-43B3-948B-1728B52AA6E4}">
+                <adec:decorative xmlns:adec="http://schemas.microsoft.com/office/drawing/2017/decorative" val="1"/>
+              </a:ext>
+            </a:extLst>
+          </p:cNvPr>
+          <p:cNvSpPr>
+            <a:spLocks noGrp="1" noRot="1" noChangeAspect="1" noMove="1" noResize="1" noEditPoints="1" noAdjustHandles="1" noChangeArrowheads="1" noChangeShapeType="1" noTextEdit="1"/>
+          </p:cNvSpPr>
+          <p:nvPr>
+            <p:extLst>
+              <p:ext uri="{386F3935-93C4-4BCD-93E2-E3B085C9AB24}">
+                <p16:designElem xmlns:p16="http://schemas.microsoft.com/office/powerpoint/2015/main" val="1"/>
+              </p:ext>
+            </p:extLst>
+          </p:nvPr>
+        </p:nvSpPr>
+        <p:spPr bwMode="white">
+          <a:xfrm>
+            <a:off x="0" y="0"/>
+            <a:ext cx="4637005" cy="6858000"/>
+          </a:xfrm>
+          <a:custGeom>
+            <a:avLst/>
+            <a:gdLst>
+              <a:gd name="connsiteX0" fmla="*/ 0 w 4637005"/>
+              <a:gd name="connsiteY0" fmla="*/ 0 h 6858000"/>
+              <a:gd name="connsiteX1" fmla="*/ 4637005 w 4637005"/>
+              <a:gd name="connsiteY1" fmla="*/ 0 h 6858000"/>
+              <a:gd name="connsiteX2" fmla="*/ 4637005 w 4637005"/>
+              <a:gd name="connsiteY2" fmla="*/ 1900238 h 6858000"/>
+              <a:gd name="connsiteX3" fmla="*/ 4266589 w 4637005"/>
+              <a:gd name="connsiteY3" fmla="*/ 2178050 h 6858000"/>
+              <a:gd name="connsiteX4" fmla="*/ 4262355 w 4637005"/>
+              <a:gd name="connsiteY4" fmla="*/ 2184400 h 6858000"/>
+              <a:gd name="connsiteX5" fmla="*/ 4256005 w 4637005"/>
+              <a:gd name="connsiteY5" fmla="*/ 2193925 h 6858000"/>
+              <a:gd name="connsiteX6" fmla="*/ 4249655 w 4637005"/>
+              <a:gd name="connsiteY6" fmla="*/ 2201863 h 6858000"/>
+              <a:gd name="connsiteX7" fmla="*/ 4249655 w 4637005"/>
+              <a:gd name="connsiteY7" fmla="*/ 2211388 h 6858000"/>
+              <a:gd name="connsiteX8" fmla="*/ 4249655 w 4637005"/>
+              <a:gd name="connsiteY8" fmla="*/ 2220913 h 6858000"/>
+              <a:gd name="connsiteX9" fmla="*/ 4256005 w 4637005"/>
+              <a:gd name="connsiteY9" fmla="*/ 2228850 h 6858000"/>
+              <a:gd name="connsiteX10" fmla="*/ 4262355 w 4637005"/>
+              <a:gd name="connsiteY10" fmla="*/ 2238375 h 6858000"/>
+              <a:gd name="connsiteX11" fmla="*/ 4266589 w 4637005"/>
+              <a:gd name="connsiteY11" fmla="*/ 2244725 h 6858000"/>
+              <a:gd name="connsiteX12" fmla="*/ 4637005 w 4637005"/>
+              <a:gd name="connsiteY12" fmla="*/ 2522538 h 6858000"/>
+              <a:gd name="connsiteX13" fmla="*/ 4637005 w 4637005"/>
+              <a:gd name="connsiteY13" fmla="*/ 6858000 h 6858000"/>
+              <a:gd name="connsiteX14" fmla="*/ 0 w 4637005"/>
+              <a:gd name="connsiteY14" fmla="*/ 6858000 h 6858000"/>
+            </a:gdLst>
+            <a:ahLst/>
+            <a:cxnLst>
+              <a:cxn ang="0">
+                <a:pos x="connsiteX0" y="connsiteY0"/>
+              </a:cxn>
+              <a:cxn ang="0">
+                <a:pos x="connsiteX1" y="connsiteY1"/>
+              </a:cxn>
+              <a:cxn ang="0">
+                <a:pos x="connsiteX2" y="connsiteY2"/>
+              </a:cxn>
+              <a:cxn ang="0">
+                <a:pos x="connsiteX3" y="connsiteY3"/>
+              </a:cxn>
+              <a:cxn ang="0">
+                <a:pos x="connsiteX4" y="connsiteY4"/>
+              </a:cxn>
+              <a:cxn ang="0">
+                <a:pos x="connsiteX5" y="connsiteY5"/>
+              </a:cxn>
+              <a:cxn ang="0">
+                <a:pos x="connsiteX6" y="connsiteY6"/>
+              </a:cxn>
+              <a:cxn ang="0">
+                <a:pos x="connsiteX7" y="connsiteY7"/>
+              </a:cxn>
+              <a:cxn ang="0">
+                <a:pos x="connsiteX8" y="connsiteY8"/>
+              </a:cxn>
+              <a:cxn ang="0">
+                <a:pos x="connsiteX9" y="connsiteY9"/>
+              </a:cxn>
+              <a:cxn ang="0">
+                <a:pos x="connsiteX10" y="connsiteY10"/>
+              </a:cxn>
+              <a:cxn ang="0">
+                <a:pos x="connsiteX11" y="connsiteY11"/>
+              </a:cxn>
+              <a:cxn ang="0">
+                <a:pos x="connsiteX12" y="connsiteY12"/>
+              </a:cxn>
+              <a:cxn ang="0">
+                <a:pos x="connsiteX13" y="connsiteY13"/>
+              </a:cxn>
+              <a:cxn ang="0">
+                <a:pos x="connsiteX14" y="connsiteY14"/>
+              </a:cxn>
+            </a:cxnLst>
+            <a:rect l="l" t="t" r="r" b="b"/>
+            <a:pathLst>
+              <a:path w="4637005" h="6858000">
+                <a:moveTo>
+                  <a:pt x="0" y="0"/>
+                </a:moveTo>
+                <a:lnTo>
+                  <a:pt x="4637005" y="0"/>
+                </a:lnTo>
+                <a:lnTo>
+                  <a:pt x="4637005" y="1900238"/>
+                </a:lnTo>
+                <a:lnTo>
+                  <a:pt x="4266589" y="2178050"/>
+                </a:lnTo>
+                <a:lnTo>
+                  <a:pt x="4262355" y="2184400"/>
+                </a:lnTo>
+                <a:lnTo>
+                  <a:pt x="4256005" y="2193925"/>
+                </a:lnTo>
+                <a:lnTo>
+                  <a:pt x="4249655" y="2201863"/>
+                </a:lnTo>
+                <a:lnTo>
+                  <a:pt x="4249655" y="2211388"/>
+                </a:lnTo>
+                <a:lnTo>
+                  <a:pt x="4249655" y="2220913"/>
+                </a:lnTo>
+                <a:lnTo>
+                  <a:pt x="4256005" y="2228850"/>
+                </a:lnTo>
+                <a:lnTo>
+                  <a:pt x="4262355" y="2238375"/>
+                </a:lnTo>
+                <a:lnTo>
+                  <a:pt x="4266589" y="2244725"/>
+                </a:lnTo>
+                <a:lnTo>
+                  <a:pt x="4637005" y="2522538"/>
+                </a:lnTo>
+                <a:lnTo>
+                  <a:pt x="4637005" y="6858000"/>
+                </a:lnTo>
+                <a:lnTo>
+                  <a:pt x="0" y="6858000"/>
+                </a:lnTo>
+                <a:close/>
+              </a:path>
+            </a:pathLst>
+          </a:custGeom>
+          <a:solidFill>
+            <a:srgbClr val="212121"/>
+          </a:solidFill>
+          <a:ln>
+            <a:noFill/>
+            <a:headEnd/>
+            <a:tailEnd/>
+          </a:ln>
+        </p:spPr>
+        <p:style>
+          <a:lnRef idx="1">
+            <a:schemeClr val="accent1"/>
+          </a:lnRef>
+          <a:fillRef idx="3">
+            <a:schemeClr val="accent1"/>
+          </a:fillRef>
+          <a:effectRef idx="2">
+            <a:schemeClr val="accent1"/>
+          </a:effectRef>
+          <a:fontRef idx="minor">
+            <a:schemeClr val="lt1"/>
+          </a:fontRef>
+        </p:style>
+        <p:txBody>
+          <a:bodyPr wrap="square" rtlCol="0" anchor="ctr">
+            <a:noAutofit/>
+          </a:bodyPr>
+          <a:lstStyle/>
+          <a:p>
+            <a:pPr algn="ctr"/>
+            <a:endParaRPr lang="en-US"/>
+          </a:p>
+        </p:txBody>
+      </p:sp>
+      <p:sp>
+        <p:nvSpPr>
+          <p:cNvPr id="2" name="Titre 1">
+            <a:extLst>
+              <a:ext uri="{FF2B5EF4-FFF2-40B4-BE49-F238E27FC236}">
+                <a16:creationId xmlns:a16="http://schemas.microsoft.com/office/drawing/2014/main" id="{1C745A3F-D2C1-4AD8-887D-F974FF99D293}"/>
+              </a:ext>
+            </a:extLst>
+          </p:cNvPr>
+          <p:cNvSpPr>
+            <a:spLocks noGrp="1"/>
+          </p:cNvSpPr>
+          <p:nvPr>
+            <p:ph type="title"/>
+          </p:nvPr>
+        </p:nvSpPr>
+        <p:spPr>
+          <a:xfrm>
+            <a:off x="451514" y="457201"/>
+            <a:ext cx="3575737" cy="1332688"/>
+          </a:xfrm>
+        </p:spPr>
+        <p:txBody>
+          <a:bodyPr anchor="b">
+            <a:normAutofit/>
+          </a:bodyPr>
+          <a:lstStyle/>
+          <a:p>
+            <a:pPr algn="ctr"/>
+            <a:r>
+              <a:rPr lang="fr-FR" sz="3200" dirty="0">
+                <a:solidFill>
+                  <a:srgbClr val="FFFFFF"/>
+                </a:solidFill>
+              </a:rPr>
+              <a:t>Finalité du projet</a:t>
+            </a:r>
+          </a:p>
+        </p:txBody>
+      </p:sp>
+      <p:sp>
+        <p:nvSpPr>
+          <p:cNvPr id="3" name="Espace réservé du contenu 2">
+            <a:extLst>
+              <a:ext uri="{FF2B5EF4-FFF2-40B4-BE49-F238E27FC236}">
+                <a16:creationId xmlns:a16="http://schemas.microsoft.com/office/drawing/2014/main" id="{D30C5D0E-B5AF-49FB-B817-6D9FB8F3FF6F}"/>
+              </a:ext>
+            </a:extLst>
+          </p:cNvPr>
+          <p:cNvSpPr>
+            <a:spLocks noGrp="1"/>
+          </p:cNvSpPr>
+          <p:nvPr>
+            <p:ph idx="1"/>
+          </p:nvPr>
+        </p:nvSpPr>
+        <p:spPr>
+          <a:xfrm>
+            <a:off x="451514" y="2046514"/>
+            <a:ext cx="3575737" cy="3994848"/>
+          </a:xfrm>
+        </p:spPr>
+        <p:txBody>
+          <a:bodyPr>
+            <a:normAutofit/>
+          </a:bodyPr>
+          <a:lstStyle/>
+          <a:p>
+            <a:r>
+              <a:rPr lang="fr-FR" sz="1600" dirty="0">
+                <a:solidFill>
+                  <a:srgbClr val="FFFFFF"/>
+                </a:solidFill>
+              </a:rPr>
+              <a:t>Simplifier le partage de matériel entre emprunteurs en leur faisant gagner du temps grâce à un système en temps réel d’état d’emprunt de matériels.</a:t>
             </a:r>
           </a:p>
         </p:txBody>
@@ -7950,7 +10580,7 @@
 </p:sld>
 </file>
 
-<file path=ppt/slides/slide3.xml><?xml version="1.0" encoding="utf-8"?>
+<file path=ppt/slides/slide4.xml><?xml version="1.0" encoding="utf-8"?>
 <p:sld xmlns:a="http://schemas.openxmlformats.org/drawingml/2006/main" xmlns:r="http://schemas.openxmlformats.org/officeDocument/2006/relationships" xmlns:p="http://schemas.openxmlformats.org/presentationml/2006/main">
   <p:cSld>
     <p:bg>
@@ -8071,7 +10701,7 @@
           </a:ln>
           <a:extLst>
             <a:ext uri="{91240B29-F687-4f45-9708-019B960494DF}">
-              <a14:hiddenLine xmlns="" xmlns:a16="http://schemas.microsoft.com/office/drawing/2014/main" xmlns:p14="http://schemas.microsoft.com/office/powerpoint/2010/main" xmlns:a14="http://schemas.microsoft.com/office/drawing/2010/main" w="9525">
+              <a14:hiddenLine xmlns:a14="http://schemas.microsoft.com/office/drawing/2010/main" xmlns:p14="http://schemas.microsoft.com/office/powerpoint/2010/main" xmlns:a16="http://schemas.microsoft.com/office/drawing/2014/main" xmlns="" w="9525">
                 <a:solidFill>
                   <a:srgbClr val="000000"/>
                 </a:solidFill>
@@ -8181,7 +10811,7 @@
         </p:nvSpPr>
         <p:spPr>
           <a:xfrm>
-            <a:off x="1065402" y="6352598"/>
+            <a:off x="1005987" y="6352598"/>
             <a:ext cx="2827090" cy="369332"/>
           </a:xfrm>
           <a:prstGeom prst="rect">
@@ -8195,6 +10825,7 @@
           </a:bodyPr>
           <a:lstStyle/>
           <a:p>
+            <a:pPr algn="ctr"/>
             <a:r>
               <a:rPr lang="fr-FR" dirty="0"/>
               <a:t>Exigences du projet</a:t>
@@ -8291,7 +10922,7 @@
 </p:sld>
 </file>
 
-<file path=ppt/slides/slide4.xml><?xml version="1.0" encoding="utf-8"?>
+<file path=ppt/slides/slide5.xml><?xml version="1.0" encoding="utf-8"?>
 <p:sld xmlns:a="http://schemas.openxmlformats.org/drawingml/2006/main" xmlns:r="http://schemas.openxmlformats.org/officeDocument/2006/relationships" xmlns:p="http://schemas.openxmlformats.org/presentationml/2006/main">
   <p:cSld>
     <p:bg>
@@ -8411,7 +11042,7 @@
           <a:effectLst/>
           <a:extLst>
             <a:ext uri="{91240B29-F687-4f45-9708-019B960494DF}">
-              <a14:hiddenLine xmlns:a14="http://schemas.microsoft.com/office/drawing/2010/main" xmlns:p14="http://schemas.microsoft.com/office/powerpoint/2010/main" xmlns:a16="http://schemas.microsoft.com/office/drawing/2014/main" xmlns="" w="9525">
+              <a14:hiddenLine xmlns="" xmlns:a16="http://schemas.microsoft.com/office/drawing/2014/main" xmlns:p14="http://schemas.microsoft.com/office/powerpoint/2010/main" xmlns:a14="http://schemas.microsoft.com/office/drawing/2010/main" w="9525">
                 <a:solidFill>
                   <a:srgbClr val="000000"/>
                 </a:solidFill>
@@ -8863,6 +11494,9 @@
           <a:prstGeom prst="rect">
             <a:avLst/>
           </a:prstGeom>
+          <a:ln>
+            <a:noFill/>
+          </a:ln>
         </p:spPr>
       </p:pic>
     </p:spTree>
@@ -8878,7 +11512,7 @@
 </p:sld>
 </file>
 
-<file path=ppt/slides/slide5.xml><?xml version="1.0" encoding="utf-8"?>
+<file path=ppt/slides/slide6.xml><?xml version="1.0" encoding="utf-8"?>
 <p:sld xmlns:a="http://schemas.openxmlformats.org/drawingml/2006/main" xmlns:r="http://schemas.openxmlformats.org/officeDocument/2006/relationships" xmlns:p="http://schemas.openxmlformats.org/presentationml/2006/main">
   <p:cSld>
     <p:bg>
@@ -8998,7 +11632,7 @@
           <a:effectLst/>
           <a:extLst>
             <a:ext uri="{91240B29-F687-4f45-9708-019B960494DF}">
-              <a14:hiddenLine xmlns:a14="http://schemas.microsoft.com/office/drawing/2010/main" xmlns:p14="http://schemas.microsoft.com/office/powerpoint/2010/main" xmlns:a16="http://schemas.microsoft.com/office/drawing/2014/main" xmlns="" w="9525">
+              <a14:hiddenLine xmlns="" xmlns:a16="http://schemas.microsoft.com/office/drawing/2014/main" xmlns:p14="http://schemas.microsoft.com/office/powerpoint/2010/main" xmlns:a14="http://schemas.microsoft.com/office/drawing/2010/main" w="9525">
                 <a:solidFill>
                   <a:srgbClr val="000000"/>
                 </a:solidFill>
@@ -9435,7 +12069,947 @@
 </p:sld>
 </file>
 
-<file path=ppt/slides/slide6.xml><?xml version="1.0" encoding="utf-8"?>
+<file path=ppt/slides/slide7.xml><?xml version="1.0" encoding="utf-8"?>
+<p:sld xmlns:a="http://schemas.openxmlformats.org/drawingml/2006/main" xmlns:r="http://schemas.openxmlformats.org/officeDocument/2006/relationships" xmlns:p="http://schemas.openxmlformats.org/presentationml/2006/main">
+  <p:cSld>
+    <p:bg>
+      <p:bgPr>
+        <a:solidFill>
+          <a:schemeClr val="bg1"/>
+        </a:solidFill>
+        <a:effectLst/>
+      </p:bgPr>
+    </p:bg>
+    <p:spTree>
+      <p:nvGrpSpPr>
+        <p:cNvPr id="1" name=""/>
+        <p:cNvGrpSpPr/>
+        <p:nvPr/>
+      </p:nvGrpSpPr>
+      <p:grpSpPr>
+        <a:xfrm>
+          <a:off x="0" y="0"/>
+          <a:ext cx="0" cy="0"/>
+          <a:chOff x="0" y="0"/>
+          <a:chExt cx="0" cy="0"/>
+        </a:xfrm>
+      </p:grpSpPr>
+      <p:sp>
+        <p:nvSpPr>
+          <p:cNvPr id="8" name="Freeform 6">
+            <a:extLst>
+              <a:ext uri="{FF2B5EF4-FFF2-40B4-BE49-F238E27FC236}">
+                <a16:creationId xmlns:a16="http://schemas.microsoft.com/office/drawing/2014/main" id="{133F8CB7-795C-4272-9073-64D8CF97F220}"/>
+              </a:ext>
+              <a:ext uri="{C183D7F6-B498-43B3-948B-1728B52AA6E4}">
+                <adec:decorative xmlns:adec="http://schemas.microsoft.com/office/drawing/2017/decorative" val="1"/>
+              </a:ext>
+            </a:extLst>
+          </p:cNvPr>
+          <p:cNvSpPr>
+            <a:spLocks noGrp="1" noRot="1" noChangeAspect="1" noMove="1" noResize="1" noEditPoints="1" noAdjustHandles="1" noChangeArrowheads="1" noChangeShapeType="1" noTextEdit="1"/>
+          </p:cNvSpPr>
+          <p:nvPr>
+            <p:extLst>
+              <p:ext uri="{386F3935-93C4-4BCD-93E2-E3B085C9AB24}">
+                <p16:designElem xmlns:p16="http://schemas.microsoft.com/office/powerpoint/2015/main" val="1"/>
+              </p:ext>
+            </p:extLst>
+          </p:nvPr>
+        </p:nvSpPr>
+        <p:spPr bwMode="auto">
+          <a:xfrm>
+            <a:off x="0" y="-3175"/>
+            <a:ext cx="12192000" cy="5203825"/>
+          </a:xfrm>
+          <a:custGeom>
+            <a:avLst/>
+            <a:gdLst/>
+            <a:ahLst/>
+            <a:cxnLst/>
+            <a:rect l="0" t="0" r="r" b="b"/>
+            <a:pathLst>
+              <a:path w="5760" h="3278">
+                <a:moveTo>
+                  <a:pt x="5760" y="0"/>
+                </a:moveTo>
+                <a:lnTo>
+                  <a:pt x="0" y="0"/>
+                </a:lnTo>
+                <a:lnTo>
+                  <a:pt x="0" y="3090"/>
+                </a:lnTo>
+                <a:lnTo>
+                  <a:pt x="943" y="3090"/>
+                </a:lnTo>
+                <a:lnTo>
+                  <a:pt x="1123" y="3270"/>
+                </a:lnTo>
+                <a:lnTo>
+                  <a:pt x="1123" y="3270"/>
+                </a:lnTo>
+                <a:lnTo>
+                  <a:pt x="1127" y="3272"/>
+                </a:lnTo>
+                <a:lnTo>
+                  <a:pt x="1133" y="3275"/>
+                </a:lnTo>
+                <a:lnTo>
+                  <a:pt x="1139" y="3278"/>
+                </a:lnTo>
+                <a:lnTo>
+                  <a:pt x="1144" y="3278"/>
+                </a:lnTo>
+                <a:lnTo>
+                  <a:pt x="1150" y="3278"/>
+                </a:lnTo>
+                <a:lnTo>
+                  <a:pt x="1155" y="3275"/>
+                </a:lnTo>
+                <a:lnTo>
+                  <a:pt x="1161" y="3272"/>
+                </a:lnTo>
+                <a:lnTo>
+                  <a:pt x="1165" y="3270"/>
+                </a:lnTo>
+                <a:lnTo>
+                  <a:pt x="1345" y="3090"/>
+                </a:lnTo>
+                <a:lnTo>
+                  <a:pt x="5760" y="3090"/>
+                </a:lnTo>
+                <a:lnTo>
+                  <a:pt x="5760" y="0"/>
+                </a:lnTo>
+                <a:close/>
+              </a:path>
+            </a:pathLst>
+          </a:custGeom>
+          <a:ln/>
+          <a:effectLst/>
+          <a:extLst>
+            <a:ext uri="{91240B29-F687-4f45-9708-019B960494DF}">
+              <a14:hiddenLine xmlns="" xmlns:a16="http://schemas.microsoft.com/office/drawing/2014/main" xmlns:p14="http://schemas.microsoft.com/office/powerpoint/2010/main" xmlns:a14="http://schemas.microsoft.com/office/drawing/2010/main" w="9525">
+                <a:solidFill>
+                  <a:srgbClr val="000000"/>
+                </a:solidFill>
+                <a:round/>
+                <a:headEnd/>
+                <a:tailEnd/>
+              </a14:hiddenLine>
+            </a:ext>
+          </a:extLst>
+        </p:spPr>
+        <p:style>
+          <a:lnRef idx="1">
+            <a:schemeClr val="accent1"/>
+          </a:lnRef>
+          <a:fillRef idx="3">
+            <a:schemeClr val="accent1"/>
+          </a:fillRef>
+          <a:effectRef idx="2">
+            <a:schemeClr val="accent1"/>
+          </a:effectRef>
+          <a:fontRef idx="minor">
+            <a:schemeClr val="lt1"/>
+          </a:fontRef>
+        </p:style>
+      </p:sp>
+      <p:sp>
+        <p:nvSpPr>
+          <p:cNvPr id="10" name="Rectangle 9">
+            <a:extLst>
+              <a:ext uri="{FF2B5EF4-FFF2-40B4-BE49-F238E27FC236}">
+                <a16:creationId xmlns:a16="http://schemas.microsoft.com/office/drawing/2014/main" id="{F611655D-86DD-44E5-9999-B2135809D20A}"/>
+              </a:ext>
+              <a:ext uri="{C183D7F6-B498-43B3-948B-1728B52AA6E4}">
+                <adec:decorative xmlns:adec="http://schemas.microsoft.com/office/drawing/2017/decorative" val="1"/>
+              </a:ext>
+            </a:extLst>
+          </p:cNvPr>
+          <p:cNvSpPr>
+            <a:spLocks noGrp="1" noRot="1" noChangeAspect="1" noMove="1" noResize="1" noEditPoints="1" noAdjustHandles="1" noChangeArrowheads="1" noChangeShapeType="1" noTextEdit="1"/>
+          </p:cNvSpPr>
+          <p:nvPr>
+            <p:extLst>
+              <p:ext uri="{386F3935-93C4-4BCD-93E2-E3B085C9AB24}">
+                <p16:designElem xmlns:p16="http://schemas.microsoft.com/office/powerpoint/2015/main" val="1"/>
+              </p:ext>
+            </p:extLst>
+          </p:nvPr>
+        </p:nvSpPr>
+        <p:spPr>
+          <a:xfrm>
+            <a:off x="0" y="0"/>
+            <a:ext cx="12192000" cy="6858000"/>
+          </a:xfrm>
+          <a:prstGeom prst="rect">
+            <a:avLst/>
+          </a:prstGeom>
+          <a:solidFill>
+            <a:schemeClr val="bg1"/>
+          </a:solidFill>
+          <a:ln>
+            <a:noFill/>
+          </a:ln>
+        </p:spPr>
+        <p:style>
+          <a:lnRef idx="2">
+            <a:schemeClr val="accent1">
+              <a:shade val="50000"/>
+            </a:schemeClr>
+          </a:lnRef>
+          <a:fillRef idx="1">
+            <a:schemeClr val="accent1"/>
+          </a:fillRef>
+          <a:effectRef idx="0">
+            <a:schemeClr val="accent1"/>
+          </a:effectRef>
+          <a:fontRef idx="minor">
+            <a:schemeClr val="lt1"/>
+          </a:fontRef>
+        </p:style>
+        <p:txBody>
+          <a:bodyPr rtlCol="0" anchor="ctr"/>
+          <a:lstStyle/>
+          <a:p>
+            <a:pPr algn="ctr"/>
+            <a:endParaRPr lang="en-US"/>
+          </a:p>
+        </p:txBody>
+      </p:sp>
+      <p:sp>
+        <p:nvSpPr>
+          <p:cNvPr id="12" name="Freeform 6">
+            <a:extLst>
+              <a:ext uri="{FF2B5EF4-FFF2-40B4-BE49-F238E27FC236}">
+                <a16:creationId xmlns:a16="http://schemas.microsoft.com/office/drawing/2014/main" id="{11443580-A880-4C5F-9EB1-FC254EC650C1}"/>
+              </a:ext>
+              <a:ext uri="{C183D7F6-B498-43B3-948B-1728B52AA6E4}">
+                <adec:decorative xmlns:adec="http://schemas.microsoft.com/office/drawing/2017/decorative" val="1"/>
+              </a:ext>
+            </a:extLst>
+          </p:cNvPr>
+          <p:cNvSpPr>
+            <a:spLocks noGrp="1" noRot="1" noChangeAspect="1" noMove="1" noResize="1" noEditPoints="1" noAdjustHandles="1" noChangeArrowheads="1" noChangeShapeType="1" noTextEdit="1"/>
+          </p:cNvSpPr>
+          <p:nvPr>
+            <p:extLst>
+              <p:ext uri="{386F3935-93C4-4BCD-93E2-E3B085C9AB24}">
+                <p16:designElem xmlns:p16="http://schemas.microsoft.com/office/powerpoint/2015/main" val="1"/>
+              </p:ext>
+            </p:extLst>
+          </p:nvPr>
+        </p:nvSpPr>
+        <p:spPr bwMode="auto">
+          <a:xfrm flipV="1">
+            <a:off x="0" y="4672012"/>
+            <a:ext cx="12192000" cy="2185988"/>
+          </a:xfrm>
+          <a:custGeom>
+            <a:avLst/>
+            <a:gdLst/>
+            <a:ahLst/>
+            <a:cxnLst/>
+            <a:rect l="0" t="0" r="r" b="b"/>
+            <a:pathLst>
+              <a:path w="5760" h="1377">
+                <a:moveTo>
+                  <a:pt x="5760" y="0"/>
+                </a:moveTo>
+                <a:lnTo>
+                  <a:pt x="0" y="0"/>
+                </a:lnTo>
+                <a:lnTo>
+                  <a:pt x="0" y="1189"/>
+                </a:lnTo>
+                <a:lnTo>
+                  <a:pt x="943" y="1189"/>
+                </a:lnTo>
+                <a:lnTo>
+                  <a:pt x="1123" y="1369"/>
+                </a:lnTo>
+                <a:lnTo>
+                  <a:pt x="1123" y="1369"/>
+                </a:lnTo>
+                <a:lnTo>
+                  <a:pt x="1127" y="1371"/>
+                </a:lnTo>
+                <a:lnTo>
+                  <a:pt x="1133" y="1374"/>
+                </a:lnTo>
+                <a:lnTo>
+                  <a:pt x="1139" y="1377"/>
+                </a:lnTo>
+                <a:lnTo>
+                  <a:pt x="1144" y="1377"/>
+                </a:lnTo>
+                <a:lnTo>
+                  <a:pt x="1150" y="1377"/>
+                </a:lnTo>
+                <a:lnTo>
+                  <a:pt x="1155" y="1374"/>
+                </a:lnTo>
+                <a:lnTo>
+                  <a:pt x="1161" y="1371"/>
+                </a:lnTo>
+                <a:lnTo>
+                  <a:pt x="1165" y="1369"/>
+                </a:lnTo>
+                <a:lnTo>
+                  <a:pt x="1345" y="1189"/>
+                </a:lnTo>
+                <a:lnTo>
+                  <a:pt x="5760" y="1189"/>
+                </a:lnTo>
+                <a:lnTo>
+                  <a:pt x="5760" y="0"/>
+                </a:lnTo>
+                <a:close/>
+              </a:path>
+            </a:pathLst>
+          </a:custGeom>
+          <a:solidFill>
+            <a:srgbClr val="212121"/>
+          </a:solidFill>
+          <a:ln>
+            <a:noFill/>
+          </a:ln>
+          <a:extLst>
+            <a:ext uri="{91240B29-F687-4f45-9708-019B960494DF}">
+              <a14:hiddenLine xmlns="" xmlns:a16="http://schemas.microsoft.com/office/drawing/2014/main" xmlns:p14="http://schemas.microsoft.com/office/powerpoint/2010/main" xmlns:a14="http://schemas.microsoft.com/office/drawing/2010/main" w="9525">
+                <a:solidFill>
+                  <a:srgbClr val="000000"/>
+                </a:solidFill>
+                <a:round/>
+                <a:headEnd/>
+                <a:tailEnd/>
+              </a14:hiddenLine>
+            </a:ext>
+          </a:extLst>
+        </p:spPr>
+        <p:style>
+          <a:lnRef idx="1">
+            <a:schemeClr val="accent1"/>
+          </a:lnRef>
+          <a:fillRef idx="3">
+            <a:schemeClr val="accent1"/>
+          </a:fillRef>
+          <a:effectRef idx="2">
+            <a:schemeClr val="accent1"/>
+          </a:effectRef>
+          <a:fontRef idx="minor">
+            <a:schemeClr val="lt1"/>
+          </a:fontRef>
+        </p:style>
+      </p:sp>
+      <p:sp>
+        <p:nvSpPr>
+          <p:cNvPr id="2" name="Titre 1">
+            <a:extLst>
+              <a:ext uri="{FF2B5EF4-FFF2-40B4-BE49-F238E27FC236}">
+                <a16:creationId xmlns:a16="http://schemas.microsoft.com/office/drawing/2014/main" id="{72EF5EE2-19C0-4B63-8521-12949C1EA97B}"/>
+              </a:ext>
+            </a:extLst>
+          </p:cNvPr>
+          <p:cNvSpPr>
+            <a:spLocks noGrp="1"/>
+          </p:cNvSpPr>
+          <p:nvPr>
+            <p:ph type="title"/>
+          </p:nvPr>
+        </p:nvSpPr>
+        <p:spPr>
+          <a:xfrm>
+            <a:off x="451514" y="5151992"/>
+            <a:ext cx="10930487" cy="673446"/>
+          </a:xfrm>
+          <a:effectLst/>
+        </p:spPr>
+        <p:txBody>
+          <a:bodyPr vert="horz" lIns="91440" tIns="45720" rIns="91440" bIns="45720" rtlCol="0" anchor="b">
+            <a:normAutofit/>
+          </a:bodyPr>
+          <a:lstStyle/>
+          <a:p>
+            <a:r>
+              <a:rPr lang="en-US" sz="3200" dirty="0" err="1">
+                <a:solidFill>
+                  <a:srgbClr val="FFFFFF"/>
+                </a:solidFill>
+              </a:rPr>
+              <a:t>Comparaison</a:t>
+            </a:r>
+            <a:r>
+              <a:rPr lang="en-US" sz="3200" dirty="0">
+                <a:solidFill>
+                  <a:srgbClr val="FFFFFF"/>
+                </a:solidFill>
+              </a:rPr>
+              <a:t> NFC/RFID HF</a:t>
+            </a:r>
+          </a:p>
+        </p:txBody>
+      </p:sp>
+      <p:graphicFrame>
+        <p:nvGraphicFramePr>
+          <p:cNvPr id="3" name="Tableau 2">
+            <a:extLst>
+              <a:ext uri="{FF2B5EF4-FFF2-40B4-BE49-F238E27FC236}">
+                <a16:creationId xmlns:a16="http://schemas.microsoft.com/office/drawing/2014/main" id="{38B72387-02CC-4763-B55F-41D73CF8FFF5}"/>
+              </a:ext>
+            </a:extLst>
+          </p:cNvPr>
+          <p:cNvGraphicFramePr>
+            <a:graphicFrameLocks noGrp="1"/>
+          </p:cNvGraphicFramePr>
+          <p:nvPr>
+            <p:extLst>
+              <p:ext uri="{D42A27DB-BD31-4B8C-83A1-F6EECF244321}">
+                <p14:modId xmlns:p14="http://schemas.microsoft.com/office/powerpoint/2010/main" val="3861343773"/>
+              </p:ext>
+            </p:extLst>
+          </p:nvPr>
+        </p:nvGraphicFramePr>
+        <p:xfrm>
+          <a:off x="655438" y="447675"/>
+          <a:ext cx="10881126" cy="4076256"/>
+        </p:xfrm>
+        <a:graphic>
+          <a:graphicData uri="http://schemas.openxmlformats.org/drawingml/2006/table">
+            <a:tbl>
+              <a:tblPr firstRow="1" firstCol="1" bandRow="1">
+                <a:tableStyleId>{5C22544A-7EE6-4342-B048-85BDC9FD1C3A}</a:tableStyleId>
+              </a:tblPr>
+              <a:tblGrid>
+                <a:gridCol w="3877279">
+                  <a:extLst>
+                    <a:ext uri="{9D8B030D-6E8A-4147-A177-3AD203B41FA5}">
+                      <a16:colId xmlns:a16="http://schemas.microsoft.com/office/drawing/2014/main" val="3784255241"/>
+                    </a:ext>
+                  </a:extLst>
+                </a:gridCol>
+                <a:gridCol w="3447341">
+                  <a:extLst>
+                    <a:ext uri="{9D8B030D-6E8A-4147-A177-3AD203B41FA5}">
+                      <a16:colId xmlns:a16="http://schemas.microsoft.com/office/drawing/2014/main" val="1116901583"/>
+                    </a:ext>
+                  </a:extLst>
+                </a:gridCol>
+                <a:gridCol w="3556506">
+                  <a:extLst>
+                    <a:ext uri="{9D8B030D-6E8A-4147-A177-3AD203B41FA5}">
+                      <a16:colId xmlns:a16="http://schemas.microsoft.com/office/drawing/2014/main" val="3108619218"/>
+                    </a:ext>
+                  </a:extLst>
+                </a:gridCol>
+              </a:tblGrid>
+              <a:tr h="417735">
+                <a:tc>
+                  <a:txBody>
+                    <a:bodyPr/>
+                    <a:lstStyle/>
+                    <a:p>
+                      <a:pPr indent="450215" algn="ctr">
+                        <a:lnSpc>
+                          <a:spcPct val="150000"/>
+                        </a:lnSpc>
+                        <a:spcAft>
+                          <a:spcPts val="0"/>
+                        </a:spcAft>
+                      </a:pPr>
+                      <a:r>
+                        <a:rPr lang="fr-FR" sz="1800">
+                          <a:effectLst/>
+                        </a:rPr>
+                        <a:t>Spécificités/Technologie</a:t>
+                      </a:r>
+                      <a:endParaRPr lang="fr-FR" sz="2100">
+                        <a:effectLst/>
+                        <a:latin typeface="Arial" panose="020B0604020202020204" pitchFamily="34" charset="0"/>
+                        <a:ea typeface="Calibri" panose="020F0502020204030204" pitchFamily="34" charset="0"/>
+                        <a:cs typeface="Times New Roman" panose="02020603050405020304" pitchFamily="18" charset="0"/>
+                      </a:endParaRPr>
+                    </a:p>
+                  </a:txBody>
+                  <a:tcPr marL="120920" marR="120920" marT="0" marB="0" anchor="ctr"/>
+                </a:tc>
+                <a:tc>
+                  <a:txBody>
+                    <a:bodyPr/>
+                    <a:lstStyle/>
+                    <a:p>
+                      <a:pPr indent="450215" algn="ctr">
+                        <a:lnSpc>
+                          <a:spcPct val="150000"/>
+                        </a:lnSpc>
+                        <a:spcAft>
+                          <a:spcPts val="0"/>
+                        </a:spcAft>
+                      </a:pPr>
+                      <a:r>
+                        <a:rPr lang="fr-FR" sz="1800">
+                          <a:effectLst/>
+                        </a:rPr>
+                        <a:t>NFC</a:t>
+                      </a:r>
+                      <a:endParaRPr lang="fr-FR" sz="2100">
+                        <a:effectLst/>
+                        <a:latin typeface="Arial" panose="020B0604020202020204" pitchFamily="34" charset="0"/>
+                        <a:ea typeface="Calibri" panose="020F0502020204030204" pitchFamily="34" charset="0"/>
+                        <a:cs typeface="Times New Roman" panose="02020603050405020304" pitchFamily="18" charset="0"/>
+                      </a:endParaRPr>
+                    </a:p>
+                  </a:txBody>
+                  <a:tcPr marL="120920" marR="120920" marT="0" marB="0"/>
+                </a:tc>
+                <a:tc>
+                  <a:txBody>
+                    <a:bodyPr/>
+                    <a:lstStyle/>
+                    <a:p>
+                      <a:pPr indent="450215" algn="ctr">
+                        <a:lnSpc>
+                          <a:spcPct val="150000"/>
+                        </a:lnSpc>
+                        <a:spcAft>
+                          <a:spcPts val="0"/>
+                        </a:spcAft>
+                      </a:pPr>
+                      <a:r>
+                        <a:rPr lang="fr-FR" sz="1800">
+                          <a:effectLst/>
+                        </a:rPr>
+                        <a:t>RFID HF</a:t>
+                      </a:r>
+                      <a:endParaRPr lang="fr-FR" sz="2100">
+                        <a:effectLst/>
+                        <a:latin typeface="Arial" panose="020B0604020202020204" pitchFamily="34" charset="0"/>
+                        <a:ea typeface="Calibri" panose="020F0502020204030204" pitchFamily="34" charset="0"/>
+                        <a:cs typeface="Times New Roman" panose="02020603050405020304" pitchFamily="18" charset="0"/>
+                      </a:endParaRPr>
+                    </a:p>
+                  </a:txBody>
+                  <a:tcPr marL="120920" marR="120920" marT="0" marB="0"/>
+                </a:tc>
+                <a:extLst>
+                  <a:ext uri="{0D108BD9-81ED-4DB2-BD59-A6C34878D82A}">
+                    <a16:rowId xmlns:a16="http://schemas.microsoft.com/office/drawing/2014/main" val="3960198800"/>
+                  </a:ext>
+                </a:extLst>
+              </a:tr>
+              <a:tr h="417735">
+                <a:tc>
+                  <a:txBody>
+                    <a:bodyPr/>
+                    <a:lstStyle/>
+                    <a:p>
+                      <a:pPr indent="450215" algn="ctr">
+                        <a:lnSpc>
+                          <a:spcPct val="150000"/>
+                        </a:lnSpc>
+                        <a:spcAft>
+                          <a:spcPts val="0"/>
+                        </a:spcAft>
+                      </a:pPr>
+                      <a:r>
+                        <a:rPr lang="fr-FR" sz="1800">
+                          <a:effectLst/>
+                        </a:rPr>
+                        <a:t>Bande passante</a:t>
+                      </a:r>
+                      <a:endParaRPr lang="fr-FR" sz="2100">
+                        <a:effectLst/>
+                        <a:latin typeface="Arial" panose="020B0604020202020204" pitchFamily="34" charset="0"/>
+                        <a:ea typeface="Calibri" panose="020F0502020204030204" pitchFamily="34" charset="0"/>
+                        <a:cs typeface="Times New Roman" panose="02020603050405020304" pitchFamily="18" charset="0"/>
+                      </a:endParaRPr>
+                    </a:p>
+                  </a:txBody>
+                  <a:tcPr marL="120920" marR="120920" marT="0" marB="0" anchor="ctr"/>
+                </a:tc>
+                <a:tc>
+                  <a:txBody>
+                    <a:bodyPr/>
+                    <a:lstStyle/>
+                    <a:p>
+                      <a:pPr indent="450215" algn="just">
+                        <a:lnSpc>
+                          <a:spcPct val="150000"/>
+                        </a:lnSpc>
+                        <a:spcAft>
+                          <a:spcPts val="0"/>
+                        </a:spcAft>
+                      </a:pPr>
+                      <a:r>
+                        <a:rPr lang="fr-FR" sz="1800">
+                          <a:effectLst/>
+                        </a:rPr>
+                        <a:t>13,56 MHz</a:t>
+                      </a:r>
+                      <a:endParaRPr lang="fr-FR" sz="2100">
+                        <a:effectLst/>
+                        <a:latin typeface="Arial" panose="020B0604020202020204" pitchFamily="34" charset="0"/>
+                        <a:ea typeface="Calibri" panose="020F0502020204030204" pitchFamily="34" charset="0"/>
+                        <a:cs typeface="Times New Roman" panose="02020603050405020304" pitchFamily="18" charset="0"/>
+                      </a:endParaRPr>
+                    </a:p>
+                  </a:txBody>
+                  <a:tcPr marL="120920" marR="120920" marT="0" marB="0"/>
+                </a:tc>
+                <a:tc>
+                  <a:txBody>
+                    <a:bodyPr/>
+                    <a:lstStyle/>
+                    <a:p>
+                      <a:pPr indent="450215" algn="just">
+                        <a:lnSpc>
+                          <a:spcPct val="150000"/>
+                        </a:lnSpc>
+                        <a:spcAft>
+                          <a:spcPts val="0"/>
+                        </a:spcAft>
+                      </a:pPr>
+                      <a:r>
+                        <a:rPr lang="fr-FR" sz="1800">
+                          <a:effectLst/>
+                        </a:rPr>
+                        <a:t>3 à 30MHz</a:t>
+                      </a:r>
+                      <a:endParaRPr lang="fr-FR" sz="2100">
+                        <a:effectLst/>
+                        <a:latin typeface="Arial" panose="020B0604020202020204" pitchFamily="34" charset="0"/>
+                        <a:ea typeface="Calibri" panose="020F0502020204030204" pitchFamily="34" charset="0"/>
+                        <a:cs typeface="Times New Roman" panose="02020603050405020304" pitchFamily="18" charset="0"/>
+                      </a:endParaRPr>
+                    </a:p>
+                  </a:txBody>
+                  <a:tcPr marL="120920" marR="120920" marT="0" marB="0"/>
+                </a:tc>
+                <a:extLst>
+                  <a:ext uri="{0D108BD9-81ED-4DB2-BD59-A6C34878D82A}">
+                    <a16:rowId xmlns:a16="http://schemas.microsoft.com/office/drawing/2014/main" val="1185157035"/>
+                  </a:ext>
+                </a:extLst>
+              </a:tr>
+              <a:tr h="3239203">
+                <a:tc>
+                  <a:txBody>
+                    <a:bodyPr/>
+                    <a:lstStyle/>
+                    <a:p>
+                      <a:pPr indent="450215" algn="ctr">
+                        <a:lnSpc>
+                          <a:spcPct val="150000"/>
+                        </a:lnSpc>
+                        <a:spcAft>
+                          <a:spcPts val="0"/>
+                        </a:spcAft>
+                      </a:pPr>
+                      <a:r>
+                        <a:rPr lang="fr-FR" sz="1800">
+                          <a:effectLst/>
+                        </a:rPr>
+                        <a:t>Information</a:t>
+                      </a:r>
+                      <a:endParaRPr lang="fr-FR" sz="2100">
+                        <a:effectLst/>
+                        <a:latin typeface="Arial" panose="020B0604020202020204" pitchFamily="34" charset="0"/>
+                        <a:ea typeface="Calibri" panose="020F0502020204030204" pitchFamily="34" charset="0"/>
+                        <a:cs typeface="Times New Roman" panose="02020603050405020304" pitchFamily="18" charset="0"/>
+                      </a:endParaRPr>
+                    </a:p>
+                  </a:txBody>
+                  <a:tcPr marL="120920" marR="120920" marT="0" marB="0" anchor="ctr"/>
+                </a:tc>
+                <a:tc>
+                  <a:txBody>
+                    <a:bodyPr/>
+                    <a:lstStyle/>
+                    <a:p>
+                      <a:pPr indent="450215" algn="just">
+                        <a:lnSpc>
+                          <a:spcPct val="150000"/>
+                        </a:lnSpc>
+                        <a:spcAft>
+                          <a:spcPts val="0"/>
+                        </a:spcAft>
+                      </a:pPr>
+                      <a:r>
+                        <a:rPr lang="fr-FR" sz="1800">
+                          <a:effectLst/>
+                        </a:rPr>
+                        <a:t>Fréquence habituelle :</a:t>
+                      </a:r>
+                      <a:endParaRPr lang="fr-FR" sz="2100">
+                        <a:effectLst/>
+                      </a:endParaRPr>
+                    </a:p>
+                    <a:p>
+                      <a:pPr indent="450215" algn="just">
+                        <a:lnSpc>
+                          <a:spcPct val="150000"/>
+                        </a:lnSpc>
+                        <a:spcAft>
+                          <a:spcPts val="0"/>
+                        </a:spcAft>
+                      </a:pPr>
+                      <a:r>
+                        <a:rPr lang="fr-FR" sz="1800">
+                          <a:effectLst/>
+                        </a:rPr>
+                        <a:t>13.56MHz.</a:t>
+                      </a:r>
+                      <a:endParaRPr lang="fr-FR" sz="2100">
+                        <a:effectLst/>
+                      </a:endParaRPr>
+                    </a:p>
+                    <a:p>
+                      <a:pPr indent="450215" algn="just">
+                        <a:lnSpc>
+                          <a:spcPct val="150000"/>
+                        </a:lnSpc>
+                        <a:spcAft>
+                          <a:spcPts val="0"/>
+                        </a:spcAft>
+                      </a:pPr>
+                      <a:r>
+                        <a:rPr lang="fr-FR" sz="1800">
+                          <a:effectLst/>
+                        </a:rPr>
+                        <a:t>Distance de lecture : </a:t>
+                      </a:r>
+                      <a:endParaRPr lang="fr-FR" sz="2100">
+                        <a:effectLst/>
+                      </a:endParaRPr>
+                    </a:p>
+                    <a:p>
+                      <a:pPr indent="450215" algn="just">
+                        <a:lnSpc>
+                          <a:spcPct val="150000"/>
+                        </a:lnSpc>
+                        <a:spcAft>
+                          <a:spcPts val="0"/>
+                        </a:spcAft>
+                      </a:pPr>
+                      <a:r>
+                        <a:rPr lang="fr-FR" sz="1800">
+                          <a:effectLst/>
+                        </a:rPr>
+                        <a:t>1 à 10 cm.</a:t>
+                      </a:r>
+                      <a:endParaRPr lang="fr-FR" sz="2100">
+                        <a:effectLst/>
+                      </a:endParaRPr>
+                    </a:p>
+                    <a:p>
+                      <a:pPr indent="450215" algn="just">
+                        <a:lnSpc>
+                          <a:spcPct val="150000"/>
+                        </a:lnSpc>
+                        <a:spcAft>
+                          <a:spcPts val="0"/>
+                        </a:spcAft>
+                      </a:pPr>
+                      <a:r>
+                        <a:rPr lang="es-ES" sz="1800">
+                          <a:effectLst/>
+                        </a:rPr>
+                        <a:t>Normes: </a:t>
+                      </a:r>
+                      <a:r>
+                        <a:rPr lang="es-ES" sz="1800">
+                          <a:effectLst/>
+                          <a:highlight>
+                            <a:srgbClr val="D3D3D3"/>
+                          </a:highlight>
+                        </a:rPr>
+                        <a:t>NFCIP-1 (ISO/CEI 18092)</a:t>
+                      </a:r>
+                      <a:r>
+                        <a:rPr lang="es-ES" sz="1800">
+                          <a:effectLst/>
+                        </a:rPr>
+                        <a:t>, </a:t>
+                      </a:r>
+                      <a:r>
+                        <a:rPr lang="es-ES" sz="1800">
+                          <a:effectLst/>
+                          <a:highlight>
+                            <a:srgbClr val="D3D3D3"/>
+                          </a:highlight>
+                        </a:rPr>
+                        <a:t>ISO/CEI 14443-1</a:t>
+                      </a:r>
+                      <a:r>
+                        <a:rPr lang="es-ES" sz="1800">
+                          <a:effectLst/>
+                        </a:rPr>
+                        <a:t> à ISO/CEI 14443-4, NDEF.</a:t>
+                      </a:r>
+                      <a:endParaRPr lang="fr-FR" sz="2100">
+                        <a:effectLst/>
+                        <a:latin typeface="Arial" panose="020B0604020202020204" pitchFamily="34" charset="0"/>
+                        <a:ea typeface="Calibri" panose="020F0502020204030204" pitchFamily="34" charset="0"/>
+                        <a:cs typeface="Times New Roman" panose="02020603050405020304" pitchFamily="18" charset="0"/>
+                      </a:endParaRPr>
+                    </a:p>
+                  </a:txBody>
+                  <a:tcPr marL="120920" marR="120920" marT="0" marB="0"/>
+                </a:tc>
+                <a:tc>
+                  <a:txBody>
+                    <a:bodyPr/>
+                    <a:lstStyle/>
+                    <a:p>
+                      <a:pPr indent="450215" algn="just">
+                        <a:lnSpc>
+                          <a:spcPct val="150000"/>
+                        </a:lnSpc>
+                        <a:spcAft>
+                          <a:spcPts val="0"/>
+                        </a:spcAft>
+                      </a:pPr>
+                      <a:r>
+                        <a:rPr lang="fr-FR" sz="1800" dirty="0">
+                          <a:effectLst/>
+                        </a:rPr>
+                        <a:t>Fréquence habituelle :</a:t>
+                      </a:r>
+                      <a:endParaRPr lang="fr-FR" sz="2100" dirty="0">
+                        <a:effectLst/>
+                      </a:endParaRPr>
+                    </a:p>
+                    <a:p>
+                      <a:pPr indent="450215" algn="just">
+                        <a:lnSpc>
+                          <a:spcPct val="150000"/>
+                        </a:lnSpc>
+                        <a:spcAft>
+                          <a:spcPts val="0"/>
+                        </a:spcAft>
+                      </a:pPr>
+                      <a:r>
+                        <a:rPr lang="fr-FR" sz="1800" dirty="0">
+                          <a:effectLst/>
+                        </a:rPr>
+                        <a:t>13.56MHz.</a:t>
+                      </a:r>
+                      <a:endParaRPr lang="fr-FR" sz="2100" dirty="0">
+                        <a:effectLst/>
+                      </a:endParaRPr>
+                    </a:p>
+                    <a:p>
+                      <a:pPr indent="450215" algn="just">
+                        <a:lnSpc>
+                          <a:spcPct val="150000"/>
+                        </a:lnSpc>
+                        <a:spcAft>
+                          <a:spcPts val="0"/>
+                        </a:spcAft>
+                      </a:pPr>
+                      <a:r>
+                        <a:rPr lang="fr-FR" sz="1800" dirty="0">
+                          <a:effectLst/>
+                        </a:rPr>
+                        <a:t>Distance de lecture : </a:t>
+                      </a:r>
+                      <a:endParaRPr lang="fr-FR" sz="2100" dirty="0">
+                        <a:effectLst/>
+                      </a:endParaRPr>
+                    </a:p>
+                    <a:p>
+                      <a:pPr indent="450215" algn="just">
+                        <a:lnSpc>
+                          <a:spcPct val="150000"/>
+                        </a:lnSpc>
+                        <a:spcAft>
+                          <a:spcPts val="0"/>
+                        </a:spcAft>
+                      </a:pPr>
+                      <a:r>
+                        <a:rPr lang="fr-FR" sz="1800" dirty="0">
+                          <a:effectLst/>
+                        </a:rPr>
+                        <a:t>1 à 10 cm.</a:t>
+                      </a:r>
+                      <a:endParaRPr lang="fr-FR" sz="2100" dirty="0">
+                        <a:effectLst/>
+                      </a:endParaRPr>
+                    </a:p>
+                    <a:p>
+                      <a:pPr indent="450215" algn="just">
+                        <a:lnSpc>
+                          <a:spcPct val="150000"/>
+                        </a:lnSpc>
+                        <a:spcAft>
+                          <a:spcPts val="0"/>
+                        </a:spcAft>
+                      </a:pPr>
+                      <a:r>
+                        <a:rPr lang="fr-FR" sz="1800" dirty="0">
+                          <a:effectLst/>
+                        </a:rPr>
+                        <a:t>Normes : ISO 15693, </a:t>
+                      </a:r>
+                      <a:r>
+                        <a:rPr lang="fr-FR" sz="1800" dirty="0">
+                          <a:effectLst/>
+                          <a:highlight>
+                            <a:srgbClr val="D3D3D3"/>
+                          </a:highlight>
+                        </a:rPr>
+                        <a:t>ISO/IEC 18092</a:t>
+                      </a:r>
+                      <a:r>
+                        <a:rPr lang="fr-FR" sz="1800" dirty="0">
+                          <a:effectLst/>
+                        </a:rPr>
+                        <a:t>, </a:t>
+                      </a:r>
+                      <a:r>
+                        <a:rPr lang="fr-FR" sz="1800" dirty="0">
+                          <a:effectLst/>
+                          <a:highlight>
+                            <a:srgbClr val="D3D3D3"/>
+                          </a:highlight>
+                        </a:rPr>
+                        <a:t>ISO 14443</a:t>
+                      </a:r>
+                      <a:endParaRPr lang="fr-FR" sz="2100" dirty="0">
+                        <a:effectLst/>
+                        <a:latin typeface="Arial" panose="020B0604020202020204" pitchFamily="34" charset="0"/>
+                        <a:ea typeface="Calibri" panose="020F0502020204030204" pitchFamily="34" charset="0"/>
+                        <a:cs typeface="Times New Roman" panose="02020603050405020304" pitchFamily="18" charset="0"/>
+                      </a:endParaRPr>
+                    </a:p>
+                  </a:txBody>
+                  <a:tcPr marL="120920" marR="120920" marT="0" marB="0"/>
+                </a:tc>
+                <a:extLst>
+                  <a:ext uri="{0D108BD9-81ED-4DB2-BD59-A6C34878D82A}">
+                    <a16:rowId xmlns:a16="http://schemas.microsoft.com/office/drawing/2014/main" val="2973551417"/>
+                  </a:ext>
+                </a:extLst>
+              </a:tr>
+            </a:tbl>
+          </a:graphicData>
+        </a:graphic>
+      </p:graphicFrame>
+    </p:spTree>
+    <p:extLst>
+      <p:ext uri="{BB962C8B-B14F-4D97-AF65-F5344CB8AC3E}">
+        <p14:creationId xmlns:p14="http://schemas.microsoft.com/office/powerpoint/2010/main" val="3611685136"/>
+      </p:ext>
+    </p:extLst>
+  </p:cSld>
+  <p:clrMapOvr>
+    <a:overrideClrMapping bg1="lt1" tx1="dk1" bg2="lt2" tx2="dk2" accent1="accent1" accent2="accent2" accent3="accent3" accent4="accent4" accent5="accent5" accent6="accent6" hlink="hlink" folHlink="folHlink"/>
+  </p:clrMapOvr>
+</p:sld>
+</file>
+
+<file path=ppt/slides/slide8.xml><?xml version="1.0" encoding="utf-8"?>
 <p:sld xmlns:a="http://schemas.openxmlformats.org/drawingml/2006/main" xmlns:r="http://schemas.openxmlformats.org/officeDocument/2006/relationships" xmlns:p="http://schemas.openxmlformats.org/presentationml/2006/main">
   <p:cSld>
     <p:bg>
@@ -9555,7 +13129,7 @@
           <a:effectLst/>
           <a:extLst>
             <a:ext uri="{91240B29-F687-4f45-9708-019B960494DF}">
-              <a14:hiddenLine xmlns:a14="http://schemas.microsoft.com/office/drawing/2010/main" xmlns:p14="http://schemas.microsoft.com/office/powerpoint/2010/main" xmlns:a16="http://schemas.microsoft.com/office/drawing/2014/main" xmlns="" w="9525">
+              <a14:hiddenLine xmlns="" xmlns:a16="http://schemas.microsoft.com/office/drawing/2014/main" xmlns:p14="http://schemas.microsoft.com/office/powerpoint/2010/main" xmlns:a14="http://schemas.microsoft.com/office/drawing/2010/main" w="9525">
                 <a:solidFill>
                   <a:srgbClr val="000000"/>
                 </a:solidFill>
@@ -9711,7 +13285,7 @@
 </p:sld>
 </file>
 
-<file path=ppt/slides/slide7.xml><?xml version="1.0" encoding="utf-8"?>
+<file path=ppt/slides/slide9.xml><?xml version="1.0" encoding="utf-8"?>
 <p:sld xmlns:a="http://schemas.openxmlformats.org/drawingml/2006/main" xmlns:r="http://schemas.openxmlformats.org/officeDocument/2006/relationships" xmlns:p="http://schemas.openxmlformats.org/presentationml/2006/main">
   <p:cSld>
     <p:spTree>
@@ -9843,7 +13417,7 @@
         </p:blipFill>
         <p:spPr>
           <a:xfrm>
-            <a:off x="8694759" y="3940156"/>
+            <a:off x="8694756" y="3886890"/>
             <a:ext cx="1989283" cy="2490356"/>
           </a:xfrm>
           <a:prstGeom prst="rect">
@@ -10134,7 +13708,7 @@
             </a:pPr>
             <a:r>
               <a:rPr lang="fr-FR" sz="2400" dirty="0"/>
-              <a:t>Scanner une étiquette RFID</a:t>
+              <a:t>Récupérer l’ID d’un Tag</a:t>
             </a:r>
           </a:p>
           <a:p>
@@ -10154,17 +13728,7 @@
             </a:pPr>
             <a:r>
               <a:rPr lang="fr-FR" sz="2400" dirty="0"/>
-              <a:t>Emprunte le matériel</a:t>
-            </a:r>
-          </a:p>
-          <a:p>
-            <a:pPr marL="285750" indent="-285750">
-              <a:buFont typeface="Courier New" panose="02070309020205020404" pitchFamily="49" charset="0"/>
-              <a:buChar char="o"/>
-            </a:pPr>
-            <a:r>
-              <a:rPr lang="fr-FR" sz="2400" dirty="0"/>
-              <a:t>Information sur le matériel</a:t>
+              <a:t>Emprunter le matériel</a:t>
             </a:r>
           </a:p>
         </p:txBody>
@@ -10173,652 +13737,6 @@
     <p:extLst>
       <p:ext uri="{BB962C8B-B14F-4D97-AF65-F5344CB8AC3E}">
         <p14:creationId xmlns:p14="http://schemas.microsoft.com/office/powerpoint/2010/main" val="1622655360"/>
-      </p:ext>
-    </p:extLst>
-  </p:cSld>
-  <p:clrMapOvr>
-    <a:masterClrMapping/>
-  </p:clrMapOvr>
-</p:sld>
-</file>
-
-<file path=ppt/slides/slide8.xml><?xml version="1.0" encoding="utf-8"?>
-<p:sld xmlns:a="http://schemas.openxmlformats.org/drawingml/2006/main" xmlns:r="http://schemas.openxmlformats.org/officeDocument/2006/relationships" xmlns:p="http://schemas.openxmlformats.org/presentationml/2006/main">
-  <p:cSld>
-    <p:bg>
-      <p:bgPr>
-        <a:solidFill>
-          <a:schemeClr val="bg2"/>
-        </a:solidFill>
-        <a:effectLst/>
-      </p:bgPr>
-    </p:bg>
-    <p:spTree>
-      <p:nvGrpSpPr>
-        <p:cNvPr id="1" name=""/>
-        <p:cNvGrpSpPr/>
-        <p:nvPr/>
-      </p:nvGrpSpPr>
-      <p:grpSpPr>
-        <a:xfrm>
-          <a:off x="0" y="0"/>
-          <a:ext cx="0" cy="0"/>
-          <a:chOff x="0" y="0"/>
-          <a:chExt cx="0" cy="0"/>
-        </a:xfrm>
-      </p:grpSpPr>
-      <p:sp>
-        <p:nvSpPr>
-          <p:cNvPr id="60" name="Freeform 6">
-            <a:extLst>
-              <a:ext uri="{FF2B5EF4-FFF2-40B4-BE49-F238E27FC236}">
-                <a16:creationId xmlns:a16="http://schemas.microsoft.com/office/drawing/2014/main" id="{E7597382-59B5-427B-9E49-55383F0A5561}"/>
-              </a:ext>
-              <a:ext uri="{C183D7F6-B498-43B3-948B-1728B52AA6E4}">
-                <adec:decorative xmlns:adec="http://schemas.microsoft.com/office/drawing/2017/decorative" val="1"/>
-              </a:ext>
-            </a:extLst>
-          </p:cNvPr>
-          <p:cNvSpPr>
-            <a:spLocks noGrp="1" noRot="1" noChangeAspect="1" noMove="1" noResize="1" noEditPoints="1" noAdjustHandles="1" noChangeArrowheads="1" noChangeShapeType="1" noTextEdit="1"/>
-          </p:cNvSpPr>
-          <p:nvPr>
-            <p:extLst>
-              <p:ext uri="{386F3935-93C4-4BCD-93E2-E3B085C9AB24}">
-                <p16:designElem xmlns:p16="http://schemas.microsoft.com/office/powerpoint/2015/main" val="1"/>
-              </p:ext>
-            </p:extLst>
-          </p:nvPr>
-        </p:nvSpPr>
-        <p:spPr bwMode="auto">
-          <a:xfrm>
-            <a:off x="0" y="-3175"/>
-            <a:ext cx="12192000" cy="6229804"/>
-          </a:xfrm>
-          <a:custGeom>
-            <a:avLst/>
-            <a:gdLst/>
-            <a:ahLst/>
-            <a:cxnLst/>
-            <a:rect l="0" t="0" r="r" b="b"/>
-            <a:pathLst>
-              <a:path w="5760" h="3278">
-                <a:moveTo>
-                  <a:pt x="5760" y="0"/>
-                </a:moveTo>
-                <a:lnTo>
-                  <a:pt x="0" y="0"/>
-                </a:lnTo>
-                <a:lnTo>
-                  <a:pt x="0" y="3090"/>
-                </a:lnTo>
-                <a:lnTo>
-                  <a:pt x="943" y="3090"/>
-                </a:lnTo>
-                <a:lnTo>
-                  <a:pt x="1123" y="3270"/>
-                </a:lnTo>
-                <a:lnTo>
-                  <a:pt x="1123" y="3270"/>
-                </a:lnTo>
-                <a:lnTo>
-                  <a:pt x="1127" y="3272"/>
-                </a:lnTo>
-                <a:lnTo>
-                  <a:pt x="1133" y="3275"/>
-                </a:lnTo>
-                <a:lnTo>
-                  <a:pt x="1139" y="3278"/>
-                </a:lnTo>
-                <a:lnTo>
-                  <a:pt x="1144" y="3278"/>
-                </a:lnTo>
-                <a:lnTo>
-                  <a:pt x="1150" y="3278"/>
-                </a:lnTo>
-                <a:lnTo>
-                  <a:pt x="1155" y="3275"/>
-                </a:lnTo>
-                <a:lnTo>
-                  <a:pt x="1161" y="3272"/>
-                </a:lnTo>
-                <a:lnTo>
-                  <a:pt x="1165" y="3270"/>
-                </a:lnTo>
-                <a:lnTo>
-                  <a:pt x="1345" y="3090"/>
-                </a:lnTo>
-                <a:lnTo>
-                  <a:pt x="5760" y="3090"/>
-                </a:lnTo>
-                <a:lnTo>
-                  <a:pt x="5760" y="0"/>
-                </a:lnTo>
-                <a:close/>
-              </a:path>
-            </a:pathLst>
-          </a:custGeom>
-          <a:ln>
-            <a:noFill/>
-          </a:ln>
-          <a:extLst>
-            <a:ext uri="{91240B29-F687-4f45-9708-019B960494DF}">
-              <a14:hiddenLine xmlns="" xmlns:a16="http://schemas.microsoft.com/office/drawing/2014/main" xmlns:p14="http://schemas.microsoft.com/office/powerpoint/2010/main" xmlns:a14="http://schemas.microsoft.com/office/drawing/2010/main" w="9525">
-                <a:solidFill>
-                  <a:srgbClr val="000000"/>
-                </a:solidFill>
-                <a:round/>
-                <a:headEnd/>
-                <a:tailEnd/>
-              </a14:hiddenLine>
-            </a:ext>
-          </a:extLst>
-        </p:spPr>
-        <p:style>
-          <a:lnRef idx="1">
-            <a:schemeClr val="accent1"/>
-          </a:lnRef>
-          <a:fillRef idx="3">
-            <a:schemeClr val="accent1"/>
-          </a:fillRef>
-          <a:effectRef idx="2">
-            <a:schemeClr val="accent1"/>
-          </a:effectRef>
-          <a:fontRef idx="minor">
-            <a:schemeClr val="lt1"/>
-          </a:fontRef>
-        </p:style>
-      </p:sp>
-      <p:sp>
-        <p:nvSpPr>
-          <p:cNvPr id="59" name="Rounded Rectangle 16">
-            <a:extLst>
-              <a:ext uri="{FF2B5EF4-FFF2-40B4-BE49-F238E27FC236}">
-                <a16:creationId xmlns:a16="http://schemas.microsoft.com/office/drawing/2014/main" id="{26471DC7-FA6E-40EF-A167-93BB0BCE16AD}"/>
-              </a:ext>
-              <a:ext uri="{C183D7F6-B498-43B3-948B-1728B52AA6E4}">
-                <adec:decorative xmlns:adec="http://schemas.microsoft.com/office/drawing/2017/decorative" val="1"/>
-              </a:ext>
-            </a:extLst>
-          </p:cNvPr>
-          <p:cNvSpPr>
-            <a:spLocks noGrp="1" noRot="1" noChangeAspect="1" noMove="1" noResize="1" noEditPoints="1" noAdjustHandles="1" noChangeArrowheads="1" noChangeShapeType="1" noTextEdit="1"/>
-          </p:cNvSpPr>
-          <p:nvPr>
-            <p:extLst>
-              <p:ext uri="{386F3935-93C4-4BCD-93E2-E3B085C9AB24}">
-                <p16:designElem xmlns:p16="http://schemas.microsoft.com/office/powerpoint/2015/main" val="1"/>
-              </p:ext>
-            </p:extLst>
-          </p:nvPr>
-        </p:nvSpPr>
-        <p:spPr>
-          <a:xfrm>
-            <a:off x="643468" y="643466"/>
-            <a:ext cx="10905066" cy="4592561"/>
-          </a:xfrm>
-          <a:prstGeom prst="roundRect">
-            <a:avLst>
-              <a:gd name="adj" fmla="val 3513"/>
-            </a:avLst>
-          </a:prstGeom>
-          <a:solidFill>
-            <a:schemeClr val="tx1"/>
-          </a:solidFill>
-          <a:ln>
-            <a:solidFill>
-              <a:schemeClr val="accent1">
-                <a:lumMod val="75000"/>
-              </a:schemeClr>
-            </a:solidFill>
-          </a:ln>
-          <a:effectLst/>
-        </p:spPr>
-        <p:style>
-          <a:lnRef idx="2">
-            <a:schemeClr val="accent1">
-              <a:shade val="50000"/>
-            </a:schemeClr>
-          </a:lnRef>
-          <a:fillRef idx="1">
-            <a:schemeClr val="accent1"/>
-          </a:fillRef>
-          <a:effectRef idx="0">
-            <a:schemeClr val="accent1"/>
-          </a:effectRef>
-          <a:fontRef idx="minor">
-            <a:schemeClr val="lt1"/>
-          </a:fontRef>
-        </p:style>
-        <p:txBody>
-          <a:bodyPr rtlCol="0" anchor="ctr"/>
-          <a:lstStyle/>
-          <a:p>
-            <a:pPr algn="ctr"/>
-            <a:endParaRPr lang="en-US"/>
-          </a:p>
-        </p:txBody>
-      </p:sp>
-      <p:sp>
-        <p:nvSpPr>
-          <p:cNvPr id="10" name="ZoneTexte 9">
-            <a:extLst>
-              <a:ext uri="{FF2B5EF4-FFF2-40B4-BE49-F238E27FC236}">
-                <a16:creationId xmlns:a16="http://schemas.microsoft.com/office/drawing/2014/main" id="{41AC9DED-FB16-4D5F-808F-CFAFF56BD818}"/>
-              </a:ext>
-            </a:extLst>
-          </p:cNvPr>
-          <p:cNvSpPr txBox="1"/>
-          <p:nvPr/>
-        </p:nvSpPr>
-        <p:spPr>
-          <a:xfrm>
-            <a:off x="897622" y="6306320"/>
-            <a:ext cx="3649211" cy="369332"/>
-          </a:xfrm>
-          <a:prstGeom prst="rect">
-            <a:avLst/>
-          </a:prstGeom>
-          <a:noFill/>
-        </p:spPr>
-        <p:txBody>
-          <a:bodyPr wrap="square" rtlCol="0">
-            <a:spAutoFit/>
-          </a:bodyPr>
-          <a:lstStyle/>
-          <a:p>
-            <a:r>
-              <a:rPr lang="fr-FR" dirty="0"/>
-              <a:t>Cas d’utilisation Emprunteur</a:t>
-            </a:r>
-          </a:p>
-        </p:txBody>
-      </p:sp>
-      <p:pic>
-        <p:nvPicPr>
-          <p:cNvPr id="11" name="Image 10">
-            <a:extLst>
-              <a:ext uri="{FF2B5EF4-FFF2-40B4-BE49-F238E27FC236}">
-                <a16:creationId xmlns:a16="http://schemas.microsoft.com/office/drawing/2014/main" id="{87EFFC71-B550-4182-B4FB-964F5E3738DE}"/>
-              </a:ext>
-            </a:extLst>
-          </p:cNvPr>
-          <p:cNvPicPr>
-            <a:picLocks noChangeAspect="1"/>
-          </p:cNvPicPr>
-          <p:nvPr/>
-        </p:nvPicPr>
-        <p:blipFill>
-          <a:blip r:embed="rId2"/>
-          <a:stretch>
-            <a:fillRect/>
-          </a:stretch>
-        </p:blipFill>
-        <p:spPr>
-          <a:xfrm>
-            <a:off x="731240" y="695991"/>
-            <a:ext cx="10729519" cy="4441780"/>
-          </a:xfrm>
-          <a:prstGeom prst="rect">
-            <a:avLst/>
-          </a:prstGeom>
-        </p:spPr>
-      </p:pic>
-      <p:sp>
-        <p:nvSpPr>
-          <p:cNvPr id="12" name="Ellipse 11">
-            <a:extLst>
-              <a:ext uri="{FF2B5EF4-FFF2-40B4-BE49-F238E27FC236}">
-                <a16:creationId xmlns:a16="http://schemas.microsoft.com/office/drawing/2014/main" id="{C85EA85E-EB82-48EE-9B18-52CFF481163C}"/>
-              </a:ext>
-            </a:extLst>
-          </p:cNvPr>
-          <p:cNvSpPr/>
-          <p:nvPr/>
-        </p:nvSpPr>
-        <p:spPr>
-          <a:xfrm>
-            <a:off x="897622" y="3798113"/>
-            <a:ext cx="10253830" cy="1379503"/>
-          </a:xfrm>
-          <a:prstGeom prst="ellipse">
-            <a:avLst/>
-          </a:prstGeom>
-          <a:noFill/>
-          <a:ln>
-            <a:solidFill>
-              <a:schemeClr val="accent6">
-                <a:lumMod val="75000"/>
-              </a:schemeClr>
-            </a:solidFill>
-          </a:ln>
-        </p:spPr>
-        <p:style>
-          <a:lnRef idx="2">
-            <a:schemeClr val="accent1">
-              <a:shade val="50000"/>
-            </a:schemeClr>
-          </a:lnRef>
-          <a:fillRef idx="1">
-            <a:schemeClr val="accent1"/>
-          </a:fillRef>
-          <a:effectRef idx="0">
-            <a:schemeClr val="accent1"/>
-          </a:effectRef>
-          <a:fontRef idx="minor">
-            <a:schemeClr val="lt1"/>
-          </a:fontRef>
-        </p:style>
-        <p:txBody>
-          <a:bodyPr rtlCol="0" anchor="ctr"/>
-          <a:lstStyle/>
-          <a:p>
-            <a:pPr algn="ctr"/>
-            <a:endParaRPr lang="fr-FR"/>
-          </a:p>
-        </p:txBody>
-      </p:sp>
-    </p:spTree>
-    <p:extLst>
-      <p:ext uri="{BB962C8B-B14F-4D97-AF65-F5344CB8AC3E}">
-        <p14:creationId xmlns:p14="http://schemas.microsoft.com/office/powerpoint/2010/main" val="2926079855"/>
-      </p:ext>
-    </p:extLst>
-  </p:cSld>
-  <p:clrMapOvr>
-    <a:masterClrMapping/>
-  </p:clrMapOvr>
-</p:sld>
-</file>
-
-<file path=ppt/slides/slide9.xml><?xml version="1.0" encoding="utf-8"?>
-<p:sld xmlns:a="http://schemas.openxmlformats.org/drawingml/2006/main" xmlns:r="http://schemas.openxmlformats.org/officeDocument/2006/relationships" xmlns:p="http://schemas.openxmlformats.org/presentationml/2006/main">
-  <p:cSld>
-    <p:bg>
-      <p:bgPr>
-        <a:solidFill>
-          <a:schemeClr val="bg2"/>
-        </a:solidFill>
-        <a:effectLst/>
-      </p:bgPr>
-    </p:bg>
-    <p:spTree>
-      <p:nvGrpSpPr>
-        <p:cNvPr id="1" name=""/>
-        <p:cNvGrpSpPr/>
-        <p:nvPr/>
-      </p:nvGrpSpPr>
-      <p:grpSpPr>
-        <a:xfrm>
-          <a:off x="0" y="0"/>
-          <a:ext cx="0" cy="0"/>
-          <a:chOff x="0" y="0"/>
-          <a:chExt cx="0" cy="0"/>
-        </a:xfrm>
-      </p:grpSpPr>
-      <p:sp>
-        <p:nvSpPr>
-          <p:cNvPr id="10" name="Freeform 6">
-            <a:extLst>
-              <a:ext uri="{FF2B5EF4-FFF2-40B4-BE49-F238E27FC236}">
-                <a16:creationId xmlns:a16="http://schemas.microsoft.com/office/drawing/2014/main" id="{E7597382-59B5-427B-9E49-55383F0A5561}"/>
-              </a:ext>
-              <a:ext uri="{C183D7F6-B498-43B3-948B-1728B52AA6E4}">
-                <adec:decorative xmlns:adec="http://schemas.microsoft.com/office/drawing/2017/decorative" val="1"/>
-              </a:ext>
-            </a:extLst>
-          </p:cNvPr>
-          <p:cNvSpPr>
-            <a:spLocks noGrp="1" noRot="1" noChangeAspect="1" noMove="1" noResize="1" noEditPoints="1" noAdjustHandles="1" noChangeArrowheads="1" noChangeShapeType="1" noTextEdit="1"/>
-          </p:cNvSpPr>
-          <p:nvPr>
-            <p:extLst>
-              <p:ext uri="{386F3935-93C4-4BCD-93E2-E3B085C9AB24}">
-                <p16:designElem xmlns:p16="http://schemas.microsoft.com/office/powerpoint/2015/main" val="1"/>
-              </p:ext>
-            </p:extLst>
-          </p:nvPr>
-        </p:nvSpPr>
-        <p:spPr bwMode="auto">
-          <a:xfrm>
-            <a:off x="0" y="-3175"/>
-            <a:ext cx="12192000" cy="6229804"/>
-          </a:xfrm>
-          <a:custGeom>
-            <a:avLst/>
-            <a:gdLst/>
-            <a:ahLst/>
-            <a:cxnLst/>
-            <a:rect l="0" t="0" r="r" b="b"/>
-            <a:pathLst>
-              <a:path w="5760" h="3278">
-                <a:moveTo>
-                  <a:pt x="5760" y="0"/>
-                </a:moveTo>
-                <a:lnTo>
-                  <a:pt x="0" y="0"/>
-                </a:lnTo>
-                <a:lnTo>
-                  <a:pt x="0" y="3090"/>
-                </a:lnTo>
-                <a:lnTo>
-                  <a:pt x="943" y="3090"/>
-                </a:lnTo>
-                <a:lnTo>
-                  <a:pt x="1123" y="3270"/>
-                </a:lnTo>
-                <a:lnTo>
-                  <a:pt x="1123" y="3270"/>
-                </a:lnTo>
-                <a:lnTo>
-                  <a:pt x="1127" y="3272"/>
-                </a:lnTo>
-                <a:lnTo>
-                  <a:pt x="1133" y="3275"/>
-                </a:lnTo>
-                <a:lnTo>
-                  <a:pt x="1139" y="3278"/>
-                </a:lnTo>
-                <a:lnTo>
-                  <a:pt x="1144" y="3278"/>
-                </a:lnTo>
-                <a:lnTo>
-                  <a:pt x="1150" y="3278"/>
-                </a:lnTo>
-                <a:lnTo>
-                  <a:pt x="1155" y="3275"/>
-                </a:lnTo>
-                <a:lnTo>
-                  <a:pt x="1161" y="3272"/>
-                </a:lnTo>
-                <a:lnTo>
-                  <a:pt x="1165" y="3270"/>
-                </a:lnTo>
-                <a:lnTo>
-                  <a:pt x="1345" y="3090"/>
-                </a:lnTo>
-                <a:lnTo>
-                  <a:pt x="5760" y="3090"/>
-                </a:lnTo>
-                <a:lnTo>
-                  <a:pt x="5760" y="0"/>
-                </a:lnTo>
-                <a:close/>
-              </a:path>
-            </a:pathLst>
-          </a:custGeom>
-          <a:ln>
-            <a:noFill/>
-          </a:ln>
-          <a:extLst>
-            <a:ext uri="{91240B29-F687-4f45-9708-019B960494DF}">
-              <a14:hiddenLine xmlns:a14="http://schemas.microsoft.com/office/drawing/2010/main" xmlns:p14="http://schemas.microsoft.com/office/powerpoint/2010/main" xmlns:a16="http://schemas.microsoft.com/office/drawing/2014/main" xmlns="" w="9525">
-                <a:solidFill>
-                  <a:srgbClr val="000000"/>
-                </a:solidFill>
-                <a:round/>
-                <a:headEnd/>
-                <a:tailEnd/>
-              </a14:hiddenLine>
-            </a:ext>
-          </a:extLst>
-        </p:spPr>
-        <p:style>
-          <a:lnRef idx="1">
-            <a:schemeClr val="accent1"/>
-          </a:lnRef>
-          <a:fillRef idx="3">
-            <a:schemeClr val="accent1"/>
-          </a:fillRef>
-          <a:effectRef idx="2">
-            <a:schemeClr val="accent1"/>
-          </a:effectRef>
-          <a:fontRef idx="minor">
-            <a:schemeClr val="lt1"/>
-          </a:fontRef>
-        </p:style>
-      </p:sp>
-      <p:sp>
-        <p:nvSpPr>
-          <p:cNvPr id="12" name="Rounded Rectangle 16">
-            <a:extLst>
-              <a:ext uri="{FF2B5EF4-FFF2-40B4-BE49-F238E27FC236}">
-                <a16:creationId xmlns:a16="http://schemas.microsoft.com/office/drawing/2014/main" id="{26471DC7-FA6E-40EF-A167-93BB0BCE16AD}"/>
-              </a:ext>
-              <a:ext uri="{C183D7F6-B498-43B3-948B-1728B52AA6E4}">
-                <adec:decorative xmlns:adec="http://schemas.microsoft.com/office/drawing/2017/decorative" val="1"/>
-              </a:ext>
-            </a:extLst>
-          </p:cNvPr>
-          <p:cNvSpPr>
-            <a:spLocks noGrp="1" noRot="1" noChangeAspect="1" noMove="1" noResize="1" noEditPoints="1" noAdjustHandles="1" noChangeArrowheads="1" noChangeShapeType="1" noTextEdit="1"/>
-          </p:cNvSpPr>
-          <p:nvPr>
-            <p:extLst>
-              <p:ext uri="{386F3935-93C4-4BCD-93E2-E3B085C9AB24}">
-                <p16:designElem xmlns:p16="http://schemas.microsoft.com/office/powerpoint/2015/main" val="1"/>
-              </p:ext>
-            </p:extLst>
-          </p:nvPr>
-        </p:nvSpPr>
-        <p:spPr>
-          <a:xfrm>
-            <a:off x="643468" y="643466"/>
-            <a:ext cx="10905066" cy="4592561"/>
-          </a:xfrm>
-          <a:prstGeom prst="roundRect">
-            <a:avLst>
-              <a:gd name="adj" fmla="val 3513"/>
-            </a:avLst>
-          </a:prstGeom>
-          <a:solidFill>
-            <a:schemeClr val="tx1"/>
-          </a:solidFill>
-          <a:ln>
-            <a:solidFill>
-              <a:schemeClr val="accent1">
-                <a:lumMod val="75000"/>
-              </a:schemeClr>
-            </a:solidFill>
-          </a:ln>
-          <a:effectLst/>
-        </p:spPr>
-        <p:style>
-          <a:lnRef idx="2">
-            <a:schemeClr val="accent1">
-              <a:shade val="50000"/>
-            </a:schemeClr>
-          </a:lnRef>
-          <a:fillRef idx="1">
-            <a:schemeClr val="accent1"/>
-          </a:fillRef>
-          <a:effectRef idx="0">
-            <a:schemeClr val="accent1"/>
-          </a:effectRef>
-          <a:fontRef idx="minor">
-            <a:schemeClr val="lt1"/>
-          </a:fontRef>
-        </p:style>
-        <p:txBody>
-          <a:bodyPr rtlCol="0" anchor="ctr"/>
-          <a:lstStyle/>
-          <a:p>
-            <a:pPr algn="ctr"/>
-            <a:endParaRPr lang="en-US"/>
-          </a:p>
-        </p:txBody>
-      </p:sp>
-      <p:pic>
-        <p:nvPicPr>
-          <p:cNvPr id="5" name="Espace réservé du contenu 4">
-            <a:extLst>
-              <a:ext uri="{FF2B5EF4-FFF2-40B4-BE49-F238E27FC236}">
-                <a16:creationId xmlns:a16="http://schemas.microsoft.com/office/drawing/2014/main" id="{2E5104EC-39E4-4F20-993C-BE3F70AA9FA4}"/>
-              </a:ext>
-            </a:extLst>
-          </p:cNvPr>
-          <p:cNvPicPr>
-            <a:picLocks noGrp="1" noChangeAspect="1"/>
-          </p:cNvPicPr>
-          <p:nvPr>
-            <p:ph idx="1"/>
-          </p:nvPr>
-        </p:nvPicPr>
-        <p:blipFill>
-          <a:blip r:embed="rId2"/>
-          <a:stretch>
-            <a:fillRect/>
-          </a:stretch>
-        </p:blipFill>
-        <p:spPr>
-          <a:xfrm>
-            <a:off x="3023073" y="873202"/>
-            <a:ext cx="6145855" cy="4133088"/>
-          </a:xfrm>
-          <a:prstGeom prst="rect">
-            <a:avLst/>
-          </a:prstGeom>
-        </p:spPr>
-      </p:pic>
-      <p:sp>
-        <p:nvSpPr>
-          <p:cNvPr id="2" name="ZoneTexte 1">
-            <a:extLst>
-              <a:ext uri="{FF2B5EF4-FFF2-40B4-BE49-F238E27FC236}">
-                <a16:creationId xmlns:a16="http://schemas.microsoft.com/office/drawing/2014/main" id="{3DC7080A-FE9D-4144-89C7-83A54821F03E}"/>
-              </a:ext>
-            </a:extLst>
-          </p:cNvPr>
-          <p:cNvSpPr txBox="1"/>
-          <p:nvPr/>
-        </p:nvSpPr>
-        <p:spPr>
-          <a:xfrm>
-            <a:off x="1023458" y="6325299"/>
-            <a:ext cx="3204594" cy="369332"/>
-          </a:xfrm>
-          <a:prstGeom prst="rect">
-            <a:avLst/>
-          </a:prstGeom>
-          <a:noFill/>
-        </p:spPr>
-        <p:txBody>
-          <a:bodyPr wrap="square" rtlCol="0">
-            <a:spAutoFit/>
-          </a:bodyPr>
-          <a:lstStyle/>
-          <a:p>
-            <a:r>
-              <a:rPr lang="fr-FR" dirty="0"/>
-              <a:t>Diagramme de classe</a:t>
-            </a:r>
-          </a:p>
-        </p:txBody>
-      </p:sp>
-    </p:spTree>
-    <p:extLst>
-      <p:ext uri="{BB962C8B-B14F-4D97-AF65-F5344CB8AC3E}">
-        <p14:creationId xmlns:p14="http://schemas.microsoft.com/office/powerpoint/2010/main" val="2094185654"/>
       </p:ext>
     </p:extLst>
   </p:cSld>
@@ -11110,19 +14028,19 @@
 
 <file path=customXml/item1.xml><?xml version="1.0" encoding="utf-8"?>
 <Control xmlns="http://schemas.microsoft.com/VisualStudio/2011/storyboarding/control">
-  <Id Name="System.Storyboarding.Common.Text" Revision="1" Stencil="System.Storyboarding.Common" StencilVersion="0.1"/>
+  <Id Name="System.Storyboarding.WindowsApps.Share" Revision="1" Stencil="System.Storyboarding.WindowsApps" StencilVersion="0.1"/>
 </Control>
 </file>
 
 <file path=customXml/item2.xml><?xml version="1.0" encoding="utf-8"?>
 <Control xmlns="http://schemas.microsoft.com/VisualStudio/2011/storyboarding/control">
-  <Id Name="System.Storyboarding.WindowsApps.Share" Revision="1" Stencil="System.Storyboarding.WindowsApps" StencilVersion="0.1"/>
+  <Id Name="System.Storyboarding.Common.Text" Revision="1" Stencil="System.Storyboarding.Common" StencilVersion="0.1"/>
 </Control>
 </file>
 
 <file path=customXml/item3.xml><?xml version="1.0" encoding="utf-8"?>
 <Control xmlns="http://schemas.microsoft.com/VisualStudio/2011/storyboarding/control">
-  <Id Name="System.Storyboarding.WindowsApps.AppBar" Revision="1" Stencil="System.Storyboarding.WindowsApps" StencilVersion="0.1"/>
+  <Id Name="System.Storyboarding.Icons.ShoppingCart" Revision="1" Stencil="System.Storyboarding.Icons" StencilVersion="0.1"/>
 </Control>
 </file>
 
@@ -11134,11 +14052,19 @@
 
 <file path=customXml/item5.xml><?xml version="1.0" encoding="utf-8"?>
 <Control xmlns="http://schemas.microsoft.com/VisualStudio/2011/storyboarding/control">
-  <Id Name="System.Storyboarding.Icons.ShoppingCart" Revision="1" Stencil="System.Storyboarding.Icons" StencilVersion="0.1"/>
+  <Id Name="System.Storyboarding.WindowsApps.AppBar" Revision="1" Stencil="System.Storyboarding.WindowsApps" StencilVersion="0.1"/>
 </Control>
 </file>
 
 <file path=customXml/itemProps1.xml><?xml version="1.0" encoding="utf-8"?>
+<ds:datastoreItem xmlns:ds="http://schemas.openxmlformats.org/officeDocument/2006/customXml" ds:itemID="{91097976-5E66-41D8-ACC8-873151AB4E26}">
+  <ds:schemaRefs>
+    <ds:schemaRef ds:uri="http://schemas.microsoft.com/VisualStudio/2011/storyboarding/control"/>
+  </ds:schemaRefs>
+</ds:datastoreItem>
+</file>
+
+<file path=customXml/itemProps2.xml><?xml version="1.0" encoding="utf-8"?>
 <ds:datastoreItem xmlns:ds="http://schemas.openxmlformats.org/officeDocument/2006/customXml" ds:itemID="{A7EB2591-C851-4B19-B1F0-F52DEFA579ED}">
   <ds:schemaRefs>
     <ds:schemaRef ds:uri="http://schemas.microsoft.com/VisualStudio/2011/storyboarding/control"/>
@@ -11146,16 +14072,8 @@
 </ds:datastoreItem>
 </file>
 
-<file path=customXml/itemProps2.xml><?xml version="1.0" encoding="utf-8"?>
-<ds:datastoreItem xmlns:ds="http://schemas.openxmlformats.org/officeDocument/2006/customXml" ds:itemID="{91097976-5E66-41D8-ACC8-873151AB4E26}">
-  <ds:schemaRefs>
-    <ds:schemaRef ds:uri="http://schemas.microsoft.com/VisualStudio/2011/storyboarding/control"/>
-  </ds:schemaRefs>
-</ds:datastoreItem>
-</file>
-
 <file path=customXml/itemProps3.xml><?xml version="1.0" encoding="utf-8"?>
-<ds:datastoreItem xmlns:ds="http://schemas.openxmlformats.org/officeDocument/2006/customXml" ds:itemID="{35FB3D4A-92F3-4C3B-8298-A606444F704C}">
+<ds:datastoreItem xmlns:ds="http://schemas.openxmlformats.org/officeDocument/2006/customXml" ds:itemID="{B008DC4A-68C3-419C-8751-C37CC4556442}">
   <ds:schemaRefs>
     <ds:schemaRef ds:uri="http://schemas.microsoft.com/VisualStudio/2011/storyboarding/control"/>
   </ds:schemaRefs>
@@ -11171,7 +14089,7 @@
 </file>
 
 <file path=customXml/itemProps5.xml><?xml version="1.0" encoding="utf-8"?>
-<ds:datastoreItem xmlns:ds="http://schemas.openxmlformats.org/officeDocument/2006/customXml" ds:itemID="{B008DC4A-68C3-419C-8751-C37CC4556442}">
+<ds:datastoreItem xmlns:ds="http://schemas.openxmlformats.org/officeDocument/2006/customXml" ds:itemID="{35FB3D4A-92F3-4C3B-8298-A606444F704C}">
   <ds:schemaRefs>
     <ds:schemaRef ds:uri="http://schemas.microsoft.com/VisualStudio/2011/storyboarding/control"/>
   </ds:schemaRefs>
